--- a/Notes/VHDL_For_FPGA-Part2- Sequential Circuits.pptx
+++ b/Notes/VHDL_For_FPGA-Part2- Sequential Circuits.pptx
@@ -5,43 +5,44 @@
     <p:sldMasterId id="2147483648" r:id="rId1"/>
   </p:sldMasterIdLst>
   <p:notesMasterIdLst>
-    <p:notesMasterId r:id="rId36"/>
+    <p:notesMasterId r:id="rId37"/>
   </p:notesMasterIdLst>
   <p:sldIdLst>
     <p:sldId id="327" r:id="rId2"/>
-    <p:sldId id="328" r:id="rId3"/>
-    <p:sldId id="329" r:id="rId4"/>
-    <p:sldId id="330" r:id="rId5"/>
-    <p:sldId id="332" r:id="rId6"/>
-    <p:sldId id="331" r:id="rId7"/>
-    <p:sldId id="333" r:id="rId8"/>
-    <p:sldId id="335" r:id="rId9"/>
-    <p:sldId id="334" r:id="rId10"/>
-    <p:sldId id="336" r:id="rId11"/>
-    <p:sldId id="337" r:id="rId12"/>
-    <p:sldId id="338" r:id="rId13"/>
-    <p:sldId id="339" r:id="rId14"/>
-    <p:sldId id="340" r:id="rId15"/>
-    <p:sldId id="341" r:id="rId16"/>
-    <p:sldId id="342" r:id="rId17"/>
-    <p:sldId id="346" r:id="rId18"/>
-    <p:sldId id="344" r:id="rId19"/>
-    <p:sldId id="347" r:id="rId20"/>
-    <p:sldId id="348" r:id="rId21"/>
-    <p:sldId id="349" r:id="rId22"/>
-    <p:sldId id="350" r:id="rId23"/>
-    <p:sldId id="351" r:id="rId24"/>
-    <p:sldId id="345" r:id="rId25"/>
-    <p:sldId id="352" r:id="rId26"/>
-    <p:sldId id="354" r:id="rId27"/>
-    <p:sldId id="353" r:id="rId28"/>
-    <p:sldId id="355" r:id="rId29"/>
-    <p:sldId id="358" r:id="rId30"/>
-    <p:sldId id="356" r:id="rId31"/>
-    <p:sldId id="357" r:id="rId32"/>
-    <p:sldId id="359" r:id="rId33"/>
-    <p:sldId id="360" r:id="rId34"/>
-    <p:sldId id="279" r:id="rId35"/>
+    <p:sldId id="361" r:id="rId3"/>
+    <p:sldId id="328" r:id="rId4"/>
+    <p:sldId id="329" r:id="rId5"/>
+    <p:sldId id="330" r:id="rId6"/>
+    <p:sldId id="332" r:id="rId7"/>
+    <p:sldId id="331" r:id="rId8"/>
+    <p:sldId id="333" r:id="rId9"/>
+    <p:sldId id="335" r:id="rId10"/>
+    <p:sldId id="334" r:id="rId11"/>
+    <p:sldId id="336" r:id="rId12"/>
+    <p:sldId id="337" r:id="rId13"/>
+    <p:sldId id="338" r:id="rId14"/>
+    <p:sldId id="339" r:id="rId15"/>
+    <p:sldId id="340" r:id="rId16"/>
+    <p:sldId id="341" r:id="rId17"/>
+    <p:sldId id="342" r:id="rId18"/>
+    <p:sldId id="346" r:id="rId19"/>
+    <p:sldId id="344" r:id="rId20"/>
+    <p:sldId id="347" r:id="rId21"/>
+    <p:sldId id="348" r:id="rId22"/>
+    <p:sldId id="349" r:id="rId23"/>
+    <p:sldId id="350" r:id="rId24"/>
+    <p:sldId id="351" r:id="rId25"/>
+    <p:sldId id="345" r:id="rId26"/>
+    <p:sldId id="352" r:id="rId27"/>
+    <p:sldId id="354" r:id="rId28"/>
+    <p:sldId id="353" r:id="rId29"/>
+    <p:sldId id="355" r:id="rId30"/>
+    <p:sldId id="358" r:id="rId31"/>
+    <p:sldId id="356" r:id="rId32"/>
+    <p:sldId id="357" r:id="rId33"/>
+    <p:sldId id="359" r:id="rId34"/>
+    <p:sldId id="360" r:id="rId35"/>
+    <p:sldId id="279" r:id="rId36"/>
   </p:sldIdLst>
   <p:sldSz cx="12192000" cy="6858000"/>
   <p:notesSz cx="6858000" cy="9144000"/>
@@ -3711,205 +3712,42 @@
           <a:chExt cx="0" cy="0"/>
         </a:xfrm>
       </p:grpSpPr>
-      <p:sp>
-        <p:nvSpPr>
-          <p:cNvPr id="6" name="Rectangle 5">
-            <a:extLst>
-              <a:ext uri="{FF2B5EF4-FFF2-40B4-BE49-F238E27FC236}">
-                <a16:creationId xmlns:a16="http://schemas.microsoft.com/office/drawing/2014/main" id="{6065C712-A711-4B62-9B9F-4831D4AC878F}"/>
-              </a:ext>
-            </a:extLst>
-          </p:cNvPr>
-          <p:cNvSpPr/>
-          <p:nvPr/>
-        </p:nvSpPr>
-        <p:spPr>
-          <a:xfrm>
-            <a:off x="0" y="2285415"/>
-            <a:ext cx="12192000" cy="1627330"/>
-          </a:xfrm>
-          <a:prstGeom prst="rect">
-            <a:avLst/>
-          </a:prstGeom>
-          <a:solidFill>
-            <a:srgbClr val="171D2D"/>
-          </a:solidFill>
-          <a:ln>
-            <a:noFill/>
-          </a:ln>
-        </p:spPr>
-        <p:style>
-          <a:lnRef idx="2">
-            <a:schemeClr val="accent1">
-              <a:shade val="50000"/>
-            </a:schemeClr>
-          </a:lnRef>
-          <a:fillRef idx="1">
-            <a:schemeClr val="accent1"/>
-          </a:fillRef>
-          <a:effectRef idx="0">
-            <a:schemeClr val="accent1"/>
-          </a:effectRef>
-          <a:fontRef idx="minor">
-            <a:schemeClr val="lt1"/>
-          </a:fontRef>
-        </p:style>
-        <p:txBody>
-          <a:bodyPr rtlCol="0" anchor="ctr"/>
-          <a:lstStyle/>
-          <a:p>
-            <a:pPr algn="ctr"/>
-            <a:endParaRPr lang="en-US"/>
-          </a:p>
-        </p:txBody>
-      </p:sp>
-      <p:sp>
-        <p:nvSpPr>
-          <p:cNvPr id="4" name="TextBox 3">
-            <a:extLst>
-              <a:ext uri="{FF2B5EF4-FFF2-40B4-BE49-F238E27FC236}">
-                <a16:creationId xmlns:a16="http://schemas.microsoft.com/office/drawing/2014/main" id="{94F88A39-6281-4558-B08B-8FC2DC9F139D}"/>
-              </a:ext>
-            </a:extLst>
-          </p:cNvPr>
-          <p:cNvSpPr txBox="1"/>
-          <p:nvPr/>
-        </p:nvSpPr>
-        <p:spPr>
-          <a:xfrm>
-            <a:off x="923279" y="2545082"/>
-            <a:ext cx="10298096" cy="769441"/>
-          </a:xfrm>
-          <a:prstGeom prst="rect">
-            <a:avLst/>
-          </a:prstGeom>
-          <a:noFill/>
-          <a:effectLst>
-            <a:glow rad="63500">
-              <a:schemeClr val="accent5">
-                <a:satMod val="175000"/>
-                <a:alpha val="40000"/>
-              </a:schemeClr>
-            </a:glow>
-          </a:effectLst>
-        </p:spPr>
-        <p:txBody>
-          <a:bodyPr wrap="square" rtlCol="0">
-            <a:spAutoFit/>
-          </a:bodyPr>
-          <a:lstStyle/>
-          <a:p>
-            <a:pPr algn="ctr"/>
-            <a:r>
-              <a:rPr lang="en-US" sz="4400" dirty="0">
-                <a:solidFill>
-                  <a:srgbClr val="8F9799"/>
-                </a:solidFill>
-                <a:latin typeface="Courier New" panose="02070309020205020404" pitchFamily="49" charset="0"/>
-                <a:cs typeface="Courier New" panose="02070309020205020404" pitchFamily="49" charset="0"/>
-              </a:rPr>
-              <a:t>PART2:SEQUENTIAL CIRCUITS</a:t>
-            </a:r>
-          </a:p>
-        </p:txBody>
-      </p:sp>
-      <p:sp>
-        <p:nvSpPr>
-          <p:cNvPr id="5" name="TextBox 4">
-            <a:extLst>
-              <a:ext uri="{FF2B5EF4-FFF2-40B4-BE49-F238E27FC236}">
-                <a16:creationId xmlns:a16="http://schemas.microsoft.com/office/drawing/2014/main" id="{834E90A8-1831-4B0A-ABD6-7DDF4434D26A}"/>
-              </a:ext>
-            </a:extLst>
-          </p:cNvPr>
-          <p:cNvSpPr txBox="1"/>
-          <p:nvPr/>
-        </p:nvSpPr>
-        <p:spPr>
-          <a:xfrm>
-            <a:off x="1170806" y="4085328"/>
-            <a:ext cx="9831023" cy="1446550"/>
-          </a:xfrm>
-          <a:prstGeom prst="rect">
-            <a:avLst/>
-          </a:prstGeom>
-          <a:noFill/>
-          <a:effectLst>
-            <a:glow rad="63500">
-              <a:schemeClr val="accent5">
-                <a:satMod val="175000"/>
-                <a:alpha val="40000"/>
-              </a:schemeClr>
-            </a:glow>
-          </a:effectLst>
-        </p:spPr>
-        <p:txBody>
-          <a:bodyPr wrap="square" rtlCol="0">
-            <a:spAutoFit/>
-          </a:bodyPr>
-          <a:lstStyle/>
-          <a:p>
-            <a:r>
-              <a:rPr lang="en-US" sz="2200" b="1" dirty="0">
-                <a:solidFill>
-                  <a:srgbClr val="171D2D"/>
-                </a:solidFill>
-                <a:latin typeface="Courier New" panose="02070309020205020404" pitchFamily="49" charset="0"/>
-                <a:cs typeface="Courier New" panose="02070309020205020404" pitchFamily="49" charset="0"/>
-              </a:rPr>
-              <a:t>SEQUENTIAL CIRCUITS</a:t>
-            </a:r>
-          </a:p>
-          <a:p>
-            <a:pPr marL="342900" indent="-342900">
-              <a:buFont typeface="Arial" panose="020B0604020202020204" pitchFamily="34" charset="0"/>
-              <a:buChar char="•"/>
-            </a:pPr>
-            <a:r>
-              <a:rPr lang="en-US" sz="2200" dirty="0">
-                <a:solidFill>
-                  <a:srgbClr val="C00000"/>
-                </a:solidFill>
-                <a:latin typeface="Courier New" panose="02070309020205020404" pitchFamily="49" charset="0"/>
-                <a:cs typeface="Courier New" panose="02070309020205020404" pitchFamily="49" charset="0"/>
-              </a:rPr>
-              <a:t>Asynchronous sequential circuits : Latches</a:t>
-            </a:r>
-          </a:p>
-          <a:p>
-            <a:pPr marL="342900" indent="-342900">
-              <a:buFont typeface="Arial" panose="020B0604020202020204" pitchFamily="34" charset="0"/>
-              <a:buChar char="•"/>
-            </a:pPr>
-            <a:r>
-              <a:rPr lang="en-US" sz="2200" dirty="0">
-                <a:solidFill>
-                  <a:srgbClr val="C00000"/>
-                </a:solidFill>
-                <a:latin typeface="Courier New" panose="02070309020205020404" pitchFamily="49" charset="0"/>
-                <a:cs typeface="Courier New" panose="02070309020205020404" pitchFamily="49" charset="0"/>
-              </a:rPr>
-              <a:t>Synchronous circuits : flip flops , counters ,registers</a:t>
-            </a:r>
-          </a:p>
-          <a:p>
-            <a:pPr marL="342900" indent="-342900">
-              <a:buFont typeface="Arial" panose="020B0604020202020204" pitchFamily="34" charset="0"/>
-              <a:buChar char="•"/>
-            </a:pPr>
-            <a:r>
-              <a:rPr lang="en-US" sz="2200" dirty="0">
-                <a:solidFill>
-                  <a:srgbClr val="C00000"/>
-                </a:solidFill>
-                <a:latin typeface="Courier New" panose="02070309020205020404" pitchFamily="49" charset="0"/>
-                <a:cs typeface="Courier New" panose="02070309020205020404" pitchFamily="49" charset="0"/>
-              </a:rPr>
-              <a:t>Testbench : Generating clock stimulus</a:t>
-            </a:r>
-          </a:p>
-        </p:txBody>
-      </p:sp>
+      <p:pic>
+        <p:nvPicPr>
+          <p:cNvPr id="3" name="Picture 2">
+            <a:extLst>
+              <a:ext uri="{FF2B5EF4-FFF2-40B4-BE49-F238E27FC236}">
+                <a16:creationId xmlns:a16="http://schemas.microsoft.com/office/drawing/2014/main" id="{97B5F596-A24E-44FE-AD9D-164677AD1C4D}"/>
+              </a:ext>
+            </a:extLst>
+          </p:cNvPr>
+          <p:cNvPicPr>
+            <a:picLocks noChangeAspect="1"/>
+          </p:cNvPicPr>
+          <p:nvPr/>
+        </p:nvPicPr>
+        <p:blipFill>
+          <a:blip r:embed="rId2">
+            <a:extLst>
+              <a:ext uri="{28A0092B-C50C-407E-A947-70E740481C1C}">
+                <a14:useLocalDpi xmlns:a14="http://schemas.microsoft.com/office/drawing/2010/main" val="0"/>
+              </a:ext>
+            </a:extLst>
+          </a:blip>
+          <a:stretch>
+            <a:fillRect/>
+          </a:stretch>
+        </p:blipFill>
+        <p:spPr>
+          <a:xfrm>
+            <a:off x="0" y="0"/>
+            <a:ext cx="12192000" cy="6858000"/>
+          </a:xfrm>
+          <a:prstGeom prst="rect">
+            <a:avLst/>
+          </a:prstGeom>
+        </p:spPr>
+      </p:pic>
     </p:spTree>
     <p:extLst>
       <p:ext uri="{BB962C8B-B14F-4D97-AF65-F5344CB8AC3E}">
@@ -4075,97 +3913,7 @@
                 </a:solidFill>
                 <a:latin typeface="Bahnschrift Light Condensed" panose="020B0502040204020203" pitchFamily="34" charset="0"/>
               </a:rPr>
-              <a:t>D Flip Flop</a:t>
-            </a:r>
-          </a:p>
-        </p:txBody>
-      </p:sp>
-      <p:sp>
-        <p:nvSpPr>
-          <p:cNvPr id="9" name="TextBox 8">
-            <a:extLst>
-              <a:ext uri="{FF2B5EF4-FFF2-40B4-BE49-F238E27FC236}">
-                <a16:creationId xmlns:a16="http://schemas.microsoft.com/office/drawing/2014/main" id="{66CE2A1B-9E32-479A-BFD8-C2EC08EDCB4A}"/>
-              </a:ext>
-            </a:extLst>
-          </p:cNvPr>
-          <p:cNvSpPr txBox="1"/>
-          <p:nvPr/>
-        </p:nvSpPr>
-        <p:spPr>
-          <a:xfrm>
-            <a:off x="6515619" y="4753464"/>
-            <a:ext cx="5048023" cy="969496"/>
-          </a:xfrm>
-          <a:prstGeom prst="rect">
-            <a:avLst/>
-          </a:prstGeom>
-          <a:noFill/>
-          <a:ln>
-            <a:solidFill>
-              <a:schemeClr val="accent2">
-                <a:lumMod val="75000"/>
-              </a:schemeClr>
-            </a:solidFill>
-          </a:ln>
-        </p:spPr>
-        <p:txBody>
-          <a:bodyPr wrap="square">
-            <a:spAutoFit/>
-          </a:bodyPr>
-          <a:lstStyle/>
-          <a:p>
-            <a:pPr marL="342900" indent="-342900">
-              <a:buFont typeface="Arial" panose="020B0604020202020204" pitchFamily="34" charset="0"/>
-              <a:buChar char="•"/>
-            </a:pPr>
-            <a:r>
-              <a:rPr lang="en-US" sz="1900" b="1" i="0" u="none" strike="noStrike" baseline="0" dirty="0">
-                <a:latin typeface="Arial" panose="020B0604020202020204" pitchFamily="34" charset="0"/>
-                <a:cs typeface="Arial" panose="020B0604020202020204" pitchFamily="34" charset="0"/>
-              </a:rPr>
-              <a:t>Note</a:t>
-            </a:r>
-            <a:r>
-              <a:rPr lang="en-US" sz="1900" b="0" i="0" u="none" strike="noStrike" baseline="0" dirty="0">
-                <a:latin typeface="Arial" panose="020B0604020202020204" pitchFamily="34" charset="0"/>
-                <a:cs typeface="Arial" panose="020B0604020202020204" pitchFamily="34" charset="0"/>
-              </a:rPr>
-              <a:t>: Signal </a:t>
-            </a:r>
-            <a:r>
-              <a:rPr lang="en-US" sz="1900" b="0" i="0" u="none" strike="noStrike" baseline="0" dirty="0">
-                <a:solidFill>
-                  <a:srgbClr val="C00000"/>
-                </a:solidFill>
-                <a:latin typeface="Courier New" panose="02070309020205020404" pitchFamily="49" charset="0"/>
-                <a:cs typeface="Courier New" panose="02070309020205020404" pitchFamily="49" charset="0"/>
-              </a:rPr>
-              <a:t>qt</a:t>
-            </a:r>
-            <a:r>
-              <a:rPr lang="en-US" sz="1900" b="0" i="0" u="none" strike="noStrike" baseline="0" dirty="0">
-                <a:latin typeface="Arial" panose="020B0604020202020204" pitchFamily="34" charset="0"/>
-                <a:cs typeface="Arial" panose="020B0604020202020204" pitchFamily="34" charset="0"/>
-              </a:rPr>
-              <a:t> is needed. In VHDL, </a:t>
-            </a:r>
-            <a:r>
-              <a:rPr lang="en-US" sz="1900" b="0" i="0" u="none" strike="noStrike" baseline="0" dirty="0">
-                <a:highlight>
-                  <a:srgbClr val="FFFF00"/>
-                </a:highlight>
-                <a:latin typeface="Arial" panose="020B0604020202020204" pitchFamily="34" charset="0"/>
-                <a:cs typeface="Arial" panose="020B0604020202020204" pitchFamily="34" charset="0"/>
-              </a:rPr>
-              <a:t>we cannot feedback an output </a:t>
-            </a:r>
-            <a:r>
-              <a:rPr lang="en-US" sz="1900" b="0" i="0" u="none" strike="noStrike" baseline="0" dirty="0">
-                <a:latin typeface="Arial" panose="020B0604020202020204" pitchFamily="34" charset="0"/>
-                <a:cs typeface="Arial" panose="020B0604020202020204" pitchFamily="34" charset="0"/>
-              </a:rPr>
-              <a:t>(in this case q) as an input of the circuit</a:t>
+              <a:t>SR Flip Flop</a:t>
             </a:r>
           </a:p>
         </p:txBody>
@@ -4175,7 +3923,7 @@
           <p:cNvPr id="3" name="Picture 2">
             <a:extLst>
               <a:ext uri="{FF2B5EF4-FFF2-40B4-BE49-F238E27FC236}">
-                <a16:creationId xmlns:a16="http://schemas.microsoft.com/office/drawing/2014/main" id="{F9DD6F97-9C7A-48D5-A00F-C5AB3C59B0A0}"/>
+                <a16:creationId xmlns:a16="http://schemas.microsoft.com/office/drawing/2014/main" id="{3DD5E9DD-337C-45C8-87F3-42CAF59B8BC9}"/>
               </a:ext>
             </a:extLst>
           </p:cNvPr>
@@ -4192,8 +3940,8 @@
         </p:blipFill>
         <p:spPr>
           <a:xfrm>
-            <a:off x="609600" y="1732304"/>
-            <a:ext cx="2650693" cy="1390723"/>
+            <a:off x="665123" y="1779684"/>
+            <a:ext cx="4272638" cy="1649316"/>
           </a:xfrm>
           <a:prstGeom prst="rect">
             <a:avLst/>
@@ -4205,7 +3953,7 @@
           <p:cNvPr id="7" name="Picture 6">
             <a:extLst>
               <a:ext uri="{FF2B5EF4-FFF2-40B4-BE49-F238E27FC236}">
-                <a16:creationId xmlns:a16="http://schemas.microsoft.com/office/drawing/2014/main" id="{15675218-702E-4D85-899A-C6103643DA78}"/>
+                <a16:creationId xmlns:a16="http://schemas.microsoft.com/office/drawing/2014/main" id="{758A3421-4A56-435D-94DA-36057C12C18D}"/>
               </a:ext>
             </a:extLst>
           </p:cNvPr>
@@ -4222,77 +3970,99 @@
         </p:blipFill>
         <p:spPr>
           <a:xfrm>
-            <a:off x="3485927" y="1732304"/>
-            <a:ext cx="2279039" cy="1417019"/>
+            <a:off x="529251" y="4118473"/>
+            <a:ext cx="4540441" cy="1645764"/>
           </a:xfrm>
           <a:prstGeom prst="rect">
             <a:avLst/>
           </a:prstGeom>
         </p:spPr>
       </p:pic>
-      <p:pic>
-        <p:nvPicPr>
-          <p:cNvPr id="10" name="Picture 9">
-            <a:extLst>
-              <a:ext uri="{FF2B5EF4-FFF2-40B4-BE49-F238E27FC236}">
-                <a16:creationId xmlns:a16="http://schemas.microsoft.com/office/drawing/2014/main" id="{77D717A6-37F9-4A30-B69C-23B1DF21AF03}"/>
-              </a:ext>
-            </a:extLst>
-          </p:cNvPr>
-          <p:cNvPicPr>
-            <a:picLocks noChangeAspect="1"/>
-          </p:cNvPicPr>
-          <p:nvPr/>
-        </p:nvPicPr>
-        <p:blipFill rotWithShape="1">
-          <a:blip r:embed="rId4"/>
-          <a:srcRect l="4090" t="10919" r="2601" b="15578"/>
-          <a:stretch/>
-        </p:blipFill>
-        <p:spPr>
-          <a:xfrm>
-            <a:off x="375234" y="3758616"/>
-            <a:ext cx="5770117" cy="1946534"/>
-          </a:xfrm>
-          <a:prstGeom prst="rect">
-            <a:avLst/>
-          </a:prstGeom>
-        </p:spPr>
-      </p:pic>
-      <p:pic>
-        <p:nvPicPr>
-          <p:cNvPr id="12" name="Picture 11">
-            <a:extLst>
-              <a:ext uri="{FF2B5EF4-FFF2-40B4-BE49-F238E27FC236}">
-                <a16:creationId xmlns:a16="http://schemas.microsoft.com/office/drawing/2014/main" id="{5A545360-1589-4A84-A17A-E26CDCC12EB7}"/>
-              </a:ext>
-            </a:extLst>
-          </p:cNvPr>
-          <p:cNvPicPr>
-            <a:picLocks noChangeAspect="1"/>
-          </p:cNvPicPr>
-          <p:nvPr/>
-        </p:nvPicPr>
-        <p:blipFill>
-          <a:blip r:embed="rId5"/>
-          <a:stretch>
-            <a:fillRect/>
-          </a:stretch>
-        </p:blipFill>
-        <p:spPr>
-          <a:xfrm>
-            <a:off x="6515620" y="1716396"/>
-            <a:ext cx="5355168" cy="2728748"/>
-          </a:xfrm>
-          <a:prstGeom prst="rect">
-            <a:avLst/>
-          </a:prstGeom>
-        </p:spPr>
-      </p:pic>
+      <p:grpSp>
+        <p:nvGrpSpPr>
+          <p:cNvPr id="16" name="Group 15">
+            <a:extLst>
+              <a:ext uri="{FF2B5EF4-FFF2-40B4-BE49-F238E27FC236}">
+                <a16:creationId xmlns:a16="http://schemas.microsoft.com/office/drawing/2014/main" id="{71454EF1-8DF1-4E4D-9C42-CE8CC461DE01}"/>
+              </a:ext>
+            </a:extLst>
+          </p:cNvPr>
+          <p:cNvGrpSpPr/>
+          <p:nvPr/>
+        </p:nvGrpSpPr>
+        <p:grpSpPr>
+          <a:xfrm>
+            <a:off x="5317587" y="1779684"/>
+            <a:ext cx="6583679" cy="3880721"/>
+            <a:chOff x="5488027" y="2280928"/>
+            <a:chExt cx="6038850" cy="3562350"/>
+          </a:xfrm>
+        </p:grpSpPr>
+        <p:pic>
+          <p:nvPicPr>
+            <p:cNvPr id="12" name="Picture 11">
+              <a:extLst>
+                <a:ext uri="{FF2B5EF4-FFF2-40B4-BE49-F238E27FC236}">
+                  <a16:creationId xmlns:a16="http://schemas.microsoft.com/office/drawing/2014/main" id="{AADD0D90-D504-4CD9-9314-10C9F7AE1E6D}"/>
+                </a:ext>
+              </a:extLst>
+            </p:cNvPr>
+            <p:cNvPicPr>
+              <a:picLocks noChangeAspect="1"/>
+            </p:cNvPicPr>
+            <p:nvPr/>
+          </p:nvPicPr>
+          <p:blipFill>
+            <a:blip r:embed="rId4"/>
+            <a:stretch>
+              <a:fillRect/>
+            </a:stretch>
+          </p:blipFill>
+          <p:spPr>
+            <a:xfrm>
+              <a:off x="5488027" y="2280928"/>
+              <a:ext cx="6038850" cy="3562350"/>
+            </a:xfrm>
+            <a:prstGeom prst="rect">
+              <a:avLst/>
+            </a:prstGeom>
+          </p:spPr>
+        </p:pic>
+        <p:pic>
+          <p:nvPicPr>
+            <p:cNvPr id="15" name="Picture 14">
+              <a:extLst>
+                <a:ext uri="{FF2B5EF4-FFF2-40B4-BE49-F238E27FC236}">
+                  <a16:creationId xmlns:a16="http://schemas.microsoft.com/office/drawing/2014/main" id="{142E62F3-8FC4-4240-8471-3DFC1B531929}"/>
+                </a:ext>
+              </a:extLst>
+            </p:cNvPr>
+            <p:cNvPicPr>
+              <a:picLocks noChangeAspect="1"/>
+            </p:cNvPicPr>
+            <p:nvPr/>
+          </p:nvPicPr>
+          <p:blipFill>
+            <a:blip r:embed="rId5"/>
+            <a:stretch>
+              <a:fillRect/>
+            </a:stretch>
+          </p:blipFill>
+          <p:spPr>
+            <a:xfrm>
+              <a:off x="5488027" y="3699804"/>
+              <a:ext cx="2178865" cy="1319418"/>
+            </a:xfrm>
+            <a:prstGeom prst="rect">
+              <a:avLst/>
+            </a:prstGeom>
+          </p:spPr>
+        </p:pic>
+      </p:grpSp>
     </p:spTree>
     <p:extLst>
       <p:ext uri="{BB962C8B-B14F-4D97-AF65-F5344CB8AC3E}">
-        <p14:creationId xmlns:p14="http://schemas.microsoft.com/office/powerpoint/2010/main" val="619719690"/>
+        <p14:creationId xmlns:p14="http://schemas.microsoft.com/office/powerpoint/2010/main" val="3791027240"/>
       </p:ext>
     </p:extLst>
   </p:cSld>
@@ -4433,8 +4203,8 @@
         </p:nvSpPr>
         <p:spPr>
           <a:xfrm>
-            <a:off x="661182" y="971187"/>
-            <a:ext cx="8102989" cy="584775"/>
+            <a:off x="661183" y="971187"/>
+            <a:ext cx="4276578" cy="584775"/>
           </a:xfrm>
           <a:prstGeom prst="rect">
             <a:avLst/>
@@ -4454,27 +4224,7 @@
                 </a:solidFill>
                 <a:latin typeface="Bahnschrift Light Condensed" panose="020B0502040204020203" pitchFamily="34" charset="0"/>
               </a:rPr>
-              <a:t>D Flip Flop with asynchronous inputs: </a:t>
-            </a:r>
-            <a:r>
-              <a:rPr lang="en-US" sz="3200" dirty="0" err="1">
-                <a:solidFill>
-                  <a:srgbClr val="C00000"/>
-                </a:solidFill>
-                <a:latin typeface="Courier New" panose="02070309020205020404" pitchFamily="49" charset="0"/>
-                <a:cs typeface="Courier New" panose="02070309020205020404" pitchFamily="49" charset="0"/>
-              </a:rPr>
-              <a:t>clrn</a:t>
-            </a:r>
-            <a:r>
-              <a:rPr lang="en-US" sz="3200" dirty="0">
-                <a:solidFill>
-                  <a:srgbClr val="C00000"/>
-                </a:solidFill>
-                <a:latin typeface="Courier New" panose="02070309020205020404" pitchFamily="49" charset="0"/>
-                <a:cs typeface="Courier New" panose="02070309020205020404" pitchFamily="49" charset="0"/>
-              </a:rPr>
-              <a:t>, prn</a:t>
+              <a:t>D Flip Flop</a:t>
             </a:r>
           </a:p>
         </p:txBody>
@@ -4493,13 +4243,20 @@
         </p:nvSpPr>
         <p:spPr>
           <a:xfrm>
-            <a:off x="661182" y="1555962"/>
-            <a:ext cx="8510953" cy="969496"/>
+            <a:off x="6515619" y="4753464"/>
+            <a:ext cx="5048023" cy="969496"/>
           </a:xfrm>
           <a:prstGeom prst="rect">
             <a:avLst/>
           </a:prstGeom>
           <a:noFill/>
+          <a:ln>
+            <a:solidFill>
+              <a:schemeClr val="accent2">
+                <a:lumMod val="75000"/>
+              </a:schemeClr>
+            </a:solidFill>
+          </a:ln>
         </p:spPr>
         <p:txBody>
           <a:bodyPr wrap="square">
@@ -4508,28 +4265,56 @@
           <a:lstStyle/>
           <a:p>
             <a:pPr marL="342900" indent="-342900">
-              <a:buFont typeface="Wingdings" panose="05000000000000000000" pitchFamily="2" charset="2"/>
-              <a:buChar char="§"/>
+              <a:buFont typeface="Arial" panose="020B0604020202020204" pitchFamily="34" charset="0"/>
+              <a:buChar char="•"/>
             </a:pPr>
+            <a:r>
+              <a:rPr lang="en-US" sz="1900" b="1" i="0" u="none" strike="noStrike" baseline="0" dirty="0">
+                <a:latin typeface="Arial" panose="020B0604020202020204" pitchFamily="34" charset="0"/>
+                <a:cs typeface="Arial" panose="020B0604020202020204" pitchFamily="34" charset="0"/>
+              </a:rPr>
+              <a:t>Note</a:t>
+            </a:r>
             <a:r>
               <a:rPr lang="en-US" sz="1900" b="0" i="0" u="none" strike="noStrike" baseline="0" dirty="0">
                 <a:latin typeface="Arial" panose="020B0604020202020204" pitchFamily="34" charset="0"/>
                 <a:cs typeface="Arial" panose="020B0604020202020204" pitchFamily="34" charset="0"/>
               </a:rPr>
-              <a:t>These inputs force the outputs to a value immediately.</a:t>
-            </a:r>
-          </a:p>
-          <a:p>
-            <a:pPr marL="342900" indent="-342900">
-              <a:buFont typeface="Wingdings" panose="05000000000000000000" pitchFamily="2" charset="2"/>
-              <a:buChar char="§"/>
-            </a:pPr>
+              <a:t>: Signal </a:t>
+            </a:r>
+            <a:r>
+              <a:rPr lang="en-US" sz="1900" b="0" i="0" u="none" strike="noStrike" baseline="0" dirty="0">
+                <a:solidFill>
+                  <a:srgbClr val="C00000"/>
+                </a:solidFill>
+                <a:latin typeface="Courier New" panose="02070309020205020404" pitchFamily="49" charset="0"/>
+                <a:cs typeface="Courier New" panose="02070309020205020404" pitchFamily="49" charset="0"/>
+              </a:rPr>
+              <a:t>qt</a:t>
+            </a:r>
             <a:r>
               <a:rPr lang="en-US" sz="1900" b="0" i="0" u="none" strike="noStrike" baseline="0" dirty="0">
                 <a:latin typeface="Arial" panose="020B0604020202020204" pitchFamily="34" charset="0"/>
                 <a:cs typeface="Arial" panose="020B0604020202020204" pitchFamily="34" charset="0"/>
               </a:rPr>
-              <a:t>This is a useful feature if we want to initialize the circuit with no regards to the rising (or falling) clock edge</a:t>
+              <a:t> is needed. In VHDL, </a:t>
+            </a:r>
+            <a:r>
+              <a:rPr lang="en-US" sz="1900" b="0" i="0" u="none" strike="noStrike" baseline="0" dirty="0">
+                <a:highlight>
+                  <a:srgbClr val="FFFF00"/>
+                </a:highlight>
+                <a:latin typeface="Arial" panose="020B0604020202020204" pitchFamily="34" charset="0"/>
+                <a:cs typeface="Arial" panose="020B0604020202020204" pitchFamily="34" charset="0"/>
+              </a:rPr>
+              <a:t>we cannot feedback an output </a:t>
+            </a:r>
+            <a:r>
+              <a:rPr lang="en-US" sz="1900" b="0" i="0" u="none" strike="noStrike" baseline="0" dirty="0">
+                <a:latin typeface="Arial" panose="020B0604020202020204" pitchFamily="34" charset="0"/>
+                <a:cs typeface="Arial" panose="020B0604020202020204" pitchFamily="34" charset="0"/>
+              </a:rPr>
+              <a:t>(in this case q) as an input of the circuit</a:t>
             </a:r>
           </a:p>
         </p:txBody>
@@ -4539,7 +4324,7 @@
           <p:cNvPr id="3" name="Picture 2">
             <a:extLst>
               <a:ext uri="{FF2B5EF4-FFF2-40B4-BE49-F238E27FC236}">
-                <a16:creationId xmlns:a16="http://schemas.microsoft.com/office/drawing/2014/main" id="{59FE2325-ABBB-4CF2-95CF-D9DA69F7846C}"/>
+                <a16:creationId xmlns:a16="http://schemas.microsoft.com/office/drawing/2014/main" id="{F9DD6F97-9C7A-48D5-A00F-C5AB3C59B0A0}"/>
               </a:ext>
             </a:extLst>
           </p:cNvPr>
@@ -4556,8 +4341,8 @@
         </p:blipFill>
         <p:spPr>
           <a:xfrm>
-            <a:off x="1437058" y="2884967"/>
-            <a:ext cx="2702753" cy="788303"/>
+            <a:off x="609600" y="1732304"/>
+            <a:ext cx="2650693" cy="1390723"/>
           </a:xfrm>
           <a:prstGeom prst="rect">
             <a:avLst/>
@@ -4569,7 +4354,7 @@
           <p:cNvPr id="7" name="Picture 6">
             <a:extLst>
               <a:ext uri="{FF2B5EF4-FFF2-40B4-BE49-F238E27FC236}">
-                <a16:creationId xmlns:a16="http://schemas.microsoft.com/office/drawing/2014/main" id="{26F1B992-B365-4EC3-A150-D700FE522932}"/>
+                <a16:creationId xmlns:a16="http://schemas.microsoft.com/office/drawing/2014/main" id="{15675218-702E-4D85-899A-C6103643DA78}"/>
               </a:ext>
             </a:extLst>
           </p:cNvPr>
@@ -4586,8 +4371,8 @@
         </p:blipFill>
         <p:spPr>
           <a:xfrm>
-            <a:off x="1439078" y="3905276"/>
-            <a:ext cx="2698715" cy="2199393"/>
+            <a:off x="3485927" y="1732304"/>
+            <a:ext cx="2279039" cy="1417019"/>
           </a:xfrm>
           <a:prstGeom prst="rect">
             <a:avLst/>
@@ -4599,7 +4384,7 @@
           <p:cNvPr id="10" name="Picture 9">
             <a:extLst>
               <a:ext uri="{FF2B5EF4-FFF2-40B4-BE49-F238E27FC236}">
-                <a16:creationId xmlns:a16="http://schemas.microsoft.com/office/drawing/2014/main" id="{834D5893-1DA2-491C-A46B-C29C54FA2DCA}"/>
+                <a16:creationId xmlns:a16="http://schemas.microsoft.com/office/drawing/2014/main" id="{77D717A6-37F9-4A30-B69C-23B1DF21AF03}"/>
               </a:ext>
             </a:extLst>
           </p:cNvPr>
@@ -4608,16 +4393,45 @@
           </p:cNvPicPr>
           <p:nvPr/>
         </p:nvPicPr>
+        <p:blipFill rotWithShape="1">
+          <a:blip r:embed="rId4"/>
+          <a:srcRect l="4090" t="10919" r="2601" b="15578"/>
+          <a:stretch/>
+        </p:blipFill>
+        <p:spPr>
+          <a:xfrm>
+            <a:off x="375234" y="3758616"/>
+            <a:ext cx="5770117" cy="1946534"/>
+          </a:xfrm>
+          <a:prstGeom prst="rect">
+            <a:avLst/>
+          </a:prstGeom>
+        </p:spPr>
+      </p:pic>
+      <p:pic>
+        <p:nvPicPr>
+          <p:cNvPr id="12" name="Picture 11">
+            <a:extLst>
+              <a:ext uri="{FF2B5EF4-FFF2-40B4-BE49-F238E27FC236}">
+                <a16:creationId xmlns:a16="http://schemas.microsoft.com/office/drawing/2014/main" id="{5A545360-1589-4A84-A17A-E26CDCC12EB7}"/>
+              </a:ext>
+            </a:extLst>
+          </p:cNvPr>
+          <p:cNvPicPr>
+            <a:picLocks noChangeAspect="1"/>
+          </p:cNvPicPr>
+          <p:nvPr/>
+        </p:nvPicPr>
         <p:blipFill>
-          <a:blip r:embed="rId4"/>
+          <a:blip r:embed="rId5"/>
           <a:stretch>
             <a:fillRect/>
           </a:stretch>
         </p:blipFill>
         <p:spPr>
           <a:xfrm>
-            <a:off x="5155809" y="2913409"/>
-            <a:ext cx="4867422" cy="2973404"/>
+            <a:off x="6515620" y="1716396"/>
+            <a:ext cx="5355168" cy="2728748"/>
           </a:xfrm>
           <a:prstGeom prst="rect">
             <a:avLst/>
@@ -4627,7 +4441,7 @@
     </p:spTree>
     <p:extLst>
       <p:ext uri="{BB962C8B-B14F-4D97-AF65-F5344CB8AC3E}">
-        <p14:creationId xmlns:p14="http://schemas.microsoft.com/office/powerpoint/2010/main" val="3549094641"/>
+        <p14:creationId xmlns:p14="http://schemas.microsoft.com/office/powerpoint/2010/main" val="619719690"/>
       </p:ext>
     </p:extLst>
   </p:cSld>
@@ -4789,6 +4603,341 @@
                 </a:solidFill>
                 <a:latin typeface="Bahnschrift Light Condensed" panose="020B0502040204020203" pitchFamily="34" charset="0"/>
               </a:rPr>
+              <a:t>D Flip Flop with asynchronous inputs: </a:t>
+            </a:r>
+            <a:r>
+              <a:rPr lang="en-US" sz="3200" dirty="0" err="1">
+                <a:solidFill>
+                  <a:srgbClr val="C00000"/>
+                </a:solidFill>
+                <a:latin typeface="Courier New" panose="02070309020205020404" pitchFamily="49" charset="0"/>
+                <a:cs typeface="Courier New" panose="02070309020205020404" pitchFamily="49" charset="0"/>
+              </a:rPr>
+              <a:t>clrn</a:t>
+            </a:r>
+            <a:r>
+              <a:rPr lang="en-US" sz="3200" dirty="0">
+                <a:solidFill>
+                  <a:srgbClr val="C00000"/>
+                </a:solidFill>
+                <a:latin typeface="Courier New" panose="02070309020205020404" pitchFamily="49" charset="0"/>
+                <a:cs typeface="Courier New" panose="02070309020205020404" pitchFamily="49" charset="0"/>
+              </a:rPr>
+              <a:t>, prn</a:t>
+            </a:r>
+          </a:p>
+        </p:txBody>
+      </p:sp>
+      <p:sp>
+        <p:nvSpPr>
+          <p:cNvPr id="9" name="TextBox 8">
+            <a:extLst>
+              <a:ext uri="{FF2B5EF4-FFF2-40B4-BE49-F238E27FC236}">
+                <a16:creationId xmlns:a16="http://schemas.microsoft.com/office/drawing/2014/main" id="{66CE2A1B-9E32-479A-BFD8-C2EC08EDCB4A}"/>
+              </a:ext>
+            </a:extLst>
+          </p:cNvPr>
+          <p:cNvSpPr txBox="1"/>
+          <p:nvPr/>
+        </p:nvSpPr>
+        <p:spPr>
+          <a:xfrm>
+            <a:off x="661182" y="1555962"/>
+            <a:ext cx="8510953" cy="969496"/>
+          </a:xfrm>
+          <a:prstGeom prst="rect">
+            <a:avLst/>
+          </a:prstGeom>
+          <a:noFill/>
+        </p:spPr>
+        <p:txBody>
+          <a:bodyPr wrap="square">
+            <a:spAutoFit/>
+          </a:bodyPr>
+          <a:lstStyle/>
+          <a:p>
+            <a:pPr marL="342900" indent="-342900">
+              <a:buFont typeface="Wingdings" panose="05000000000000000000" pitchFamily="2" charset="2"/>
+              <a:buChar char="§"/>
+            </a:pPr>
+            <a:r>
+              <a:rPr lang="en-US" sz="1900" b="0" i="0" u="none" strike="noStrike" baseline="0" dirty="0">
+                <a:latin typeface="Arial" panose="020B0604020202020204" pitchFamily="34" charset="0"/>
+                <a:cs typeface="Arial" panose="020B0604020202020204" pitchFamily="34" charset="0"/>
+              </a:rPr>
+              <a:t>These inputs force the outputs to a value immediately.</a:t>
+            </a:r>
+          </a:p>
+          <a:p>
+            <a:pPr marL="342900" indent="-342900">
+              <a:buFont typeface="Wingdings" panose="05000000000000000000" pitchFamily="2" charset="2"/>
+              <a:buChar char="§"/>
+            </a:pPr>
+            <a:r>
+              <a:rPr lang="en-US" sz="1900" b="0" i="0" u="none" strike="noStrike" baseline="0" dirty="0">
+                <a:latin typeface="Arial" panose="020B0604020202020204" pitchFamily="34" charset="0"/>
+                <a:cs typeface="Arial" panose="020B0604020202020204" pitchFamily="34" charset="0"/>
+              </a:rPr>
+              <a:t>This is a useful feature if we want to initialize the circuit with no regards to the rising (or falling) clock edge</a:t>
+            </a:r>
+          </a:p>
+        </p:txBody>
+      </p:sp>
+      <p:pic>
+        <p:nvPicPr>
+          <p:cNvPr id="3" name="Picture 2">
+            <a:extLst>
+              <a:ext uri="{FF2B5EF4-FFF2-40B4-BE49-F238E27FC236}">
+                <a16:creationId xmlns:a16="http://schemas.microsoft.com/office/drawing/2014/main" id="{59FE2325-ABBB-4CF2-95CF-D9DA69F7846C}"/>
+              </a:ext>
+            </a:extLst>
+          </p:cNvPr>
+          <p:cNvPicPr>
+            <a:picLocks noChangeAspect="1"/>
+          </p:cNvPicPr>
+          <p:nvPr/>
+        </p:nvPicPr>
+        <p:blipFill>
+          <a:blip r:embed="rId2"/>
+          <a:stretch>
+            <a:fillRect/>
+          </a:stretch>
+        </p:blipFill>
+        <p:spPr>
+          <a:xfrm>
+            <a:off x="1437058" y="2884967"/>
+            <a:ext cx="2702753" cy="788303"/>
+          </a:xfrm>
+          <a:prstGeom prst="rect">
+            <a:avLst/>
+          </a:prstGeom>
+        </p:spPr>
+      </p:pic>
+      <p:pic>
+        <p:nvPicPr>
+          <p:cNvPr id="7" name="Picture 6">
+            <a:extLst>
+              <a:ext uri="{FF2B5EF4-FFF2-40B4-BE49-F238E27FC236}">
+                <a16:creationId xmlns:a16="http://schemas.microsoft.com/office/drawing/2014/main" id="{26F1B992-B365-4EC3-A150-D700FE522932}"/>
+              </a:ext>
+            </a:extLst>
+          </p:cNvPr>
+          <p:cNvPicPr>
+            <a:picLocks noChangeAspect="1"/>
+          </p:cNvPicPr>
+          <p:nvPr/>
+        </p:nvPicPr>
+        <p:blipFill>
+          <a:blip r:embed="rId3"/>
+          <a:stretch>
+            <a:fillRect/>
+          </a:stretch>
+        </p:blipFill>
+        <p:spPr>
+          <a:xfrm>
+            <a:off x="1439078" y="3905276"/>
+            <a:ext cx="2698715" cy="2199393"/>
+          </a:xfrm>
+          <a:prstGeom prst="rect">
+            <a:avLst/>
+          </a:prstGeom>
+        </p:spPr>
+      </p:pic>
+      <p:pic>
+        <p:nvPicPr>
+          <p:cNvPr id="10" name="Picture 9">
+            <a:extLst>
+              <a:ext uri="{FF2B5EF4-FFF2-40B4-BE49-F238E27FC236}">
+                <a16:creationId xmlns:a16="http://schemas.microsoft.com/office/drawing/2014/main" id="{834D5893-1DA2-491C-A46B-C29C54FA2DCA}"/>
+              </a:ext>
+            </a:extLst>
+          </p:cNvPr>
+          <p:cNvPicPr>
+            <a:picLocks noChangeAspect="1"/>
+          </p:cNvPicPr>
+          <p:nvPr/>
+        </p:nvPicPr>
+        <p:blipFill>
+          <a:blip r:embed="rId4"/>
+          <a:stretch>
+            <a:fillRect/>
+          </a:stretch>
+        </p:blipFill>
+        <p:spPr>
+          <a:xfrm>
+            <a:off x="5155809" y="2913409"/>
+            <a:ext cx="4867422" cy="2973404"/>
+          </a:xfrm>
+          <a:prstGeom prst="rect">
+            <a:avLst/>
+          </a:prstGeom>
+        </p:spPr>
+      </p:pic>
+    </p:spTree>
+    <p:extLst>
+      <p:ext uri="{BB962C8B-B14F-4D97-AF65-F5344CB8AC3E}">
+        <p14:creationId xmlns:p14="http://schemas.microsoft.com/office/powerpoint/2010/main" val="3549094641"/>
+      </p:ext>
+    </p:extLst>
+  </p:cSld>
+  <p:clrMapOvr>
+    <a:masterClrMapping/>
+  </p:clrMapOvr>
+</p:sld>
+</file>
+
+<file path=ppt/slides/slide13.xml><?xml version="1.0" encoding="utf-8"?>
+<p:sld xmlns:a="http://schemas.openxmlformats.org/drawingml/2006/main" xmlns:r="http://schemas.openxmlformats.org/officeDocument/2006/relationships" xmlns:p="http://schemas.openxmlformats.org/presentationml/2006/main">
+  <p:cSld>
+    <p:spTree>
+      <p:nvGrpSpPr>
+        <p:cNvPr id="1" name=""/>
+        <p:cNvGrpSpPr/>
+        <p:nvPr/>
+      </p:nvGrpSpPr>
+      <p:grpSpPr>
+        <a:xfrm>
+          <a:off x="0" y="0"/>
+          <a:ext cx="0" cy="0"/>
+          <a:chOff x="0" y="0"/>
+          <a:chExt cx="0" cy="0"/>
+        </a:xfrm>
+      </p:grpSpPr>
+      <p:sp>
+        <p:nvSpPr>
+          <p:cNvPr id="4" name="Rectangle 3">
+            <a:extLst>
+              <a:ext uri="{FF2B5EF4-FFF2-40B4-BE49-F238E27FC236}">
+                <a16:creationId xmlns:a16="http://schemas.microsoft.com/office/drawing/2014/main" id="{7CB94DAC-7193-402A-8EEC-0275470A2AA8}"/>
+              </a:ext>
+            </a:extLst>
+          </p:cNvPr>
+          <p:cNvSpPr/>
+          <p:nvPr/>
+        </p:nvSpPr>
+        <p:spPr>
+          <a:xfrm>
+            <a:off x="0" y="-2"/>
+            <a:ext cx="12192000" cy="923330"/>
+          </a:xfrm>
+          <a:prstGeom prst="rect">
+            <a:avLst/>
+          </a:prstGeom>
+          <a:solidFill>
+            <a:srgbClr val="171D2D"/>
+          </a:solidFill>
+          <a:ln>
+            <a:noFill/>
+          </a:ln>
+        </p:spPr>
+        <p:style>
+          <a:lnRef idx="2">
+            <a:schemeClr val="accent1">
+              <a:shade val="50000"/>
+            </a:schemeClr>
+          </a:lnRef>
+          <a:fillRef idx="1">
+            <a:schemeClr val="accent1"/>
+          </a:fillRef>
+          <a:effectRef idx="0">
+            <a:schemeClr val="accent1"/>
+          </a:effectRef>
+          <a:fontRef idx="minor">
+            <a:schemeClr val="lt1"/>
+          </a:fontRef>
+        </p:style>
+        <p:txBody>
+          <a:bodyPr rtlCol="0" anchor="ctr"/>
+          <a:lstStyle/>
+          <a:p>
+            <a:pPr algn="ctr"/>
+            <a:endParaRPr lang="en-US"/>
+          </a:p>
+        </p:txBody>
+      </p:sp>
+      <p:sp>
+        <p:nvSpPr>
+          <p:cNvPr id="14" name="TextBox 13">
+            <a:extLst>
+              <a:ext uri="{FF2B5EF4-FFF2-40B4-BE49-F238E27FC236}">
+                <a16:creationId xmlns:a16="http://schemas.microsoft.com/office/drawing/2014/main" id="{DA3B01C4-1AD2-4960-9753-B6179C011EBA}"/>
+              </a:ext>
+            </a:extLst>
+          </p:cNvPr>
+          <p:cNvSpPr txBox="1"/>
+          <p:nvPr/>
+        </p:nvSpPr>
+        <p:spPr>
+          <a:xfrm>
+            <a:off x="974844" y="123122"/>
+            <a:ext cx="5022167" cy="707886"/>
+          </a:xfrm>
+          <a:prstGeom prst="rect">
+            <a:avLst/>
+          </a:prstGeom>
+          <a:noFill/>
+          <a:effectLst>
+            <a:glow rad="63500">
+              <a:schemeClr val="accent5">
+                <a:satMod val="175000"/>
+                <a:alpha val="40000"/>
+              </a:schemeClr>
+            </a:glow>
+          </a:effectLst>
+        </p:spPr>
+        <p:txBody>
+          <a:bodyPr wrap="square" rtlCol="0">
+            <a:spAutoFit/>
+          </a:bodyPr>
+          <a:lstStyle/>
+          <a:p>
+            <a:r>
+              <a:rPr lang="en-US" sz="4000" dirty="0">
+                <a:solidFill>
+                  <a:srgbClr val="92979B"/>
+                </a:solidFill>
+                <a:latin typeface="Bahnschrift Light Condensed" panose="020B0502040204020203" pitchFamily="34" charset="0"/>
+              </a:rPr>
+              <a:t>VHDL For FPGA</a:t>
+            </a:r>
+          </a:p>
+        </p:txBody>
+      </p:sp>
+      <p:sp>
+        <p:nvSpPr>
+          <p:cNvPr id="6" name="TextBox 5">
+            <a:extLst>
+              <a:ext uri="{FF2B5EF4-FFF2-40B4-BE49-F238E27FC236}">
+                <a16:creationId xmlns:a16="http://schemas.microsoft.com/office/drawing/2014/main" id="{0F07A8C7-5A49-4496-9332-7F2251BFA44B}"/>
+              </a:ext>
+            </a:extLst>
+          </p:cNvPr>
+          <p:cNvSpPr txBox="1"/>
+          <p:nvPr/>
+        </p:nvSpPr>
+        <p:spPr>
+          <a:xfrm>
+            <a:off x="661182" y="971187"/>
+            <a:ext cx="8102989" cy="584775"/>
+          </a:xfrm>
+          <a:prstGeom prst="rect">
+            <a:avLst/>
+          </a:prstGeom>
+          <a:noFill/>
+        </p:spPr>
+        <p:txBody>
+          <a:bodyPr wrap="square" rtlCol="0">
+            <a:spAutoFit/>
+          </a:bodyPr>
+          <a:lstStyle/>
+          <a:p>
+            <a:r>
+              <a:rPr lang="en-US" sz="3200" dirty="0">
+                <a:solidFill>
+                  <a:srgbClr val="C00000"/>
+                </a:solidFill>
+                <a:latin typeface="Bahnschrift Light Condensed" panose="020B0502040204020203" pitchFamily="34" charset="0"/>
+              </a:rPr>
               <a:t>D Flip Flop with enable and synchronous clear</a:t>
             </a:r>
             <a:endParaRPr lang="en-US" sz="3200" dirty="0">
@@ -4983,7 +5132,7 @@
 </p:sld>
 </file>
 
-<file path=ppt/slides/slide13.xml><?xml version="1.0" encoding="utf-8"?>
+<file path=ppt/slides/slide14.xml><?xml version="1.0" encoding="utf-8"?>
 <p:sld xmlns:a="http://schemas.openxmlformats.org/drawingml/2006/main" xmlns:r="http://schemas.openxmlformats.org/officeDocument/2006/relationships" xmlns:p="http://schemas.openxmlformats.org/presentationml/2006/main">
   <p:cSld>
     <p:spTree>
@@ -5301,273 +5450,6 @@
 </p:sld>
 </file>
 
-<file path=ppt/slides/slide14.xml><?xml version="1.0" encoding="utf-8"?>
-<p:sld xmlns:a="http://schemas.openxmlformats.org/drawingml/2006/main" xmlns:r="http://schemas.openxmlformats.org/officeDocument/2006/relationships" xmlns:p="http://schemas.openxmlformats.org/presentationml/2006/main">
-  <p:cSld>
-    <p:spTree>
-      <p:nvGrpSpPr>
-        <p:cNvPr id="1" name=""/>
-        <p:cNvGrpSpPr/>
-        <p:nvPr/>
-      </p:nvGrpSpPr>
-      <p:grpSpPr>
-        <a:xfrm>
-          <a:off x="0" y="0"/>
-          <a:ext cx="0" cy="0"/>
-          <a:chOff x="0" y="0"/>
-          <a:chExt cx="0" cy="0"/>
-        </a:xfrm>
-      </p:grpSpPr>
-      <p:sp>
-        <p:nvSpPr>
-          <p:cNvPr id="4" name="Rectangle 3">
-            <a:extLst>
-              <a:ext uri="{FF2B5EF4-FFF2-40B4-BE49-F238E27FC236}">
-                <a16:creationId xmlns:a16="http://schemas.microsoft.com/office/drawing/2014/main" id="{7CB94DAC-7193-402A-8EEC-0275470A2AA8}"/>
-              </a:ext>
-            </a:extLst>
-          </p:cNvPr>
-          <p:cNvSpPr/>
-          <p:nvPr/>
-        </p:nvSpPr>
-        <p:spPr>
-          <a:xfrm>
-            <a:off x="0" y="-2"/>
-            <a:ext cx="12192000" cy="923330"/>
-          </a:xfrm>
-          <a:prstGeom prst="rect">
-            <a:avLst/>
-          </a:prstGeom>
-          <a:solidFill>
-            <a:srgbClr val="171D2D"/>
-          </a:solidFill>
-          <a:ln>
-            <a:noFill/>
-          </a:ln>
-        </p:spPr>
-        <p:style>
-          <a:lnRef idx="2">
-            <a:schemeClr val="accent1">
-              <a:shade val="50000"/>
-            </a:schemeClr>
-          </a:lnRef>
-          <a:fillRef idx="1">
-            <a:schemeClr val="accent1"/>
-          </a:fillRef>
-          <a:effectRef idx="0">
-            <a:schemeClr val="accent1"/>
-          </a:effectRef>
-          <a:fontRef idx="minor">
-            <a:schemeClr val="lt1"/>
-          </a:fontRef>
-        </p:style>
-        <p:txBody>
-          <a:bodyPr rtlCol="0" anchor="ctr"/>
-          <a:lstStyle/>
-          <a:p>
-            <a:pPr algn="ctr"/>
-            <a:endParaRPr lang="en-US"/>
-          </a:p>
-        </p:txBody>
-      </p:sp>
-      <p:sp>
-        <p:nvSpPr>
-          <p:cNvPr id="14" name="TextBox 13">
-            <a:extLst>
-              <a:ext uri="{FF2B5EF4-FFF2-40B4-BE49-F238E27FC236}">
-                <a16:creationId xmlns:a16="http://schemas.microsoft.com/office/drawing/2014/main" id="{DA3B01C4-1AD2-4960-9753-B6179C011EBA}"/>
-              </a:ext>
-            </a:extLst>
-          </p:cNvPr>
-          <p:cNvSpPr txBox="1"/>
-          <p:nvPr/>
-        </p:nvSpPr>
-        <p:spPr>
-          <a:xfrm>
-            <a:off x="974844" y="123122"/>
-            <a:ext cx="5022167" cy="707886"/>
-          </a:xfrm>
-          <a:prstGeom prst="rect">
-            <a:avLst/>
-          </a:prstGeom>
-          <a:noFill/>
-          <a:effectLst>
-            <a:glow rad="63500">
-              <a:schemeClr val="accent5">
-                <a:satMod val="175000"/>
-                <a:alpha val="40000"/>
-              </a:schemeClr>
-            </a:glow>
-          </a:effectLst>
-        </p:spPr>
-        <p:txBody>
-          <a:bodyPr wrap="square" rtlCol="0">
-            <a:spAutoFit/>
-          </a:bodyPr>
-          <a:lstStyle/>
-          <a:p>
-            <a:r>
-              <a:rPr lang="en-US" sz="4000" dirty="0">
-                <a:solidFill>
-                  <a:srgbClr val="92979B"/>
-                </a:solidFill>
-                <a:latin typeface="Bahnschrift Light Condensed" panose="020B0502040204020203" pitchFamily="34" charset="0"/>
-              </a:rPr>
-              <a:t>VHDL For FPGA</a:t>
-            </a:r>
-          </a:p>
-        </p:txBody>
-      </p:sp>
-      <p:sp>
-        <p:nvSpPr>
-          <p:cNvPr id="6" name="TextBox 5">
-            <a:extLst>
-              <a:ext uri="{FF2B5EF4-FFF2-40B4-BE49-F238E27FC236}">
-                <a16:creationId xmlns:a16="http://schemas.microsoft.com/office/drawing/2014/main" id="{0F07A8C7-5A49-4496-9332-7F2251BFA44B}"/>
-              </a:ext>
-            </a:extLst>
-          </p:cNvPr>
-          <p:cNvSpPr txBox="1"/>
-          <p:nvPr/>
-        </p:nvSpPr>
-        <p:spPr>
-          <a:xfrm>
-            <a:off x="661182" y="971187"/>
-            <a:ext cx="8102989" cy="584775"/>
-          </a:xfrm>
-          <a:prstGeom prst="rect">
-            <a:avLst/>
-          </a:prstGeom>
-          <a:noFill/>
-        </p:spPr>
-        <p:txBody>
-          <a:bodyPr wrap="square" rtlCol="0">
-            <a:spAutoFit/>
-          </a:bodyPr>
-          <a:lstStyle/>
-          <a:p>
-            <a:r>
-              <a:rPr lang="en-US" sz="3200" dirty="0">
-                <a:solidFill>
-                  <a:srgbClr val="C00000"/>
-                </a:solidFill>
-                <a:latin typeface="Bahnschrift Light Condensed" panose="020B0502040204020203" pitchFamily="34" charset="0"/>
-              </a:rPr>
-              <a:t>JK Flip Flop </a:t>
-            </a:r>
-            <a:endParaRPr lang="en-US" sz="3200" dirty="0">
-              <a:solidFill>
-                <a:srgbClr val="C00000"/>
-              </a:solidFill>
-              <a:latin typeface="Courier New" panose="02070309020205020404" pitchFamily="49" charset="0"/>
-              <a:cs typeface="Courier New" panose="02070309020205020404" pitchFamily="49" charset="0"/>
-            </a:endParaRPr>
-          </a:p>
-        </p:txBody>
-      </p:sp>
-      <p:pic>
-        <p:nvPicPr>
-          <p:cNvPr id="3" name="Picture 2">
-            <a:extLst>
-              <a:ext uri="{FF2B5EF4-FFF2-40B4-BE49-F238E27FC236}">
-                <a16:creationId xmlns:a16="http://schemas.microsoft.com/office/drawing/2014/main" id="{64E7B596-7908-436B-9971-6671E34A4E2A}"/>
-              </a:ext>
-            </a:extLst>
-          </p:cNvPr>
-          <p:cNvPicPr>
-            <a:picLocks noChangeAspect="1"/>
-          </p:cNvPicPr>
-          <p:nvPr/>
-        </p:nvPicPr>
-        <p:blipFill>
-          <a:blip r:embed="rId2"/>
-          <a:stretch>
-            <a:fillRect/>
-          </a:stretch>
-        </p:blipFill>
-        <p:spPr>
-          <a:xfrm>
-            <a:off x="1017250" y="3545421"/>
-            <a:ext cx="2700816" cy="2341392"/>
-          </a:xfrm>
-          <a:prstGeom prst="rect">
-            <a:avLst/>
-          </a:prstGeom>
-        </p:spPr>
-      </p:pic>
-      <p:pic>
-        <p:nvPicPr>
-          <p:cNvPr id="7" name="Picture 6">
-            <a:extLst>
-              <a:ext uri="{FF2B5EF4-FFF2-40B4-BE49-F238E27FC236}">
-                <a16:creationId xmlns:a16="http://schemas.microsoft.com/office/drawing/2014/main" id="{75AFB340-FADA-4EDE-8B19-D8D2AF3F6371}"/>
-              </a:ext>
-            </a:extLst>
-          </p:cNvPr>
-          <p:cNvPicPr>
-            <a:picLocks noChangeAspect="1"/>
-          </p:cNvPicPr>
-          <p:nvPr/>
-        </p:nvPicPr>
-        <p:blipFill>
-          <a:blip r:embed="rId3"/>
-          <a:stretch>
-            <a:fillRect/>
-          </a:stretch>
-        </p:blipFill>
-        <p:spPr>
-          <a:xfrm>
-            <a:off x="1017250" y="1759859"/>
-            <a:ext cx="2558708" cy="1465243"/>
-          </a:xfrm>
-          <a:prstGeom prst="rect">
-            <a:avLst/>
-          </a:prstGeom>
-        </p:spPr>
-      </p:pic>
-      <p:pic>
-        <p:nvPicPr>
-          <p:cNvPr id="10" name="Picture 9">
-            <a:extLst>
-              <a:ext uri="{FF2B5EF4-FFF2-40B4-BE49-F238E27FC236}">
-                <a16:creationId xmlns:a16="http://schemas.microsoft.com/office/drawing/2014/main" id="{E7B91BE5-8B74-4172-84C4-629CEAD962FC}"/>
-              </a:ext>
-            </a:extLst>
-          </p:cNvPr>
-          <p:cNvPicPr>
-            <a:picLocks noChangeAspect="1"/>
-          </p:cNvPicPr>
-          <p:nvPr/>
-        </p:nvPicPr>
-        <p:blipFill>
-          <a:blip r:embed="rId4"/>
-          <a:stretch>
-            <a:fillRect/>
-          </a:stretch>
-        </p:blipFill>
-        <p:spPr>
-          <a:xfrm>
-            <a:off x="4955563" y="1785582"/>
-            <a:ext cx="5159108" cy="4107142"/>
-          </a:xfrm>
-          <a:prstGeom prst="rect">
-            <a:avLst/>
-          </a:prstGeom>
-        </p:spPr>
-      </p:pic>
-    </p:spTree>
-    <p:extLst>
-      <p:ext uri="{BB962C8B-B14F-4D97-AF65-F5344CB8AC3E}">
-        <p14:creationId xmlns:p14="http://schemas.microsoft.com/office/powerpoint/2010/main" val="3360061885"/>
-      </p:ext>
-    </p:extLst>
-  </p:cSld>
-  <p:clrMapOvr>
-    <a:masterClrMapping/>
-  </p:clrMapOvr>
-</p:sld>
-</file>
-
 <file path=ppt/slides/slide15.xml><?xml version="1.0" encoding="utf-8"?>
 <p:sld xmlns:a="http://schemas.openxmlformats.org/drawingml/2006/main" xmlns:r="http://schemas.openxmlformats.org/officeDocument/2006/relationships" xmlns:p="http://schemas.openxmlformats.org/presentationml/2006/main">
   <p:cSld>
@@ -5720,7 +5602,7 @@
                 </a:solidFill>
                 <a:latin typeface="Bahnschrift Light Condensed" panose="020B0502040204020203" pitchFamily="34" charset="0"/>
               </a:rPr>
-              <a:t>Registers </a:t>
+              <a:t>JK Flip Flop </a:t>
             </a:r>
             <a:endParaRPr lang="en-US" sz="3200" dirty="0">
               <a:solidFill>
@@ -5732,203 +5614,100 @@
           </a:p>
         </p:txBody>
       </p:sp>
-      <p:sp>
-        <p:nvSpPr>
-          <p:cNvPr id="9" name="TextBox 8">
-            <a:extLst>
-              <a:ext uri="{FF2B5EF4-FFF2-40B4-BE49-F238E27FC236}">
-                <a16:creationId xmlns:a16="http://schemas.microsoft.com/office/drawing/2014/main" id="{66CE2A1B-9E32-479A-BFD8-C2EC08EDCB4A}"/>
-              </a:ext>
-            </a:extLst>
-          </p:cNvPr>
-          <p:cNvSpPr txBox="1"/>
-          <p:nvPr/>
-        </p:nvSpPr>
-        <p:spPr>
-          <a:xfrm>
-            <a:off x="661182" y="1555962"/>
-            <a:ext cx="11057206" cy="3308598"/>
-          </a:xfrm>
-          <a:prstGeom prst="rect">
-            <a:avLst/>
-          </a:prstGeom>
-          <a:noFill/>
-        </p:spPr>
-        <p:txBody>
-          <a:bodyPr wrap="square">
-            <a:spAutoFit/>
-          </a:bodyPr>
-          <a:lstStyle/>
-          <a:p>
-            <a:pPr marL="342900" indent="-342900">
-              <a:buFont typeface="Wingdings" panose="05000000000000000000" pitchFamily="2" charset="2"/>
-              <a:buChar char="§"/>
-            </a:pPr>
-            <a:r>
-              <a:rPr lang="en-US" sz="1900" b="0" i="0" u="none" strike="noStrike" baseline="0" dirty="0">
-                <a:latin typeface="Arial" panose="020B0604020202020204" pitchFamily="34" charset="0"/>
-                <a:cs typeface="Arial" panose="020B0604020202020204" pitchFamily="34" charset="0"/>
-              </a:rPr>
-              <a:t>These are sequential circuits that store the values of signals.</a:t>
-            </a:r>
-          </a:p>
-          <a:p>
-            <a:pPr marL="342900" indent="-342900">
-              <a:buFont typeface="Wingdings" panose="05000000000000000000" pitchFamily="2" charset="2"/>
-              <a:buChar char="§"/>
-            </a:pPr>
-            <a:r>
-              <a:rPr lang="en-US" sz="1900" b="0" i="0" u="none" strike="noStrike" baseline="0" dirty="0">
-                <a:latin typeface="Arial" panose="020B0604020202020204" pitchFamily="34" charset="0"/>
-                <a:cs typeface="Arial" panose="020B0604020202020204" pitchFamily="34" charset="0"/>
-              </a:rPr>
-              <a:t>There exist many register types: registers to handle interruptions in a PC, microprocessor registers, pipelining registers, etc.</a:t>
-            </a:r>
-          </a:p>
-          <a:p>
-            <a:endParaRPr lang="en-US" sz="1900" b="0" i="0" u="none" strike="noStrike" baseline="0" dirty="0">
-              <a:latin typeface="Arial" panose="020B0604020202020204" pitchFamily="34" charset="0"/>
-              <a:cs typeface="Arial" panose="020B0604020202020204" pitchFamily="34" charset="0"/>
-            </a:endParaRPr>
-          </a:p>
-          <a:p>
-            <a:pPr marL="342900" indent="-342900">
-              <a:buFont typeface="Wingdings" panose="05000000000000000000" pitchFamily="2" charset="2"/>
-              <a:buChar char="§"/>
-            </a:pPr>
-            <a:r>
-              <a:rPr lang="en-US" sz="1900" b="0" i="0" u="none" strike="noStrike" baseline="0" dirty="0">
-                <a:solidFill>
-                  <a:srgbClr val="C00000"/>
-                </a:solidFill>
-                <a:latin typeface="Arial" panose="020B0604020202020204" pitchFamily="34" charset="0"/>
-                <a:cs typeface="Arial" panose="020B0604020202020204" pitchFamily="34" charset="0"/>
-              </a:rPr>
-              <a:t>n bit Register</a:t>
-            </a:r>
-            <a:r>
-              <a:rPr lang="en-US" sz="1900" b="0" i="0" u="none" strike="noStrike" baseline="0" dirty="0">
-                <a:latin typeface="Arial" panose="020B0604020202020204" pitchFamily="34" charset="0"/>
-                <a:cs typeface="Arial" panose="020B0604020202020204" pitchFamily="34" charset="0"/>
-              </a:rPr>
-              <a:t>: Storage element that can </a:t>
-            </a:r>
-            <a:r>
-              <a:rPr lang="en-US" sz="1900" b="0" i="0" u="none" strike="noStrike" baseline="0" dirty="0">
-                <a:highlight>
-                  <a:srgbClr val="FFFF00"/>
-                </a:highlight>
-                <a:latin typeface="Arial" panose="020B0604020202020204" pitchFamily="34" charset="0"/>
-                <a:cs typeface="Arial" panose="020B0604020202020204" pitchFamily="34" charset="0"/>
-              </a:rPr>
-              <a:t>hold ‘n’ bits</a:t>
-            </a:r>
-            <a:r>
-              <a:rPr lang="en-US" sz="1900" b="0" i="0" u="none" strike="noStrike" baseline="0" dirty="0">
-                <a:latin typeface="Arial" panose="020B0604020202020204" pitchFamily="34" charset="0"/>
-                <a:cs typeface="Arial" panose="020B0604020202020204" pitchFamily="34" charset="0"/>
-              </a:rPr>
-              <a:t>. It is a </a:t>
-            </a:r>
-            <a:r>
-              <a:rPr lang="en-US" sz="1900" b="0" i="0" u="none" strike="noStrike" baseline="0" dirty="0">
-                <a:highlight>
-                  <a:srgbClr val="FFFF00"/>
-                </a:highlight>
-                <a:latin typeface="Arial" panose="020B0604020202020204" pitchFamily="34" charset="0"/>
-                <a:cs typeface="Arial" panose="020B0604020202020204" pitchFamily="34" charset="0"/>
-              </a:rPr>
-              <a:t>collection of ‘n’ D type flip flops.</a:t>
-            </a:r>
-            <a:endParaRPr lang="en-US" sz="1900" b="0" i="0" u="none" strike="noStrike" baseline="0" dirty="0">
-              <a:latin typeface="Arial" panose="020B0604020202020204" pitchFamily="34" charset="0"/>
-              <a:cs typeface="Arial" panose="020B0604020202020204" pitchFamily="34" charset="0"/>
-            </a:endParaRPr>
-          </a:p>
-          <a:p>
-            <a:pPr marL="342900" indent="-342900">
-              <a:buFont typeface="Wingdings" panose="05000000000000000000" pitchFamily="2" charset="2"/>
-              <a:buChar char="§"/>
-            </a:pPr>
-            <a:r>
-              <a:rPr lang="en-US" sz="1900" b="0" i="0" u="none" strike="noStrike" baseline="0" dirty="0">
-                <a:latin typeface="Arial" panose="020B0604020202020204" pitchFamily="34" charset="0"/>
-                <a:cs typeface="Arial" panose="020B0604020202020204" pitchFamily="34" charset="0"/>
-              </a:rPr>
-              <a:t>Register types:</a:t>
-            </a:r>
-          </a:p>
-          <a:p>
-            <a:pPr marL="914400" lvl="1" indent="-457200">
-              <a:buFont typeface="+mj-lt"/>
-              <a:buAutoNum type="arabicPeriod"/>
-            </a:pPr>
-            <a:r>
-              <a:rPr lang="en-US" sz="1900" b="0" i="0" u="none" strike="noStrike" baseline="0" dirty="0">
-                <a:latin typeface="Arial" panose="020B0604020202020204" pitchFamily="34" charset="0"/>
-                <a:cs typeface="Arial" panose="020B0604020202020204" pitchFamily="34" charset="0"/>
-              </a:rPr>
-              <a:t>Simple Register (with/without enable)</a:t>
-            </a:r>
-          </a:p>
-          <a:p>
-            <a:pPr marL="914400" lvl="1" indent="-457200">
-              <a:buFont typeface="+mj-lt"/>
-              <a:buAutoNum type="arabicPeriod"/>
-            </a:pPr>
-            <a:r>
-              <a:rPr lang="en-US" sz="1900" b="0" i="0" u="none" strike="noStrike" baseline="0" dirty="0">
-                <a:latin typeface="Arial" panose="020B0604020202020204" pitchFamily="34" charset="0"/>
-                <a:cs typeface="Arial" panose="020B0604020202020204" pitchFamily="34" charset="0"/>
-              </a:rPr>
-              <a:t>Shift register (with/without enable)</a:t>
-            </a:r>
-          </a:p>
-          <a:p>
-            <a:pPr marL="1371600" lvl="2" indent="-457200">
-              <a:buFont typeface="+mj-lt"/>
-              <a:buAutoNum type="alphaLcParenR"/>
-            </a:pPr>
-            <a:r>
-              <a:rPr lang="en-US" sz="1900" b="0" i="0" u="none" strike="noStrike" baseline="0" dirty="0">
-                <a:latin typeface="Arial" panose="020B0604020202020204" pitchFamily="34" charset="0"/>
-                <a:cs typeface="Arial" panose="020B0604020202020204" pitchFamily="34" charset="0"/>
-              </a:rPr>
-              <a:t>Serial input, parallel output</a:t>
-            </a:r>
-          </a:p>
-          <a:p>
-            <a:pPr marL="1371600" lvl="2" indent="-457200">
-              <a:buFont typeface="+mj-lt"/>
-              <a:buAutoNum type="alphaLcParenR"/>
-            </a:pPr>
-            <a:r>
-              <a:rPr lang="en-US" sz="1900" b="0" i="0" u="none" strike="noStrike" baseline="0" dirty="0">
-                <a:latin typeface="Arial" panose="020B0604020202020204" pitchFamily="34" charset="0"/>
-                <a:cs typeface="Arial" panose="020B0604020202020204" pitchFamily="34" charset="0"/>
-              </a:rPr>
-              <a:t>Serial input, serial output</a:t>
-            </a:r>
-          </a:p>
-          <a:p>
-            <a:pPr marL="914400" lvl="1" indent="-457200">
-              <a:buFont typeface="+mj-lt"/>
-              <a:buAutoNum type="arabicPeriod"/>
-            </a:pPr>
-            <a:r>
-              <a:rPr lang="en-US" sz="1900" b="0" i="0" u="none" strike="noStrike" baseline="0" dirty="0">
-                <a:latin typeface="Arial" panose="020B0604020202020204" pitchFamily="34" charset="0"/>
-                <a:cs typeface="Arial" panose="020B0604020202020204" pitchFamily="34" charset="0"/>
-              </a:rPr>
-              <a:t>Parallel access shift register (parallel/serial input, parallel/serial output).</a:t>
-            </a:r>
-          </a:p>
-        </p:txBody>
-      </p:sp>
+      <p:pic>
+        <p:nvPicPr>
+          <p:cNvPr id="3" name="Picture 2">
+            <a:extLst>
+              <a:ext uri="{FF2B5EF4-FFF2-40B4-BE49-F238E27FC236}">
+                <a16:creationId xmlns:a16="http://schemas.microsoft.com/office/drawing/2014/main" id="{64E7B596-7908-436B-9971-6671E34A4E2A}"/>
+              </a:ext>
+            </a:extLst>
+          </p:cNvPr>
+          <p:cNvPicPr>
+            <a:picLocks noChangeAspect="1"/>
+          </p:cNvPicPr>
+          <p:nvPr/>
+        </p:nvPicPr>
+        <p:blipFill>
+          <a:blip r:embed="rId2"/>
+          <a:stretch>
+            <a:fillRect/>
+          </a:stretch>
+        </p:blipFill>
+        <p:spPr>
+          <a:xfrm>
+            <a:off x="1017250" y="3545421"/>
+            <a:ext cx="2700816" cy="2341392"/>
+          </a:xfrm>
+          <a:prstGeom prst="rect">
+            <a:avLst/>
+          </a:prstGeom>
+        </p:spPr>
+      </p:pic>
+      <p:pic>
+        <p:nvPicPr>
+          <p:cNvPr id="7" name="Picture 6">
+            <a:extLst>
+              <a:ext uri="{FF2B5EF4-FFF2-40B4-BE49-F238E27FC236}">
+                <a16:creationId xmlns:a16="http://schemas.microsoft.com/office/drawing/2014/main" id="{75AFB340-FADA-4EDE-8B19-D8D2AF3F6371}"/>
+              </a:ext>
+            </a:extLst>
+          </p:cNvPr>
+          <p:cNvPicPr>
+            <a:picLocks noChangeAspect="1"/>
+          </p:cNvPicPr>
+          <p:nvPr/>
+        </p:nvPicPr>
+        <p:blipFill>
+          <a:blip r:embed="rId3"/>
+          <a:stretch>
+            <a:fillRect/>
+          </a:stretch>
+        </p:blipFill>
+        <p:spPr>
+          <a:xfrm>
+            <a:off x="1017250" y="1759859"/>
+            <a:ext cx="2558708" cy="1465243"/>
+          </a:xfrm>
+          <a:prstGeom prst="rect">
+            <a:avLst/>
+          </a:prstGeom>
+        </p:spPr>
+      </p:pic>
+      <p:pic>
+        <p:nvPicPr>
+          <p:cNvPr id="10" name="Picture 9">
+            <a:extLst>
+              <a:ext uri="{FF2B5EF4-FFF2-40B4-BE49-F238E27FC236}">
+                <a16:creationId xmlns:a16="http://schemas.microsoft.com/office/drawing/2014/main" id="{E7B91BE5-8B74-4172-84C4-629CEAD962FC}"/>
+              </a:ext>
+            </a:extLst>
+          </p:cNvPr>
+          <p:cNvPicPr>
+            <a:picLocks noChangeAspect="1"/>
+          </p:cNvPicPr>
+          <p:nvPr/>
+        </p:nvPicPr>
+        <p:blipFill>
+          <a:blip r:embed="rId4"/>
+          <a:stretch>
+            <a:fillRect/>
+          </a:stretch>
+        </p:blipFill>
+        <p:spPr>
+          <a:xfrm>
+            <a:off x="4955563" y="1785582"/>
+            <a:ext cx="5159108" cy="4107142"/>
+          </a:xfrm>
+          <a:prstGeom prst="rect">
+            <a:avLst/>
+          </a:prstGeom>
+        </p:spPr>
+      </p:pic>
     </p:spTree>
     <p:extLst>
       <p:ext uri="{BB962C8B-B14F-4D97-AF65-F5344CB8AC3E}">
-        <p14:creationId xmlns:p14="http://schemas.microsoft.com/office/powerpoint/2010/main" val="2291066067"/>
+        <p14:creationId xmlns:p14="http://schemas.microsoft.com/office/powerpoint/2010/main" val="3360061885"/>
       </p:ext>
     </p:extLst>
   </p:cSld>
@@ -6090,7 +5869,7 @@
                 </a:solidFill>
                 <a:latin typeface="Bahnschrift Light Condensed" panose="020B0502040204020203" pitchFamily="34" charset="0"/>
               </a:rPr>
-              <a:t>Parallel Load, Parallel Output </a:t>
+              <a:t>Registers </a:t>
             </a:r>
             <a:endParaRPr lang="en-US" sz="3200" dirty="0">
               <a:solidFill>
@@ -6104,10 +5883,10 @@
       </p:sp>
       <p:sp>
         <p:nvSpPr>
-          <p:cNvPr id="7" name="TextBox 6">
-            <a:extLst>
-              <a:ext uri="{FF2B5EF4-FFF2-40B4-BE49-F238E27FC236}">
-                <a16:creationId xmlns:a16="http://schemas.microsoft.com/office/drawing/2014/main" id="{C6A0C804-BAA1-41FB-8E9A-C530653C3987}"/>
+          <p:cNvPr id="9" name="TextBox 8">
+            <a:extLst>
+              <a:ext uri="{FF2B5EF4-FFF2-40B4-BE49-F238E27FC236}">
+                <a16:creationId xmlns:a16="http://schemas.microsoft.com/office/drawing/2014/main" id="{66CE2A1B-9E32-479A-BFD8-C2EC08EDCB4A}"/>
               </a:ext>
             </a:extLst>
           </p:cNvPr>
@@ -6116,8 +5895,8 @@
         </p:nvSpPr>
         <p:spPr>
           <a:xfrm>
-            <a:off x="661182" y="1537074"/>
-            <a:ext cx="6921304" cy="461665"/>
+            <a:off x="661182" y="1555962"/>
+            <a:ext cx="11057206" cy="3308598"/>
           </a:xfrm>
           <a:prstGeom prst="rect">
             <a:avLst/>
@@ -6125,87 +5904,180 @@
           <a:noFill/>
         </p:spPr>
         <p:txBody>
-          <a:bodyPr wrap="square" rtlCol="0">
+          <a:bodyPr wrap="square">
             <a:spAutoFit/>
           </a:bodyPr>
           <a:lstStyle/>
           <a:p>
-            <a:r>
-              <a:rPr lang="en-US" sz="2400" dirty="0">
+            <a:pPr marL="342900" indent="-342900">
+              <a:buFont typeface="Wingdings" panose="05000000000000000000" pitchFamily="2" charset="2"/>
+              <a:buChar char="§"/>
+            </a:pPr>
+            <a:r>
+              <a:rPr lang="en-US" sz="1900" b="0" i="0" u="none" strike="noStrike" baseline="0" dirty="0">
+                <a:latin typeface="Arial" panose="020B0604020202020204" pitchFamily="34" charset="0"/>
+                <a:cs typeface="Arial" panose="020B0604020202020204" pitchFamily="34" charset="0"/>
+              </a:rPr>
+              <a:t>These are sequential circuits that store the values of signals.</a:t>
+            </a:r>
+          </a:p>
+          <a:p>
+            <a:pPr marL="342900" indent="-342900">
+              <a:buFont typeface="Wingdings" panose="05000000000000000000" pitchFamily="2" charset="2"/>
+              <a:buChar char="§"/>
+            </a:pPr>
+            <a:r>
+              <a:rPr lang="en-US" sz="1900" b="0" i="0" u="none" strike="noStrike" baseline="0" dirty="0">
+                <a:latin typeface="Arial" panose="020B0604020202020204" pitchFamily="34" charset="0"/>
+                <a:cs typeface="Arial" panose="020B0604020202020204" pitchFamily="34" charset="0"/>
+              </a:rPr>
+              <a:t>There exist many register types: registers to handle interruptions in a PC, microprocessor registers, pipelining registers, etc.</a:t>
+            </a:r>
+          </a:p>
+          <a:p>
+            <a:endParaRPr lang="en-US" sz="1900" b="0" i="0" u="none" strike="noStrike" baseline="0" dirty="0">
+              <a:latin typeface="Arial" panose="020B0604020202020204" pitchFamily="34" charset="0"/>
+              <a:cs typeface="Arial" panose="020B0604020202020204" pitchFamily="34" charset="0"/>
+            </a:endParaRPr>
+          </a:p>
+          <a:p>
+            <a:pPr marL="342900" indent="-342900">
+              <a:buFont typeface="Wingdings" panose="05000000000000000000" pitchFamily="2" charset="2"/>
+              <a:buChar char="§"/>
+            </a:pPr>
+            <a:r>
+              <a:rPr lang="en-US" sz="1900" b="0" i="0" u="none" strike="noStrike" baseline="0" dirty="0">
                 <a:solidFill>
                   <a:srgbClr val="C00000"/>
                 </a:solidFill>
-                <a:latin typeface="Bahnschrift Light Condensed" panose="020B0502040204020203" pitchFamily="34" charset="0"/>
-              </a:rPr>
-              <a:t>8-bit register with enable and asynchronous reset</a:t>
-            </a:r>
-          </a:p>
-        </p:txBody>
-      </p:sp>
-      <p:pic>
-        <p:nvPicPr>
-          <p:cNvPr id="3" name="Picture 2">
-            <a:extLst>
-              <a:ext uri="{FF2B5EF4-FFF2-40B4-BE49-F238E27FC236}">
-                <a16:creationId xmlns:a16="http://schemas.microsoft.com/office/drawing/2014/main" id="{8599EC97-0AEA-4CD6-8D33-426BAA71D5D7}"/>
-              </a:ext>
-            </a:extLst>
-          </p:cNvPr>
-          <p:cNvPicPr>
-            <a:picLocks noChangeAspect="1"/>
-          </p:cNvPicPr>
-          <p:nvPr/>
-        </p:nvPicPr>
-        <p:blipFill>
-          <a:blip r:embed="rId2"/>
-          <a:stretch>
-            <a:fillRect/>
-          </a:stretch>
-        </p:blipFill>
-        <p:spPr>
-          <a:xfrm>
-            <a:off x="661182" y="2262028"/>
-            <a:ext cx="3262502" cy="2333944"/>
-          </a:xfrm>
-          <a:prstGeom prst="rect">
-            <a:avLst/>
-          </a:prstGeom>
-        </p:spPr>
-      </p:pic>
-      <p:pic>
-        <p:nvPicPr>
-          <p:cNvPr id="8" name="Picture 7">
-            <a:extLst>
-              <a:ext uri="{FF2B5EF4-FFF2-40B4-BE49-F238E27FC236}">
-                <a16:creationId xmlns:a16="http://schemas.microsoft.com/office/drawing/2014/main" id="{CC017858-30A6-48DF-BDF4-5C33358C12F8}"/>
-              </a:ext>
-            </a:extLst>
-          </p:cNvPr>
-          <p:cNvPicPr>
-            <a:picLocks noChangeAspect="1"/>
-          </p:cNvPicPr>
-          <p:nvPr/>
-        </p:nvPicPr>
-        <p:blipFill>
-          <a:blip r:embed="rId3"/>
-          <a:stretch>
-            <a:fillRect/>
-          </a:stretch>
-        </p:blipFill>
-        <p:spPr>
-          <a:xfrm>
-            <a:off x="5131870" y="2262028"/>
-            <a:ext cx="4901232" cy="2597234"/>
-          </a:xfrm>
-          <a:prstGeom prst="rect">
-            <a:avLst/>
-          </a:prstGeom>
-        </p:spPr>
-      </p:pic>
+                <a:latin typeface="Arial" panose="020B0604020202020204" pitchFamily="34" charset="0"/>
+                <a:cs typeface="Arial" panose="020B0604020202020204" pitchFamily="34" charset="0"/>
+              </a:rPr>
+              <a:t>n bit Register</a:t>
+            </a:r>
+            <a:r>
+              <a:rPr lang="en-US" sz="1900" b="0" i="0" u="none" strike="noStrike" baseline="0" dirty="0">
+                <a:latin typeface="Arial" panose="020B0604020202020204" pitchFamily="34" charset="0"/>
+                <a:cs typeface="Arial" panose="020B0604020202020204" pitchFamily="34" charset="0"/>
+              </a:rPr>
+              <a:t>: Storage element that can </a:t>
+            </a:r>
+            <a:r>
+              <a:rPr lang="en-US" sz="1900" b="0" i="0" u="none" strike="noStrike" baseline="0" dirty="0">
+                <a:highlight>
+                  <a:srgbClr val="FFFF00"/>
+                </a:highlight>
+                <a:latin typeface="Arial" panose="020B0604020202020204" pitchFamily="34" charset="0"/>
+                <a:cs typeface="Arial" panose="020B0604020202020204" pitchFamily="34" charset="0"/>
+              </a:rPr>
+              <a:t>hold ‘n’ bits</a:t>
+            </a:r>
+            <a:r>
+              <a:rPr lang="en-US" sz="1900" b="0" i="0" u="none" strike="noStrike" baseline="0" dirty="0">
+                <a:latin typeface="Arial" panose="020B0604020202020204" pitchFamily="34" charset="0"/>
+                <a:cs typeface="Arial" panose="020B0604020202020204" pitchFamily="34" charset="0"/>
+              </a:rPr>
+              <a:t>. It is a </a:t>
+            </a:r>
+            <a:r>
+              <a:rPr lang="en-US" sz="1900" b="0" i="0" u="none" strike="noStrike" baseline="0" dirty="0">
+                <a:highlight>
+                  <a:srgbClr val="FFFF00"/>
+                </a:highlight>
+                <a:latin typeface="Arial" panose="020B0604020202020204" pitchFamily="34" charset="0"/>
+                <a:cs typeface="Arial" panose="020B0604020202020204" pitchFamily="34" charset="0"/>
+              </a:rPr>
+              <a:t>collection of ‘n’ D type flip flops.</a:t>
+            </a:r>
+            <a:endParaRPr lang="en-US" sz="1900" b="0" i="0" u="none" strike="noStrike" baseline="0" dirty="0">
+              <a:latin typeface="Arial" panose="020B0604020202020204" pitchFamily="34" charset="0"/>
+              <a:cs typeface="Arial" panose="020B0604020202020204" pitchFamily="34" charset="0"/>
+            </a:endParaRPr>
+          </a:p>
+          <a:p>
+            <a:pPr marL="342900" indent="-342900">
+              <a:buFont typeface="Wingdings" panose="05000000000000000000" pitchFamily="2" charset="2"/>
+              <a:buChar char="§"/>
+            </a:pPr>
+            <a:r>
+              <a:rPr lang="en-US" sz="1900" b="0" i="0" u="none" strike="noStrike" baseline="0" dirty="0">
+                <a:latin typeface="Arial" panose="020B0604020202020204" pitchFamily="34" charset="0"/>
+                <a:cs typeface="Arial" panose="020B0604020202020204" pitchFamily="34" charset="0"/>
+              </a:rPr>
+              <a:t>Register types:</a:t>
+            </a:r>
+          </a:p>
+          <a:p>
+            <a:pPr marL="914400" lvl="1" indent="-457200">
+              <a:buFont typeface="+mj-lt"/>
+              <a:buAutoNum type="arabicPeriod"/>
+            </a:pPr>
+            <a:r>
+              <a:rPr lang="en-US" sz="1900" b="0" i="0" u="none" strike="noStrike" baseline="0" dirty="0">
+                <a:latin typeface="Arial" panose="020B0604020202020204" pitchFamily="34" charset="0"/>
+                <a:cs typeface="Arial" panose="020B0604020202020204" pitchFamily="34" charset="0"/>
+              </a:rPr>
+              <a:t>Simple Register (with/without enable)</a:t>
+            </a:r>
+          </a:p>
+          <a:p>
+            <a:pPr marL="914400" lvl="1" indent="-457200">
+              <a:buFont typeface="+mj-lt"/>
+              <a:buAutoNum type="arabicPeriod"/>
+            </a:pPr>
+            <a:r>
+              <a:rPr lang="en-US" sz="1900" b="0" i="0" u="none" strike="noStrike" baseline="0" dirty="0">
+                <a:latin typeface="Arial" panose="020B0604020202020204" pitchFamily="34" charset="0"/>
+                <a:cs typeface="Arial" panose="020B0604020202020204" pitchFamily="34" charset="0"/>
+              </a:rPr>
+              <a:t>Shift register (with/without enable)</a:t>
+            </a:r>
+          </a:p>
+          <a:p>
+            <a:pPr marL="1371600" lvl="2" indent="-457200">
+              <a:buFont typeface="+mj-lt"/>
+              <a:buAutoNum type="alphaLcParenR"/>
+            </a:pPr>
+            <a:r>
+              <a:rPr lang="en-US" sz="1900" b="0" i="0" u="none" strike="noStrike" baseline="0" dirty="0">
+                <a:latin typeface="Arial" panose="020B0604020202020204" pitchFamily="34" charset="0"/>
+                <a:cs typeface="Arial" panose="020B0604020202020204" pitchFamily="34" charset="0"/>
+              </a:rPr>
+              <a:t>Serial input, parallel output</a:t>
+            </a:r>
+          </a:p>
+          <a:p>
+            <a:pPr marL="1371600" lvl="2" indent="-457200">
+              <a:buFont typeface="+mj-lt"/>
+              <a:buAutoNum type="alphaLcParenR"/>
+            </a:pPr>
+            <a:r>
+              <a:rPr lang="en-US" sz="1900" b="0" i="0" u="none" strike="noStrike" baseline="0" dirty="0">
+                <a:latin typeface="Arial" panose="020B0604020202020204" pitchFamily="34" charset="0"/>
+                <a:cs typeface="Arial" panose="020B0604020202020204" pitchFamily="34" charset="0"/>
+              </a:rPr>
+              <a:t>Serial input, serial output</a:t>
+            </a:r>
+          </a:p>
+          <a:p>
+            <a:pPr marL="914400" lvl="1" indent="-457200">
+              <a:buFont typeface="+mj-lt"/>
+              <a:buAutoNum type="arabicPeriod"/>
+            </a:pPr>
+            <a:r>
+              <a:rPr lang="en-US" sz="1900" b="0" i="0" u="none" strike="noStrike" baseline="0" dirty="0">
+                <a:latin typeface="Arial" panose="020B0604020202020204" pitchFamily="34" charset="0"/>
+                <a:cs typeface="Arial" panose="020B0604020202020204" pitchFamily="34" charset="0"/>
+              </a:rPr>
+              <a:t>Parallel access shift register (parallel/serial input, parallel/serial output).</a:t>
+            </a:r>
+          </a:p>
+        </p:txBody>
+      </p:sp>
     </p:spTree>
     <p:extLst>
       <p:ext uri="{BB962C8B-B14F-4D97-AF65-F5344CB8AC3E}">
-        <p14:creationId xmlns:p14="http://schemas.microsoft.com/office/powerpoint/2010/main" val="3255998102"/>
+        <p14:creationId xmlns:p14="http://schemas.microsoft.com/office/powerpoint/2010/main" val="2291066067"/>
       </p:ext>
     </p:extLst>
   </p:cSld>
@@ -6414,35 +6286,17 @@
                 </a:solidFill>
                 <a:latin typeface="Bahnschrift Light Condensed" panose="020B0502040204020203" pitchFamily="34" charset="0"/>
               </a:rPr>
-              <a:t>n-bit register with enable, </a:t>
-            </a:r>
-            <a:r>
-              <a:rPr lang="en-US" sz="2400" dirty="0" err="1">
-                <a:solidFill>
-                  <a:srgbClr val="C00000"/>
-                </a:solidFill>
-                <a:latin typeface="Bahnschrift Light Condensed" panose="020B0502040204020203" pitchFamily="34" charset="0"/>
-              </a:rPr>
-              <a:t>sclr</a:t>
-            </a:r>
-            <a:r>
-              <a:rPr lang="en-US" sz="2400" dirty="0">
-                <a:solidFill>
-                  <a:srgbClr val="C00000"/>
-                </a:solidFill>
-                <a:latin typeface="Bahnschrift Light Condensed" panose="020B0502040204020203" pitchFamily="34" charset="0"/>
-              </a:rPr>
-              <a:t> and asynchronous reset</a:t>
+              <a:t>8-bit register with enable and asynchronous reset</a:t>
             </a:r>
           </a:p>
         </p:txBody>
       </p:sp>
       <p:pic>
         <p:nvPicPr>
-          <p:cNvPr id="5" name="Picture 4">
-            <a:extLst>
-              <a:ext uri="{FF2B5EF4-FFF2-40B4-BE49-F238E27FC236}">
-                <a16:creationId xmlns:a16="http://schemas.microsoft.com/office/drawing/2014/main" id="{37EB27D5-E23B-4DE7-A8BA-FDB85AABE27B}"/>
+          <p:cNvPr id="3" name="Picture 2">
+            <a:extLst>
+              <a:ext uri="{FF2B5EF4-FFF2-40B4-BE49-F238E27FC236}">
+                <a16:creationId xmlns:a16="http://schemas.microsoft.com/office/drawing/2014/main" id="{8599EC97-0AEA-4CD6-8D33-426BAA71D5D7}"/>
               </a:ext>
             </a:extLst>
           </p:cNvPr>
@@ -6459,92 +6313,20 @@
         </p:blipFill>
         <p:spPr>
           <a:xfrm>
-            <a:off x="661182" y="2279625"/>
-            <a:ext cx="3135525" cy="1968818"/>
+            <a:off x="661182" y="2262028"/>
+            <a:ext cx="3262502" cy="2333944"/>
           </a:xfrm>
           <a:prstGeom prst="rect">
             <a:avLst/>
           </a:prstGeom>
         </p:spPr>
       </p:pic>
-      <p:sp>
-        <p:nvSpPr>
-          <p:cNvPr id="11" name="TextBox 10">
-            <a:extLst>
-              <a:ext uri="{FF2B5EF4-FFF2-40B4-BE49-F238E27FC236}">
-                <a16:creationId xmlns:a16="http://schemas.microsoft.com/office/drawing/2014/main" id="{F3E827CB-D9CF-4E4B-9A00-9DA381ED2E4D}"/>
-              </a:ext>
-            </a:extLst>
-          </p:cNvPr>
-          <p:cNvSpPr txBox="1"/>
-          <p:nvPr/>
-        </p:nvSpPr>
-        <p:spPr>
-          <a:xfrm>
-            <a:off x="661182" y="4529329"/>
-            <a:ext cx="4373105" cy="369332"/>
-          </a:xfrm>
-          <a:prstGeom prst="rect">
-            <a:avLst/>
-          </a:prstGeom>
-          <a:noFill/>
-          <a:ln>
-            <a:solidFill>
-              <a:schemeClr val="accent2">
-                <a:lumMod val="75000"/>
-              </a:schemeClr>
-            </a:solidFill>
-          </a:ln>
-        </p:spPr>
-        <p:txBody>
-          <a:bodyPr wrap="square">
-            <a:spAutoFit/>
-          </a:bodyPr>
-          <a:lstStyle/>
-          <a:p>
-            <a:pPr marL="285750" indent="-285750">
-              <a:buFont typeface="Wingdings" panose="05000000000000000000" pitchFamily="2" charset="2"/>
-              <a:buChar char="q"/>
-            </a:pPr>
-            <a:r>
-              <a:rPr lang="en-US" sz="1800" b="0" i="0" u="none" strike="noStrike" baseline="0" dirty="0" err="1">
-                <a:solidFill>
-                  <a:srgbClr val="C00000"/>
-                </a:solidFill>
-                <a:latin typeface="Courier New" panose="02070309020205020404" pitchFamily="49" charset="0"/>
-                <a:cs typeface="Courier New" panose="02070309020205020404" pitchFamily="49" charset="0"/>
-              </a:rPr>
-              <a:t>sclr</a:t>
-            </a:r>
-            <a:r>
-              <a:rPr lang="en-US" sz="1800" b="0" i="0" u="none" strike="noStrike" baseline="0" dirty="0">
-                <a:solidFill>
-                  <a:srgbClr val="000000"/>
-                </a:solidFill>
-                <a:latin typeface="Arial" panose="020B0604020202020204" pitchFamily="34" charset="0"/>
-                <a:cs typeface="Arial" panose="020B0604020202020204" pitchFamily="34" charset="0"/>
-              </a:rPr>
-              <a:t>: only considered if </a:t>
-            </a:r>
-            <a:r>
-              <a:rPr lang="en-US" sz="1800" b="0" i="0" u="none" strike="noStrike" baseline="0" dirty="0">
-                <a:solidFill>
-                  <a:srgbClr val="C00000"/>
-                </a:solidFill>
-                <a:latin typeface="Courier New" panose="02070309020205020404" pitchFamily="49" charset="0"/>
-                <a:cs typeface="Courier New" panose="02070309020205020404" pitchFamily="49" charset="0"/>
-              </a:rPr>
-              <a:t>E = ‘1’</a:t>
-            </a:r>
-          </a:p>
-        </p:txBody>
-      </p:sp>
       <p:pic>
         <p:nvPicPr>
-          <p:cNvPr id="12" name="Picture 11">
-            <a:extLst>
-              <a:ext uri="{FF2B5EF4-FFF2-40B4-BE49-F238E27FC236}">
-                <a16:creationId xmlns:a16="http://schemas.microsoft.com/office/drawing/2014/main" id="{036F1389-AAF3-4963-A61A-E45C06448C51}"/>
+          <p:cNvPr id="8" name="Picture 7">
+            <a:extLst>
+              <a:ext uri="{FF2B5EF4-FFF2-40B4-BE49-F238E27FC236}">
+                <a16:creationId xmlns:a16="http://schemas.microsoft.com/office/drawing/2014/main" id="{CC017858-30A6-48DF-BDF4-5C33358C12F8}"/>
               </a:ext>
             </a:extLst>
           </p:cNvPr>
@@ -6561,8 +6343,8 @@
         </p:blipFill>
         <p:spPr>
           <a:xfrm>
-            <a:off x="5290478" y="2279625"/>
-            <a:ext cx="5825646" cy="3389655"/>
+            <a:off x="5131870" y="2262028"/>
+            <a:ext cx="4901232" cy="2597234"/>
           </a:xfrm>
           <a:prstGeom prst="rect">
             <a:avLst/>
@@ -6572,7 +6354,7 @@
     </p:spTree>
     <p:extLst>
       <p:ext uri="{BB962C8B-B14F-4D97-AF65-F5344CB8AC3E}">
-        <p14:creationId xmlns:p14="http://schemas.microsoft.com/office/powerpoint/2010/main" val="894911875"/>
+        <p14:creationId xmlns:p14="http://schemas.microsoft.com/office/powerpoint/2010/main" val="3255998102"/>
       </p:ext>
     </p:extLst>
   </p:cSld>
@@ -6701,10 +6483,10 @@
       </p:sp>
       <p:sp>
         <p:nvSpPr>
-          <p:cNvPr id="7" name="TextBox 6">
-            <a:extLst>
-              <a:ext uri="{FF2B5EF4-FFF2-40B4-BE49-F238E27FC236}">
-                <a16:creationId xmlns:a16="http://schemas.microsoft.com/office/drawing/2014/main" id="{893FCE7C-AC82-45EA-8448-24650BB6F80A}"/>
+          <p:cNvPr id="6" name="TextBox 5">
+            <a:extLst>
+              <a:ext uri="{FF2B5EF4-FFF2-40B4-BE49-F238E27FC236}">
+                <a16:creationId xmlns:a16="http://schemas.microsoft.com/office/drawing/2014/main" id="{0F07A8C7-5A49-4496-9332-7F2251BFA44B}"/>
               </a:ext>
             </a:extLst>
           </p:cNvPr>
@@ -6734,7 +6516,7 @@
                 </a:solidFill>
                 <a:latin typeface="Bahnschrift Light Condensed" panose="020B0502040204020203" pitchFamily="34" charset="0"/>
               </a:rPr>
-              <a:t>TESTBENCH : Generating Clock Stimulus</a:t>
+              <a:t>Parallel Load, Parallel Output </a:t>
             </a:r>
             <a:endParaRPr lang="en-US" sz="3200" dirty="0">
               <a:solidFill>
@@ -6748,10 +6530,10 @@
       </p:sp>
       <p:sp>
         <p:nvSpPr>
-          <p:cNvPr id="10" name="TextBox 9">
-            <a:extLst>
-              <a:ext uri="{FF2B5EF4-FFF2-40B4-BE49-F238E27FC236}">
-                <a16:creationId xmlns:a16="http://schemas.microsoft.com/office/drawing/2014/main" id="{21A63880-A130-4DF4-A836-A2C70E0FBC9D}"/>
+          <p:cNvPr id="7" name="TextBox 6">
+            <a:extLst>
+              <a:ext uri="{FF2B5EF4-FFF2-40B4-BE49-F238E27FC236}">
+                <a16:creationId xmlns:a16="http://schemas.microsoft.com/office/drawing/2014/main" id="{C6A0C804-BAA1-41FB-8E9A-C530653C3987}"/>
               </a:ext>
             </a:extLst>
           </p:cNvPr>
@@ -6760,8 +6542,8 @@
         </p:nvSpPr>
         <p:spPr>
           <a:xfrm>
-            <a:off x="661182" y="1555962"/>
-            <a:ext cx="6147796" cy="1846659"/>
+            <a:off x="661182" y="1537074"/>
+            <a:ext cx="6921304" cy="461665"/>
           </a:xfrm>
           <a:prstGeom prst="rect">
             <a:avLst/>
@@ -6769,53 +6551,37 @@
           <a:noFill/>
         </p:spPr>
         <p:txBody>
-          <a:bodyPr wrap="square">
+          <a:bodyPr wrap="square" rtlCol="0">
             <a:spAutoFit/>
           </a:bodyPr>
           <a:lstStyle/>
           <a:p>
-            <a:pPr marL="342900" indent="-342900">
-              <a:buFont typeface="Wingdings" panose="05000000000000000000" pitchFamily="2" charset="2"/>
-              <a:buChar char="§"/>
-            </a:pPr>
-            <a:r>
-              <a:rPr lang="en-US" sz="1900" b="0" i="0" u="none" strike="noStrike" baseline="0" dirty="0">
-                <a:solidFill>
-                  <a:srgbClr val="000000"/>
-                </a:solidFill>
-                <a:latin typeface="Arial" panose="020B0604020202020204" pitchFamily="34" charset="0"/>
-                <a:cs typeface="Arial" panose="020B0604020202020204" pitchFamily="34" charset="0"/>
-              </a:rPr>
-              <a:t>A clock signal is an square wave with a fixed frequency. The Duty Cycle is usually 50%.</a:t>
-            </a:r>
-          </a:p>
-          <a:p>
-            <a:pPr marL="342900" indent="-342900">
-              <a:buFont typeface="Wingdings" panose="05000000000000000000" pitchFamily="2" charset="2"/>
-              <a:buChar char="§"/>
-            </a:pPr>
-            <a:endParaRPr lang="en-US" sz="1900" b="0" i="0" u="none" strike="noStrike" baseline="0" dirty="0">
-              <a:solidFill>
-                <a:srgbClr val="000000"/>
-              </a:solidFill>
-              <a:latin typeface="Arial" panose="020B0604020202020204" pitchFamily="34" charset="0"/>
-              <a:cs typeface="Arial" panose="020B0604020202020204" pitchFamily="34" charset="0"/>
-            </a:endParaRPr>
-          </a:p>
-          <a:p>
-            <a:pPr marL="342900" indent="-342900">
-              <a:buFont typeface="Wingdings" panose="05000000000000000000" pitchFamily="2" charset="2"/>
-              <a:buChar char="§"/>
-            </a:pPr>
-            <a:r>
-              <a:rPr lang="en-US" sz="1900" b="0" i="0" u="none" strike="noStrike" baseline="0" dirty="0">
-                <a:solidFill>
-                  <a:srgbClr val="000000"/>
-                </a:solidFill>
-                <a:latin typeface="Arial" panose="020B0604020202020204" pitchFamily="34" charset="0"/>
-                <a:cs typeface="Arial" panose="020B0604020202020204" pitchFamily="34" charset="0"/>
-              </a:rPr>
-              <a:t>The example a code snippet of the testbench for reg3.vhd: An independent process is needed just to create the clock signal.</a:t>
+            <a:r>
+              <a:rPr lang="en-US" sz="2400" dirty="0">
+                <a:solidFill>
+                  <a:srgbClr val="C00000"/>
+                </a:solidFill>
+                <a:latin typeface="Bahnschrift Light Condensed" panose="020B0502040204020203" pitchFamily="34" charset="0"/>
+              </a:rPr>
+              <a:t>n-bit register with enable, </a:t>
+            </a:r>
+            <a:r>
+              <a:rPr lang="en-US" sz="2400" dirty="0" err="1">
+                <a:solidFill>
+                  <a:srgbClr val="C00000"/>
+                </a:solidFill>
+                <a:latin typeface="Bahnschrift Light Condensed" panose="020B0502040204020203" pitchFamily="34" charset="0"/>
+              </a:rPr>
+              <a:t>sclr</a:t>
+            </a:r>
+            <a:r>
+              <a:rPr lang="en-US" sz="2400" dirty="0">
+                <a:solidFill>
+                  <a:srgbClr val="C00000"/>
+                </a:solidFill>
+                <a:latin typeface="Bahnschrift Light Condensed" panose="020B0502040204020203" pitchFamily="34" charset="0"/>
+              </a:rPr>
+              <a:t> and asynchronous reset</a:t>
             </a:r>
           </a:p>
         </p:txBody>
@@ -6825,7 +6591,7 @@
           <p:cNvPr id="5" name="Picture 4">
             <a:extLst>
               <a:ext uri="{FF2B5EF4-FFF2-40B4-BE49-F238E27FC236}">
-                <a16:creationId xmlns:a16="http://schemas.microsoft.com/office/drawing/2014/main" id="{00107477-1578-4D16-B718-54D699249BC4}"/>
+                <a16:creationId xmlns:a16="http://schemas.microsoft.com/office/drawing/2014/main" id="{37EB27D5-E23B-4DE7-A8BA-FDB85AABE27B}"/>
               </a:ext>
             </a:extLst>
           </p:cNvPr>
@@ -6842,20 +6608,92 @@
         </p:blipFill>
         <p:spPr>
           <a:xfrm>
-            <a:off x="974844" y="3987396"/>
-            <a:ext cx="4329634" cy="1714985"/>
+            <a:off x="661182" y="2279625"/>
+            <a:ext cx="3135525" cy="1968818"/>
           </a:xfrm>
           <a:prstGeom prst="rect">
             <a:avLst/>
           </a:prstGeom>
         </p:spPr>
       </p:pic>
+      <p:sp>
+        <p:nvSpPr>
+          <p:cNvPr id="11" name="TextBox 10">
+            <a:extLst>
+              <a:ext uri="{FF2B5EF4-FFF2-40B4-BE49-F238E27FC236}">
+                <a16:creationId xmlns:a16="http://schemas.microsoft.com/office/drawing/2014/main" id="{F3E827CB-D9CF-4E4B-9A00-9DA381ED2E4D}"/>
+              </a:ext>
+            </a:extLst>
+          </p:cNvPr>
+          <p:cNvSpPr txBox="1"/>
+          <p:nvPr/>
+        </p:nvSpPr>
+        <p:spPr>
+          <a:xfrm>
+            <a:off x="661182" y="4529329"/>
+            <a:ext cx="4373105" cy="369332"/>
+          </a:xfrm>
+          <a:prstGeom prst="rect">
+            <a:avLst/>
+          </a:prstGeom>
+          <a:noFill/>
+          <a:ln>
+            <a:solidFill>
+              <a:schemeClr val="accent2">
+                <a:lumMod val="75000"/>
+              </a:schemeClr>
+            </a:solidFill>
+          </a:ln>
+        </p:spPr>
+        <p:txBody>
+          <a:bodyPr wrap="square">
+            <a:spAutoFit/>
+          </a:bodyPr>
+          <a:lstStyle/>
+          <a:p>
+            <a:pPr marL="285750" indent="-285750">
+              <a:buFont typeface="Wingdings" panose="05000000000000000000" pitchFamily="2" charset="2"/>
+              <a:buChar char="q"/>
+            </a:pPr>
+            <a:r>
+              <a:rPr lang="en-US" sz="1800" b="0" i="0" u="none" strike="noStrike" baseline="0" dirty="0" err="1">
+                <a:solidFill>
+                  <a:srgbClr val="C00000"/>
+                </a:solidFill>
+                <a:latin typeface="Courier New" panose="02070309020205020404" pitchFamily="49" charset="0"/>
+                <a:cs typeface="Courier New" panose="02070309020205020404" pitchFamily="49" charset="0"/>
+              </a:rPr>
+              <a:t>sclr</a:t>
+            </a:r>
+            <a:r>
+              <a:rPr lang="en-US" sz="1800" b="0" i="0" u="none" strike="noStrike" baseline="0" dirty="0">
+                <a:solidFill>
+                  <a:srgbClr val="000000"/>
+                </a:solidFill>
+                <a:latin typeface="Arial" panose="020B0604020202020204" pitchFamily="34" charset="0"/>
+                <a:cs typeface="Arial" panose="020B0604020202020204" pitchFamily="34" charset="0"/>
+              </a:rPr>
+              <a:t>: only considered if </a:t>
+            </a:r>
+            <a:r>
+              <a:rPr lang="en-US" sz="1800" b="0" i="0" u="none" strike="noStrike" baseline="0" dirty="0">
+                <a:solidFill>
+                  <a:srgbClr val="C00000"/>
+                </a:solidFill>
+                <a:latin typeface="Courier New" panose="02070309020205020404" pitchFamily="49" charset="0"/>
+                <a:cs typeface="Courier New" panose="02070309020205020404" pitchFamily="49" charset="0"/>
+              </a:rPr>
+              <a:t>E = ‘1’</a:t>
+            </a:r>
+          </a:p>
+        </p:txBody>
+      </p:sp>
       <p:pic>
         <p:nvPicPr>
           <p:cNvPr id="12" name="Picture 11">
             <a:extLst>
               <a:ext uri="{FF2B5EF4-FFF2-40B4-BE49-F238E27FC236}">
-                <a16:creationId xmlns:a16="http://schemas.microsoft.com/office/drawing/2014/main" id="{D618EE3D-B339-43CA-90EE-241CEFAD9A9F}"/>
+                <a16:creationId xmlns:a16="http://schemas.microsoft.com/office/drawing/2014/main" id="{036F1389-AAF3-4963-A61A-E45C06448C51}"/>
               </a:ext>
             </a:extLst>
           </p:cNvPr>
@@ -6872,8 +6710,8 @@
         </p:blipFill>
         <p:spPr>
           <a:xfrm>
-            <a:off x="6808978" y="1603821"/>
-            <a:ext cx="5028835" cy="4944139"/>
+            <a:off x="5290478" y="2279625"/>
+            <a:ext cx="5825646" cy="3389655"/>
           </a:xfrm>
           <a:prstGeom prst="rect">
             <a:avLst/>
@@ -6883,7 +6721,7 @@
     </p:spTree>
     <p:extLst>
       <p:ext uri="{BB962C8B-B14F-4D97-AF65-F5344CB8AC3E}">
-        <p14:creationId xmlns:p14="http://schemas.microsoft.com/office/powerpoint/2010/main" val="2351146104"/>
+        <p14:creationId xmlns:p14="http://schemas.microsoft.com/office/powerpoint/2010/main" val="894911875"/>
       </p:ext>
     </p:extLst>
   </p:cSld>
@@ -7012,10 +6850,10 @@
       </p:sp>
       <p:sp>
         <p:nvSpPr>
-          <p:cNvPr id="6" name="TextBox 5">
-            <a:extLst>
-              <a:ext uri="{FF2B5EF4-FFF2-40B4-BE49-F238E27FC236}">
-                <a16:creationId xmlns:a16="http://schemas.microsoft.com/office/drawing/2014/main" id="{0F07A8C7-5A49-4496-9332-7F2251BFA44B}"/>
+          <p:cNvPr id="7" name="TextBox 6">
+            <a:extLst>
+              <a:ext uri="{FF2B5EF4-FFF2-40B4-BE49-F238E27FC236}">
+                <a16:creationId xmlns:a16="http://schemas.microsoft.com/office/drawing/2014/main" id="{893FCE7C-AC82-45EA-8448-24650BB6F80A}"/>
               </a:ext>
             </a:extLst>
           </p:cNvPr>
@@ -7045,7 +6883,7 @@
                 </a:solidFill>
                 <a:latin typeface="Bahnschrift Light Condensed" panose="020B0502040204020203" pitchFamily="34" charset="0"/>
               </a:rPr>
-              <a:t>REGISTER: 3 state buffers and 6 to 6 LUT </a:t>
+              <a:t>TESTBENCH : Generating Clock Stimulus</a:t>
             </a:r>
             <a:endParaRPr lang="en-US" sz="3200" dirty="0">
               <a:solidFill>
@@ -7059,10 +6897,10 @@
       </p:sp>
       <p:sp>
         <p:nvSpPr>
-          <p:cNvPr id="9" name="TextBox 8">
-            <a:extLst>
-              <a:ext uri="{FF2B5EF4-FFF2-40B4-BE49-F238E27FC236}">
-                <a16:creationId xmlns:a16="http://schemas.microsoft.com/office/drawing/2014/main" id="{66CE2A1B-9E32-479A-BFD8-C2EC08EDCB4A}"/>
+          <p:cNvPr id="10" name="TextBox 9">
+            <a:extLst>
+              <a:ext uri="{FF2B5EF4-FFF2-40B4-BE49-F238E27FC236}">
+                <a16:creationId xmlns:a16="http://schemas.microsoft.com/office/drawing/2014/main" id="{21A63880-A130-4DF4-A836-A2C70E0FBC9D}"/>
               </a:ext>
             </a:extLst>
           </p:cNvPr>
@@ -7071,8 +6909,8 @@
         </p:nvSpPr>
         <p:spPr>
           <a:xfrm>
-            <a:off x="661182" y="1443418"/>
-            <a:ext cx="10297550" cy="1846659"/>
+            <a:off x="661182" y="1555962"/>
+            <a:ext cx="6147796" cy="1846659"/>
           </a:xfrm>
           <a:prstGeom prst="rect">
             <a:avLst/>
@@ -7090,35 +6928,14 @@
               <a:buChar char="§"/>
             </a:pPr>
             <a:r>
-              <a:rPr lang="en-US" sz="1900" b="1" i="0" u="none" strike="noStrike" baseline="0" dirty="0">
+              <a:rPr lang="en-US" sz="1900" b="0" i="0" u="none" strike="noStrike" baseline="0" dirty="0">
+                <a:solidFill>
+                  <a:srgbClr val="000000"/>
+                </a:solidFill>
                 <a:latin typeface="Arial" panose="020B0604020202020204" pitchFamily="34" charset="0"/>
                 <a:cs typeface="Arial" panose="020B0604020202020204" pitchFamily="34" charset="0"/>
               </a:rPr>
-              <a:t>LUT6-to-6</a:t>
-            </a:r>
-            <a:r>
-              <a:rPr lang="en-US" sz="1900" b="0" i="0" u="none" strike="noStrike" baseline="0" dirty="0">
-                <a:latin typeface="Arial" panose="020B0604020202020204" pitchFamily="34" charset="0"/>
-                <a:cs typeface="Arial" panose="020B0604020202020204" pitchFamily="34" charset="0"/>
-              </a:rPr>
-              <a:t>: built by grouping </a:t>
-            </a:r>
-            <a:r>
-              <a:rPr lang="en-US" sz="1900" b="0" i="0" u="none" strike="noStrike" baseline="0" dirty="0">
-                <a:highlight>
-                  <a:srgbClr val="E3AE8A"/>
-                </a:highlight>
-                <a:latin typeface="Arial" panose="020B0604020202020204" pitchFamily="34" charset="0"/>
-                <a:cs typeface="Arial" panose="020B0604020202020204" pitchFamily="34" charset="0"/>
-              </a:rPr>
-              <a:t>six LUT6-to-1 in parallel</a:t>
-            </a:r>
-            <a:r>
-              <a:rPr lang="en-US" sz="1900" b="0" i="0" u="none" strike="noStrike" baseline="0" dirty="0">
-                <a:latin typeface="Arial" panose="020B0604020202020204" pitchFamily="34" charset="0"/>
-                <a:cs typeface="Arial" panose="020B0604020202020204" pitchFamily="34" charset="0"/>
-              </a:rPr>
-              <a:t>. LUT6-to-1: made out of LUT4-to-1.</a:t>
+              <a:t>A clock signal is an square wave with a fixed frequency. The Duty Cycle is usually 50%.</a:t>
             </a:r>
           </a:p>
           <a:p>
@@ -7126,47 +6943,13 @@
               <a:buFont typeface="Wingdings" panose="05000000000000000000" pitchFamily="2" charset="2"/>
               <a:buChar char="§"/>
             </a:pPr>
-            <a:r>
-              <a:rPr lang="en-US" sz="1900" b="0" i="0" u="none" strike="noStrike" baseline="0" dirty="0">
-                <a:latin typeface="Arial" panose="020B0604020202020204" pitchFamily="34" charset="0"/>
-                <a:cs typeface="Arial" panose="020B0604020202020204" pitchFamily="34" charset="0"/>
-              </a:rPr>
-              <a:t>Note that the port </a:t>
-            </a:r>
-            <a:r>
-              <a:rPr lang="en-US" sz="1900" b="0" i="0" u="none" strike="noStrike" baseline="0" dirty="0">
-                <a:solidFill>
-                  <a:srgbClr val="C00000"/>
-                </a:solidFill>
-                <a:latin typeface="Courier New" panose="02070309020205020404" pitchFamily="49" charset="0"/>
-                <a:cs typeface="Courier New" panose="02070309020205020404" pitchFamily="49" charset="0"/>
-              </a:rPr>
-              <a:t>DATA</a:t>
-            </a:r>
-            <a:r>
-              <a:rPr lang="en-US" sz="1900" b="0" i="0" u="none" strike="noStrike" baseline="0" dirty="0">
-                <a:latin typeface="Arial" panose="020B0604020202020204" pitchFamily="34" charset="0"/>
-                <a:cs typeface="Arial" panose="020B0604020202020204" pitchFamily="34" charset="0"/>
-              </a:rPr>
-              <a:t> can be input or output at different times. In VHDL, we use the </a:t>
-            </a:r>
-            <a:r>
-              <a:rPr lang="en-US" sz="1900" b="1" i="0" u="none" strike="noStrike" baseline="0" dirty="0">
-                <a:solidFill>
-                  <a:srgbClr val="C00000"/>
-                </a:solidFill>
-                <a:latin typeface="Courier New" panose="02070309020205020404" pitchFamily="49" charset="0"/>
-                <a:cs typeface="Courier New" panose="02070309020205020404" pitchFamily="49" charset="0"/>
-              </a:rPr>
-              <a:t>INOUT</a:t>
-            </a:r>
-            <a:r>
-              <a:rPr lang="en-US" sz="1900" b="0" i="0" u="none" strike="noStrike" baseline="0" dirty="0">
-                <a:latin typeface="Arial" panose="020B0604020202020204" pitchFamily="34" charset="0"/>
-                <a:cs typeface="Arial" panose="020B0604020202020204" pitchFamily="34" charset="0"/>
-              </a:rPr>
-              <a:t> data type to specify this.</a:t>
-            </a:r>
+            <a:endParaRPr lang="en-US" sz="1900" b="0" i="0" u="none" strike="noStrike" baseline="0" dirty="0">
+              <a:solidFill>
+                <a:srgbClr val="000000"/>
+              </a:solidFill>
+              <a:latin typeface="Arial" panose="020B0604020202020204" pitchFamily="34" charset="0"/>
+              <a:cs typeface="Arial" panose="020B0604020202020204" pitchFamily="34" charset="0"/>
+            </a:endParaRPr>
           </a:p>
           <a:p>
             <a:pPr marL="342900" indent="-342900">
@@ -7174,48 +6957,24 @@
               <a:buChar char="§"/>
             </a:pPr>
             <a:r>
-              <a:rPr lang="en-US" sz="1900" b="1" i="0" u="none" strike="noStrike" baseline="0" dirty="0">
+              <a:rPr lang="en-US" sz="1900" b="0" i="0" u="none" strike="noStrike" baseline="0" dirty="0">
+                <a:solidFill>
+                  <a:srgbClr val="000000"/>
+                </a:solidFill>
                 <a:latin typeface="Arial" panose="020B0604020202020204" pitchFamily="34" charset="0"/>
                 <a:cs typeface="Arial" panose="020B0604020202020204" pitchFamily="34" charset="0"/>
               </a:rPr>
-              <a:t>LUT6-to-6 contents</a:t>
-            </a:r>
-            <a:r>
-              <a:rPr lang="en-US" sz="1900" b="0" i="0" u="none" strike="noStrike" baseline="0" dirty="0">
-                <a:latin typeface="Arial" panose="020B0604020202020204" pitchFamily="34" charset="0"/>
-                <a:cs typeface="Arial" panose="020B0604020202020204" pitchFamily="34" charset="0"/>
-              </a:rPr>
-              <a:t>: Any function of 6 input bits and 6 output bits can be pre-computed and stored in the LUT6-to-6.</a:t>
-            </a:r>
-            <a:endParaRPr lang="en-US" sz="1900" dirty="0">
-              <a:solidFill>
-                <a:srgbClr val="C00000"/>
-              </a:solidFill>
-              <a:latin typeface="Courier New" panose="02070309020205020404" pitchFamily="49" charset="0"/>
-              <a:cs typeface="Courier New" panose="02070309020205020404" pitchFamily="49" charset="0"/>
-            </a:endParaRPr>
-          </a:p>
-          <a:p>
-            <a:pPr marL="342900" indent="-342900">
-              <a:buFont typeface="Wingdings" panose="05000000000000000000" pitchFamily="2" charset="2"/>
-              <a:buChar char="§"/>
-            </a:pPr>
-            <a:r>
-              <a:rPr lang="en-US" sz="1900" b="0" i="0" u="none" strike="noStrike" baseline="0" dirty="0">
-                <a:latin typeface="Arial" panose="020B0604020202020204" pitchFamily="34" charset="0"/>
-                <a:cs typeface="Arial" panose="020B0604020202020204" pitchFamily="34" charset="0"/>
-              </a:rPr>
-              <a:t>In the example, the function is:</a:t>
+              <a:t>The example a code snippet of the testbench for reg3.vhd: An independent process is needed just to create the clock signal.</a:t>
             </a:r>
           </a:p>
         </p:txBody>
       </p:sp>
       <p:pic>
         <p:nvPicPr>
-          <p:cNvPr id="3" name="Picture 2">
-            <a:extLst>
-              <a:ext uri="{FF2B5EF4-FFF2-40B4-BE49-F238E27FC236}">
-                <a16:creationId xmlns:a16="http://schemas.microsoft.com/office/drawing/2014/main" id="{85D043A9-E99D-48ED-8EF9-FA4FD81F2B77}"/>
+          <p:cNvPr id="5" name="Picture 4">
+            <a:extLst>
+              <a:ext uri="{FF2B5EF4-FFF2-40B4-BE49-F238E27FC236}">
+                <a16:creationId xmlns:a16="http://schemas.microsoft.com/office/drawing/2014/main" id="{00107477-1578-4D16-B718-54D699249BC4}"/>
               </a:ext>
             </a:extLst>
           </p:cNvPr>
@@ -7232,8 +6991,8 @@
         </p:blipFill>
         <p:spPr>
           <a:xfrm>
-            <a:off x="4486393" y="2966873"/>
-            <a:ext cx="1637743" cy="286208"/>
+            <a:off x="974844" y="3987396"/>
+            <a:ext cx="4329634" cy="1714985"/>
           </a:xfrm>
           <a:prstGeom prst="rect">
             <a:avLst/>
@@ -7242,10 +7001,10 @@
       </p:pic>
       <p:pic>
         <p:nvPicPr>
-          <p:cNvPr id="7" name="Picture 6">
-            <a:extLst>
-              <a:ext uri="{FF2B5EF4-FFF2-40B4-BE49-F238E27FC236}">
-                <a16:creationId xmlns:a16="http://schemas.microsoft.com/office/drawing/2014/main" id="{191E5990-4465-4B6C-83D4-006925B18C4B}"/>
+          <p:cNvPr id="12" name="Picture 11">
+            <a:extLst>
+              <a:ext uri="{FF2B5EF4-FFF2-40B4-BE49-F238E27FC236}">
+                <a16:creationId xmlns:a16="http://schemas.microsoft.com/office/drawing/2014/main" id="{D618EE3D-B339-43CA-90EE-241CEFAD9A9F}"/>
               </a:ext>
             </a:extLst>
           </p:cNvPr>
@@ -7262,68 +7021,8 @@
         </p:blipFill>
         <p:spPr>
           <a:xfrm>
-            <a:off x="1382443" y="3342217"/>
-            <a:ext cx="5875896" cy="1510513"/>
-          </a:xfrm>
-          <a:prstGeom prst="rect">
-            <a:avLst/>
-          </a:prstGeom>
-        </p:spPr>
-      </p:pic>
-      <p:pic>
-        <p:nvPicPr>
-          <p:cNvPr id="10" name="Picture 9">
-            <a:extLst>
-              <a:ext uri="{FF2B5EF4-FFF2-40B4-BE49-F238E27FC236}">
-                <a16:creationId xmlns:a16="http://schemas.microsoft.com/office/drawing/2014/main" id="{99A1CE33-C851-42D8-A407-B6592FAC743B}"/>
-              </a:ext>
-            </a:extLst>
-          </p:cNvPr>
-          <p:cNvPicPr>
-            <a:picLocks noChangeAspect="1"/>
-          </p:cNvPicPr>
-          <p:nvPr/>
-        </p:nvPicPr>
-        <p:blipFill>
-          <a:blip r:embed="rId4"/>
-          <a:stretch>
-            <a:fillRect/>
-          </a:stretch>
-        </p:blipFill>
-        <p:spPr>
-          <a:xfrm>
-            <a:off x="1382442" y="4904870"/>
-            <a:ext cx="6245193" cy="1953130"/>
-          </a:xfrm>
-          <a:prstGeom prst="rect">
-            <a:avLst/>
-          </a:prstGeom>
-        </p:spPr>
-      </p:pic>
-      <p:pic>
-        <p:nvPicPr>
-          <p:cNvPr id="12" name="Picture 11">
-            <a:extLst>
-              <a:ext uri="{FF2B5EF4-FFF2-40B4-BE49-F238E27FC236}">
-                <a16:creationId xmlns:a16="http://schemas.microsoft.com/office/drawing/2014/main" id="{B7AB1F5B-43CB-4541-8F15-B3B964FE2A83}"/>
-              </a:ext>
-            </a:extLst>
-          </p:cNvPr>
-          <p:cNvPicPr>
-            <a:picLocks noChangeAspect="1"/>
-          </p:cNvPicPr>
-          <p:nvPr/>
-        </p:nvPicPr>
-        <p:blipFill>
-          <a:blip r:embed="rId5"/>
-          <a:stretch>
-            <a:fillRect/>
-          </a:stretch>
-        </p:blipFill>
-        <p:spPr>
-          <a:xfrm>
-            <a:off x="8798783" y="3149082"/>
-            <a:ext cx="2383240" cy="3708918"/>
+            <a:off x="6808978" y="1603821"/>
+            <a:ext cx="5028835" cy="4944139"/>
           </a:xfrm>
           <a:prstGeom prst="rect">
             <a:avLst/>
@@ -7333,7 +7032,7 @@
     </p:spTree>
     <p:extLst>
       <p:ext uri="{BB962C8B-B14F-4D97-AF65-F5344CB8AC3E}">
-        <p14:creationId xmlns:p14="http://schemas.microsoft.com/office/powerpoint/2010/main" val="2647099697"/>
+        <p14:creationId xmlns:p14="http://schemas.microsoft.com/office/powerpoint/2010/main" val="2351146104"/>
       </p:ext>
     </p:extLst>
   </p:cSld>
@@ -7362,10 +7061,10 @@
       </p:grpSpPr>
       <p:sp>
         <p:nvSpPr>
-          <p:cNvPr id="4" name="Rectangle 3">
-            <a:extLst>
-              <a:ext uri="{FF2B5EF4-FFF2-40B4-BE49-F238E27FC236}">
-                <a16:creationId xmlns:a16="http://schemas.microsoft.com/office/drawing/2014/main" id="{7CB94DAC-7193-402A-8EEC-0275470A2AA8}"/>
+          <p:cNvPr id="6" name="Rectangle 5">
+            <a:extLst>
+              <a:ext uri="{FF2B5EF4-FFF2-40B4-BE49-F238E27FC236}">
+                <a16:creationId xmlns:a16="http://schemas.microsoft.com/office/drawing/2014/main" id="{6065C712-A711-4B62-9B9F-4831D4AC878F}"/>
               </a:ext>
             </a:extLst>
           </p:cNvPr>
@@ -7374,8 +7073,8 @@
         </p:nvSpPr>
         <p:spPr>
           <a:xfrm>
-            <a:off x="0" y="-2"/>
-            <a:ext cx="12192000" cy="923330"/>
+            <a:off x="0" y="2285415"/>
+            <a:ext cx="12192000" cy="1627330"/>
           </a:xfrm>
           <a:prstGeom prst="rect">
             <a:avLst/>
@@ -7414,10 +7113,10 @@
       </p:sp>
       <p:sp>
         <p:nvSpPr>
-          <p:cNvPr id="14" name="TextBox 13">
-            <a:extLst>
-              <a:ext uri="{FF2B5EF4-FFF2-40B4-BE49-F238E27FC236}">
-                <a16:creationId xmlns:a16="http://schemas.microsoft.com/office/drawing/2014/main" id="{DA3B01C4-1AD2-4960-9753-B6179C011EBA}"/>
+          <p:cNvPr id="4" name="TextBox 3">
+            <a:extLst>
+              <a:ext uri="{FF2B5EF4-FFF2-40B4-BE49-F238E27FC236}">
+                <a16:creationId xmlns:a16="http://schemas.microsoft.com/office/drawing/2014/main" id="{94F88A39-6281-4558-B08B-8FC2DC9F139D}"/>
               </a:ext>
             </a:extLst>
           </p:cNvPr>
@@ -7426,8 +7125,8 @@
         </p:nvSpPr>
         <p:spPr>
           <a:xfrm>
-            <a:off x="974844" y="123122"/>
-            <a:ext cx="5022167" cy="707886"/>
+            <a:off x="923279" y="2545082"/>
+            <a:ext cx="10298096" cy="769441"/>
           </a:xfrm>
           <a:prstGeom prst="rect">
             <a:avLst/>
@@ -7448,24 +7147,26 @@
           </a:bodyPr>
           <a:lstStyle/>
           <a:p>
-            <a:r>
-              <a:rPr lang="en-US" sz="4000" dirty="0">
-                <a:solidFill>
-                  <a:srgbClr val="92979B"/>
-                </a:solidFill>
-                <a:latin typeface="Bahnschrift Light Condensed" panose="020B0502040204020203" pitchFamily="34" charset="0"/>
-              </a:rPr>
-              <a:t>VHDL For FPGA</a:t>
-            </a:r>
-          </a:p>
-        </p:txBody>
-      </p:sp>
-      <p:sp>
-        <p:nvSpPr>
-          <p:cNvPr id="6" name="TextBox 5">
-            <a:extLst>
-              <a:ext uri="{FF2B5EF4-FFF2-40B4-BE49-F238E27FC236}">
-                <a16:creationId xmlns:a16="http://schemas.microsoft.com/office/drawing/2014/main" id="{0F07A8C7-5A49-4496-9332-7F2251BFA44B}"/>
+            <a:pPr algn="ctr"/>
+            <a:r>
+              <a:rPr lang="en-US" sz="4400" dirty="0">
+                <a:solidFill>
+                  <a:srgbClr val="8F9799"/>
+                </a:solidFill>
+                <a:latin typeface="Courier New" panose="02070309020205020404" pitchFamily="49" charset="0"/>
+                <a:cs typeface="Courier New" panose="02070309020205020404" pitchFamily="49" charset="0"/>
+              </a:rPr>
+              <a:t>PART2:SEQUENTIAL CIRCUITS</a:t>
+            </a:r>
+          </a:p>
+        </p:txBody>
+      </p:sp>
+      <p:sp>
+        <p:nvSpPr>
+          <p:cNvPr id="5" name="TextBox 4">
+            <a:extLst>
+              <a:ext uri="{FF2B5EF4-FFF2-40B4-BE49-F238E27FC236}">
+                <a16:creationId xmlns:a16="http://schemas.microsoft.com/office/drawing/2014/main" id="{834E90A8-1831-4B0A-ABD6-7DDF4434D26A}"/>
               </a:ext>
             </a:extLst>
           </p:cNvPr>
@@ -7474,13 +7175,21 @@
         </p:nvSpPr>
         <p:spPr>
           <a:xfrm>
-            <a:off x="661182" y="971187"/>
-            <a:ext cx="7469943" cy="584775"/>
+            <a:off x="1170806" y="4085328"/>
+            <a:ext cx="9831023" cy="1446550"/>
           </a:xfrm>
           <a:prstGeom prst="rect">
             <a:avLst/>
           </a:prstGeom>
           <a:noFill/>
+          <a:effectLst>
+            <a:glow rad="63500">
+              <a:schemeClr val="accent5">
+                <a:satMod val="175000"/>
+                <a:alpha val="40000"/>
+              </a:schemeClr>
+            </a:glow>
+          </a:effectLst>
         </p:spPr>
         <p:txBody>
           <a:bodyPr wrap="square" rtlCol="0">
@@ -7489,285 +7198,70 @@
           <a:lstStyle/>
           <a:p>
             <a:r>
-              <a:rPr lang="en-US" sz="3200" dirty="0">
-                <a:solidFill>
-                  <a:srgbClr val="C00000"/>
-                </a:solidFill>
-                <a:latin typeface="Bahnschrift Light Condensed" panose="020B0502040204020203" pitchFamily="34" charset="0"/>
-              </a:rPr>
-              <a:t>Combinational VS Sequential Circuits</a:t>
-            </a:r>
-          </a:p>
-        </p:txBody>
-      </p:sp>
-      <p:sp>
-        <p:nvSpPr>
-          <p:cNvPr id="9" name="TextBox 8">
-            <a:extLst>
-              <a:ext uri="{FF2B5EF4-FFF2-40B4-BE49-F238E27FC236}">
-                <a16:creationId xmlns:a16="http://schemas.microsoft.com/office/drawing/2014/main" id="{66CE2A1B-9E32-479A-BFD8-C2EC08EDCB4A}"/>
-              </a:ext>
-            </a:extLst>
-          </p:cNvPr>
-          <p:cNvSpPr txBox="1"/>
-          <p:nvPr/>
-        </p:nvSpPr>
-        <p:spPr>
-          <a:xfrm>
-            <a:off x="574430" y="1555962"/>
-            <a:ext cx="11043139" cy="384721"/>
-          </a:xfrm>
-          <a:prstGeom prst="rect">
-            <a:avLst/>
-          </a:prstGeom>
-          <a:noFill/>
-        </p:spPr>
-        <p:txBody>
-          <a:bodyPr wrap="square">
-            <a:spAutoFit/>
-          </a:bodyPr>
-          <a:lstStyle/>
+              <a:rPr lang="en-US" sz="2200" b="1" dirty="0">
+                <a:solidFill>
+                  <a:srgbClr val="171D2D"/>
+                </a:solidFill>
+                <a:latin typeface="Courier New" panose="02070309020205020404" pitchFamily="49" charset="0"/>
+                <a:cs typeface="Courier New" panose="02070309020205020404" pitchFamily="49" charset="0"/>
+              </a:rPr>
+              <a:t>SEQUENTIAL CIRCUITS</a:t>
+            </a:r>
+          </a:p>
           <a:p>
             <a:pPr marL="342900" indent="-342900">
               <a:buFont typeface="Arial" panose="020B0604020202020204" pitchFamily="34" charset="0"/>
               <a:buChar char="•"/>
             </a:pPr>
             <a:r>
-              <a:rPr lang="en-US" sz="1900" b="0" i="0" u="none" strike="noStrike" baseline="0" dirty="0">
-                <a:latin typeface="Arial" panose="020B0604020202020204" pitchFamily="34" charset="0"/>
-                <a:cs typeface="Arial" panose="020B0604020202020204" pitchFamily="34" charset="0"/>
-              </a:rPr>
-              <a:t>In combinational circuits, the output only depends upon the present input values.</a:t>
-            </a:r>
-          </a:p>
-        </p:txBody>
-      </p:sp>
-      <p:pic>
-        <p:nvPicPr>
-          <p:cNvPr id="5" name="Picture 4">
-            <a:extLst>
-              <a:ext uri="{FF2B5EF4-FFF2-40B4-BE49-F238E27FC236}">
-                <a16:creationId xmlns:a16="http://schemas.microsoft.com/office/drawing/2014/main" id="{FCAE6241-5874-454C-A45F-A14646968C22}"/>
-              </a:ext>
-            </a:extLst>
-          </p:cNvPr>
-          <p:cNvPicPr>
-            <a:picLocks noChangeAspect="1"/>
-          </p:cNvPicPr>
-          <p:nvPr/>
-        </p:nvPicPr>
-        <p:blipFill>
-          <a:blip r:embed="rId2"/>
-          <a:stretch>
-            <a:fillRect/>
-          </a:stretch>
-        </p:blipFill>
-        <p:spPr>
-          <a:xfrm>
-            <a:off x="2578344" y="2114244"/>
-            <a:ext cx="2879920" cy="1407480"/>
-          </a:xfrm>
-          <a:prstGeom prst="rect">
-            <a:avLst/>
-          </a:prstGeom>
-        </p:spPr>
-      </p:pic>
-      <p:sp>
-        <p:nvSpPr>
-          <p:cNvPr id="10" name="TextBox 9">
-            <a:extLst>
-              <a:ext uri="{FF2B5EF4-FFF2-40B4-BE49-F238E27FC236}">
-                <a16:creationId xmlns:a16="http://schemas.microsoft.com/office/drawing/2014/main" id="{73F64EE5-A380-41ED-84D8-E2845BB80FAB}"/>
-              </a:ext>
-            </a:extLst>
-          </p:cNvPr>
-          <p:cNvSpPr txBox="1"/>
-          <p:nvPr/>
-        </p:nvSpPr>
-        <p:spPr>
-          <a:xfrm>
-            <a:off x="574431" y="3720042"/>
-            <a:ext cx="7205003" cy="1261884"/>
-          </a:xfrm>
-          <a:prstGeom prst="rect">
-            <a:avLst/>
-          </a:prstGeom>
-          <a:noFill/>
-        </p:spPr>
-        <p:txBody>
-          <a:bodyPr wrap="square">
-            <a:spAutoFit/>
-          </a:bodyPr>
-          <a:lstStyle/>
+              <a:rPr lang="en-US" sz="2200" dirty="0">
+                <a:solidFill>
+                  <a:srgbClr val="C00000"/>
+                </a:solidFill>
+                <a:latin typeface="Courier New" panose="02070309020205020404" pitchFamily="49" charset="0"/>
+                <a:cs typeface="Courier New" panose="02070309020205020404" pitchFamily="49" charset="0"/>
+              </a:rPr>
+              <a:t>Asynchronous sequential circuits : Latches</a:t>
+            </a:r>
+          </a:p>
           <a:p>
             <a:pPr marL="342900" indent="-342900">
               <a:buFont typeface="Arial" panose="020B0604020202020204" pitchFamily="34" charset="0"/>
               <a:buChar char="•"/>
             </a:pPr>
             <a:r>
-              <a:rPr lang="en-US" sz="1900" b="0" i="0" u="none" strike="noStrike" baseline="0" dirty="0">
-                <a:latin typeface="Arial" panose="020B0604020202020204" pitchFamily="34" charset="0"/>
-                <a:cs typeface="Arial" panose="020B0604020202020204" pitchFamily="34" charset="0"/>
-              </a:rPr>
-              <a:t>There exist another class of logic circuits whose outputs not </a:t>
-            </a:r>
-            <a:r>
-              <a:rPr lang="en-US" sz="1900" b="0" i="0" u="none" strike="noStrike" baseline="0" dirty="0">
-                <a:highlight>
-                  <a:srgbClr val="FFFF00"/>
-                </a:highlight>
-                <a:latin typeface="Arial" panose="020B0604020202020204" pitchFamily="34" charset="0"/>
-                <a:cs typeface="Arial" panose="020B0604020202020204" pitchFamily="34" charset="0"/>
-              </a:rPr>
-              <a:t>only depend on the present input values but also on the past values of inputs, outputs, and/or internal signal</a:t>
-            </a:r>
-            <a:r>
-              <a:rPr lang="en-US" sz="1900" b="0" i="0" u="none" strike="noStrike" baseline="0" dirty="0">
-                <a:latin typeface="Arial" panose="020B0604020202020204" pitchFamily="34" charset="0"/>
-                <a:cs typeface="Arial" panose="020B0604020202020204" pitchFamily="34" charset="0"/>
-              </a:rPr>
-              <a:t>. These circuits include </a:t>
-            </a:r>
-            <a:r>
-              <a:rPr lang="en-US" sz="1900" b="0" i="0" u="none" strike="noStrike" baseline="0" dirty="0">
-                <a:highlight>
-                  <a:srgbClr val="E3AE8A"/>
-                </a:highlight>
-                <a:latin typeface="Arial" panose="020B0604020202020204" pitchFamily="34" charset="0"/>
-                <a:cs typeface="Arial" panose="020B0604020202020204" pitchFamily="34" charset="0"/>
-              </a:rPr>
-              <a:t>storage elements </a:t>
-            </a:r>
-            <a:r>
-              <a:rPr lang="en-US" sz="1900" b="0" i="0" u="none" strike="noStrike" baseline="0" dirty="0">
-                <a:latin typeface="Arial" panose="020B0604020202020204" pitchFamily="34" charset="0"/>
-                <a:cs typeface="Arial" panose="020B0604020202020204" pitchFamily="34" charset="0"/>
-              </a:rPr>
-              <a:t>to store those previous values.</a:t>
-            </a:r>
-          </a:p>
-        </p:txBody>
-      </p:sp>
-      <p:sp>
-        <p:nvSpPr>
-          <p:cNvPr id="11" name="TextBox 10">
-            <a:extLst>
-              <a:ext uri="{FF2B5EF4-FFF2-40B4-BE49-F238E27FC236}">
-                <a16:creationId xmlns:a16="http://schemas.microsoft.com/office/drawing/2014/main" id="{1BE0353F-F87B-4BA4-87C7-4587F633064A}"/>
-              </a:ext>
-            </a:extLst>
-          </p:cNvPr>
-          <p:cNvSpPr txBox="1"/>
-          <p:nvPr/>
-        </p:nvSpPr>
-        <p:spPr>
-          <a:xfrm>
-            <a:off x="574430" y="5208359"/>
-            <a:ext cx="11242432" cy="1200329"/>
-          </a:xfrm>
-          <a:prstGeom prst="rect">
-            <a:avLst/>
-          </a:prstGeom>
-          <a:noFill/>
-        </p:spPr>
-        <p:txBody>
-          <a:bodyPr wrap="square">
-            <a:spAutoFit/>
-          </a:bodyPr>
-          <a:lstStyle/>
+              <a:rPr lang="en-US" sz="2200" dirty="0">
+                <a:solidFill>
+                  <a:srgbClr val="C00000"/>
+                </a:solidFill>
+                <a:latin typeface="Courier New" panose="02070309020205020404" pitchFamily="49" charset="0"/>
+                <a:cs typeface="Courier New" panose="02070309020205020404" pitchFamily="49" charset="0"/>
+              </a:rPr>
+              <a:t>Synchronous circuits : flip flops , counters ,registers</a:t>
+            </a:r>
+          </a:p>
           <a:p>
             <a:pPr marL="342900" indent="-342900">
               <a:buFont typeface="Arial" panose="020B0604020202020204" pitchFamily="34" charset="0"/>
               <a:buChar char="•"/>
             </a:pPr>
             <a:r>
-              <a:rPr lang="en-US" sz="1800" b="0" i="0" u="none" strike="noStrike" baseline="0" dirty="0">
-                <a:latin typeface="Arial" panose="020B0604020202020204" pitchFamily="34" charset="0"/>
-                <a:cs typeface="Arial" panose="020B0604020202020204" pitchFamily="34" charset="0"/>
-              </a:rPr>
-              <a:t>The content of those storage elements represents the </a:t>
-            </a:r>
-            <a:r>
-              <a:rPr lang="en-US" sz="1800" b="0" i="0" u="none" strike="noStrike" baseline="0" dirty="0">
-                <a:highlight>
-                  <a:srgbClr val="E3AE8A"/>
-                </a:highlight>
-                <a:latin typeface="Arial" panose="020B0604020202020204" pitchFamily="34" charset="0"/>
-                <a:cs typeface="Arial" panose="020B0604020202020204" pitchFamily="34" charset="0"/>
-              </a:rPr>
-              <a:t>circuit state</a:t>
-            </a:r>
-            <a:r>
-              <a:rPr lang="en-US" sz="1800" b="0" i="0" u="none" strike="noStrike" baseline="0" dirty="0">
-                <a:latin typeface="Arial" panose="020B0604020202020204" pitchFamily="34" charset="0"/>
-                <a:cs typeface="Arial" panose="020B0604020202020204" pitchFamily="34" charset="0"/>
-              </a:rPr>
-              <a:t>. When the circuit inputs change, it can be that the circuit stays in certain state or changes to a different one. Over time, the circuit goes through </a:t>
-            </a:r>
-            <a:r>
-              <a:rPr lang="en-US" sz="1800" b="0" i="0" u="none" strike="noStrike" baseline="0" dirty="0">
-                <a:highlight>
-                  <a:srgbClr val="E3AE8A"/>
-                </a:highlight>
-                <a:latin typeface="Arial" panose="020B0604020202020204" pitchFamily="34" charset="0"/>
-                <a:cs typeface="Arial" panose="020B0604020202020204" pitchFamily="34" charset="0"/>
-              </a:rPr>
-              <a:t>a sequence of states </a:t>
-            </a:r>
-            <a:r>
-              <a:rPr lang="en-US" sz="1800" b="0" i="0" u="none" strike="noStrike" baseline="0" dirty="0">
-                <a:latin typeface="Arial" panose="020B0604020202020204" pitchFamily="34" charset="0"/>
-                <a:cs typeface="Arial" panose="020B0604020202020204" pitchFamily="34" charset="0"/>
-              </a:rPr>
-              <a:t>as a result of a change in the inputs. The circuits with this behavior are called </a:t>
-            </a:r>
-            <a:r>
-              <a:rPr lang="en-US" sz="1800" b="1" i="0" u="none" strike="noStrike" baseline="0" dirty="0">
-                <a:highlight>
-                  <a:srgbClr val="FFFF00"/>
-                </a:highlight>
-                <a:latin typeface="Arial" panose="020B0604020202020204" pitchFamily="34" charset="0"/>
-                <a:cs typeface="Arial" panose="020B0604020202020204" pitchFamily="34" charset="0"/>
-              </a:rPr>
-              <a:t>sequential circuits</a:t>
-            </a:r>
-          </a:p>
-        </p:txBody>
-      </p:sp>
-      <p:pic>
-        <p:nvPicPr>
-          <p:cNvPr id="12" name="Picture 11">
-            <a:extLst>
-              <a:ext uri="{FF2B5EF4-FFF2-40B4-BE49-F238E27FC236}">
-                <a16:creationId xmlns:a16="http://schemas.microsoft.com/office/drawing/2014/main" id="{01E90176-5EB9-4B30-AF02-B898A555E4F8}"/>
-              </a:ext>
-            </a:extLst>
-          </p:cNvPr>
-          <p:cNvPicPr>
-            <a:picLocks noChangeAspect="1"/>
-          </p:cNvPicPr>
-          <p:nvPr/>
-        </p:nvPicPr>
-        <p:blipFill>
-          <a:blip r:embed="rId3"/>
-          <a:stretch>
-            <a:fillRect/>
-          </a:stretch>
-        </p:blipFill>
-        <p:spPr>
-          <a:xfrm>
-            <a:off x="7779434" y="2067395"/>
-            <a:ext cx="3296527" cy="3134811"/>
-          </a:xfrm>
-          <a:prstGeom prst="rect">
-            <a:avLst/>
-          </a:prstGeom>
-        </p:spPr>
-      </p:pic>
+              <a:rPr lang="en-US" sz="2200" dirty="0">
+                <a:solidFill>
+                  <a:srgbClr val="C00000"/>
+                </a:solidFill>
+                <a:latin typeface="Courier New" panose="02070309020205020404" pitchFamily="49" charset="0"/>
+                <a:cs typeface="Courier New" panose="02070309020205020404" pitchFamily="49" charset="0"/>
+              </a:rPr>
+              <a:t>Testbench : Generating clock stimulus</a:t>
+            </a:r>
+          </a:p>
+        </p:txBody>
+      </p:sp>
     </p:spTree>
     <p:extLst>
       <p:ext uri="{BB962C8B-B14F-4D97-AF65-F5344CB8AC3E}">
-        <p14:creationId xmlns:p14="http://schemas.microsoft.com/office/powerpoint/2010/main" val="3101028047"/>
+        <p14:creationId xmlns:p14="http://schemas.microsoft.com/office/powerpoint/2010/main" val="2634854957"/>
       </p:ext>
     </p:extLst>
   </p:cSld>
@@ -7955,8 +7449,8 @@
         </p:nvSpPr>
         <p:spPr>
           <a:xfrm>
-            <a:off x="661182" y="1455490"/>
-            <a:ext cx="10297550" cy="677108"/>
+            <a:off x="661182" y="1443418"/>
+            <a:ext cx="10297550" cy="1846659"/>
           </a:xfrm>
           <a:prstGeom prst="rect">
             <a:avLst/>
@@ -7978,24 +7472,128 @@
                 <a:latin typeface="Arial" panose="020B0604020202020204" pitchFamily="34" charset="0"/>
                 <a:cs typeface="Arial" panose="020B0604020202020204" pitchFamily="34" charset="0"/>
               </a:rPr>
-              <a:t>Data</a:t>
-            </a:r>
-            <a:r>
-              <a:rPr lang="en-US" sz="1900" i="0" u="none" strike="noStrike" baseline="0" dirty="0">
+              <a:t>LUT6-to-6</a:t>
+            </a:r>
+            <a:r>
+              <a:rPr lang="en-US" sz="1900" b="0" i="0" u="none" strike="noStrike" baseline="0" dirty="0">
                 <a:latin typeface="Arial" panose="020B0604020202020204" pitchFamily="34" charset="0"/>
                 <a:cs typeface="Arial" panose="020B0604020202020204" pitchFamily="34" charset="0"/>
               </a:rPr>
-              <a:t>: 64 rows of 6 bits. Or 6 columns of 64 bits. The figure shows the entity VHDL portion of the system.</a:t>
+              <a:t>: built by grouping </a:t>
+            </a:r>
+            <a:r>
+              <a:rPr lang="en-US" sz="1900" b="0" i="0" u="none" strike="noStrike" baseline="0" dirty="0">
+                <a:highlight>
+                  <a:srgbClr val="E3AE8A"/>
+                </a:highlight>
+                <a:latin typeface="Arial" panose="020B0604020202020204" pitchFamily="34" charset="0"/>
+                <a:cs typeface="Arial" panose="020B0604020202020204" pitchFamily="34" charset="0"/>
+              </a:rPr>
+              <a:t>six LUT6-to-1 in parallel</a:t>
+            </a:r>
+            <a:r>
+              <a:rPr lang="en-US" sz="1900" b="0" i="0" u="none" strike="noStrike" baseline="0" dirty="0">
+                <a:latin typeface="Arial" panose="020B0604020202020204" pitchFamily="34" charset="0"/>
+                <a:cs typeface="Arial" panose="020B0604020202020204" pitchFamily="34" charset="0"/>
+              </a:rPr>
+              <a:t>. LUT6-to-1: made out of LUT4-to-1.</a:t>
+            </a:r>
+          </a:p>
+          <a:p>
+            <a:pPr marL="342900" indent="-342900">
+              <a:buFont typeface="Wingdings" panose="05000000000000000000" pitchFamily="2" charset="2"/>
+              <a:buChar char="§"/>
+            </a:pPr>
+            <a:r>
+              <a:rPr lang="en-US" sz="1900" b="0" i="0" u="none" strike="noStrike" baseline="0" dirty="0">
+                <a:latin typeface="Arial" panose="020B0604020202020204" pitchFamily="34" charset="0"/>
+                <a:cs typeface="Arial" panose="020B0604020202020204" pitchFamily="34" charset="0"/>
+              </a:rPr>
+              <a:t>Note that the port </a:t>
+            </a:r>
+            <a:r>
+              <a:rPr lang="en-US" sz="1900" b="0" i="0" u="none" strike="noStrike" baseline="0" dirty="0">
+                <a:solidFill>
+                  <a:srgbClr val="C00000"/>
+                </a:solidFill>
+                <a:latin typeface="Courier New" panose="02070309020205020404" pitchFamily="49" charset="0"/>
+                <a:cs typeface="Courier New" panose="02070309020205020404" pitchFamily="49" charset="0"/>
+              </a:rPr>
+              <a:t>DATA</a:t>
+            </a:r>
+            <a:r>
+              <a:rPr lang="en-US" sz="1900" b="0" i="0" u="none" strike="noStrike" baseline="0" dirty="0">
+                <a:latin typeface="Arial" panose="020B0604020202020204" pitchFamily="34" charset="0"/>
+                <a:cs typeface="Arial" panose="020B0604020202020204" pitchFamily="34" charset="0"/>
+              </a:rPr>
+              <a:t> can be input or output at different times. In VHDL, we use the </a:t>
+            </a:r>
+            <a:r>
+              <a:rPr lang="en-US" sz="1900" b="1" i="0" u="none" strike="noStrike" baseline="0" dirty="0">
+                <a:solidFill>
+                  <a:srgbClr val="C00000"/>
+                </a:solidFill>
+                <a:latin typeface="Courier New" panose="02070309020205020404" pitchFamily="49" charset="0"/>
+                <a:cs typeface="Courier New" panose="02070309020205020404" pitchFamily="49" charset="0"/>
+              </a:rPr>
+              <a:t>INOUT</a:t>
+            </a:r>
+            <a:r>
+              <a:rPr lang="en-US" sz="1900" b="0" i="0" u="none" strike="noStrike" baseline="0" dirty="0">
+                <a:latin typeface="Arial" panose="020B0604020202020204" pitchFamily="34" charset="0"/>
+                <a:cs typeface="Arial" panose="020B0604020202020204" pitchFamily="34" charset="0"/>
+              </a:rPr>
+              <a:t> data type to specify this.</a:t>
+            </a:r>
+          </a:p>
+          <a:p>
+            <a:pPr marL="342900" indent="-342900">
+              <a:buFont typeface="Wingdings" panose="05000000000000000000" pitchFamily="2" charset="2"/>
+              <a:buChar char="§"/>
+            </a:pPr>
+            <a:r>
+              <a:rPr lang="en-US" sz="1900" b="1" i="0" u="none" strike="noStrike" baseline="0" dirty="0">
+                <a:latin typeface="Arial" panose="020B0604020202020204" pitchFamily="34" charset="0"/>
+                <a:cs typeface="Arial" panose="020B0604020202020204" pitchFamily="34" charset="0"/>
+              </a:rPr>
+              <a:t>LUT6-to-6 contents</a:t>
+            </a:r>
+            <a:r>
+              <a:rPr lang="en-US" sz="1900" b="0" i="0" u="none" strike="noStrike" baseline="0" dirty="0">
+                <a:latin typeface="Arial" panose="020B0604020202020204" pitchFamily="34" charset="0"/>
+                <a:cs typeface="Arial" panose="020B0604020202020204" pitchFamily="34" charset="0"/>
+              </a:rPr>
+              <a:t>: Any function of 6 input bits and 6 output bits can be pre-computed and stored in the LUT6-to-6.</a:t>
+            </a:r>
+            <a:endParaRPr lang="en-US" sz="1900" dirty="0">
+              <a:solidFill>
+                <a:srgbClr val="C00000"/>
+              </a:solidFill>
+              <a:latin typeface="Courier New" panose="02070309020205020404" pitchFamily="49" charset="0"/>
+              <a:cs typeface="Courier New" panose="02070309020205020404" pitchFamily="49" charset="0"/>
+            </a:endParaRPr>
+          </a:p>
+          <a:p>
+            <a:pPr marL="342900" indent="-342900">
+              <a:buFont typeface="Wingdings" panose="05000000000000000000" pitchFamily="2" charset="2"/>
+              <a:buChar char="§"/>
+            </a:pPr>
+            <a:r>
+              <a:rPr lang="en-US" sz="1900" b="0" i="0" u="none" strike="noStrike" baseline="0" dirty="0">
+                <a:latin typeface="Arial" panose="020B0604020202020204" pitchFamily="34" charset="0"/>
+                <a:cs typeface="Arial" panose="020B0604020202020204" pitchFamily="34" charset="0"/>
+              </a:rPr>
+              <a:t>In the example, the function is:</a:t>
             </a:r>
           </a:p>
         </p:txBody>
       </p:sp>
       <p:pic>
         <p:nvPicPr>
-          <p:cNvPr id="5" name="Picture 4">
-            <a:extLst>
-              <a:ext uri="{FF2B5EF4-FFF2-40B4-BE49-F238E27FC236}">
-                <a16:creationId xmlns:a16="http://schemas.microsoft.com/office/drawing/2014/main" id="{549B414A-8803-4DA2-8FA9-670A6DAC856F}"/>
+          <p:cNvPr id="3" name="Picture 2">
+            <a:extLst>
+              <a:ext uri="{FF2B5EF4-FFF2-40B4-BE49-F238E27FC236}">
+                <a16:creationId xmlns:a16="http://schemas.microsoft.com/office/drawing/2014/main" id="{85D043A9-E99D-48ED-8EF9-FA4FD81F2B77}"/>
               </a:ext>
             </a:extLst>
           </p:cNvPr>
@@ -8012,115 +7610,20 @@
         </p:blipFill>
         <p:spPr>
           <a:xfrm>
-            <a:off x="1112226" y="2132908"/>
-            <a:ext cx="7200900" cy="1914525"/>
+            <a:off x="4486393" y="2966873"/>
+            <a:ext cx="1637743" cy="286208"/>
           </a:xfrm>
           <a:prstGeom prst="rect">
             <a:avLst/>
           </a:prstGeom>
         </p:spPr>
       </p:pic>
-      <p:sp>
-        <p:nvSpPr>
-          <p:cNvPr id="13" name="TextBox 12">
-            <a:extLst>
-              <a:ext uri="{FF2B5EF4-FFF2-40B4-BE49-F238E27FC236}">
-                <a16:creationId xmlns:a16="http://schemas.microsoft.com/office/drawing/2014/main" id="{5698107E-2F5C-4ACE-8618-A20656E966AE}"/>
-              </a:ext>
-            </a:extLst>
-          </p:cNvPr>
-          <p:cNvSpPr txBox="1"/>
-          <p:nvPr/>
-        </p:nvSpPr>
-        <p:spPr>
-          <a:xfrm>
-            <a:off x="675248" y="4141185"/>
-            <a:ext cx="10494500" cy="677108"/>
-          </a:xfrm>
-          <a:prstGeom prst="rect">
-            <a:avLst/>
-          </a:prstGeom>
-          <a:noFill/>
-        </p:spPr>
-        <p:txBody>
-          <a:bodyPr wrap="square">
-            <a:spAutoFit/>
-          </a:bodyPr>
-          <a:lstStyle/>
-          <a:p>
-            <a:pPr marL="285750" indent="-285750">
-              <a:buFont typeface="Wingdings" panose="05000000000000000000" pitchFamily="2" charset="2"/>
-              <a:buChar char="§"/>
-            </a:pPr>
-            <a:r>
-              <a:rPr lang="en-US" sz="1900" b="1" i="0" u="none" strike="noStrike" baseline="0" dirty="0">
-                <a:solidFill>
-                  <a:srgbClr val="000000"/>
-                </a:solidFill>
-                <a:latin typeface="Arial" panose="020B0604020202020204" pitchFamily="34" charset="0"/>
-                <a:cs typeface="Arial" panose="020B0604020202020204" pitchFamily="34" charset="0"/>
-              </a:rPr>
-              <a:t>Testbench</a:t>
-            </a:r>
-            <a:r>
-              <a:rPr lang="en-US" sz="1900" b="0" i="0" u="none" strike="noStrike" baseline="0" dirty="0">
-                <a:solidFill>
-                  <a:srgbClr val="000000"/>
-                </a:solidFill>
-                <a:latin typeface="Arial" panose="020B0604020202020204" pitchFamily="34" charset="0"/>
-                <a:cs typeface="Arial" panose="020B0604020202020204" pitchFamily="34" charset="0"/>
-              </a:rPr>
-              <a:t>: The code shows that when DATA is output </a:t>
-            </a:r>
-            <a:r>
-              <a:rPr lang="en-US" sz="1900" b="0" i="0" u="none" strike="noStrike" baseline="0" dirty="0">
-                <a:solidFill>
-                  <a:srgbClr val="C00000"/>
-                </a:solidFill>
-                <a:latin typeface="Courier New" panose="02070309020205020404" pitchFamily="49" charset="0"/>
-                <a:cs typeface="Courier New" panose="02070309020205020404" pitchFamily="49" charset="0"/>
-              </a:rPr>
-              <a:t>(OE=0)</a:t>
-            </a:r>
-            <a:r>
-              <a:rPr lang="en-US" sz="1900" b="0" i="0" u="none" strike="noStrike" baseline="0" dirty="0">
-                <a:solidFill>
-                  <a:srgbClr val="000000"/>
-                </a:solidFill>
-                <a:latin typeface="Arial" panose="020B0604020202020204" pitchFamily="34" charset="0"/>
-                <a:cs typeface="Arial" panose="020B0604020202020204" pitchFamily="34" charset="0"/>
-              </a:rPr>
-              <a:t>, it MUST be assigned the value </a:t>
-            </a:r>
-            <a:r>
-              <a:rPr lang="en-US" sz="1900" b="0" i="0" u="none" strike="noStrike" baseline="0" dirty="0">
-                <a:solidFill>
-                  <a:srgbClr val="C00000"/>
-                </a:solidFill>
-                <a:latin typeface="Courier New" panose="02070309020205020404" pitchFamily="49" charset="0"/>
-                <a:cs typeface="Courier New" panose="02070309020205020404" pitchFamily="49" charset="0"/>
-              </a:rPr>
-              <a:t>‘Z’</a:t>
-            </a:r>
-            <a:r>
-              <a:rPr lang="en-US" sz="1900" b="0" i="0" u="none" strike="noStrike" baseline="0" dirty="0">
-                <a:solidFill>
-                  <a:srgbClr val="000000"/>
-                </a:solidFill>
-                <a:latin typeface="Arial" panose="020B0604020202020204" pitchFamily="34" charset="0"/>
-                <a:cs typeface="Arial" panose="020B0604020202020204" pitchFamily="34" charset="0"/>
-              </a:rPr>
-              <a:t>.</a:t>
-            </a:r>
-          </a:p>
-        </p:txBody>
-      </p:sp>
       <p:pic>
         <p:nvPicPr>
-          <p:cNvPr id="15" name="Picture 14">
-            <a:extLst>
-              <a:ext uri="{FF2B5EF4-FFF2-40B4-BE49-F238E27FC236}">
-                <a16:creationId xmlns:a16="http://schemas.microsoft.com/office/drawing/2014/main" id="{AC9C7C2A-5978-4A18-B001-C633D593CBA0}"/>
+          <p:cNvPr id="7" name="Picture 6">
+            <a:extLst>
+              <a:ext uri="{FF2B5EF4-FFF2-40B4-BE49-F238E27FC236}">
+                <a16:creationId xmlns:a16="http://schemas.microsoft.com/office/drawing/2014/main" id="{191E5990-4465-4B6C-83D4-006925B18C4B}"/>
               </a:ext>
             </a:extLst>
           </p:cNvPr>
@@ -8137,8 +7640,68 @@
         </p:blipFill>
         <p:spPr>
           <a:xfrm>
-            <a:off x="2655210" y="4724066"/>
-            <a:ext cx="5657916" cy="1601297"/>
+            <a:off x="1382443" y="3342217"/>
+            <a:ext cx="5875896" cy="1510513"/>
+          </a:xfrm>
+          <a:prstGeom prst="rect">
+            <a:avLst/>
+          </a:prstGeom>
+        </p:spPr>
+      </p:pic>
+      <p:pic>
+        <p:nvPicPr>
+          <p:cNvPr id="10" name="Picture 9">
+            <a:extLst>
+              <a:ext uri="{FF2B5EF4-FFF2-40B4-BE49-F238E27FC236}">
+                <a16:creationId xmlns:a16="http://schemas.microsoft.com/office/drawing/2014/main" id="{99A1CE33-C851-42D8-A407-B6592FAC743B}"/>
+              </a:ext>
+            </a:extLst>
+          </p:cNvPr>
+          <p:cNvPicPr>
+            <a:picLocks noChangeAspect="1"/>
+          </p:cNvPicPr>
+          <p:nvPr/>
+        </p:nvPicPr>
+        <p:blipFill>
+          <a:blip r:embed="rId4"/>
+          <a:stretch>
+            <a:fillRect/>
+          </a:stretch>
+        </p:blipFill>
+        <p:spPr>
+          <a:xfrm>
+            <a:off x="1382442" y="4904870"/>
+            <a:ext cx="6245193" cy="1953130"/>
+          </a:xfrm>
+          <a:prstGeom prst="rect">
+            <a:avLst/>
+          </a:prstGeom>
+        </p:spPr>
+      </p:pic>
+      <p:pic>
+        <p:nvPicPr>
+          <p:cNvPr id="12" name="Picture 11">
+            <a:extLst>
+              <a:ext uri="{FF2B5EF4-FFF2-40B4-BE49-F238E27FC236}">
+                <a16:creationId xmlns:a16="http://schemas.microsoft.com/office/drawing/2014/main" id="{B7AB1F5B-43CB-4541-8F15-B3B964FE2A83}"/>
+              </a:ext>
+            </a:extLst>
+          </p:cNvPr>
+          <p:cNvPicPr>
+            <a:picLocks noChangeAspect="1"/>
+          </p:cNvPicPr>
+          <p:nvPr/>
+        </p:nvPicPr>
+        <p:blipFill>
+          <a:blip r:embed="rId5"/>
+          <a:stretch>
+            <a:fillRect/>
+          </a:stretch>
+        </p:blipFill>
+        <p:spPr>
+          <a:xfrm>
+            <a:off x="8798783" y="3149082"/>
+            <a:ext cx="2383240" cy="3708918"/>
           </a:xfrm>
           <a:prstGeom prst="rect">
             <a:avLst/>
@@ -8148,7 +7711,7 @@
     </p:spTree>
     <p:extLst>
       <p:ext uri="{BB962C8B-B14F-4D97-AF65-F5344CB8AC3E}">
-        <p14:creationId xmlns:p14="http://schemas.microsoft.com/office/powerpoint/2010/main" val="994121069"/>
+        <p14:creationId xmlns:p14="http://schemas.microsoft.com/office/powerpoint/2010/main" val="2647099697"/>
       </p:ext>
     </p:extLst>
   </p:cSld>
@@ -8290,7 +7853,7 @@
         <p:spPr>
           <a:xfrm>
             <a:off x="661182" y="971187"/>
-            <a:ext cx="8102989" cy="523220"/>
+            <a:ext cx="8102989" cy="584775"/>
           </a:xfrm>
           <a:prstGeom prst="rect">
             <a:avLst/>
@@ -8304,15 +7867,15 @@
           <a:lstStyle/>
           <a:p>
             <a:r>
-              <a:rPr lang="en-US" sz="2800" dirty="0">
+              <a:rPr lang="en-US" sz="3200" dirty="0">
                 <a:solidFill>
                   <a:srgbClr val="C00000"/>
                 </a:solidFill>
                 <a:latin typeface="Bahnschrift Light Condensed" panose="020B0502040204020203" pitchFamily="34" charset="0"/>
               </a:rPr>
-              <a:t>SHIFT REGISTER: Serial Input, Serial/ Parallel Output</a:t>
-            </a:r>
-            <a:endParaRPr lang="en-US" sz="2800" dirty="0">
+              <a:t>REGISTER: 3 state buffers and 6 to 6 LUT </a:t>
+            </a:r>
+            <a:endParaRPr lang="en-US" sz="3200" dirty="0">
               <a:solidFill>
                 <a:srgbClr val="C00000"/>
               </a:solidFill>
@@ -8324,10 +7887,10 @@
       </p:sp>
       <p:sp>
         <p:nvSpPr>
-          <p:cNvPr id="10" name="TextBox 9">
-            <a:extLst>
-              <a:ext uri="{FF2B5EF4-FFF2-40B4-BE49-F238E27FC236}">
-                <a16:creationId xmlns:a16="http://schemas.microsoft.com/office/drawing/2014/main" id="{7737760A-E9E5-486A-B725-40B501138614}"/>
+          <p:cNvPr id="9" name="TextBox 8">
+            <a:extLst>
+              <a:ext uri="{FF2B5EF4-FFF2-40B4-BE49-F238E27FC236}">
+                <a16:creationId xmlns:a16="http://schemas.microsoft.com/office/drawing/2014/main" id="{66CE2A1B-9E32-479A-BFD8-C2EC08EDCB4A}"/>
               </a:ext>
             </a:extLst>
           </p:cNvPr>
@@ -8336,8 +7899,8 @@
         </p:nvSpPr>
         <p:spPr>
           <a:xfrm>
-            <a:off x="661182" y="1346715"/>
-            <a:ext cx="3516923" cy="461665"/>
+            <a:off x="661182" y="1455490"/>
+            <a:ext cx="10297550" cy="677108"/>
           </a:xfrm>
           <a:prstGeom prst="rect">
             <a:avLst/>
@@ -8345,69 +7908,38 @@
           <a:noFill/>
         </p:spPr>
         <p:txBody>
-          <a:bodyPr wrap="square" rtlCol="0">
+          <a:bodyPr wrap="square">
             <a:spAutoFit/>
           </a:bodyPr>
           <a:lstStyle/>
           <a:p>
-            <a:r>
-              <a:rPr lang="en-US" sz="2400" dirty="0">
-                <a:solidFill>
-                  <a:srgbClr val="C00000"/>
-                </a:solidFill>
-                <a:latin typeface="Bahnschrift Light Condensed" panose="020B0502040204020203" pitchFamily="34" charset="0"/>
-              </a:rPr>
-              <a:t>n-bit right shift register:</a:t>
-            </a:r>
-          </a:p>
-        </p:txBody>
-      </p:sp>
-      <p:sp>
-        <p:nvSpPr>
-          <p:cNvPr id="11" name="TextBox 10">
-            <a:extLst>
-              <a:ext uri="{FF2B5EF4-FFF2-40B4-BE49-F238E27FC236}">
-                <a16:creationId xmlns:a16="http://schemas.microsoft.com/office/drawing/2014/main" id="{611C8120-448C-4043-ADF7-893DC485E393}"/>
-              </a:ext>
-            </a:extLst>
-          </p:cNvPr>
-          <p:cNvSpPr txBox="1"/>
-          <p:nvPr/>
-        </p:nvSpPr>
-        <p:spPr>
-          <a:xfrm>
-            <a:off x="661182" y="3703807"/>
-            <a:ext cx="3516923" cy="461665"/>
-          </a:xfrm>
-          <a:prstGeom prst="rect">
-            <a:avLst/>
-          </a:prstGeom>
-          <a:noFill/>
-        </p:spPr>
-        <p:txBody>
-          <a:bodyPr wrap="square" rtlCol="0">
-            <a:spAutoFit/>
-          </a:bodyPr>
-          <a:lstStyle/>
-          <a:p>
-            <a:r>
-              <a:rPr lang="en-US" sz="2400" dirty="0">
-                <a:solidFill>
-                  <a:srgbClr val="C00000"/>
-                </a:solidFill>
-                <a:latin typeface="Bahnschrift Light Condensed" panose="020B0502040204020203" pitchFamily="34" charset="0"/>
-              </a:rPr>
-              <a:t>n-bit left shift register:</a:t>
+            <a:pPr marL="342900" indent="-342900">
+              <a:buFont typeface="Wingdings" panose="05000000000000000000" pitchFamily="2" charset="2"/>
+              <a:buChar char="§"/>
+            </a:pPr>
+            <a:r>
+              <a:rPr lang="en-US" sz="1900" b="1" i="0" u="none" strike="noStrike" baseline="0" dirty="0">
+                <a:latin typeface="Arial" panose="020B0604020202020204" pitchFamily="34" charset="0"/>
+                <a:cs typeface="Arial" panose="020B0604020202020204" pitchFamily="34" charset="0"/>
+              </a:rPr>
+              <a:t>Data</a:t>
+            </a:r>
+            <a:r>
+              <a:rPr lang="en-US" sz="1900" i="0" u="none" strike="noStrike" baseline="0" dirty="0">
+                <a:latin typeface="Arial" panose="020B0604020202020204" pitchFamily="34" charset="0"/>
+                <a:cs typeface="Arial" panose="020B0604020202020204" pitchFamily="34" charset="0"/>
+              </a:rPr>
+              <a:t>: 64 rows of 6 bits. Or 6 columns of 64 bits. The figure shows the entity VHDL portion of the system.</a:t>
             </a:r>
           </a:p>
         </p:txBody>
       </p:sp>
       <p:pic>
         <p:nvPicPr>
-          <p:cNvPr id="3" name="Picture 2">
-            <a:extLst>
-              <a:ext uri="{FF2B5EF4-FFF2-40B4-BE49-F238E27FC236}">
-                <a16:creationId xmlns:a16="http://schemas.microsoft.com/office/drawing/2014/main" id="{D85BE6F0-2249-41EB-84CF-B9F338EE9AEE}"/>
+          <p:cNvPr id="5" name="Picture 4">
+            <a:extLst>
+              <a:ext uri="{FF2B5EF4-FFF2-40B4-BE49-F238E27FC236}">
+                <a16:creationId xmlns:a16="http://schemas.microsoft.com/office/drawing/2014/main" id="{549B414A-8803-4DA2-8FA9-670A6DAC856F}"/>
               </a:ext>
             </a:extLst>
           </p:cNvPr>
@@ -8424,20 +7956,115 @@
         </p:blipFill>
         <p:spPr>
           <a:xfrm>
-            <a:off x="876150" y="1896792"/>
-            <a:ext cx="7349289" cy="1718603"/>
+            <a:off x="1112226" y="2132908"/>
+            <a:ext cx="7200900" cy="1914525"/>
           </a:xfrm>
           <a:prstGeom prst="rect">
             <a:avLst/>
           </a:prstGeom>
         </p:spPr>
       </p:pic>
+      <p:sp>
+        <p:nvSpPr>
+          <p:cNvPr id="13" name="TextBox 12">
+            <a:extLst>
+              <a:ext uri="{FF2B5EF4-FFF2-40B4-BE49-F238E27FC236}">
+                <a16:creationId xmlns:a16="http://schemas.microsoft.com/office/drawing/2014/main" id="{5698107E-2F5C-4ACE-8618-A20656E966AE}"/>
+              </a:ext>
+            </a:extLst>
+          </p:cNvPr>
+          <p:cNvSpPr txBox="1"/>
+          <p:nvPr/>
+        </p:nvSpPr>
+        <p:spPr>
+          <a:xfrm>
+            <a:off x="675248" y="4141185"/>
+            <a:ext cx="10494500" cy="677108"/>
+          </a:xfrm>
+          <a:prstGeom prst="rect">
+            <a:avLst/>
+          </a:prstGeom>
+          <a:noFill/>
+        </p:spPr>
+        <p:txBody>
+          <a:bodyPr wrap="square">
+            <a:spAutoFit/>
+          </a:bodyPr>
+          <a:lstStyle/>
+          <a:p>
+            <a:pPr marL="285750" indent="-285750">
+              <a:buFont typeface="Wingdings" panose="05000000000000000000" pitchFamily="2" charset="2"/>
+              <a:buChar char="§"/>
+            </a:pPr>
+            <a:r>
+              <a:rPr lang="en-US" sz="1900" b="1" i="0" u="none" strike="noStrike" baseline="0" dirty="0">
+                <a:solidFill>
+                  <a:srgbClr val="000000"/>
+                </a:solidFill>
+                <a:latin typeface="Arial" panose="020B0604020202020204" pitchFamily="34" charset="0"/>
+                <a:cs typeface="Arial" panose="020B0604020202020204" pitchFamily="34" charset="0"/>
+              </a:rPr>
+              <a:t>Testbench</a:t>
+            </a:r>
+            <a:r>
+              <a:rPr lang="en-US" sz="1900" b="0" i="0" u="none" strike="noStrike" baseline="0" dirty="0">
+                <a:solidFill>
+                  <a:srgbClr val="000000"/>
+                </a:solidFill>
+                <a:latin typeface="Arial" panose="020B0604020202020204" pitchFamily="34" charset="0"/>
+                <a:cs typeface="Arial" panose="020B0604020202020204" pitchFamily="34" charset="0"/>
+              </a:rPr>
+              <a:t>: The code shows that when DATA is output </a:t>
+            </a:r>
+            <a:r>
+              <a:rPr lang="en-US" sz="1900" b="0" i="0" u="none" strike="noStrike" baseline="0" dirty="0">
+                <a:solidFill>
+                  <a:srgbClr val="C00000"/>
+                </a:solidFill>
+                <a:latin typeface="Courier New" panose="02070309020205020404" pitchFamily="49" charset="0"/>
+                <a:cs typeface="Courier New" panose="02070309020205020404" pitchFamily="49" charset="0"/>
+              </a:rPr>
+              <a:t>(OE=0)</a:t>
+            </a:r>
+            <a:r>
+              <a:rPr lang="en-US" sz="1900" b="0" i="0" u="none" strike="noStrike" baseline="0" dirty="0">
+                <a:solidFill>
+                  <a:srgbClr val="000000"/>
+                </a:solidFill>
+                <a:latin typeface="Arial" panose="020B0604020202020204" pitchFamily="34" charset="0"/>
+                <a:cs typeface="Arial" panose="020B0604020202020204" pitchFamily="34" charset="0"/>
+              </a:rPr>
+              <a:t>, it MUST be assigned the value </a:t>
+            </a:r>
+            <a:r>
+              <a:rPr lang="en-US" sz="1900" b="0" i="0" u="none" strike="noStrike" baseline="0" dirty="0">
+                <a:solidFill>
+                  <a:srgbClr val="C00000"/>
+                </a:solidFill>
+                <a:latin typeface="Courier New" panose="02070309020205020404" pitchFamily="49" charset="0"/>
+                <a:cs typeface="Courier New" panose="02070309020205020404" pitchFamily="49" charset="0"/>
+              </a:rPr>
+              <a:t>‘Z’</a:t>
+            </a:r>
+            <a:r>
+              <a:rPr lang="en-US" sz="1900" b="0" i="0" u="none" strike="noStrike" baseline="0" dirty="0">
+                <a:solidFill>
+                  <a:srgbClr val="000000"/>
+                </a:solidFill>
+                <a:latin typeface="Arial" panose="020B0604020202020204" pitchFamily="34" charset="0"/>
+                <a:cs typeface="Arial" panose="020B0604020202020204" pitchFamily="34" charset="0"/>
+              </a:rPr>
+              <a:t>.</a:t>
+            </a:r>
+          </a:p>
+        </p:txBody>
+      </p:sp>
       <p:pic>
         <p:nvPicPr>
-          <p:cNvPr id="8" name="Picture 7">
-            <a:extLst>
-              <a:ext uri="{FF2B5EF4-FFF2-40B4-BE49-F238E27FC236}">
-                <a16:creationId xmlns:a16="http://schemas.microsoft.com/office/drawing/2014/main" id="{A12D0ABE-46B4-4D96-990C-964B4A144701}"/>
+          <p:cNvPr id="15" name="Picture 14">
+            <a:extLst>
+              <a:ext uri="{FF2B5EF4-FFF2-40B4-BE49-F238E27FC236}">
+                <a16:creationId xmlns:a16="http://schemas.microsoft.com/office/drawing/2014/main" id="{AC9C7C2A-5978-4A18-B001-C633D593CBA0}"/>
               </a:ext>
             </a:extLst>
           </p:cNvPr>
@@ -8454,8 +8081,8 @@
         </p:blipFill>
         <p:spPr>
           <a:xfrm>
-            <a:off x="876149" y="4259631"/>
-            <a:ext cx="7176329" cy="1718603"/>
+            <a:off x="2655210" y="4724066"/>
+            <a:ext cx="5657916" cy="1601297"/>
           </a:xfrm>
           <a:prstGeom prst="rect">
             <a:avLst/>
@@ -8465,7 +8092,7 @@
     </p:spTree>
     <p:extLst>
       <p:ext uri="{BB962C8B-B14F-4D97-AF65-F5344CB8AC3E}">
-        <p14:creationId xmlns:p14="http://schemas.microsoft.com/office/powerpoint/2010/main" val="1323534975"/>
+        <p14:creationId xmlns:p14="http://schemas.microsoft.com/office/powerpoint/2010/main" val="994121069"/>
       </p:ext>
     </p:extLst>
   </p:cSld>
@@ -8627,7 +8254,7 @@
                 </a:solidFill>
                 <a:latin typeface="Bahnschrift Light Condensed" panose="020B0502040204020203" pitchFamily="34" charset="0"/>
               </a:rPr>
-              <a:t>PARALLEL ACCESS SHIFT REGISTER:</a:t>
+              <a:t>SHIFT REGISTER: Serial Input, Serial/ Parallel Output</a:t>
             </a:r>
             <a:endParaRPr lang="en-US" sz="2800" dirty="0">
               <a:solidFill>
@@ -8653,8 +8280,8 @@
         </p:nvSpPr>
         <p:spPr>
           <a:xfrm>
-            <a:off x="661182" y="1304511"/>
-            <a:ext cx="6400800" cy="461665"/>
+            <a:off x="661182" y="1346715"/>
+            <a:ext cx="3516923" cy="461665"/>
           </a:xfrm>
           <a:prstGeom prst="rect">
             <a:avLst/>
@@ -8674,7 +8301,7 @@
                 </a:solidFill>
                 <a:latin typeface="Bahnschrift Light Condensed" panose="020B0502040204020203" pitchFamily="34" charset="0"/>
               </a:rPr>
-              <a:t>4-bit right parallel access shift register with enable:</a:t>
+              <a:t>n-bit right shift register:</a:t>
             </a:r>
           </a:p>
         </p:txBody>
@@ -8693,8 +8320,8 @@
         </p:nvSpPr>
         <p:spPr>
           <a:xfrm>
-            <a:off x="661182" y="3999864"/>
-            <a:ext cx="7230793" cy="461665"/>
+            <a:off x="661182" y="3703807"/>
+            <a:ext cx="3516923" cy="461665"/>
           </a:xfrm>
           <a:prstGeom prst="rect">
             <a:avLst/>
@@ -8714,17 +8341,17 @@
                 </a:solidFill>
                 <a:latin typeface="Bahnschrift Light Condensed" panose="020B0502040204020203" pitchFamily="34" charset="0"/>
               </a:rPr>
-              <a:t>4-bit left parallel Access shift register with enable:</a:t>
+              <a:t>n-bit left shift register:</a:t>
             </a:r>
           </a:p>
         </p:txBody>
       </p:sp>
       <p:pic>
         <p:nvPicPr>
-          <p:cNvPr id="5" name="Picture 4">
-            <a:extLst>
-              <a:ext uri="{FF2B5EF4-FFF2-40B4-BE49-F238E27FC236}">
-                <a16:creationId xmlns:a16="http://schemas.microsoft.com/office/drawing/2014/main" id="{841CE644-73D4-4221-AA5D-1FC777E10294}"/>
+          <p:cNvPr id="3" name="Picture 2">
+            <a:extLst>
+              <a:ext uri="{FF2B5EF4-FFF2-40B4-BE49-F238E27FC236}">
+                <a16:creationId xmlns:a16="http://schemas.microsoft.com/office/drawing/2014/main" id="{D85BE6F0-2249-41EB-84CF-B9F338EE9AEE}"/>
               </a:ext>
             </a:extLst>
           </p:cNvPr>
@@ -8741,8 +8368,8 @@
         </p:blipFill>
         <p:spPr>
           <a:xfrm>
-            <a:off x="798342" y="1809014"/>
-            <a:ext cx="6453010" cy="2189414"/>
+            <a:off x="876150" y="1896792"/>
+            <a:ext cx="7349289" cy="1718603"/>
           </a:xfrm>
           <a:prstGeom prst="rect">
             <a:avLst/>
@@ -8751,10 +8378,10 @@
       </p:pic>
       <p:pic>
         <p:nvPicPr>
-          <p:cNvPr id="9" name="Picture 8">
-            <a:extLst>
-              <a:ext uri="{FF2B5EF4-FFF2-40B4-BE49-F238E27FC236}">
-                <a16:creationId xmlns:a16="http://schemas.microsoft.com/office/drawing/2014/main" id="{7FCDD9B4-967E-454A-8D3D-2626FF38DF32}"/>
+          <p:cNvPr id="8" name="Picture 7">
+            <a:extLst>
+              <a:ext uri="{FF2B5EF4-FFF2-40B4-BE49-F238E27FC236}">
+                <a16:creationId xmlns:a16="http://schemas.microsoft.com/office/drawing/2014/main" id="{A12D0ABE-46B4-4D96-990C-964B4A144701}"/>
               </a:ext>
             </a:extLst>
           </p:cNvPr>
@@ -8771,8 +8398,8 @@
         </p:blipFill>
         <p:spPr>
           <a:xfrm>
-            <a:off x="886922" y="4461529"/>
-            <a:ext cx="6359423" cy="2146738"/>
+            <a:off x="876149" y="4259631"/>
+            <a:ext cx="7176329" cy="1718603"/>
           </a:xfrm>
           <a:prstGeom prst="rect">
             <a:avLst/>
@@ -8782,7 +8409,7 @@
     </p:spTree>
     <p:extLst>
       <p:ext uri="{BB962C8B-B14F-4D97-AF65-F5344CB8AC3E}">
-        <p14:creationId xmlns:p14="http://schemas.microsoft.com/office/powerpoint/2010/main" val="4033282680"/>
+        <p14:creationId xmlns:p14="http://schemas.microsoft.com/office/powerpoint/2010/main" val="1323534975"/>
       </p:ext>
     </p:extLst>
   </p:cSld>
@@ -8970,8 +8597,8 @@
         </p:nvSpPr>
         <p:spPr>
           <a:xfrm>
-            <a:off x="661182" y="1368103"/>
-            <a:ext cx="8623495" cy="461665"/>
+            <a:off x="661182" y="1304511"/>
+            <a:ext cx="6400800" cy="461665"/>
           </a:xfrm>
           <a:prstGeom prst="rect">
             <a:avLst/>
@@ -8987,23 +8614,61 @@
             <a:r>
               <a:rPr lang="en-US" sz="2400" dirty="0">
                 <a:solidFill>
-                  <a:schemeClr val="accent1">
-                    <a:lumMod val="75000"/>
-                  </a:schemeClr>
+                  <a:srgbClr val="C00000"/>
                 </a:solidFill>
                 <a:latin typeface="Bahnschrift Light Condensed" panose="020B0502040204020203" pitchFamily="34" charset="0"/>
               </a:rPr>
-              <a:t>Parallel/serial load, Parallel/serial output</a:t>
+              <a:t>4-bit right parallel access shift register with enable:</a:t>
+            </a:r>
+          </a:p>
+        </p:txBody>
+      </p:sp>
+      <p:sp>
+        <p:nvSpPr>
+          <p:cNvPr id="11" name="TextBox 10">
+            <a:extLst>
+              <a:ext uri="{FF2B5EF4-FFF2-40B4-BE49-F238E27FC236}">
+                <a16:creationId xmlns:a16="http://schemas.microsoft.com/office/drawing/2014/main" id="{611C8120-448C-4043-ADF7-893DC485E393}"/>
+              </a:ext>
+            </a:extLst>
+          </p:cNvPr>
+          <p:cNvSpPr txBox="1"/>
+          <p:nvPr/>
+        </p:nvSpPr>
+        <p:spPr>
+          <a:xfrm>
+            <a:off x="661182" y="3999864"/>
+            <a:ext cx="7230793" cy="461665"/>
+          </a:xfrm>
+          <a:prstGeom prst="rect">
+            <a:avLst/>
+          </a:prstGeom>
+          <a:noFill/>
+        </p:spPr>
+        <p:txBody>
+          <a:bodyPr wrap="square" rtlCol="0">
+            <a:spAutoFit/>
+          </a:bodyPr>
+          <a:lstStyle/>
+          <a:p>
+            <a:r>
+              <a:rPr lang="en-US" sz="2400" dirty="0">
+                <a:solidFill>
+                  <a:srgbClr val="C00000"/>
+                </a:solidFill>
+                <a:latin typeface="Bahnschrift Light Condensed" panose="020B0502040204020203" pitchFamily="34" charset="0"/>
+              </a:rPr>
+              <a:t>4-bit left parallel Access shift register with enable:</a:t>
             </a:r>
           </a:p>
         </p:txBody>
       </p:sp>
       <p:pic>
         <p:nvPicPr>
-          <p:cNvPr id="3" name="Picture 2">
-            <a:extLst>
-              <a:ext uri="{FF2B5EF4-FFF2-40B4-BE49-F238E27FC236}">
-                <a16:creationId xmlns:a16="http://schemas.microsoft.com/office/drawing/2014/main" id="{5DB9E268-5A14-4223-81D2-9739612D9139}"/>
+          <p:cNvPr id="5" name="Picture 4">
+            <a:extLst>
+              <a:ext uri="{FF2B5EF4-FFF2-40B4-BE49-F238E27FC236}">
+                <a16:creationId xmlns:a16="http://schemas.microsoft.com/office/drawing/2014/main" id="{841CE644-73D4-4221-AA5D-1FC777E10294}"/>
               </a:ext>
             </a:extLst>
           </p:cNvPr>
@@ -9020,385 +8685,20 @@
         </p:blipFill>
         <p:spPr>
           <a:xfrm>
-            <a:off x="5160025" y="1180710"/>
-            <a:ext cx="2763392" cy="1684995"/>
+            <a:off x="798342" y="1809014"/>
+            <a:ext cx="6453010" cy="2189414"/>
           </a:xfrm>
           <a:prstGeom prst="rect">
             <a:avLst/>
           </a:prstGeom>
         </p:spPr>
       </p:pic>
-      <p:sp>
-        <p:nvSpPr>
-          <p:cNvPr id="12" name="TextBox 11">
-            <a:extLst>
-              <a:ext uri="{FF2B5EF4-FFF2-40B4-BE49-F238E27FC236}">
-                <a16:creationId xmlns:a16="http://schemas.microsoft.com/office/drawing/2014/main" id="{33C58B71-BFBD-470B-B8CC-60A93734B81B}"/>
-              </a:ext>
-            </a:extLst>
-          </p:cNvPr>
-          <p:cNvSpPr txBox="1"/>
-          <p:nvPr/>
-        </p:nvSpPr>
-        <p:spPr>
-          <a:xfrm>
-            <a:off x="8220399" y="1190068"/>
-            <a:ext cx="3204318" cy="1569660"/>
-          </a:xfrm>
-          <a:prstGeom prst="rect">
-            <a:avLst/>
-          </a:prstGeom>
-          <a:noFill/>
-          <a:ln>
-            <a:solidFill>
-              <a:schemeClr val="accent2">
-                <a:lumMod val="75000"/>
-              </a:schemeClr>
-            </a:solidFill>
-          </a:ln>
-        </p:spPr>
-        <p:txBody>
-          <a:bodyPr wrap="square">
-            <a:spAutoFit/>
-          </a:bodyPr>
-          <a:lstStyle/>
-          <a:p>
-            <a:pPr marL="285750" indent="-285750">
-              <a:buFont typeface="Wingdings" panose="05000000000000000000" pitchFamily="2" charset="2"/>
-              <a:buChar char="q"/>
-            </a:pPr>
-            <a:r>
-              <a:rPr lang="en-US" sz="1600" b="0" i="0" u="none" strike="noStrike" baseline="0" dirty="0" err="1">
-                <a:solidFill>
-                  <a:schemeClr val="accent2">
-                    <a:lumMod val="75000"/>
-                  </a:schemeClr>
-                </a:solidFill>
-                <a:latin typeface="Courier New" panose="02070309020205020404" pitchFamily="49" charset="0"/>
-                <a:cs typeface="Courier New" panose="02070309020205020404" pitchFamily="49" charset="0"/>
-              </a:rPr>
-              <a:t>s_l</a:t>
-            </a:r>
-            <a:r>
-              <a:rPr lang="en-US" sz="1600" b="0" i="0" u="none" strike="noStrike" baseline="0" dirty="0">
-                <a:solidFill>
-                  <a:schemeClr val="accent2">
-                    <a:lumMod val="75000"/>
-                  </a:schemeClr>
-                </a:solidFill>
-                <a:latin typeface="Courier New" panose="02070309020205020404" pitchFamily="49" charset="0"/>
-                <a:cs typeface="Courier New" panose="02070309020205020404" pitchFamily="49" charset="0"/>
-              </a:rPr>
-              <a:t>=1 </a:t>
-            </a:r>
-            <a:r>
-              <a:rPr lang="en-US" sz="1600" b="0" i="0" u="none" strike="noStrike" baseline="0" dirty="0">
-                <a:solidFill>
-                  <a:srgbClr val="000000"/>
-                </a:solidFill>
-                <a:latin typeface="Arial" panose="020B0604020202020204" pitchFamily="34" charset="0"/>
-                <a:cs typeface="Arial" panose="020B0604020202020204" pitchFamily="34" charset="0"/>
-              </a:rPr>
-              <a:t>: </a:t>
-            </a:r>
-            <a:r>
-              <a:rPr lang="en-US" sz="1600" b="0" i="0" u="none" strike="noStrike" baseline="0" dirty="0" err="1">
-                <a:solidFill>
-                  <a:srgbClr val="000000"/>
-                </a:solidFill>
-                <a:latin typeface="Arial" panose="020B0604020202020204" pitchFamily="34" charset="0"/>
-                <a:cs typeface="Arial" panose="020B0604020202020204" pitchFamily="34" charset="0"/>
-              </a:rPr>
-              <a:t>Paralled</a:t>
-            </a:r>
-            <a:r>
-              <a:rPr lang="en-US" sz="1600" b="0" i="0" u="none" strike="noStrike" baseline="0" dirty="0">
-                <a:solidFill>
-                  <a:srgbClr val="000000"/>
-                </a:solidFill>
-                <a:latin typeface="Arial" panose="020B0604020202020204" pitchFamily="34" charset="0"/>
-                <a:cs typeface="Arial" panose="020B0604020202020204" pitchFamily="34" charset="0"/>
-              </a:rPr>
-              <a:t> load</a:t>
-            </a:r>
-          </a:p>
-          <a:p>
-            <a:pPr marL="285750" indent="-285750">
-              <a:buFont typeface="Wingdings" panose="05000000000000000000" pitchFamily="2" charset="2"/>
-              <a:buChar char="q"/>
-            </a:pPr>
-            <a:r>
-              <a:rPr lang="en-US" sz="1600" b="0" i="0" u="none" strike="noStrike" baseline="0" dirty="0" err="1">
-                <a:solidFill>
-                  <a:schemeClr val="accent2">
-                    <a:lumMod val="75000"/>
-                  </a:schemeClr>
-                </a:solidFill>
-                <a:latin typeface="Courier New" panose="02070309020205020404" pitchFamily="49" charset="0"/>
-                <a:cs typeface="Courier New" panose="02070309020205020404" pitchFamily="49" charset="0"/>
-              </a:rPr>
-              <a:t>s_l</a:t>
-            </a:r>
-            <a:r>
-              <a:rPr lang="en-US" sz="1600" b="0" i="0" u="none" strike="noStrike" baseline="0" dirty="0">
-                <a:solidFill>
-                  <a:schemeClr val="accent2">
-                    <a:lumMod val="75000"/>
-                  </a:schemeClr>
-                </a:solidFill>
-                <a:latin typeface="Courier New" panose="02070309020205020404" pitchFamily="49" charset="0"/>
-                <a:cs typeface="Courier New" panose="02070309020205020404" pitchFamily="49" charset="0"/>
-              </a:rPr>
-              <a:t>=0 </a:t>
-            </a:r>
-            <a:r>
-              <a:rPr lang="en-US" sz="1600" b="0" i="0" u="none" strike="noStrike" baseline="0" dirty="0">
-                <a:solidFill>
-                  <a:srgbClr val="000000"/>
-                </a:solidFill>
-                <a:latin typeface="Arial" panose="020B0604020202020204" pitchFamily="34" charset="0"/>
-                <a:cs typeface="Arial" panose="020B0604020202020204" pitchFamily="34" charset="0"/>
-              </a:rPr>
-              <a:t>: Serial load</a:t>
-            </a:r>
-          </a:p>
-          <a:p>
-            <a:pPr marL="285750" indent="-285750">
-              <a:buFont typeface="Wingdings" panose="05000000000000000000" pitchFamily="2" charset="2"/>
-              <a:buChar char="q"/>
-            </a:pPr>
-            <a:r>
-              <a:rPr lang="en-US" sz="1600" b="0" i="0" u="none" strike="noStrike" baseline="0" dirty="0">
-                <a:solidFill>
-                  <a:srgbClr val="000000"/>
-                </a:solidFill>
-                <a:latin typeface="Arial" panose="020B0604020202020204" pitchFamily="34" charset="0"/>
-                <a:cs typeface="Arial" panose="020B0604020202020204" pitchFamily="34" charset="0"/>
-              </a:rPr>
-              <a:t>‘</a:t>
-            </a:r>
-            <a:r>
-              <a:rPr lang="en-US" sz="1600" b="0" i="0" u="none" strike="noStrike" baseline="0" dirty="0">
-                <a:solidFill>
-                  <a:schemeClr val="accent2">
-                    <a:lumMod val="75000"/>
-                  </a:schemeClr>
-                </a:solidFill>
-                <a:latin typeface="Courier New" panose="02070309020205020404" pitchFamily="49" charset="0"/>
-                <a:cs typeface="Courier New" panose="02070309020205020404" pitchFamily="49" charset="0"/>
-              </a:rPr>
-              <a:t>din</a:t>
-            </a:r>
-            <a:r>
-              <a:rPr lang="en-US" sz="1600" b="0" i="0" u="none" strike="noStrike" baseline="0" dirty="0">
-                <a:solidFill>
-                  <a:srgbClr val="000000"/>
-                </a:solidFill>
-                <a:latin typeface="Arial" panose="020B0604020202020204" pitchFamily="34" charset="0"/>
-                <a:cs typeface="Arial" panose="020B0604020202020204" pitchFamily="34" charset="0"/>
-              </a:rPr>
-              <a:t>’ : serial input</a:t>
-            </a:r>
-          </a:p>
-          <a:p>
-            <a:pPr marL="285750" indent="-285750">
-              <a:buFont typeface="Wingdings" panose="05000000000000000000" pitchFamily="2" charset="2"/>
-              <a:buChar char="q"/>
-            </a:pPr>
-            <a:r>
-              <a:rPr lang="en-US" sz="1600" b="0" i="0" u="none" strike="noStrike" baseline="0" dirty="0">
-                <a:solidFill>
-                  <a:srgbClr val="000000"/>
-                </a:solidFill>
-                <a:latin typeface="Arial" panose="020B0604020202020204" pitchFamily="34" charset="0"/>
-                <a:cs typeface="Arial" panose="020B0604020202020204" pitchFamily="34" charset="0"/>
-              </a:rPr>
-              <a:t>‘</a:t>
-            </a:r>
-            <a:r>
-              <a:rPr lang="en-US" sz="1600" b="0" i="0" u="none" strike="noStrike" baseline="0" dirty="0">
-                <a:solidFill>
-                  <a:schemeClr val="accent2">
-                    <a:lumMod val="75000"/>
-                  </a:schemeClr>
-                </a:solidFill>
-                <a:latin typeface="Courier New" panose="02070309020205020404" pitchFamily="49" charset="0"/>
-                <a:cs typeface="Courier New" panose="02070309020205020404" pitchFamily="49" charset="0"/>
-              </a:rPr>
-              <a:t>D</a:t>
-            </a:r>
-            <a:r>
-              <a:rPr lang="en-US" sz="1600" b="0" i="0" u="none" strike="noStrike" baseline="0" dirty="0">
-                <a:solidFill>
-                  <a:srgbClr val="000000"/>
-                </a:solidFill>
-                <a:latin typeface="Arial" panose="020B0604020202020204" pitchFamily="34" charset="0"/>
-                <a:cs typeface="Arial" panose="020B0604020202020204" pitchFamily="34" charset="0"/>
-              </a:rPr>
-              <a:t>’ : parallel input</a:t>
-            </a:r>
-          </a:p>
-          <a:p>
-            <a:pPr marL="285750" indent="-285750">
-              <a:buFont typeface="Wingdings" panose="05000000000000000000" pitchFamily="2" charset="2"/>
-              <a:buChar char="q"/>
-            </a:pPr>
-            <a:r>
-              <a:rPr lang="en-US" sz="1600" b="0" i="0" u="none" strike="noStrike" baseline="0" dirty="0">
-                <a:solidFill>
-                  <a:srgbClr val="000000"/>
-                </a:solidFill>
-                <a:latin typeface="Arial" panose="020B0604020202020204" pitchFamily="34" charset="0"/>
-                <a:cs typeface="Arial" panose="020B0604020202020204" pitchFamily="34" charset="0"/>
-              </a:rPr>
-              <a:t>‘</a:t>
-            </a:r>
-            <a:r>
-              <a:rPr lang="en-US" sz="1600" b="0" i="0" u="none" strike="noStrike" baseline="0" dirty="0" err="1">
-                <a:solidFill>
-                  <a:schemeClr val="accent2">
-                    <a:lumMod val="75000"/>
-                  </a:schemeClr>
-                </a:solidFill>
-                <a:latin typeface="Courier New" panose="02070309020205020404" pitchFamily="49" charset="0"/>
-                <a:cs typeface="Courier New" panose="02070309020205020404" pitchFamily="49" charset="0"/>
-              </a:rPr>
-              <a:t>dout</a:t>
-            </a:r>
-            <a:r>
-              <a:rPr lang="en-US" sz="1600" b="0" i="0" u="none" strike="noStrike" baseline="0" dirty="0">
-                <a:solidFill>
-                  <a:srgbClr val="000000"/>
-                </a:solidFill>
-                <a:latin typeface="Arial" panose="020B0604020202020204" pitchFamily="34" charset="0"/>
-                <a:cs typeface="Arial" panose="020B0604020202020204" pitchFamily="34" charset="0"/>
-              </a:rPr>
-              <a:t>’ : serial output</a:t>
-            </a:r>
-          </a:p>
-          <a:p>
-            <a:pPr marL="285750" indent="-285750">
-              <a:buFont typeface="Wingdings" panose="05000000000000000000" pitchFamily="2" charset="2"/>
-              <a:buChar char="q"/>
-            </a:pPr>
-            <a:r>
-              <a:rPr lang="en-US" sz="1600" b="0" i="0" u="none" strike="noStrike" baseline="0" dirty="0">
-                <a:solidFill>
-                  <a:srgbClr val="000000"/>
-                </a:solidFill>
-                <a:latin typeface="Arial" panose="020B0604020202020204" pitchFamily="34" charset="0"/>
-                <a:cs typeface="Arial" panose="020B0604020202020204" pitchFamily="34" charset="0"/>
-              </a:rPr>
-              <a:t>‘</a:t>
-            </a:r>
-            <a:r>
-              <a:rPr lang="en-US" sz="1600" b="0" i="0" u="none" strike="noStrike" baseline="0" dirty="0">
-                <a:solidFill>
-                  <a:schemeClr val="accent2">
-                    <a:lumMod val="75000"/>
-                  </a:schemeClr>
-                </a:solidFill>
-                <a:latin typeface="Courier New" panose="02070309020205020404" pitchFamily="49" charset="0"/>
-                <a:cs typeface="Courier New" panose="02070309020205020404" pitchFamily="49" charset="0"/>
-              </a:rPr>
-              <a:t>Q</a:t>
-            </a:r>
-            <a:r>
-              <a:rPr lang="en-US" sz="1600" b="0" i="0" u="none" strike="noStrike" baseline="0" dirty="0">
-                <a:solidFill>
-                  <a:srgbClr val="000000"/>
-                </a:solidFill>
-                <a:latin typeface="Arial" panose="020B0604020202020204" pitchFamily="34" charset="0"/>
-                <a:cs typeface="Arial" panose="020B0604020202020204" pitchFamily="34" charset="0"/>
-              </a:rPr>
-              <a:t>’ : parallel output</a:t>
-            </a:r>
-          </a:p>
-        </p:txBody>
-      </p:sp>
-      <p:sp>
-        <p:nvSpPr>
-          <p:cNvPr id="15" name="TextBox 14">
-            <a:extLst>
-              <a:ext uri="{FF2B5EF4-FFF2-40B4-BE49-F238E27FC236}">
-                <a16:creationId xmlns:a16="http://schemas.microsoft.com/office/drawing/2014/main" id="{3C5480EF-5822-45A0-815C-BE45CCFFF7AF}"/>
-              </a:ext>
-            </a:extLst>
-          </p:cNvPr>
-          <p:cNvSpPr txBox="1"/>
-          <p:nvPr/>
-        </p:nvSpPr>
-        <p:spPr>
-          <a:xfrm>
-            <a:off x="661182" y="3021968"/>
-            <a:ext cx="4908773" cy="384721"/>
-          </a:xfrm>
-          <a:prstGeom prst="rect">
-            <a:avLst/>
-          </a:prstGeom>
-          <a:noFill/>
-          <a:ln>
-            <a:solidFill>
-              <a:schemeClr val="accent2">
-                <a:lumMod val="75000"/>
-              </a:schemeClr>
-            </a:solidFill>
-          </a:ln>
-        </p:spPr>
-        <p:txBody>
-          <a:bodyPr wrap="square">
-            <a:spAutoFit/>
-          </a:bodyPr>
-          <a:lstStyle/>
-          <a:p>
-            <a:r>
-              <a:rPr lang="en-US" sz="1900" b="0" i="0" u="none" strike="noStrike" baseline="0" dirty="0">
-                <a:solidFill>
-                  <a:srgbClr val="000000"/>
-                </a:solidFill>
-                <a:highlight>
-                  <a:srgbClr val="FFFF00"/>
-                </a:highlight>
-                <a:latin typeface="Arial" panose="020B0604020202020204" pitchFamily="34" charset="0"/>
-                <a:cs typeface="Arial" panose="020B0604020202020204" pitchFamily="34" charset="0"/>
-              </a:rPr>
-              <a:t>Shift to the </a:t>
-            </a:r>
-            <a:r>
-              <a:rPr lang="en-US" sz="1900" b="1" i="0" u="none" strike="noStrike" baseline="0" dirty="0">
-                <a:solidFill>
-                  <a:srgbClr val="000080"/>
-                </a:solidFill>
-                <a:highlight>
-                  <a:srgbClr val="FFFF00"/>
-                </a:highlight>
-                <a:latin typeface="Arial" panose="020B0604020202020204" pitchFamily="34" charset="0"/>
-                <a:cs typeface="Arial" panose="020B0604020202020204" pitchFamily="34" charset="0"/>
-              </a:rPr>
-              <a:t>right</a:t>
-            </a:r>
-            <a:r>
-              <a:rPr lang="en-US" sz="1900" b="0" i="0" u="none" strike="noStrike" baseline="0" dirty="0">
-                <a:solidFill>
-                  <a:srgbClr val="000000"/>
-                </a:solidFill>
-                <a:highlight>
-                  <a:srgbClr val="FFFF00"/>
-                </a:highlight>
-                <a:latin typeface="Arial" panose="020B0604020202020204" pitchFamily="34" charset="0"/>
-                <a:cs typeface="Arial" panose="020B0604020202020204" pitchFamily="34" charset="0"/>
-              </a:rPr>
-              <a:t>, 4 bits</a:t>
-            </a:r>
-          </a:p>
-        </p:txBody>
-      </p:sp>
       <p:pic>
         <p:nvPicPr>
-          <p:cNvPr id="16" name="Picture 15">
-            <a:extLst>
-              <a:ext uri="{FF2B5EF4-FFF2-40B4-BE49-F238E27FC236}">
-                <a16:creationId xmlns:a16="http://schemas.microsoft.com/office/drawing/2014/main" id="{D89AA45F-AD09-4074-9959-18D92ACB8429}"/>
+          <p:cNvPr id="9" name="Picture 8">
+            <a:extLst>
+              <a:ext uri="{FF2B5EF4-FFF2-40B4-BE49-F238E27FC236}">
+                <a16:creationId xmlns:a16="http://schemas.microsoft.com/office/drawing/2014/main" id="{7FCDD9B4-967E-454A-8D3D-2626FF38DF32}"/>
               </a:ext>
             </a:extLst>
           </p:cNvPr>
@@ -9415,104 +8715,8 @@
         </p:blipFill>
         <p:spPr>
           <a:xfrm>
-            <a:off x="661182" y="3429000"/>
-            <a:ext cx="4908773" cy="3381147"/>
-          </a:xfrm>
-          <a:prstGeom prst="rect">
-            <a:avLst/>
-          </a:prstGeom>
-        </p:spPr>
-      </p:pic>
-      <p:sp>
-        <p:nvSpPr>
-          <p:cNvPr id="18" name="TextBox 17">
-            <a:extLst>
-              <a:ext uri="{FF2B5EF4-FFF2-40B4-BE49-F238E27FC236}">
-                <a16:creationId xmlns:a16="http://schemas.microsoft.com/office/drawing/2014/main" id="{E410F4D5-7DC3-4413-A980-27DB66039B3A}"/>
-              </a:ext>
-            </a:extLst>
-          </p:cNvPr>
-          <p:cNvSpPr txBox="1"/>
-          <p:nvPr/>
-        </p:nvSpPr>
-        <p:spPr>
-          <a:xfrm>
-            <a:off x="6412116" y="3010625"/>
-            <a:ext cx="5012601" cy="384721"/>
-          </a:xfrm>
-          <a:prstGeom prst="rect">
-            <a:avLst/>
-          </a:prstGeom>
-          <a:noFill/>
-          <a:ln>
-            <a:solidFill>
-              <a:schemeClr val="accent2">
-                <a:lumMod val="75000"/>
-              </a:schemeClr>
-            </a:solidFill>
-          </a:ln>
-        </p:spPr>
-        <p:txBody>
-          <a:bodyPr wrap="square">
-            <a:spAutoFit/>
-          </a:bodyPr>
-          <a:lstStyle/>
-          <a:p>
-            <a:r>
-              <a:rPr lang="en-US" sz="1900" i="0" u="none" strike="noStrike" baseline="0" dirty="0">
-                <a:solidFill>
-                  <a:srgbClr val="000000"/>
-                </a:solidFill>
-                <a:highlight>
-                  <a:srgbClr val="FFFF00"/>
-                </a:highlight>
-                <a:latin typeface="Arial" panose="020B0604020202020204" pitchFamily="34" charset="0"/>
-                <a:cs typeface="Arial" panose="020B0604020202020204" pitchFamily="34" charset="0"/>
-              </a:rPr>
-              <a:t>Use of VHDL </a:t>
-            </a:r>
-            <a:r>
-              <a:rPr lang="en-US" sz="1900" i="0" u="none" strike="noStrike" baseline="0" dirty="0">
-                <a:solidFill>
-                  <a:schemeClr val="accent2">
-                    <a:lumMod val="75000"/>
-                  </a:schemeClr>
-                </a:solidFill>
-                <a:highlight>
-                  <a:srgbClr val="FFFF00"/>
-                </a:highlight>
-                <a:latin typeface="Courier New" panose="02070309020205020404" pitchFamily="49" charset="0"/>
-                <a:cs typeface="Courier New" panose="02070309020205020404" pitchFamily="49" charset="0"/>
-              </a:rPr>
-              <a:t>for loop</a:t>
-            </a:r>
-          </a:p>
-        </p:txBody>
-      </p:sp>
-      <p:pic>
-        <p:nvPicPr>
-          <p:cNvPr id="20" name="Picture 19">
-            <a:extLst>
-              <a:ext uri="{FF2B5EF4-FFF2-40B4-BE49-F238E27FC236}">
-                <a16:creationId xmlns:a16="http://schemas.microsoft.com/office/drawing/2014/main" id="{AA307B0C-E0E7-41D9-801B-790EE0766A6C}"/>
-              </a:ext>
-            </a:extLst>
-          </p:cNvPr>
-          <p:cNvPicPr>
-            <a:picLocks noChangeAspect="1"/>
-          </p:cNvPicPr>
-          <p:nvPr/>
-        </p:nvPicPr>
-        <p:blipFill>
-          <a:blip r:embed="rId4"/>
-          <a:stretch>
-            <a:fillRect/>
-          </a:stretch>
-        </p:blipFill>
-        <p:spPr>
-          <a:xfrm>
-            <a:off x="6412120" y="3395346"/>
-            <a:ext cx="5012601" cy="3195954"/>
+            <a:off x="886922" y="4461529"/>
+            <a:ext cx="6359423" cy="2146738"/>
           </a:xfrm>
           <a:prstGeom prst="rect">
             <a:avLst/>
@@ -9522,7 +8726,7 @@
     </p:spTree>
     <p:extLst>
       <p:ext uri="{BB962C8B-B14F-4D97-AF65-F5344CB8AC3E}">
-        <p14:creationId xmlns:p14="http://schemas.microsoft.com/office/powerpoint/2010/main" val="2117907275"/>
+        <p14:creationId xmlns:p14="http://schemas.microsoft.com/office/powerpoint/2010/main" val="4033282680"/>
       </p:ext>
     </p:extLst>
   </p:cSld>
@@ -9663,8 +8867,8 @@
         </p:nvSpPr>
         <p:spPr>
           <a:xfrm>
-            <a:off x="661182" y="1004619"/>
-            <a:ext cx="8102989" cy="584775"/>
+            <a:off x="661182" y="971187"/>
+            <a:ext cx="8102989" cy="523220"/>
           </a:xfrm>
           <a:prstGeom prst="rect">
             <a:avLst/>
@@ -9678,15 +8882,15 @@
           <a:lstStyle/>
           <a:p>
             <a:r>
-              <a:rPr lang="en-US" sz="3200" dirty="0">
+              <a:rPr lang="en-US" sz="2800" dirty="0">
                 <a:solidFill>
                   <a:srgbClr val="C00000"/>
                 </a:solidFill>
                 <a:latin typeface="Bahnschrift Light Condensed" panose="020B0502040204020203" pitchFamily="34" charset="0"/>
               </a:rPr>
-              <a:t>Synchronous Counters </a:t>
-            </a:r>
-            <a:endParaRPr lang="en-US" sz="3200" dirty="0">
+              <a:t>PARALLEL ACCESS SHIFT REGISTER:</a:t>
+            </a:r>
+            <a:endParaRPr lang="en-US" sz="2800" dirty="0">
               <a:solidFill>
                 <a:srgbClr val="C00000"/>
               </a:solidFill>
@@ -9698,10 +8902,10 @@
       </p:sp>
       <p:sp>
         <p:nvSpPr>
-          <p:cNvPr id="9" name="TextBox 8">
-            <a:extLst>
-              <a:ext uri="{FF2B5EF4-FFF2-40B4-BE49-F238E27FC236}">
-                <a16:creationId xmlns:a16="http://schemas.microsoft.com/office/drawing/2014/main" id="{66CE2A1B-9E32-479A-BFD8-C2EC08EDCB4A}"/>
+          <p:cNvPr id="10" name="TextBox 9">
+            <a:extLst>
+              <a:ext uri="{FF2B5EF4-FFF2-40B4-BE49-F238E27FC236}">
+                <a16:creationId xmlns:a16="http://schemas.microsoft.com/office/drawing/2014/main" id="{7737760A-E9E5-486A-B725-40B501138614}"/>
               </a:ext>
             </a:extLst>
           </p:cNvPr>
@@ -9710,13 +8914,92 @@
         </p:nvSpPr>
         <p:spPr>
           <a:xfrm>
-            <a:off x="661182" y="1479762"/>
-            <a:ext cx="9931790" cy="2431435"/>
+            <a:off x="661182" y="1368103"/>
+            <a:ext cx="8623495" cy="461665"/>
           </a:xfrm>
           <a:prstGeom prst="rect">
             <a:avLst/>
           </a:prstGeom>
           <a:noFill/>
+        </p:spPr>
+        <p:txBody>
+          <a:bodyPr wrap="square" rtlCol="0">
+            <a:spAutoFit/>
+          </a:bodyPr>
+          <a:lstStyle/>
+          <a:p>
+            <a:r>
+              <a:rPr lang="en-US" sz="2400" dirty="0">
+                <a:solidFill>
+                  <a:schemeClr val="accent1">
+                    <a:lumMod val="75000"/>
+                  </a:schemeClr>
+                </a:solidFill>
+                <a:latin typeface="Bahnschrift Light Condensed" panose="020B0502040204020203" pitchFamily="34" charset="0"/>
+              </a:rPr>
+              <a:t>Parallel/serial load, Parallel/serial output</a:t>
+            </a:r>
+          </a:p>
+        </p:txBody>
+      </p:sp>
+      <p:pic>
+        <p:nvPicPr>
+          <p:cNvPr id="3" name="Picture 2">
+            <a:extLst>
+              <a:ext uri="{FF2B5EF4-FFF2-40B4-BE49-F238E27FC236}">
+                <a16:creationId xmlns:a16="http://schemas.microsoft.com/office/drawing/2014/main" id="{5DB9E268-5A14-4223-81D2-9739612D9139}"/>
+              </a:ext>
+            </a:extLst>
+          </p:cNvPr>
+          <p:cNvPicPr>
+            <a:picLocks noChangeAspect="1"/>
+          </p:cNvPicPr>
+          <p:nvPr/>
+        </p:nvPicPr>
+        <p:blipFill>
+          <a:blip r:embed="rId2"/>
+          <a:stretch>
+            <a:fillRect/>
+          </a:stretch>
+        </p:blipFill>
+        <p:spPr>
+          <a:xfrm>
+            <a:off x="5160025" y="1180710"/>
+            <a:ext cx="2763392" cy="1684995"/>
+          </a:xfrm>
+          <a:prstGeom prst="rect">
+            <a:avLst/>
+          </a:prstGeom>
+        </p:spPr>
+      </p:pic>
+      <p:sp>
+        <p:nvSpPr>
+          <p:cNvPr id="12" name="TextBox 11">
+            <a:extLst>
+              <a:ext uri="{FF2B5EF4-FFF2-40B4-BE49-F238E27FC236}">
+                <a16:creationId xmlns:a16="http://schemas.microsoft.com/office/drawing/2014/main" id="{33C58B71-BFBD-470B-B8CC-60A93734B81B}"/>
+              </a:ext>
+            </a:extLst>
+          </p:cNvPr>
+          <p:cNvSpPr txBox="1"/>
+          <p:nvPr/>
+        </p:nvSpPr>
+        <p:spPr>
+          <a:xfrm>
+            <a:off x="8220399" y="1190068"/>
+            <a:ext cx="3204318" cy="1569660"/>
+          </a:xfrm>
+          <a:prstGeom prst="rect">
+            <a:avLst/>
+          </a:prstGeom>
+          <a:noFill/>
+          <a:ln>
+            <a:solidFill>
+              <a:schemeClr val="accent2">
+                <a:lumMod val="75000"/>
+              </a:schemeClr>
+            </a:solidFill>
+          </a:ln>
         </p:spPr>
         <p:txBody>
           <a:bodyPr wrap="square">
@@ -9724,42 +9007,12 @@
           </a:bodyPr>
           <a:lstStyle/>
           <a:p>
-            <a:pPr marL="342900" indent="-342900">
+            <a:pPr marL="285750" indent="-285750">
               <a:buFont typeface="Wingdings" panose="05000000000000000000" pitchFamily="2" charset="2"/>
-              <a:buChar char="§"/>
+              <a:buChar char="q"/>
             </a:pPr>
             <a:r>
-              <a:rPr lang="en-US" sz="1900" b="0" i="0" u="none" strike="noStrike" baseline="0" dirty="0">
-                <a:latin typeface="Arial" panose="020B0604020202020204" pitchFamily="34" charset="0"/>
-                <a:cs typeface="Arial" panose="020B0604020202020204" pitchFamily="34" charset="0"/>
-              </a:rPr>
-              <a:t>Counters are very useful in digital systems. They can count the number of occurrences of a certain event, generate time intervals for task control, track elapsed time between two events, etc.</a:t>
-            </a:r>
-          </a:p>
-          <a:p>
-            <a:pPr marL="342900" indent="-342900">
-              <a:buFont typeface="Wingdings" panose="05000000000000000000" pitchFamily="2" charset="2"/>
-              <a:buChar char="§"/>
-            </a:pPr>
-            <a:endParaRPr lang="en-US" sz="1900" b="0" i="0" u="none" strike="noStrike" baseline="0" dirty="0">
-              <a:latin typeface="Arial" panose="020B0604020202020204" pitchFamily="34" charset="0"/>
-              <a:cs typeface="Arial" panose="020B0604020202020204" pitchFamily="34" charset="0"/>
-            </a:endParaRPr>
-          </a:p>
-          <a:p>
-            <a:pPr marL="342900" indent="-342900">
-              <a:buFont typeface="Wingdings" panose="05000000000000000000" pitchFamily="2" charset="2"/>
-              <a:buChar char="§"/>
-            </a:pPr>
-            <a:r>
-              <a:rPr lang="en-US" sz="1900" b="0" i="0" u="none" strike="noStrike" baseline="0" dirty="0">
-                <a:latin typeface="Arial" panose="020B0604020202020204" pitchFamily="34" charset="0"/>
-                <a:cs typeface="Arial" panose="020B0604020202020204" pitchFamily="34" charset="0"/>
-              </a:rPr>
-              <a:t>Synchronous counters change their output on the clock edge (rising or falling). Counters are made of flip flops and combinatorial logic. Every flip flop in a synchronous counter shares the same clock signal. The figure shows a 4 bit synchronous binary counter ( </a:t>
-            </a:r>
-            <a:r>
-              <a:rPr lang="en-US" sz="1900" b="0" i="0" u="none" strike="noStrike" baseline="0" dirty="0">
+              <a:rPr lang="en-US" sz="1600" b="0" i="0" u="none" strike="noStrike" baseline="0" dirty="0" err="1">
                 <a:solidFill>
                   <a:schemeClr val="accent2">
                     <a:lumMod val="75000"/>
@@ -9768,17 +9021,10 @@
                 <a:latin typeface="Courier New" panose="02070309020205020404" pitchFamily="49" charset="0"/>
                 <a:cs typeface="Courier New" panose="02070309020205020404" pitchFamily="49" charset="0"/>
               </a:rPr>
-              <a:t>0000</a:t>
-            </a:r>
-            <a:r>
-              <a:rPr lang="en-US" sz="1900" b="0" i="0" u="none" strike="noStrike" baseline="0" dirty="0">
-                <a:latin typeface="Arial" panose="020B0604020202020204" pitchFamily="34" charset="0"/>
-                <a:cs typeface="Arial" panose="020B0604020202020204" pitchFamily="34" charset="0"/>
-              </a:rPr>
-              <a:t> to </a:t>
-            </a:r>
-            <a:r>
-              <a:rPr lang="en-US" sz="1900" b="0" i="0" u="none" strike="noStrike" baseline="0" dirty="0">
+              <a:t>s_l</a:t>
+            </a:r>
+            <a:r>
+              <a:rPr lang="en-US" sz="1600" b="0" i="0" u="none" strike="noStrike" baseline="0" dirty="0">
                 <a:solidFill>
                   <a:schemeClr val="accent2">
                     <a:lumMod val="75000"/>
@@ -9787,17 +9033,46 @@
                 <a:latin typeface="Courier New" panose="02070309020205020404" pitchFamily="49" charset="0"/>
                 <a:cs typeface="Courier New" panose="02070309020205020404" pitchFamily="49" charset="0"/>
               </a:rPr>
-              <a:t>1111</a:t>
-            </a:r>
-            <a:r>
-              <a:rPr lang="en-US" sz="1900" b="0" i="0" u="none" strike="noStrike" baseline="0" dirty="0">
+              <a:t>=1 </a:t>
+            </a:r>
+            <a:r>
+              <a:rPr lang="en-US" sz="1600" b="0" i="0" u="none" strike="noStrike" baseline="0" dirty="0">
+                <a:solidFill>
+                  <a:srgbClr val="000000"/>
+                </a:solidFill>
                 <a:latin typeface="Arial" panose="020B0604020202020204" pitchFamily="34" charset="0"/>
                 <a:cs typeface="Arial" panose="020B0604020202020204" pitchFamily="34" charset="0"/>
               </a:rPr>
-              <a:t> ). A </a:t>
-            </a:r>
-            <a:r>
-              <a:rPr lang="en-US" sz="1900" b="0" i="0" u="none" strike="noStrike" baseline="0" dirty="0" err="1">
+              <a:t>: </a:t>
+            </a:r>
+            <a:r>
+              <a:rPr lang="en-US" sz="1600" b="0" i="0" u="none" strike="noStrike" baseline="0" dirty="0" err="1">
+                <a:solidFill>
+                  <a:srgbClr val="000000"/>
+                </a:solidFill>
+                <a:latin typeface="Arial" panose="020B0604020202020204" pitchFamily="34" charset="0"/>
+                <a:cs typeface="Arial" panose="020B0604020202020204" pitchFamily="34" charset="0"/>
+              </a:rPr>
+              <a:t>Paralled</a:t>
+            </a:r>
+            <a:r>
+              <a:rPr lang="en-US" sz="1600" b="0" i="0" u="none" strike="noStrike" baseline="0" dirty="0">
+                <a:solidFill>
+                  <a:srgbClr val="000000"/>
+                </a:solidFill>
+                <a:latin typeface="Arial" panose="020B0604020202020204" pitchFamily="34" charset="0"/>
+                <a:cs typeface="Arial" panose="020B0604020202020204" pitchFamily="34" charset="0"/>
+              </a:rPr>
+              <a:t> load</a:t>
+            </a:r>
+          </a:p>
+          <a:p>
+            <a:pPr marL="285750" indent="-285750">
+              <a:buFont typeface="Wingdings" panose="05000000000000000000" pitchFamily="2" charset="2"/>
+              <a:buChar char="q"/>
+            </a:pPr>
+            <a:r>
+              <a:rPr lang="en-US" sz="1600" b="0" i="0" u="none" strike="noStrike" baseline="0" dirty="0" err="1">
                 <a:solidFill>
                   <a:schemeClr val="accent2">
                     <a:lumMod val="75000"/>
@@ -9806,48 +9081,268 @@
                 <a:latin typeface="Courier New" panose="02070309020205020404" pitchFamily="49" charset="0"/>
                 <a:cs typeface="Courier New" panose="02070309020205020404" pitchFamily="49" charset="0"/>
               </a:rPr>
-              <a:t>resetn</a:t>
-            </a:r>
-            <a:r>
-              <a:rPr lang="en-US" sz="1900" b="0" i="0" u="none" strike="noStrike" baseline="0" dirty="0">
+              <a:t>s_l</a:t>
+            </a:r>
+            <a:r>
+              <a:rPr lang="en-US" sz="1600" b="0" i="0" u="none" strike="noStrike" baseline="0" dirty="0">
+                <a:solidFill>
+                  <a:schemeClr val="accent2">
+                    <a:lumMod val="75000"/>
+                  </a:schemeClr>
+                </a:solidFill>
+                <a:latin typeface="Courier New" panose="02070309020205020404" pitchFamily="49" charset="0"/>
+                <a:cs typeface="Courier New" panose="02070309020205020404" pitchFamily="49" charset="0"/>
+              </a:rPr>
+              <a:t>=0 </a:t>
+            </a:r>
+            <a:r>
+              <a:rPr lang="en-US" sz="1600" b="0" i="0" u="none" strike="noStrike" baseline="0" dirty="0">
+                <a:solidFill>
+                  <a:srgbClr val="000000"/>
+                </a:solidFill>
                 <a:latin typeface="Arial" panose="020B0604020202020204" pitchFamily="34" charset="0"/>
                 <a:cs typeface="Arial" panose="020B0604020202020204" pitchFamily="34" charset="0"/>
               </a:rPr>
-              <a:t> signal is also included to </a:t>
-            </a:r>
+              <a:t>: Serial load</a:t>
+            </a:r>
+          </a:p>
+          <a:p>
+            <a:pPr marL="285750" indent="-285750">
+              <a:buFont typeface="Wingdings" panose="05000000000000000000" pitchFamily="2" charset="2"/>
+              <a:buChar char="q"/>
+            </a:pPr>
+            <a:r>
+              <a:rPr lang="en-US" sz="1600" b="0" i="0" u="none" strike="noStrike" baseline="0" dirty="0">
+                <a:solidFill>
+                  <a:srgbClr val="000000"/>
+                </a:solidFill>
+                <a:latin typeface="Arial" panose="020B0604020202020204" pitchFamily="34" charset="0"/>
+                <a:cs typeface="Arial" panose="020B0604020202020204" pitchFamily="34" charset="0"/>
+              </a:rPr>
+              <a:t>‘</a:t>
+            </a:r>
+            <a:r>
+              <a:rPr lang="en-US" sz="1600" b="0" i="0" u="none" strike="noStrike" baseline="0" dirty="0">
+                <a:solidFill>
+                  <a:schemeClr val="accent2">
+                    <a:lumMod val="75000"/>
+                  </a:schemeClr>
+                </a:solidFill>
+                <a:latin typeface="Courier New" panose="02070309020205020404" pitchFamily="49" charset="0"/>
+                <a:cs typeface="Courier New" panose="02070309020205020404" pitchFamily="49" charset="0"/>
+              </a:rPr>
+              <a:t>din</a:t>
+            </a:r>
+            <a:r>
+              <a:rPr lang="en-US" sz="1600" b="0" i="0" u="none" strike="noStrike" baseline="0" dirty="0">
+                <a:solidFill>
+                  <a:srgbClr val="000000"/>
+                </a:solidFill>
+                <a:latin typeface="Arial" panose="020B0604020202020204" pitchFamily="34" charset="0"/>
+                <a:cs typeface="Arial" panose="020B0604020202020204" pitchFamily="34" charset="0"/>
+              </a:rPr>
+              <a:t>’ : serial input</a:t>
+            </a:r>
+          </a:p>
+          <a:p>
+            <a:pPr marL="285750" indent="-285750">
+              <a:buFont typeface="Wingdings" panose="05000000000000000000" pitchFamily="2" charset="2"/>
+              <a:buChar char="q"/>
+            </a:pPr>
+            <a:r>
+              <a:rPr lang="en-US" sz="1600" b="0" i="0" u="none" strike="noStrike" baseline="0" dirty="0">
+                <a:solidFill>
+                  <a:srgbClr val="000000"/>
+                </a:solidFill>
+                <a:latin typeface="Arial" panose="020B0604020202020204" pitchFamily="34" charset="0"/>
+                <a:cs typeface="Arial" panose="020B0604020202020204" pitchFamily="34" charset="0"/>
+              </a:rPr>
+              <a:t>‘</a:t>
+            </a:r>
+            <a:r>
+              <a:rPr lang="en-US" sz="1600" b="0" i="0" u="none" strike="noStrike" baseline="0" dirty="0">
+                <a:solidFill>
+                  <a:schemeClr val="accent2">
+                    <a:lumMod val="75000"/>
+                  </a:schemeClr>
+                </a:solidFill>
+                <a:latin typeface="Courier New" panose="02070309020205020404" pitchFamily="49" charset="0"/>
+                <a:cs typeface="Courier New" panose="02070309020205020404" pitchFamily="49" charset="0"/>
+              </a:rPr>
+              <a:t>D</a:t>
+            </a:r>
+            <a:r>
+              <a:rPr lang="en-US" sz="1600" b="0" i="0" u="none" strike="noStrike" baseline="0" dirty="0">
+                <a:solidFill>
+                  <a:srgbClr val="000000"/>
+                </a:solidFill>
+                <a:latin typeface="Arial" panose="020B0604020202020204" pitchFamily="34" charset="0"/>
+                <a:cs typeface="Arial" panose="020B0604020202020204" pitchFamily="34" charset="0"/>
+              </a:rPr>
+              <a:t>’ : parallel input</a:t>
+            </a:r>
+          </a:p>
+          <a:p>
+            <a:pPr marL="285750" indent="-285750">
+              <a:buFont typeface="Wingdings" panose="05000000000000000000" pitchFamily="2" charset="2"/>
+              <a:buChar char="q"/>
+            </a:pPr>
+            <a:r>
+              <a:rPr lang="en-US" sz="1600" b="0" i="0" u="none" strike="noStrike" baseline="0" dirty="0">
+                <a:solidFill>
+                  <a:srgbClr val="000000"/>
+                </a:solidFill>
+                <a:latin typeface="Arial" panose="020B0604020202020204" pitchFamily="34" charset="0"/>
+                <a:cs typeface="Arial" panose="020B0604020202020204" pitchFamily="34" charset="0"/>
+              </a:rPr>
+              <a:t>‘</a:t>
+            </a:r>
+            <a:r>
+              <a:rPr lang="en-US" sz="1600" b="0" i="0" u="none" strike="noStrike" baseline="0" dirty="0" err="1">
+                <a:solidFill>
+                  <a:schemeClr val="accent2">
+                    <a:lumMod val="75000"/>
+                  </a:schemeClr>
+                </a:solidFill>
+                <a:latin typeface="Courier New" panose="02070309020205020404" pitchFamily="49" charset="0"/>
+                <a:cs typeface="Courier New" panose="02070309020205020404" pitchFamily="49" charset="0"/>
+              </a:rPr>
+              <a:t>dout</a:t>
+            </a:r>
+            <a:r>
+              <a:rPr lang="en-US" sz="1600" b="0" i="0" u="none" strike="noStrike" baseline="0" dirty="0">
+                <a:solidFill>
+                  <a:srgbClr val="000000"/>
+                </a:solidFill>
+                <a:latin typeface="Arial" panose="020B0604020202020204" pitchFamily="34" charset="0"/>
+                <a:cs typeface="Arial" panose="020B0604020202020204" pitchFamily="34" charset="0"/>
+              </a:rPr>
+              <a:t>’ : serial output</a:t>
+            </a:r>
+          </a:p>
+          <a:p>
+            <a:pPr marL="285750" indent="-285750">
+              <a:buFont typeface="Wingdings" panose="05000000000000000000" pitchFamily="2" charset="2"/>
+              <a:buChar char="q"/>
+            </a:pPr>
+            <a:r>
+              <a:rPr lang="en-US" sz="1600" b="0" i="0" u="none" strike="noStrike" baseline="0" dirty="0">
+                <a:solidFill>
+                  <a:srgbClr val="000000"/>
+                </a:solidFill>
+                <a:latin typeface="Arial" panose="020B0604020202020204" pitchFamily="34" charset="0"/>
+                <a:cs typeface="Arial" panose="020B0604020202020204" pitchFamily="34" charset="0"/>
+              </a:rPr>
+              <a:t>‘</a:t>
+            </a:r>
+            <a:r>
+              <a:rPr lang="en-US" sz="1600" b="0" i="0" u="none" strike="noStrike" baseline="0" dirty="0">
+                <a:solidFill>
+                  <a:schemeClr val="accent2">
+                    <a:lumMod val="75000"/>
+                  </a:schemeClr>
+                </a:solidFill>
+                <a:latin typeface="Courier New" panose="02070309020205020404" pitchFamily="49" charset="0"/>
+                <a:cs typeface="Courier New" panose="02070309020205020404" pitchFamily="49" charset="0"/>
+              </a:rPr>
+              <a:t>Q</a:t>
+            </a:r>
+            <a:r>
+              <a:rPr lang="en-US" sz="1600" b="0" i="0" u="none" strike="noStrike" baseline="0" dirty="0">
+                <a:solidFill>
+                  <a:srgbClr val="000000"/>
+                </a:solidFill>
+                <a:latin typeface="Arial" panose="020B0604020202020204" pitchFamily="34" charset="0"/>
+                <a:cs typeface="Arial" panose="020B0604020202020204" pitchFamily="34" charset="0"/>
+              </a:rPr>
+              <a:t>’ : parallel output</a:t>
+            </a:r>
+          </a:p>
+        </p:txBody>
+      </p:sp>
+      <p:sp>
+        <p:nvSpPr>
+          <p:cNvPr id="15" name="TextBox 14">
+            <a:extLst>
+              <a:ext uri="{FF2B5EF4-FFF2-40B4-BE49-F238E27FC236}">
+                <a16:creationId xmlns:a16="http://schemas.microsoft.com/office/drawing/2014/main" id="{3C5480EF-5822-45A0-815C-BE45CCFFF7AF}"/>
+              </a:ext>
+            </a:extLst>
+          </p:cNvPr>
+          <p:cNvSpPr txBox="1"/>
+          <p:nvPr/>
+        </p:nvSpPr>
+        <p:spPr>
+          <a:xfrm>
+            <a:off x="661182" y="3021968"/>
+            <a:ext cx="4908773" cy="384721"/>
+          </a:xfrm>
+          <a:prstGeom prst="rect">
+            <a:avLst/>
+          </a:prstGeom>
+          <a:noFill/>
+          <a:ln>
+            <a:solidFill>
+              <a:schemeClr val="accent2">
+                <a:lumMod val="75000"/>
+              </a:schemeClr>
+            </a:solidFill>
+          </a:ln>
+        </p:spPr>
+        <p:txBody>
+          <a:bodyPr wrap="square">
+            <a:spAutoFit/>
+          </a:bodyPr>
+          <a:lstStyle/>
+          <a:p>
             <a:r>
               <a:rPr lang="en-US" sz="1900" b="0" i="0" u="none" strike="noStrike" baseline="0" dirty="0">
+                <a:solidFill>
+                  <a:srgbClr val="000000"/>
+                </a:solidFill>
                 <a:highlight>
                   <a:srgbClr val="FFFF00"/>
                 </a:highlight>
                 <a:latin typeface="Arial" panose="020B0604020202020204" pitchFamily="34" charset="0"/>
                 <a:cs typeface="Arial" panose="020B0604020202020204" pitchFamily="34" charset="0"/>
               </a:rPr>
-              <a:t>initialize</a:t>
-            </a:r>
-            <a:r>
-              <a:rPr lang="en-US" sz="1900" b="0" i="0" u="none" strike="noStrike" baseline="0" dirty="0">
+              <a:t>Shift to the </a:t>
+            </a:r>
+            <a:r>
+              <a:rPr lang="en-US" sz="1900" b="1" i="0" u="none" strike="noStrike" baseline="0" dirty="0">
+                <a:solidFill>
+                  <a:srgbClr val="000080"/>
+                </a:solidFill>
+                <a:highlight>
+                  <a:srgbClr val="FFFF00"/>
+                </a:highlight>
                 <a:latin typeface="Arial" panose="020B0604020202020204" pitchFamily="34" charset="0"/>
                 <a:cs typeface="Arial" panose="020B0604020202020204" pitchFamily="34" charset="0"/>
               </a:rPr>
-              <a:t> the count.</a:t>
-            </a:r>
-            <a:endParaRPr lang="en-US" sz="1900" b="0" i="0" u="none" strike="noStrike" baseline="0" dirty="0">
-              <a:solidFill>
-                <a:srgbClr val="C00000"/>
-              </a:solidFill>
-              <a:latin typeface="Courier New" panose="02070309020205020404" pitchFamily="49" charset="0"/>
-              <a:cs typeface="Courier New" panose="02070309020205020404" pitchFamily="49" charset="0"/>
-            </a:endParaRPr>
+              <a:t>right</a:t>
+            </a:r>
+            <a:r>
+              <a:rPr lang="en-US" sz="1900" b="0" i="0" u="none" strike="noStrike" baseline="0" dirty="0">
+                <a:solidFill>
+                  <a:srgbClr val="000000"/>
+                </a:solidFill>
+                <a:highlight>
+                  <a:srgbClr val="FFFF00"/>
+                </a:highlight>
+                <a:latin typeface="Arial" panose="020B0604020202020204" pitchFamily="34" charset="0"/>
+                <a:cs typeface="Arial" panose="020B0604020202020204" pitchFamily="34" charset="0"/>
+              </a:rPr>
+              <a:t>, 4 bits</a:t>
+            </a:r>
           </a:p>
         </p:txBody>
       </p:sp>
       <p:pic>
         <p:nvPicPr>
-          <p:cNvPr id="3" name="Picture 2">
-            <a:extLst>
-              <a:ext uri="{FF2B5EF4-FFF2-40B4-BE49-F238E27FC236}">
-                <a16:creationId xmlns:a16="http://schemas.microsoft.com/office/drawing/2014/main" id="{B1EB32C2-2D36-42D1-9CDC-7A289EAD3FA2}"/>
+          <p:cNvPr id="16" name="Picture 15">
+            <a:extLst>
+              <a:ext uri="{FF2B5EF4-FFF2-40B4-BE49-F238E27FC236}">
+                <a16:creationId xmlns:a16="http://schemas.microsoft.com/office/drawing/2014/main" id="{D89AA45F-AD09-4074-9959-18D92ACB8429}"/>
               </a:ext>
             </a:extLst>
           </p:cNvPr>
@@ -9856,15 +9351,112 @@
           </p:cNvPicPr>
           <p:nvPr/>
         </p:nvPicPr>
-        <p:blipFill rotWithShape="1">
-          <a:blip r:embed="rId2"/>
-          <a:srcRect b="2201"/>
-          <a:stretch/>
+        <p:blipFill>
+          <a:blip r:embed="rId3"/>
+          <a:stretch>
+            <a:fillRect/>
+          </a:stretch>
         </p:blipFill>
         <p:spPr>
           <a:xfrm>
-            <a:off x="1550987" y="4070350"/>
-            <a:ext cx="8104672" cy="2317750"/>
+            <a:off x="661182" y="3429000"/>
+            <a:ext cx="4908773" cy="3381147"/>
+          </a:xfrm>
+          <a:prstGeom prst="rect">
+            <a:avLst/>
+          </a:prstGeom>
+        </p:spPr>
+      </p:pic>
+      <p:sp>
+        <p:nvSpPr>
+          <p:cNvPr id="18" name="TextBox 17">
+            <a:extLst>
+              <a:ext uri="{FF2B5EF4-FFF2-40B4-BE49-F238E27FC236}">
+                <a16:creationId xmlns:a16="http://schemas.microsoft.com/office/drawing/2014/main" id="{E410F4D5-7DC3-4413-A980-27DB66039B3A}"/>
+              </a:ext>
+            </a:extLst>
+          </p:cNvPr>
+          <p:cNvSpPr txBox="1"/>
+          <p:nvPr/>
+        </p:nvSpPr>
+        <p:spPr>
+          <a:xfrm>
+            <a:off x="6412116" y="3010625"/>
+            <a:ext cx="5012601" cy="384721"/>
+          </a:xfrm>
+          <a:prstGeom prst="rect">
+            <a:avLst/>
+          </a:prstGeom>
+          <a:noFill/>
+          <a:ln>
+            <a:solidFill>
+              <a:schemeClr val="accent2">
+                <a:lumMod val="75000"/>
+              </a:schemeClr>
+            </a:solidFill>
+          </a:ln>
+        </p:spPr>
+        <p:txBody>
+          <a:bodyPr wrap="square">
+            <a:spAutoFit/>
+          </a:bodyPr>
+          <a:lstStyle/>
+          <a:p>
+            <a:r>
+              <a:rPr lang="en-US" sz="1900" i="0" u="none" strike="noStrike" baseline="0" dirty="0">
+                <a:solidFill>
+                  <a:srgbClr val="000000"/>
+                </a:solidFill>
+                <a:highlight>
+                  <a:srgbClr val="FFFF00"/>
+                </a:highlight>
+                <a:latin typeface="Arial" panose="020B0604020202020204" pitchFamily="34" charset="0"/>
+                <a:cs typeface="Arial" panose="020B0604020202020204" pitchFamily="34" charset="0"/>
+              </a:rPr>
+              <a:t>Use of VHDL </a:t>
+            </a:r>
+            <a:r>
+              <a:rPr lang="en-US" sz="1900" i="0" u="none" strike="noStrike" baseline="0" dirty="0">
+                <a:solidFill>
+                  <a:schemeClr val="accent2">
+                    <a:lumMod val="75000"/>
+                  </a:schemeClr>
+                </a:solidFill>
+                <a:highlight>
+                  <a:srgbClr val="FFFF00"/>
+                </a:highlight>
+                <a:latin typeface="Courier New" panose="02070309020205020404" pitchFamily="49" charset="0"/>
+                <a:cs typeface="Courier New" panose="02070309020205020404" pitchFamily="49" charset="0"/>
+              </a:rPr>
+              <a:t>for loop</a:t>
+            </a:r>
+          </a:p>
+        </p:txBody>
+      </p:sp>
+      <p:pic>
+        <p:nvPicPr>
+          <p:cNvPr id="20" name="Picture 19">
+            <a:extLst>
+              <a:ext uri="{FF2B5EF4-FFF2-40B4-BE49-F238E27FC236}">
+                <a16:creationId xmlns:a16="http://schemas.microsoft.com/office/drawing/2014/main" id="{AA307B0C-E0E7-41D9-801B-790EE0766A6C}"/>
+              </a:ext>
+            </a:extLst>
+          </p:cNvPr>
+          <p:cNvPicPr>
+            <a:picLocks noChangeAspect="1"/>
+          </p:cNvPicPr>
+          <p:nvPr/>
+        </p:nvPicPr>
+        <p:blipFill>
+          <a:blip r:embed="rId4"/>
+          <a:stretch>
+            <a:fillRect/>
+          </a:stretch>
+        </p:blipFill>
+        <p:spPr>
+          <a:xfrm>
+            <a:off x="6412120" y="3395346"/>
+            <a:ext cx="5012601" cy="3195954"/>
           </a:xfrm>
           <a:prstGeom prst="rect">
             <a:avLst/>
@@ -9874,7 +9466,7 @@
     </p:spTree>
     <p:extLst>
       <p:ext uri="{BB962C8B-B14F-4D97-AF65-F5344CB8AC3E}">
-        <p14:creationId xmlns:p14="http://schemas.microsoft.com/office/powerpoint/2010/main" val="360409181"/>
+        <p14:creationId xmlns:p14="http://schemas.microsoft.com/office/powerpoint/2010/main" val="2117907275"/>
       </p:ext>
     </p:extLst>
   </p:cSld>
@@ -10015,6 +9607,358 @@
         </p:nvSpPr>
         <p:spPr>
           <a:xfrm>
+            <a:off x="661182" y="1004619"/>
+            <a:ext cx="8102989" cy="584775"/>
+          </a:xfrm>
+          <a:prstGeom prst="rect">
+            <a:avLst/>
+          </a:prstGeom>
+          <a:noFill/>
+        </p:spPr>
+        <p:txBody>
+          <a:bodyPr wrap="square" rtlCol="0">
+            <a:spAutoFit/>
+          </a:bodyPr>
+          <a:lstStyle/>
+          <a:p>
+            <a:r>
+              <a:rPr lang="en-US" sz="3200" dirty="0">
+                <a:solidFill>
+                  <a:srgbClr val="C00000"/>
+                </a:solidFill>
+                <a:latin typeface="Bahnschrift Light Condensed" panose="020B0502040204020203" pitchFamily="34" charset="0"/>
+              </a:rPr>
+              <a:t>Synchronous Counters </a:t>
+            </a:r>
+            <a:endParaRPr lang="en-US" sz="3200" dirty="0">
+              <a:solidFill>
+                <a:srgbClr val="C00000"/>
+              </a:solidFill>
+              <a:latin typeface="Courier New" panose="02070309020205020404" pitchFamily="49" charset="0"/>
+              <a:cs typeface="Courier New" panose="02070309020205020404" pitchFamily="49" charset="0"/>
+            </a:endParaRPr>
+          </a:p>
+        </p:txBody>
+      </p:sp>
+      <p:sp>
+        <p:nvSpPr>
+          <p:cNvPr id="9" name="TextBox 8">
+            <a:extLst>
+              <a:ext uri="{FF2B5EF4-FFF2-40B4-BE49-F238E27FC236}">
+                <a16:creationId xmlns:a16="http://schemas.microsoft.com/office/drawing/2014/main" id="{66CE2A1B-9E32-479A-BFD8-C2EC08EDCB4A}"/>
+              </a:ext>
+            </a:extLst>
+          </p:cNvPr>
+          <p:cNvSpPr txBox="1"/>
+          <p:nvPr/>
+        </p:nvSpPr>
+        <p:spPr>
+          <a:xfrm>
+            <a:off x="661182" y="1479762"/>
+            <a:ext cx="9931790" cy="2431435"/>
+          </a:xfrm>
+          <a:prstGeom prst="rect">
+            <a:avLst/>
+          </a:prstGeom>
+          <a:noFill/>
+        </p:spPr>
+        <p:txBody>
+          <a:bodyPr wrap="square">
+            <a:spAutoFit/>
+          </a:bodyPr>
+          <a:lstStyle/>
+          <a:p>
+            <a:pPr marL="342900" indent="-342900">
+              <a:buFont typeface="Wingdings" panose="05000000000000000000" pitchFamily="2" charset="2"/>
+              <a:buChar char="§"/>
+            </a:pPr>
+            <a:r>
+              <a:rPr lang="en-US" sz="1900" b="0" i="0" u="none" strike="noStrike" baseline="0" dirty="0">
+                <a:latin typeface="Arial" panose="020B0604020202020204" pitchFamily="34" charset="0"/>
+                <a:cs typeface="Arial" panose="020B0604020202020204" pitchFamily="34" charset="0"/>
+              </a:rPr>
+              <a:t>Counters are very useful in digital systems. They can count the number of occurrences of a certain event, generate time intervals for task control, track elapsed time between two events, etc.</a:t>
+            </a:r>
+          </a:p>
+          <a:p>
+            <a:pPr marL="342900" indent="-342900">
+              <a:buFont typeface="Wingdings" panose="05000000000000000000" pitchFamily="2" charset="2"/>
+              <a:buChar char="§"/>
+            </a:pPr>
+            <a:endParaRPr lang="en-US" sz="1900" b="0" i="0" u="none" strike="noStrike" baseline="0" dirty="0">
+              <a:latin typeface="Arial" panose="020B0604020202020204" pitchFamily="34" charset="0"/>
+              <a:cs typeface="Arial" panose="020B0604020202020204" pitchFamily="34" charset="0"/>
+            </a:endParaRPr>
+          </a:p>
+          <a:p>
+            <a:pPr marL="342900" indent="-342900">
+              <a:buFont typeface="Wingdings" panose="05000000000000000000" pitchFamily="2" charset="2"/>
+              <a:buChar char="§"/>
+            </a:pPr>
+            <a:r>
+              <a:rPr lang="en-US" sz="1900" b="0" i="0" u="none" strike="noStrike" baseline="0" dirty="0">
+                <a:latin typeface="Arial" panose="020B0604020202020204" pitchFamily="34" charset="0"/>
+                <a:cs typeface="Arial" panose="020B0604020202020204" pitchFamily="34" charset="0"/>
+              </a:rPr>
+              <a:t>Synchronous counters change their output on the clock edge (rising or falling). Counters are made of flip flops and combinatorial logic. Every flip flop in a synchronous counter shares the same clock signal. The figure shows a 4 bit synchronous binary counter ( </a:t>
+            </a:r>
+            <a:r>
+              <a:rPr lang="en-US" sz="1900" b="0" i="0" u="none" strike="noStrike" baseline="0" dirty="0">
+                <a:solidFill>
+                  <a:schemeClr val="accent2">
+                    <a:lumMod val="75000"/>
+                  </a:schemeClr>
+                </a:solidFill>
+                <a:latin typeface="Courier New" panose="02070309020205020404" pitchFamily="49" charset="0"/>
+                <a:cs typeface="Courier New" panose="02070309020205020404" pitchFamily="49" charset="0"/>
+              </a:rPr>
+              <a:t>0000</a:t>
+            </a:r>
+            <a:r>
+              <a:rPr lang="en-US" sz="1900" b="0" i="0" u="none" strike="noStrike" baseline="0" dirty="0">
+                <a:latin typeface="Arial" panose="020B0604020202020204" pitchFamily="34" charset="0"/>
+                <a:cs typeface="Arial" panose="020B0604020202020204" pitchFamily="34" charset="0"/>
+              </a:rPr>
+              <a:t> to </a:t>
+            </a:r>
+            <a:r>
+              <a:rPr lang="en-US" sz="1900" b="0" i="0" u="none" strike="noStrike" baseline="0" dirty="0">
+                <a:solidFill>
+                  <a:schemeClr val="accent2">
+                    <a:lumMod val="75000"/>
+                  </a:schemeClr>
+                </a:solidFill>
+                <a:latin typeface="Courier New" panose="02070309020205020404" pitchFamily="49" charset="0"/>
+                <a:cs typeface="Courier New" panose="02070309020205020404" pitchFamily="49" charset="0"/>
+              </a:rPr>
+              <a:t>1111</a:t>
+            </a:r>
+            <a:r>
+              <a:rPr lang="en-US" sz="1900" b="0" i="0" u="none" strike="noStrike" baseline="0" dirty="0">
+                <a:latin typeface="Arial" panose="020B0604020202020204" pitchFamily="34" charset="0"/>
+                <a:cs typeface="Arial" panose="020B0604020202020204" pitchFamily="34" charset="0"/>
+              </a:rPr>
+              <a:t> ). A </a:t>
+            </a:r>
+            <a:r>
+              <a:rPr lang="en-US" sz="1900" b="0" i="0" u="none" strike="noStrike" baseline="0" dirty="0" err="1">
+                <a:solidFill>
+                  <a:schemeClr val="accent2">
+                    <a:lumMod val="75000"/>
+                  </a:schemeClr>
+                </a:solidFill>
+                <a:latin typeface="Courier New" panose="02070309020205020404" pitchFamily="49" charset="0"/>
+                <a:cs typeface="Courier New" panose="02070309020205020404" pitchFamily="49" charset="0"/>
+              </a:rPr>
+              <a:t>resetn</a:t>
+            </a:r>
+            <a:r>
+              <a:rPr lang="en-US" sz="1900" b="0" i="0" u="none" strike="noStrike" baseline="0" dirty="0">
+                <a:latin typeface="Arial" panose="020B0604020202020204" pitchFamily="34" charset="0"/>
+                <a:cs typeface="Arial" panose="020B0604020202020204" pitchFamily="34" charset="0"/>
+              </a:rPr>
+              <a:t> signal is also included to </a:t>
+            </a:r>
+            <a:r>
+              <a:rPr lang="en-US" sz="1900" b="0" i="0" u="none" strike="noStrike" baseline="0" dirty="0">
+                <a:highlight>
+                  <a:srgbClr val="FFFF00"/>
+                </a:highlight>
+                <a:latin typeface="Arial" panose="020B0604020202020204" pitchFamily="34" charset="0"/>
+                <a:cs typeface="Arial" panose="020B0604020202020204" pitchFamily="34" charset="0"/>
+              </a:rPr>
+              <a:t>initialize</a:t>
+            </a:r>
+            <a:r>
+              <a:rPr lang="en-US" sz="1900" b="0" i="0" u="none" strike="noStrike" baseline="0" dirty="0">
+                <a:latin typeface="Arial" panose="020B0604020202020204" pitchFamily="34" charset="0"/>
+                <a:cs typeface="Arial" panose="020B0604020202020204" pitchFamily="34" charset="0"/>
+              </a:rPr>
+              <a:t> the count.</a:t>
+            </a:r>
+            <a:endParaRPr lang="en-US" sz="1900" b="0" i="0" u="none" strike="noStrike" baseline="0" dirty="0">
+              <a:solidFill>
+                <a:srgbClr val="C00000"/>
+              </a:solidFill>
+              <a:latin typeface="Courier New" panose="02070309020205020404" pitchFamily="49" charset="0"/>
+              <a:cs typeface="Courier New" panose="02070309020205020404" pitchFamily="49" charset="0"/>
+            </a:endParaRPr>
+          </a:p>
+        </p:txBody>
+      </p:sp>
+      <p:pic>
+        <p:nvPicPr>
+          <p:cNvPr id="3" name="Picture 2">
+            <a:extLst>
+              <a:ext uri="{FF2B5EF4-FFF2-40B4-BE49-F238E27FC236}">
+                <a16:creationId xmlns:a16="http://schemas.microsoft.com/office/drawing/2014/main" id="{B1EB32C2-2D36-42D1-9CDC-7A289EAD3FA2}"/>
+              </a:ext>
+            </a:extLst>
+          </p:cNvPr>
+          <p:cNvPicPr>
+            <a:picLocks noChangeAspect="1"/>
+          </p:cNvPicPr>
+          <p:nvPr/>
+        </p:nvPicPr>
+        <p:blipFill rotWithShape="1">
+          <a:blip r:embed="rId2"/>
+          <a:srcRect b="2201"/>
+          <a:stretch/>
+        </p:blipFill>
+        <p:spPr>
+          <a:xfrm>
+            <a:off x="1550987" y="4070350"/>
+            <a:ext cx="8104672" cy="2317750"/>
+          </a:xfrm>
+          <a:prstGeom prst="rect">
+            <a:avLst/>
+          </a:prstGeom>
+        </p:spPr>
+      </p:pic>
+    </p:spTree>
+    <p:extLst>
+      <p:ext uri="{BB962C8B-B14F-4D97-AF65-F5344CB8AC3E}">
+        <p14:creationId xmlns:p14="http://schemas.microsoft.com/office/powerpoint/2010/main" val="360409181"/>
+      </p:ext>
+    </p:extLst>
+  </p:cSld>
+  <p:clrMapOvr>
+    <a:masterClrMapping/>
+  </p:clrMapOvr>
+</p:sld>
+</file>
+
+<file path=ppt/slides/slide26.xml><?xml version="1.0" encoding="utf-8"?>
+<p:sld xmlns:a="http://schemas.openxmlformats.org/drawingml/2006/main" xmlns:r="http://schemas.openxmlformats.org/officeDocument/2006/relationships" xmlns:p="http://schemas.openxmlformats.org/presentationml/2006/main">
+  <p:cSld>
+    <p:spTree>
+      <p:nvGrpSpPr>
+        <p:cNvPr id="1" name=""/>
+        <p:cNvGrpSpPr/>
+        <p:nvPr/>
+      </p:nvGrpSpPr>
+      <p:grpSpPr>
+        <a:xfrm>
+          <a:off x="0" y="0"/>
+          <a:ext cx="0" cy="0"/>
+          <a:chOff x="0" y="0"/>
+          <a:chExt cx="0" cy="0"/>
+        </a:xfrm>
+      </p:grpSpPr>
+      <p:sp>
+        <p:nvSpPr>
+          <p:cNvPr id="4" name="Rectangle 3">
+            <a:extLst>
+              <a:ext uri="{FF2B5EF4-FFF2-40B4-BE49-F238E27FC236}">
+                <a16:creationId xmlns:a16="http://schemas.microsoft.com/office/drawing/2014/main" id="{7CB94DAC-7193-402A-8EEC-0275470A2AA8}"/>
+              </a:ext>
+            </a:extLst>
+          </p:cNvPr>
+          <p:cNvSpPr/>
+          <p:nvPr/>
+        </p:nvSpPr>
+        <p:spPr>
+          <a:xfrm>
+            <a:off x="0" y="-2"/>
+            <a:ext cx="12192000" cy="923330"/>
+          </a:xfrm>
+          <a:prstGeom prst="rect">
+            <a:avLst/>
+          </a:prstGeom>
+          <a:solidFill>
+            <a:srgbClr val="171D2D"/>
+          </a:solidFill>
+          <a:ln>
+            <a:noFill/>
+          </a:ln>
+        </p:spPr>
+        <p:style>
+          <a:lnRef idx="2">
+            <a:schemeClr val="accent1">
+              <a:shade val="50000"/>
+            </a:schemeClr>
+          </a:lnRef>
+          <a:fillRef idx="1">
+            <a:schemeClr val="accent1"/>
+          </a:fillRef>
+          <a:effectRef idx="0">
+            <a:schemeClr val="accent1"/>
+          </a:effectRef>
+          <a:fontRef idx="minor">
+            <a:schemeClr val="lt1"/>
+          </a:fontRef>
+        </p:style>
+        <p:txBody>
+          <a:bodyPr rtlCol="0" anchor="ctr"/>
+          <a:lstStyle/>
+          <a:p>
+            <a:pPr algn="ctr"/>
+            <a:endParaRPr lang="en-US"/>
+          </a:p>
+        </p:txBody>
+      </p:sp>
+      <p:sp>
+        <p:nvSpPr>
+          <p:cNvPr id="14" name="TextBox 13">
+            <a:extLst>
+              <a:ext uri="{FF2B5EF4-FFF2-40B4-BE49-F238E27FC236}">
+                <a16:creationId xmlns:a16="http://schemas.microsoft.com/office/drawing/2014/main" id="{DA3B01C4-1AD2-4960-9753-B6179C011EBA}"/>
+              </a:ext>
+            </a:extLst>
+          </p:cNvPr>
+          <p:cNvSpPr txBox="1"/>
+          <p:nvPr/>
+        </p:nvSpPr>
+        <p:spPr>
+          <a:xfrm>
+            <a:off x="974844" y="123122"/>
+            <a:ext cx="5022167" cy="707886"/>
+          </a:xfrm>
+          <a:prstGeom prst="rect">
+            <a:avLst/>
+          </a:prstGeom>
+          <a:noFill/>
+          <a:effectLst>
+            <a:glow rad="63500">
+              <a:schemeClr val="accent5">
+                <a:satMod val="175000"/>
+                <a:alpha val="40000"/>
+              </a:schemeClr>
+            </a:glow>
+          </a:effectLst>
+        </p:spPr>
+        <p:txBody>
+          <a:bodyPr wrap="square" rtlCol="0">
+            <a:spAutoFit/>
+          </a:bodyPr>
+          <a:lstStyle/>
+          <a:p>
+            <a:r>
+              <a:rPr lang="en-US" sz="4000" dirty="0">
+                <a:solidFill>
+                  <a:srgbClr val="92979B"/>
+                </a:solidFill>
+                <a:latin typeface="Bahnschrift Light Condensed" panose="020B0502040204020203" pitchFamily="34" charset="0"/>
+              </a:rPr>
+              <a:t>VHDL For FPGA</a:t>
+            </a:r>
+          </a:p>
+        </p:txBody>
+      </p:sp>
+      <p:sp>
+        <p:nvSpPr>
+          <p:cNvPr id="6" name="TextBox 5">
+            <a:extLst>
+              <a:ext uri="{FF2B5EF4-FFF2-40B4-BE49-F238E27FC236}">
+                <a16:creationId xmlns:a16="http://schemas.microsoft.com/office/drawing/2014/main" id="{0F07A8C7-5A49-4496-9332-7F2251BFA44B}"/>
+              </a:ext>
+            </a:extLst>
+          </p:cNvPr>
+          <p:cNvSpPr txBox="1"/>
+          <p:nvPr/>
+        </p:nvSpPr>
+        <p:spPr>
+          <a:xfrm>
             <a:off x="661182" y="971187"/>
             <a:ext cx="9498818" cy="523220"/>
           </a:xfrm>
@@ -10282,7 +10226,7 @@
 </p:sld>
 </file>
 
-<file path=ppt/slides/slide26.xml><?xml version="1.0" encoding="utf-8"?>
+<file path=ppt/slides/slide27.xml><?xml version="1.0" encoding="utf-8"?>
 <p:sld xmlns:a="http://schemas.openxmlformats.org/drawingml/2006/main" xmlns:r="http://schemas.openxmlformats.org/officeDocument/2006/relationships" xmlns:p="http://schemas.openxmlformats.org/presentationml/2006/main">
   <p:cSld>
     <p:spTree>
@@ -10801,459 +10745,6 @@
 </p:sld>
 </file>
 
-<file path=ppt/slides/slide27.xml><?xml version="1.0" encoding="utf-8"?>
-<p:sld xmlns:a="http://schemas.openxmlformats.org/drawingml/2006/main" xmlns:r="http://schemas.openxmlformats.org/officeDocument/2006/relationships" xmlns:p="http://schemas.openxmlformats.org/presentationml/2006/main">
-  <p:cSld>
-    <p:spTree>
-      <p:nvGrpSpPr>
-        <p:cNvPr id="1" name=""/>
-        <p:cNvGrpSpPr/>
-        <p:nvPr/>
-      </p:nvGrpSpPr>
-      <p:grpSpPr>
-        <a:xfrm>
-          <a:off x="0" y="0"/>
-          <a:ext cx="0" cy="0"/>
-          <a:chOff x="0" y="0"/>
-          <a:chExt cx="0" cy="0"/>
-        </a:xfrm>
-      </p:grpSpPr>
-      <p:sp>
-        <p:nvSpPr>
-          <p:cNvPr id="4" name="Rectangle 3">
-            <a:extLst>
-              <a:ext uri="{FF2B5EF4-FFF2-40B4-BE49-F238E27FC236}">
-                <a16:creationId xmlns:a16="http://schemas.microsoft.com/office/drawing/2014/main" id="{7CB94DAC-7193-402A-8EEC-0275470A2AA8}"/>
-              </a:ext>
-            </a:extLst>
-          </p:cNvPr>
-          <p:cNvSpPr/>
-          <p:nvPr/>
-        </p:nvSpPr>
-        <p:spPr>
-          <a:xfrm>
-            <a:off x="0" y="-2"/>
-            <a:ext cx="12192000" cy="923330"/>
-          </a:xfrm>
-          <a:prstGeom prst="rect">
-            <a:avLst/>
-          </a:prstGeom>
-          <a:solidFill>
-            <a:srgbClr val="171D2D"/>
-          </a:solidFill>
-          <a:ln>
-            <a:noFill/>
-          </a:ln>
-        </p:spPr>
-        <p:style>
-          <a:lnRef idx="2">
-            <a:schemeClr val="accent1">
-              <a:shade val="50000"/>
-            </a:schemeClr>
-          </a:lnRef>
-          <a:fillRef idx="1">
-            <a:schemeClr val="accent1"/>
-          </a:fillRef>
-          <a:effectRef idx="0">
-            <a:schemeClr val="accent1"/>
-          </a:effectRef>
-          <a:fontRef idx="minor">
-            <a:schemeClr val="lt1"/>
-          </a:fontRef>
-        </p:style>
-        <p:txBody>
-          <a:bodyPr rtlCol="0" anchor="ctr"/>
-          <a:lstStyle/>
-          <a:p>
-            <a:pPr algn="ctr"/>
-            <a:endParaRPr lang="en-US"/>
-          </a:p>
-        </p:txBody>
-      </p:sp>
-      <p:sp>
-        <p:nvSpPr>
-          <p:cNvPr id="14" name="TextBox 13">
-            <a:extLst>
-              <a:ext uri="{FF2B5EF4-FFF2-40B4-BE49-F238E27FC236}">
-                <a16:creationId xmlns:a16="http://schemas.microsoft.com/office/drawing/2014/main" id="{DA3B01C4-1AD2-4960-9753-B6179C011EBA}"/>
-              </a:ext>
-            </a:extLst>
-          </p:cNvPr>
-          <p:cNvSpPr txBox="1"/>
-          <p:nvPr/>
-        </p:nvSpPr>
-        <p:spPr>
-          <a:xfrm>
-            <a:off x="974844" y="123122"/>
-            <a:ext cx="5022167" cy="707886"/>
-          </a:xfrm>
-          <a:prstGeom prst="rect">
-            <a:avLst/>
-          </a:prstGeom>
-          <a:noFill/>
-          <a:effectLst>
-            <a:glow rad="63500">
-              <a:schemeClr val="accent5">
-                <a:satMod val="175000"/>
-                <a:alpha val="40000"/>
-              </a:schemeClr>
-            </a:glow>
-          </a:effectLst>
-        </p:spPr>
-        <p:txBody>
-          <a:bodyPr wrap="square" rtlCol="0">
-            <a:spAutoFit/>
-          </a:bodyPr>
-          <a:lstStyle/>
-          <a:p>
-            <a:r>
-              <a:rPr lang="en-US" sz="4000" dirty="0">
-                <a:solidFill>
-                  <a:srgbClr val="92979B"/>
-                </a:solidFill>
-                <a:latin typeface="Bahnschrift Light Condensed" panose="020B0502040204020203" pitchFamily="34" charset="0"/>
-              </a:rPr>
-              <a:t>VHDL For FPGA</a:t>
-            </a:r>
-          </a:p>
-        </p:txBody>
-      </p:sp>
-      <p:sp>
-        <p:nvSpPr>
-          <p:cNvPr id="6" name="TextBox 5">
-            <a:extLst>
-              <a:ext uri="{FF2B5EF4-FFF2-40B4-BE49-F238E27FC236}">
-                <a16:creationId xmlns:a16="http://schemas.microsoft.com/office/drawing/2014/main" id="{0F07A8C7-5A49-4496-9332-7F2251BFA44B}"/>
-              </a:ext>
-            </a:extLst>
-          </p:cNvPr>
-          <p:cNvSpPr txBox="1"/>
-          <p:nvPr/>
-        </p:nvSpPr>
-        <p:spPr>
-          <a:xfrm>
-            <a:off x="661182" y="1032742"/>
-            <a:ext cx="10959318" cy="523220"/>
-          </a:xfrm>
-          <a:prstGeom prst="rect">
-            <a:avLst/>
-          </a:prstGeom>
-          <a:noFill/>
-        </p:spPr>
-        <p:txBody>
-          <a:bodyPr wrap="square" rtlCol="0">
-            <a:spAutoFit/>
-          </a:bodyPr>
-          <a:lstStyle/>
-          <a:p>
-            <a:r>
-              <a:rPr lang="en-US" sz="2800" dirty="0">
-                <a:solidFill>
-                  <a:srgbClr val="C00000"/>
-                </a:solidFill>
-                <a:latin typeface="Bahnschrift Light Condensed" panose="020B0502040204020203" pitchFamily="34" charset="0"/>
-              </a:rPr>
-              <a:t>4-bit binary counter with enable, asynchronous active- low reset and synchronous clear</a:t>
-            </a:r>
-            <a:endParaRPr lang="en-US" sz="2800" dirty="0">
-              <a:solidFill>
-                <a:srgbClr val="C00000"/>
-              </a:solidFill>
-              <a:latin typeface="Courier New" panose="02070309020205020404" pitchFamily="49" charset="0"/>
-              <a:cs typeface="Courier New" panose="02070309020205020404" pitchFamily="49" charset="0"/>
-            </a:endParaRPr>
-          </a:p>
-        </p:txBody>
-      </p:sp>
-      <p:sp>
-        <p:nvSpPr>
-          <p:cNvPr id="9" name="TextBox 8">
-            <a:extLst>
-              <a:ext uri="{FF2B5EF4-FFF2-40B4-BE49-F238E27FC236}">
-                <a16:creationId xmlns:a16="http://schemas.microsoft.com/office/drawing/2014/main" id="{66CE2A1B-9E32-479A-BFD8-C2EC08EDCB4A}"/>
-              </a:ext>
-            </a:extLst>
-          </p:cNvPr>
-          <p:cNvSpPr txBox="1"/>
-          <p:nvPr/>
-        </p:nvSpPr>
-        <p:spPr>
-          <a:xfrm>
-            <a:off x="661182" y="1555962"/>
-            <a:ext cx="9931790" cy="1261884"/>
-          </a:xfrm>
-          <a:prstGeom prst="rect">
-            <a:avLst/>
-          </a:prstGeom>
-          <a:noFill/>
-        </p:spPr>
-        <p:txBody>
-          <a:bodyPr wrap="square">
-            <a:spAutoFit/>
-          </a:bodyPr>
-          <a:lstStyle/>
-          <a:p>
-            <a:pPr marL="342900" indent="-342900">
-              <a:buFont typeface="Wingdings" panose="05000000000000000000" pitchFamily="2" charset="2"/>
-              <a:buChar char="§"/>
-            </a:pPr>
-            <a:r>
-              <a:rPr lang="en-US" sz="1900" b="0" i="0" u="none" strike="noStrike" baseline="0" dirty="0">
-                <a:latin typeface="Arial" panose="020B0604020202020204" pitchFamily="34" charset="0"/>
-                <a:cs typeface="Arial" panose="020B0604020202020204" pitchFamily="34" charset="0"/>
-              </a:rPr>
-              <a:t>The signals ‘</a:t>
-            </a:r>
-            <a:r>
-              <a:rPr lang="en-US" sz="1900" b="0" i="0" u="none" strike="noStrike" baseline="0" dirty="0">
-                <a:solidFill>
-                  <a:schemeClr val="accent2">
-                    <a:lumMod val="75000"/>
-                  </a:schemeClr>
-                </a:solidFill>
-                <a:latin typeface="Courier New" panose="02070309020205020404" pitchFamily="49" charset="0"/>
-                <a:cs typeface="Courier New" panose="02070309020205020404" pitchFamily="49" charset="0"/>
-              </a:rPr>
-              <a:t>E</a:t>
-            </a:r>
-            <a:r>
-              <a:rPr lang="en-US" sz="1900" b="0" i="0" u="none" strike="noStrike" baseline="0" dirty="0">
-                <a:latin typeface="Arial" panose="020B0604020202020204" pitchFamily="34" charset="0"/>
-                <a:cs typeface="Arial" panose="020B0604020202020204" pitchFamily="34" charset="0"/>
-              </a:rPr>
-              <a:t>’ and ‘</a:t>
-            </a:r>
-            <a:r>
-              <a:rPr lang="en-US" sz="1900" b="0" i="0" u="none" strike="noStrike" baseline="0" dirty="0" err="1">
-                <a:solidFill>
-                  <a:schemeClr val="accent2">
-                    <a:lumMod val="75000"/>
-                  </a:schemeClr>
-                </a:solidFill>
-                <a:latin typeface="Courier New" panose="02070309020205020404" pitchFamily="49" charset="0"/>
-                <a:cs typeface="Courier New" panose="02070309020205020404" pitchFamily="49" charset="0"/>
-              </a:rPr>
-              <a:t>sclr</a:t>
-            </a:r>
-            <a:r>
-              <a:rPr lang="en-US" sz="1900" b="0" i="0" u="none" strike="noStrike" baseline="0" dirty="0">
-                <a:latin typeface="Arial" panose="020B0604020202020204" pitchFamily="34" charset="0"/>
-                <a:cs typeface="Arial" panose="020B0604020202020204" pitchFamily="34" charset="0"/>
-              </a:rPr>
-              <a:t>’ are </a:t>
-            </a:r>
-            <a:r>
-              <a:rPr lang="en-US" sz="1900" b="0" i="0" u="none" strike="noStrike" baseline="0" dirty="0">
-                <a:highlight>
-                  <a:srgbClr val="FFFF00"/>
-                </a:highlight>
-                <a:latin typeface="Arial" panose="020B0604020202020204" pitchFamily="34" charset="0"/>
-                <a:cs typeface="Arial" panose="020B0604020202020204" pitchFamily="34" charset="0"/>
-              </a:rPr>
-              <a:t>synchronous</a:t>
-            </a:r>
-            <a:r>
-              <a:rPr lang="en-US" sz="1900" b="0" i="0" u="none" strike="noStrike" baseline="0" dirty="0">
-                <a:latin typeface="Arial" panose="020B0604020202020204" pitchFamily="34" charset="0"/>
-                <a:cs typeface="Arial" panose="020B0604020202020204" pitchFamily="34" charset="0"/>
-              </a:rPr>
-              <a:t>, thus they are only considered on the rising clock edge.</a:t>
-            </a:r>
-          </a:p>
-          <a:p>
-            <a:pPr marL="342900" indent="-342900">
-              <a:buFont typeface="Wingdings" panose="05000000000000000000" pitchFamily="2" charset="2"/>
-              <a:buChar char="§"/>
-            </a:pPr>
-            <a:r>
-              <a:rPr lang="en-US" sz="1900" b="0" i="0" u="none" strike="noStrike" baseline="0" dirty="0">
-                <a:latin typeface="Arial" panose="020B0604020202020204" pitchFamily="34" charset="0"/>
-                <a:cs typeface="Arial" panose="020B0604020202020204" pitchFamily="34" charset="0"/>
-              </a:rPr>
-              <a:t>If </a:t>
-            </a:r>
-            <a:r>
-              <a:rPr lang="en-US" sz="1900" b="0" i="0" u="none" strike="noStrike" baseline="0" dirty="0">
-                <a:solidFill>
-                  <a:schemeClr val="accent2">
-                    <a:lumMod val="75000"/>
-                  </a:schemeClr>
-                </a:solidFill>
-                <a:latin typeface="Courier New" panose="02070309020205020404" pitchFamily="49" charset="0"/>
-                <a:cs typeface="Courier New" panose="02070309020205020404" pitchFamily="49" charset="0"/>
-              </a:rPr>
-              <a:t>E=</a:t>
-            </a:r>
-            <a:r>
-              <a:rPr lang="en-US" sz="1900" b="0" i="0" u="none" strike="noStrike" baseline="0" dirty="0" err="1">
-                <a:solidFill>
-                  <a:schemeClr val="accent2">
-                    <a:lumMod val="75000"/>
-                  </a:schemeClr>
-                </a:solidFill>
-                <a:latin typeface="Courier New" panose="02070309020205020404" pitchFamily="49" charset="0"/>
-                <a:cs typeface="Courier New" panose="02070309020205020404" pitchFamily="49" charset="0"/>
-              </a:rPr>
-              <a:t>sclr</a:t>
-            </a:r>
-            <a:r>
-              <a:rPr lang="en-US" sz="1900" b="0" i="0" u="none" strike="noStrike" baseline="0" dirty="0">
-                <a:solidFill>
-                  <a:schemeClr val="accent2">
-                    <a:lumMod val="75000"/>
-                  </a:schemeClr>
-                </a:solidFill>
-                <a:latin typeface="Courier New" panose="02070309020205020404" pitchFamily="49" charset="0"/>
-                <a:cs typeface="Courier New" panose="02070309020205020404" pitchFamily="49" charset="0"/>
-              </a:rPr>
-              <a:t>=1 </a:t>
-            </a:r>
-            <a:r>
-              <a:rPr lang="en-US" sz="1900" b="0" i="0" u="none" strike="noStrike" baseline="0" dirty="0">
-                <a:latin typeface="Arial" panose="020B0604020202020204" pitchFamily="34" charset="0"/>
-                <a:cs typeface="Arial" panose="020B0604020202020204" pitchFamily="34" charset="0"/>
-              </a:rPr>
-              <a:t>then Qt is set to 0.</a:t>
-            </a:r>
-          </a:p>
-          <a:p>
-            <a:pPr marL="342900" indent="-342900">
-              <a:buFont typeface="Wingdings" panose="05000000000000000000" pitchFamily="2" charset="2"/>
-              <a:buChar char="§"/>
-            </a:pPr>
-            <a:r>
-              <a:rPr lang="en-US" sz="1900" b="0" i="0" u="none" strike="noStrike" baseline="0" dirty="0">
-                <a:latin typeface="Arial" panose="020B0604020202020204" pitchFamily="34" charset="0"/>
-                <a:cs typeface="Arial" panose="020B0604020202020204" pitchFamily="34" charset="0"/>
-              </a:rPr>
-              <a:t>When </a:t>
-            </a:r>
-            <a:r>
-              <a:rPr lang="en-US" sz="1900" b="0" i="0" u="none" strike="noStrike" baseline="0" dirty="0">
-                <a:solidFill>
-                  <a:schemeClr val="accent2">
-                    <a:lumMod val="75000"/>
-                  </a:schemeClr>
-                </a:solidFill>
-                <a:latin typeface="Courier New" panose="02070309020205020404" pitchFamily="49" charset="0"/>
-                <a:cs typeface="Courier New" panose="02070309020205020404" pitchFamily="49" charset="0"/>
-              </a:rPr>
-              <a:t>Qt = 15</a:t>
-            </a:r>
-            <a:r>
-              <a:rPr lang="en-US" sz="1900" b="0" i="0" u="none" strike="noStrike" baseline="0" dirty="0">
-                <a:latin typeface="Arial" panose="020B0604020202020204" pitchFamily="34" charset="0"/>
-                <a:cs typeface="Arial" panose="020B0604020202020204" pitchFamily="34" charset="0"/>
-              </a:rPr>
-              <a:t>, then </a:t>
-            </a:r>
-            <a:r>
-              <a:rPr lang="en-US" sz="1900" b="0" i="0" u="none" strike="noStrike" baseline="0" dirty="0">
-                <a:solidFill>
-                  <a:schemeClr val="accent2">
-                    <a:lumMod val="75000"/>
-                  </a:schemeClr>
-                </a:solidFill>
-                <a:latin typeface="Courier New" panose="02070309020205020404" pitchFamily="49" charset="0"/>
-                <a:cs typeface="Courier New" panose="02070309020205020404" pitchFamily="49" charset="0"/>
-              </a:rPr>
-              <a:t>Qt &lt;= Qt+1 </a:t>
-            </a:r>
-            <a:r>
-              <a:rPr lang="en-US" sz="1900" b="0" i="0" u="none" strike="noStrike" baseline="0" dirty="0">
-                <a:latin typeface="Arial" panose="020B0604020202020204" pitchFamily="34" charset="0"/>
-                <a:cs typeface="Arial" panose="020B0604020202020204" pitchFamily="34" charset="0"/>
-              </a:rPr>
-              <a:t>will result in </a:t>
-            </a:r>
-            <a:r>
-              <a:rPr lang="en-US" sz="1900" b="0" i="0" u="none" strike="noStrike" baseline="0" dirty="0">
-                <a:solidFill>
-                  <a:schemeClr val="accent2">
-                    <a:lumMod val="75000"/>
-                  </a:schemeClr>
-                </a:solidFill>
-                <a:latin typeface="Courier New" panose="02070309020205020404" pitchFamily="49" charset="0"/>
-                <a:cs typeface="Courier New" panose="02070309020205020404" pitchFamily="49" charset="0"/>
-              </a:rPr>
-              <a:t>Qt = 0.</a:t>
-            </a:r>
-          </a:p>
-        </p:txBody>
-      </p:sp>
-      <p:pic>
-        <p:nvPicPr>
-          <p:cNvPr id="3" name="Picture 2">
-            <a:extLst>
-              <a:ext uri="{FF2B5EF4-FFF2-40B4-BE49-F238E27FC236}">
-                <a16:creationId xmlns:a16="http://schemas.microsoft.com/office/drawing/2014/main" id="{0240EF2D-B0F7-4C15-8F6D-1463E3456D91}"/>
-              </a:ext>
-            </a:extLst>
-          </p:cNvPr>
-          <p:cNvPicPr>
-            <a:picLocks noChangeAspect="1"/>
-          </p:cNvPicPr>
-          <p:nvPr/>
-        </p:nvPicPr>
-        <p:blipFill>
-          <a:blip r:embed="rId2"/>
-          <a:stretch>
-            <a:fillRect/>
-          </a:stretch>
-        </p:blipFill>
-        <p:spPr>
-          <a:xfrm>
-            <a:off x="1089143" y="3429000"/>
-            <a:ext cx="3215479" cy="2116170"/>
-          </a:xfrm>
-          <a:prstGeom prst="rect">
-            <a:avLst/>
-          </a:prstGeom>
-        </p:spPr>
-      </p:pic>
-      <p:pic>
-        <p:nvPicPr>
-          <p:cNvPr id="7" name="Picture 6">
-            <a:extLst>
-              <a:ext uri="{FF2B5EF4-FFF2-40B4-BE49-F238E27FC236}">
-                <a16:creationId xmlns:a16="http://schemas.microsoft.com/office/drawing/2014/main" id="{70B4A499-1710-43BA-8B53-16E9DAA9ABA0}"/>
-              </a:ext>
-            </a:extLst>
-          </p:cNvPr>
-          <p:cNvPicPr>
-            <a:picLocks noChangeAspect="1"/>
-          </p:cNvPicPr>
-          <p:nvPr/>
-        </p:nvPicPr>
-        <p:blipFill>
-          <a:blip r:embed="rId3"/>
-          <a:stretch>
-            <a:fillRect/>
-          </a:stretch>
-        </p:blipFill>
-        <p:spPr>
-          <a:xfrm>
-            <a:off x="5303837" y="3067860"/>
-            <a:ext cx="4928700" cy="3053540"/>
-          </a:xfrm>
-          <a:prstGeom prst="rect">
-            <a:avLst/>
-          </a:prstGeom>
-        </p:spPr>
-      </p:pic>
-    </p:spTree>
-    <p:extLst>
-      <p:ext uri="{BB962C8B-B14F-4D97-AF65-F5344CB8AC3E}">
-        <p14:creationId xmlns:p14="http://schemas.microsoft.com/office/powerpoint/2010/main" val="3320854818"/>
-      </p:ext>
-    </p:extLst>
-  </p:cSld>
-  <p:clrMapOvr>
-    <a:masterClrMapping/>
-  </p:clrMapOvr>
-</p:sld>
-</file>
-
 <file path=ppt/slides/slide28.xml><?xml version="1.0" encoding="utf-8"?>
 <p:sld xmlns:a="http://schemas.openxmlformats.org/drawingml/2006/main" xmlns:r="http://schemas.openxmlformats.org/officeDocument/2006/relationships" xmlns:p="http://schemas.openxmlformats.org/presentationml/2006/main">
   <p:cSld>
@@ -11406,7 +10897,7 @@
                 </a:solidFill>
                 <a:latin typeface="Bahnschrift Light Condensed" panose="020B0502040204020203" pitchFamily="34" charset="0"/>
               </a:rPr>
-              <a:t>BCD (or modulo-10) counter with asynchronous active-low reset</a:t>
+              <a:t>4-bit binary counter with enable, asynchronous active- low reset and synchronous clear</a:t>
             </a:r>
             <a:endParaRPr lang="en-US" sz="2800" dirty="0">
               <a:solidFill>
@@ -11451,159 +10942,66 @@
               <a:buChar char="§"/>
             </a:pPr>
             <a:r>
-              <a:rPr lang="en-US" sz="1900" b="1" i="0" u="none" strike="noStrike" baseline="0" dirty="0">
-                <a:solidFill>
-                  <a:srgbClr val="171D2D"/>
-                </a:solidFill>
+              <a:rPr lang="en-US" sz="1900" b="0" i="0" u="none" strike="noStrike" baseline="0" dirty="0">
                 <a:latin typeface="Arial" panose="020B0604020202020204" pitchFamily="34" charset="0"/>
                 <a:cs typeface="Arial" panose="020B0604020202020204" pitchFamily="34" charset="0"/>
               </a:rPr>
-              <a:t>Count</a:t>
+              <a:t>The signals ‘</a:t>
             </a:r>
             <a:r>
               <a:rPr lang="en-US" sz="1900" b="0" i="0" u="none" strike="noStrike" baseline="0" dirty="0">
                 <a:solidFill>
-                  <a:srgbClr val="171D2D"/>
-                </a:solidFill>
+                  <a:schemeClr val="accent2">
+                    <a:lumMod val="75000"/>
+                  </a:schemeClr>
+                </a:solidFill>
+                <a:latin typeface="Courier New" panose="02070309020205020404" pitchFamily="49" charset="0"/>
+                <a:cs typeface="Courier New" panose="02070309020205020404" pitchFamily="49" charset="0"/>
+              </a:rPr>
+              <a:t>E</a:t>
+            </a:r>
+            <a:r>
+              <a:rPr lang="en-US" sz="1900" b="0" i="0" u="none" strike="noStrike" baseline="0" dirty="0">
                 <a:latin typeface="Arial" panose="020B0604020202020204" pitchFamily="34" charset="0"/>
                 <a:cs typeface="Arial" panose="020B0604020202020204" pitchFamily="34" charset="0"/>
               </a:rPr>
-              <a:t>: 0 to 9 (4 bits) </a:t>
-            </a:r>
-          </a:p>
-          <a:p>
-            <a:pPr marL="342900" indent="-342900">
-              <a:buFont typeface="Wingdings" panose="05000000000000000000" pitchFamily="2" charset="2"/>
-              <a:buChar char="§"/>
-            </a:pPr>
+              <a:t>’ and ‘</a:t>
+            </a:r>
+            <a:r>
+              <a:rPr lang="en-US" sz="1900" b="0" i="0" u="none" strike="noStrike" baseline="0" dirty="0" err="1">
+                <a:solidFill>
+                  <a:schemeClr val="accent2">
+                    <a:lumMod val="75000"/>
+                  </a:schemeClr>
+                </a:solidFill>
+                <a:latin typeface="Courier New" panose="02070309020205020404" pitchFamily="49" charset="0"/>
+                <a:cs typeface="Courier New" panose="02070309020205020404" pitchFamily="49" charset="0"/>
+              </a:rPr>
+              <a:t>sclr</a:t>
+            </a:r>
             <a:r>
               <a:rPr lang="en-US" sz="1900" b="0" i="0" u="none" strike="noStrike" baseline="0" dirty="0">
-                <a:solidFill>
-                  <a:srgbClr val="171D2D"/>
-                </a:solidFill>
                 <a:latin typeface="Arial" panose="020B0604020202020204" pitchFamily="34" charset="0"/>
                 <a:cs typeface="Arial" panose="020B0604020202020204" pitchFamily="34" charset="0"/>
               </a:rPr>
-              <a:t>When </a:t>
+              <a:t>’ are </a:t>
             </a:r>
             <a:r>
               <a:rPr lang="en-US" sz="1900" b="0" i="0" u="none" strike="noStrike" baseline="0" dirty="0">
-                <a:solidFill>
-                  <a:srgbClr val="C00000"/>
-                </a:solidFill>
-                <a:latin typeface="Courier New" panose="02070309020205020404" pitchFamily="49" charset="0"/>
-                <a:cs typeface="Courier New" panose="02070309020205020404" pitchFamily="49" charset="0"/>
-              </a:rPr>
-              <a:t>Qt = 9,</a:t>
-            </a:r>
-            <a:r>
-              <a:rPr lang="en-US" sz="1900" b="0" i="0" u="none" strike="noStrike" baseline="0" dirty="0">
-                <a:solidFill>
-                  <a:srgbClr val="C00000"/>
-                </a:solidFill>
-                <a:latin typeface="Arial" panose="020B0604020202020204" pitchFamily="34" charset="0"/>
-                <a:cs typeface="Arial" panose="020B0604020202020204" pitchFamily="34" charset="0"/>
-              </a:rPr>
-              <a:t> </a:t>
-            </a:r>
-            <a:r>
-              <a:rPr lang="en-US" sz="1900" b="0" i="0" u="none" strike="noStrike" baseline="0" dirty="0">
-                <a:solidFill>
-                  <a:srgbClr val="171D2D"/>
-                </a:solidFill>
-                <a:latin typeface="Arial" panose="020B0604020202020204" pitchFamily="34" charset="0"/>
-                <a:cs typeface="Arial" panose="020B0604020202020204" pitchFamily="34" charset="0"/>
-              </a:rPr>
-              <a:t>then </a:t>
-            </a:r>
-            <a:r>
-              <a:rPr lang="en-US" sz="1900" b="0" i="0" u="none" strike="noStrike" baseline="0" dirty="0">
-                <a:solidFill>
-                  <a:srgbClr val="C00000"/>
-                </a:solidFill>
-                <a:latin typeface="Courier New" panose="02070309020205020404" pitchFamily="49" charset="0"/>
-                <a:cs typeface="Courier New" panose="02070309020205020404" pitchFamily="49" charset="0"/>
-              </a:rPr>
-              <a:t>Qt &lt;= Qt+1 </a:t>
-            </a:r>
-            <a:r>
-              <a:rPr lang="en-US" sz="1900" b="0" i="0" u="none" strike="noStrike" baseline="0" dirty="0">
-                <a:solidFill>
-                  <a:srgbClr val="171D2D"/>
-                </a:solidFill>
-                <a:latin typeface="Arial" panose="020B0604020202020204" pitchFamily="34" charset="0"/>
-                <a:cs typeface="Arial" panose="020B0604020202020204" pitchFamily="34" charset="0"/>
-              </a:rPr>
-              <a:t>results in </a:t>
-            </a:r>
-            <a:r>
-              <a:rPr lang="en-US" sz="1900" b="0" i="0" u="none" strike="noStrike" baseline="0" dirty="0">
-                <a:solidFill>
-                  <a:srgbClr val="C00000"/>
-                </a:solidFill>
-                <a:latin typeface="Courier New" panose="02070309020205020404" pitchFamily="49" charset="0"/>
-                <a:cs typeface="Courier New" panose="02070309020205020404" pitchFamily="49" charset="0"/>
-              </a:rPr>
-              <a:t>Qt = 0</a:t>
-            </a:r>
-            <a:r>
-              <a:rPr lang="en-US" sz="1900" b="0" i="0" u="none" strike="noStrike" baseline="0" dirty="0">
-                <a:solidFill>
-                  <a:srgbClr val="171D2D"/>
-                </a:solidFill>
-                <a:latin typeface="Arial" panose="020B0604020202020204" pitchFamily="34" charset="0"/>
-                <a:cs typeface="Arial" panose="020B0604020202020204" pitchFamily="34" charset="0"/>
-              </a:rPr>
-              <a:t>.</a:t>
-            </a:r>
-          </a:p>
-          <a:p>
-            <a:pPr marL="342900" indent="-342900">
-              <a:buFont typeface="Wingdings" panose="05000000000000000000" pitchFamily="2" charset="2"/>
-              <a:buChar char="§"/>
-            </a:pPr>
-            <a:r>
-              <a:rPr lang="en-US" sz="1900" b="1" i="0" u="none" strike="noStrike" baseline="0" dirty="0">
-                <a:solidFill>
-                  <a:srgbClr val="171D2D"/>
-                </a:solidFill>
-                <a:latin typeface="Arial" panose="020B0604020202020204" pitchFamily="34" charset="0"/>
-                <a:cs typeface="Arial" panose="020B0604020202020204" pitchFamily="34" charset="0"/>
-              </a:rPr>
-              <a:t>Note</a:t>
-            </a:r>
-            <a:r>
-              <a:rPr lang="en-US" sz="1900" b="0" i="0" u="none" strike="noStrike" baseline="0" dirty="0">
-                <a:solidFill>
-                  <a:srgbClr val="171D2D"/>
-                </a:solidFill>
-                <a:latin typeface="Arial" panose="020B0604020202020204" pitchFamily="34" charset="0"/>
-                <a:cs typeface="Arial" panose="020B0604020202020204" pitchFamily="34" charset="0"/>
-              </a:rPr>
-              <a:t>: This behavior (9 → 0) must be </a:t>
-            </a:r>
-            <a:r>
-              <a:rPr lang="en-US" sz="1900" b="0" i="0" u="none" strike="noStrike" baseline="0" dirty="0">
-                <a:solidFill>
-                  <a:srgbClr val="171D2D"/>
-                </a:solidFill>
                 <a:highlight>
                   <a:srgbClr val="FFFF00"/>
                 </a:highlight>
                 <a:latin typeface="Arial" panose="020B0604020202020204" pitchFamily="34" charset="0"/>
                 <a:cs typeface="Arial" panose="020B0604020202020204" pitchFamily="34" charset="0"/>
               </a:rPr>
-              <a:t>explicitly</a:t>
+              <a:t>synchronous</a:t>
             </a:r>
             <a:r>
               <a:rPr lang="en-US" sz="1900" b="0" i="0" u="none" strike="noStrike" baseline="0" dirty="0">
-                <a:solidFill>
-                  <a:srgbClr val="171D2D"/>
-                </a:solidFill>
                 <a:latin typeface="Arial" panose="020B0604020202020204" pitchFamily="34" charset="0"/>
                 <a:cs typeface="Arial" panose="020B0604020202020204" pitchFamily="34" charset="0"/>
               </a:rPr>
-              <a:t> specified.</a:t>
+              <a:t>, thus they are only considered on the rising clock edge.</a:t>
             </a:r>
           </a:p>
           <a:p>
@@ -11613,23 +11011,126 @@
             </a:pPr>
             <a:r>
               <a:rPr lang="en-US" sz="1900" b="0" i="0" u="none" strike="noStrike" baseline="0" dirty="0">
-                <a:solidFill>
-                  <a:srgbClr val="171D2D"/>
-                </a:solidFill>
                 <a:latin typeface="Arial" panose="020B0604020202020204" pitchFamily="34" charset="0"/>
                 <a:cs typeface="Arial" panose="020B0604020202020204" pitchFamily="34" charset="0"/>
               </a:rPr>
-              <a:t>This is different from the 0-to-15 counter, where the behavior (15 → 0) was implicit</a:t>
+              <a:t>If </a:t>
+            </a:r>
+            <a:r>
+              <a:rPr lang="en-US" sz="1900" b="0" i="0" u="none" strike="noStrike" baseline="0" dirty="0">
+                <a:solidFill>
+                  <a:schemeClr val="accent2">
+                    <a:lumMod val="75000"/>
+                  </a:schemeClr>
+                </a:solidFill>
+                <a:latin typeface="Courier New" panose="02070309020205020404" pitchFamily="49" charset="0"/>
+                <a:cs typeface="Courier New" panose="02070309020205020404" pitchFamily="49" charset="0"/>
+              </a:rPr>
+              <a:t>E=</a:t>
+            </a:r>
+            <a:r>
+              <a:rPr lang="en-US" sz="1900" b="0" i="0" u="none" strike="noStrike" baseline="0" dirty="0" err="1">
+                <a:solidFill>
+                  <a:schemeClr val="accent2">
+                    <a:lumMod val="75000"/>
+                  </a:schemeClr>
+                </a:solidFill>
+                <a:latin typeface="Courier New" panose="02070309020205020404" pitchFamily="49" charset="0"/>
+                <a:cs typeface="Courier New" panose="02070309020205020404" pitchFamily="49" charset="0"/>
+              </a:rPr>
+              <a:t>sclr</a:t>
+            </a:r>
+            <a:r>
+              <a:rPr lang="en-US" sz="1900" b="0" i="0" u="none" strike="noStrike" baseline="0" dirty="0">
+                <a:solidFill>
+                  <a:schemeClr val="accent2">
+                    <a:lumMod val="75000"/>
+                  </a:schemeClr>
+                </a:solidFill>
+                <a:latin typeface="Courier New" panose="02070309020205020404" pitchFamily="49" charset="0"/>
+                <a:cs typeface="Courier New" panose="02070309020205020404" pitchFamily="49" charset="0"/>
+              </a:rPr>
+              <a:t>=1 </a:t>
+            </a:r>
+            <a:r>
+              <a:rPr lang="en-US" sz="1900" b="0" i="0" u="none" strike="noStrike" baseline="0" dirty="0">
+                <a:latin typeface="Arial" panose="020B0604020202020204" pitchFamily="34" charset="0"/>
+                <a:cs typeface="Arial" panose="020B0604020202020204" pitchFamily="34" charset="0"/>
+              </a:rPr>
+              <a:t>then Qt is set to 0.</a:t>
+            </a:r>
+          </a:p>
+          <a:p>
+            <a:pPr marL="342900" indent="-342900">
+              <a:buFont typeface="Wingdings" panose="05000000000000000000" pitchFamily="2" charset="2"/>
+              <a:buChar char="§"/>
+            </a:pPr>
+            <a:r>
+              <a:rPr lang="en-US" sz="1900" b="0" i="0" u="none" strike="noStrike" baseline="0" dirty="0">
+                <a:latin typeface="Arial" panose="020B0604020202020204" pitchFamily="34" charset="0"/>
+                <a:cs typeface="Arial" panose="020B0604020202020204" pitchFamily="34" charset="0"/>
+              </a:rPr>
+              <a:t>When </a:t>
+            </a:r>
+            <a:r>
+              <a:rPr lang="en-US" sz="1900" b="0" i="0" u="none" strike="noStrike" baseline="0" dirty="0">
+                <a:solidFill>
+                  <a:schemeClr val="accent2">
+                    <a:lumMod val="75000"/>
+                  </a:schemeClr>
+                </a:solidFill>
+                <a:latin typeface="Courier New" panose="02070309020205020404" pitchFamily="49" charset="0"/>
+                <a:cs typeface="Courier New" panose="02070309020205020404" pitchFamily="49" charset="0"/>
+              </a:rPr>
+              <a:t>Qt = 15</a:t>
+            </a:r>
+            <a:r>
+              <a:rPr lang="en-US" sz="1900" b="0" i="0" u="none" strike="noStrike" baseline="0" dirty="0">
+                <a:latin typeface="Arial" panose="020B0604020202020204" pitchFamily="34" charset="0"/>
+                <a:cs typeface="Arial" panose="020B0604020202020204" pitchFamily="34" charset="0"/>
+              </a:rPr>
+              <a:t>, then </a:t>
+            </a:r>
+            <a:r>
+              <a:rPr lang="en-US" sz="1900" b="0" i="0" u="none" strike="noStrike" baseline="0" dirty="0">
+                <a:solidFill>
+                  <a:schemeClr val="accent2">
+                    <a:lumMod val="75000"/>
+                  </a:schemeClr>
+                </a:solidFill>
+                <a:latin typeface="Courier New" panose="02070309020205020404" pitchFamily="49" charset="0"/>
+                <a:cs typeface="Courier New" panose="02070309020205020404" pitchFamily="49" charset="0"/>
+              </a:rPr>
+              <a:t>Qt &lt;= Qt+1 </a:t>
+            </a:r>
+            <a:r>
+              <a:rPr lang="en-US" sz="1900" b="0" i="0" u="none" strike="noStrike" baseline="0" dirty="0">
+                <a:latin typeface="Arial" panose="020B0604020202020204" pitchFamily="34" charset="0"/>
+                <a:cs typeface="Arial" panose="020B0604020202020204" pitchFamily="34" charset="0"/>
+              </a:rPr>
+              <a:t>will result in </a:t>
+            </a:r>
+            <a:r>
+              <a:rPr lang="en-US" sz="1900" b="0" i="0" u="none" strike="noStrike" baseline="0" dirty="0">
+                <a:solidFill>
+                  <a:schemeClr val="accent2">
+                    <a:lumMod val="75000"/>
+                  </a:schemeClr>
+                </a:solidFill>
+                <a:latin typeface="Courier New" panose="02070309020205020404" pitchFamily="49" charset="0"/>
+                <a:cs typeface="Courier New" panose="02070309020205020404" pitchFamily="49" charset="0"/>
+              </a:rPr>
+              <a:t>Qt = 0.</a:t>
             </a:r>
           </a:p>
         </p:txBody>
       </p:sp>
       <p:pic>
         <p:nvPicPr>
-          <p:cNvPr id="5" name="Picture 4">
-            <a:extLst>
-              <a:ext uri="{FF2B5EF4-FFF2-40B4-BE49-F238E27FC236}">
-                <a16:creationId xmlns:a16="http://schemas.microsoft.com/office/drawing/2014/main" id="{60D543B0-D528-4B14-BE65-1DC50A4C35F9}"/>
+          <p:cNvPr id="3" name="Picture 2">
+            <a:extLst>
+              <a:ext uri="{FF2B5EF4-FFF2-40B4-BE49-F238E27FC236}">
+                <a16:creationId xmlns:a16="http://schemas.microsoft.com/office/drawing/2014/main" id="{0240EF2D-B0F7-4C15-8F6D-1463E3456D91}"/>
               </a:ext>
             </a:extLst>
           </p:cNvPr>
@@ -11646,8 +11147,8 @@
         </p:blipFill>
         <p:spPr>
           <a:xfrm>
-            <a:off x="1114545" y="3269622"/>
-            <a:ext cx="2924056" cy="2032416"/>
+            <a:off x="1089143" y="3429000"/>
+            <a:ext cx="3215479" cy="2116170"/>
           </a:xfrm>
           <a:prstGeom prst="rect">
             <a:avLst/>
@@ -11656,10 +11157,10 @@
       </p:pic>
       <p:pic>
         <p:nvPicPr>
-          <p:cNvPr id="10" name="Picture 9">
-            <a:extLst>
-              <a:ext uri="{FF2B5EF4-FFF2-40B4-BE49-F238E27FC236}">
-                <a16:creationId xmlns:a16="http://schemas.microsoft.com/office/drawing/2014/main" id="{C8719CF4-212F-4F34-B725-1CD09845A49B}"/>
+          <p:cNvPr id="7" name="Picture 6">
+            <a:extLst>
+              <a:ext uri="{FF2B5EF4-FFF2-40B4-BE49-F238E27FC236}">
+                <a16:creationId xmlns:a16="http://schemas.microsoft.com/office/drawing/2014/main" id="{70B4A499-1710-43BA-8B53-16E9DAA9ABA0}"/>
               </a:ext>
             </a:extLst>
           </p:cNvPr>
@@ -11676,8 +11177,8 @@
         </p:blipFill>
         <p:spPr>
           <a:xfrm>
-            <a:off x="4983162" y="3223799"/>
-            <a:ext cx="4798490" cy="2601459"/>
+            <a:off x="5303837" y="3067860"/>
+            <a:ext cx="4928700" cy="3053540"/>
           </a:xfrm>
           <a:prstGeom prst="rect">
             <a:avLst/>
@@ -11687,7 +11188,7 @@
     </p:spTree>
     <p:extLst>
       <p:ext uri="{BB962C8B-B14F-4D97-AF65-F5344CB8AC3E}">
-        <p14:creationId xmlns:p14="http://schemas.microsoft.com/office/powerpoint/2010/main" val="2795681435"/>
+        <p14:creationId xmlns:p14="http://schemas.microsoft.com/office/powerpoint/2010/main" val="3320854818"/>
       </p:ext>
     </p:extLst>
   </p:cSld>
@@ -11849,7 +11350,7 @@
                 </a:solidFill>
                 <a:latin typeface="Bahnschrift Light Condensed" panose="020B0502040204020203" pitchFamily="34" charset="0"/>
               </a:rPr>
-              <a:t>4-bit synchronous up/down counter with asynchronous active-low reset</a:t>
+              <a:t>BCD (or modulo-10) counter with asynchronous active-low reset</a:t>
             </a:r>
             <a:endParaRPr lang="en-US" sz="2800" dirty="0">
               <a:solidFill>
@@ -11876,7 +11377,7 @@
         <p:spPr>
           <a:xfrm>
             <a:off x="661182" y="1555962"/>
-            <a:ext cx="9931790" cy="969496"/>
+            <a:ext cx="9931790" cy="1261884"/>
           </a:xfrm>
           <a:prstGeom prst="rect">
             <a:avLst/>
@@ -11894,34 +11395,24 @@
               <a:buChar char="§"/>
             </a:pPr>
             <a:r>
-              <a:rPr lang="en-US" sz="1900" i="0" u="none" strike="noStrike" baseline="0" dirty="0" err="1">
-                <a:solidFill>
-                  <a:srgbClr val="C00000"/>
-                </a:solidFill>
-                <a:latin typeface="Courier New" panose="02070309020205020404" pitchFamily="49" charset="0"/>
-                <a:cs typeface="Courier New" panose="02070309020205020404" pitchFamily="49" charset="0"/>
-              </a:rPr>
-              <a:t>ud</a:t>
-            </a:r>
-            <a:r>
-              <a:rPr lang="en-US" sz="1900" i="0" u="none" strike="noStrike" baseline="0" dirty="0">
-                <a:solidFill>
-                  <a:srgbClr val="C00000"/>
-                </a:solidFill>
-                <a:latin typeface="Courier New" panose="02070309020205020404" pitchFamily="49" charset="0"/>
-                <a:cs typeface="Courier New" panose="02070309020205020404" pitchFamily="49" charset="0"/>
-              </a:rPr>
-              <a:t> = 0 </a:t>
-            </a:r>
-            <a:r>
-              <a:rPr lang="en-US" sz="1900" i="0" u="none" strike="noStrike" baseline="0" dirty="0">
+              <a:rPr lang="en-US" sz="1900" b="1" i="0" u="none" strike="noStrike" baseline="0" dirty="0">
                 <a:solidFill>
                   <a:srgbClr val="171D2D"/>
                 </a:solidFill>
                 <a:latin typeface="Arial" panose="020B0604020202020204" pitchFamily="34" charset="0"/>
                 <a:cs typeface="Arial" panose="020B0604020202020204" pitchFamily="34" charset="0"/>
               </a:rPr>
-              <a:t>→ down</a:t>
+              <a:t>Count</a:t>
+            </a:r>
+            <a:r>
+              <a:rPr lang="en-US" sz="1900" b="0" i="0" u="none" strike="noStrike" baseline="0" dirty="0">
+                <a:solidFill>
+                  <a:srgbClr val="171D2D"/>
+                </a:solidFill>
+                <a:latin typeface="Arial" panose="020B0604020202020204" pitchFamily="34" charset="0"/>
+                <a:cs typeface="Arial" panose="020B0604020202020204" pitchFamily="34" charset="0"/>
+              </a:rPr>
+              <a:t>: 0 to 9 (4 bits) </a:t>
             </a:r>
           </a:p>
           <a:p>
@@ -11930,34 +11421,84 @@
               <a:buChar char="§"/>
             </a:pPr>
             <a:r>
-              <a:rPr lang="en-US" sz="1900" i="0" u="none" strike="noStrike" baseline="0" dirty="0" err="1">
+              <a:rPr lang="en-US" sz="1900" b="0" i="0" u="none" strike="noStrike" baseline="0" dirty="0">
+                <a:solidFill>
+                  <a:srgbClr val="171D2D"/>
+                </a:solidFill>
+                <a:latin typeface="Arial" panose="020B0604020202020204" pitchFamily="34" charset="0"/>
+                <a:cs typeface="Arial" panose="020B0604020202020204" pitchFamily="34" charset="0"/>
+              </a:rPr>
+              <a:t>When </a:t>
+            </a:r>
+            <a:r>
+              <a:rPr lang="en-US" sz="1900" b="0" i="0" u="none" strike="noStrike" baseline="0" dirty="0">
                 <a:solidFill>
                   <a:srgbClr val="C00000"/>
                 </a:solidFill>
                 <a:latin typeface="Courier New" panose="02070309020205020404" pitchFamily="49" charset="0"/>
                 <a:cs typeface="Courier New" panose="02070309020205020404" pitchFamily="49" charset="0"/>
               </a:rPr>
-              <a:t>ud</a:t>
-            </a:r>
-            <a:r>
-              <a:rPr lang="en-US" sz="1900" i="0" u="none" strike="noStrike" baseline="0" dirty="0">
+              <a:t>Qt = 9,</a:t>
+            </a:r>
+            <a:r>
+              <a:rPr lang="en-US" sz="1900" b="0" i="0" u="none" strike="noStrike" baseline="0" dirty="0">
+                <a:solidFill>
+                  <a:srgbClr val="C00000"/>
+                </a:solidFill>
+                <a:latin typeface="Arial" panose="020B0604020202020204" pitchFamily="34" charset="0"/>
+                <a:cs typeface="Arial" panose="020B0604020202020204" pitchFamily="34" charset="0"/>
+              </a:rPr>
+              <a:t> </a:t>
+            </a:r>
+            <a:r>
+              <a:rPr lang="en-US" sz="1900" b="0" i="0" u="none" strike="noStrike" baseline="0" dirty="0">
+                <a:solidFill>
+                  <a:srgbClr val="171D2D"/>
+                </a:solidFill>
+                <a:latin typeface="Arial" panose="020B0604020202020204" pitchFamily="34" charset="0"/>
+                <a:cs typeface="Arial" panose="020B0604020202020204" pitchFamily="34" charset="0"/>
+              </a:rPr>
+              <a:t>then </a:t>
+            </a:r>
+            <a:r>
+              <a:rPr lang="en-US" sz="1900" b="0" i="0" u="none" strike="noStrike" baseline="0" dirty="0">
                 <a:solidFill>
                   <a:srgbClr val="C00000"/>
                 </a:solidFill>
                 <a:latin typeface="Courier New" panose="02070309020205020404" pitchFamily="49" charset="0"/>
                 <a:cs typeface="Courier New" panose="02070309020205020404" pitchFamily="49" charset="0"/>
               </a:rPr>
-              <a:t> = 1 </a:t>
-            </a:r>
-            <a:r>
-              <a:rPr lang="en-US" sz="1900" i="0" u="none" strike="noStrike" baseline="0" dirty="0">
+              <a:t>Qt &lt;= Qt+1 </a:t>
+            </a:r>
+            <a:r>
+              <a:rPr lang="en-US" sz="1900" b="0" i="0" u="none" strike="noStrike" baseline="0" dirty="0">
                 <a:solidFill>
                   <a:srgbClr val="171D2D"/>
                 </a:solidFill>
                 <a:latin typeface="Arial" panose="020B0604020202020204" pitchFamily="34" charset="0"/>
                 <a:cs typeface="Arial" panose="020B0604020202020204" pitchFamily="34" charset="0"/>
               </a:rPr>
-              <a:t>→ up</a:t>
+              <a:t>results in </a:t>
+            </a:r>
+            <a:r>
+              <a:rPr lang="en-US" sz="1900" b="0" i="0" u="none" strike="noStrike" baseline="0" dirty="0">
+                <a:solidFill>
+                  <a:srgbClr val="C00000"/>
+                </a:solidFill>
+                <a:latin typeface="Courier New" panose="02070309020205020404" pitchFamily="49" charset="0"/>
+                <a:cs typeface="Courier New" panose="02070309020205020404" pitchFamily="49" charset="0"/>
+              </a:rPr>
+              <a:t>Qt = 0</a:t>
+            </a:r>
+            <a:r>
+              <a:rPr lang="en-US" sz="1900" b="0" i="0" u="none" strike="noStrike" baseline="0" dirty="0">
+                <a:solidFill>
+                  <a:srgbClr val="171D2D"/>
+                </a:solidFill>
+                <a:latin typeface="Arial" panose="020B0604020202020204" pitchFamily="34" charset="0"/>
+                <a:cs typeface="Arial" panose="020B0604020202020204" pitchFamily="34" charset="0"/>
+              </a:rPr>
+              <a:t>.</a:t>
             </a:r>
           </a:p>
           <a:p>
@@ -11966,74 +11507,73 @@
               <a:buChar char="§"/>
             </a:pPr>
             <a:r>
-              <a:rPr lang="en-US" sz="1900" i="0" u="none" strike="noStrike" baseline="0" dirty="0">
+              <a:rPr lang="en-US" sz="1900" b="1" i="0" u="none" strike="noStrike" baseline="0" dirty="0">
                 <a:solidFill>
                   <a:srgbClr val="171D2D"/>
                 </a:solidFill>
                 <a:latin typeface="Arial" panose="020B0604020202020204" pitchFamily="34" charset="0"/>
                 <a:cs typeface="Arial" panose="020B0604020202020204" pitchFamily="34" charset="0"/>
               </a:rPr>
-              <a:t>When </a:t>
-            </a:r>
-            <a:r>
-              <a:rPr lang="en-US" sz="1900" i="0" u="none" strike="noStrike" baseline="0" dirty="0">
-                <a:solidFill>
-                  <a:srgbClr val="C00000"/>
-                </a:solidFill>
-                <a:latin typeface="Courier New" panose="02070309020205020404" pitchFamily="49" charset="0"/>
-                <a:cs typeface="Courier New" panose="02070309020205020404" pitchFamily="49" charset="0"/>
-              </a:rPr>
-              <a:t>Qt = 0000</a:t>
-            </a:r>
-            <a:r>
-              <a:rPr lang="en-US" sz="1900" i="0" u="none" strike="noStrike" baseline="0" dirty="0">
+              <a:t>Note</a:t>
+            </a:r>
+            <a:r>
+              <a:rPr lang="en-US" sz="1900" b="0" i="0" u="none" strike="noStrike" baseline="0" dirty="0">
                 <a:solidFill>
                   <a:srgbClr val="171D2D"/>
                 </a:solidFill>
                 <a:latin typeface="Arial" panose="020B0604020202020204" pitchFamily="34" charset="0"/>
                 <a:cs typeface="Arial" panose="020B0604020202020204" pitchFamily="34" charset="0"/>
               </a:rPr>
-              <a:t>, then </a:t>
-            </a:r>
-            <a:r>
-              <a:rPr lang="en-US" sz="1900" i="0" u="none" strike="noStrike" baseline="0" dirty="0">
-                <a:solidFill>
-                  <a:srgbClr val="C00000"/>
-                </a:solidFill>
-                <a:latin typeface="Courier New" panose="02070309020205020404" pitchFamily="49" charset="0"/>
-                <a:cs typeface="Courier New" panose="02070309020205020404" pitchFamily="49" charset="0"/>
-              </a:rPr>
-              <a:t>Qt &lt;= Qt-1 </a:t>
-            </a:r>
-            <a:r>
-              <a:rPr lang="en-US" sz="1900" i="0" u="none" strike="noStrike" baseline="0" dirty="0">
+              <a:t>: This behavior (9 → 0) must be </a:t>
+            </a:r>
+            <a:r>
+              <a:rPr lang="en-US" sz="1900" b="0" i="0" u="none" strike="noStrike" baseline="0" dirty="0">
                 <a:solidFill>
                   <a:srgbClr val="171D2D"/>
                 </a:solidFill>
+                <a:highlight>
+                  <a:srgbClr val="FFFF00"/>
+                </a:highlight>
                 <a:latin typeface="Arial" panose="020B0604020202020204" pitchFamily="34" charset="0"/>
                 <a:cs typeface="Arial" panose="020B0604020202020204" pitchFamily="34" charset="0"/>
               </a:rPr>
-              <a:t>will result in </a:t>
-            </a:r>
-            <a:r>
-              <a:rPr lang="en-US" sz="1900" i="0" u="none" strike="noStrike" baseline="0" dirty="0">
-                <a:solidFill>
-                  <a:srgbClr val="C00000"/>
-                </a:solidFill>
-                <a:latin typeface="Courier New" panose="02070309020205020404" pitchFamily="49" charset="0"/>
-                <a:cs typeface="Courier New" panose="02070309020205020404" pitchFamily="49" charset="0"/>
-              </a:rPr>
-              <a:t>Qt = 1111</a:t>
+              <a:t>explicitly</a:t>
+            </a:r>
+            <a:r>
+              <a:rPr lang="en-US" sz="1900" b="0" i="0" u="none" strike="noStrike" baseline="0" dirty="0">
+                <a:solidFill>
+                  <a:srgbClr val="171D2D"/>
+                </a:solidFill>
+                <a:latin typeface="Arial" panose="020B0604020202020204" pitchFamily="34" charset="0"/>
+                <a:cs typeface="Arial" panose="020B0604020202020204" pitchFamily="34" charset="0"/>
+              </a:rPr>
+              <a:t> specified.</a:t>
+            </a:r>
+          </a:p>
+          <a:p>
+            <a:pPr marL="342900" indent="-342900">
+              <a:buFont typeface="Wingdings" panose="05000000000000000000" pitchFamily="2" charset="2"/>
+              <a:buChar char="§"/>
+            </a:pPr>
+            <a:r>
+              <a:rPr lang="en-US" sz="1900" b="0" i="0" u="none" strike="noStrike" baseline="0" dirty="0">
+                <a:solidFill>
+                  <a:srgbClr val="171D2D"/>
+                </a:solidFill>
+                <a:latin typeface="Arial" panose="020B0604020202020204" pitchFamily="34" charset="0"/>
+                <a:cs typeface="Arial" panose="020B0604020202020204" pitchFamily="34" charset="0"/>
+              </a:rPr>
+              <a:t>This is different from the 0-to-15 counter, where the behavior (15 → 0) was implicit</a:t>
             </a:r>
           </a:p>
         </p:txBody>
       </p:sp>
       <p:pic>
         <p:nvPicPr>
-          <p:cNvPr id="3" name="Picture 2">
-            <a:extLst>
-              <a:ext uri="{FF2B5EF4-FFF2-40B4-BE49-F238E27FC236}">
-                <a16:creationId xmlns:a16="http://schemas.microsoft.com/office/drawing/2014/main" id="{96EE4C57-3041-48CC-B9D2-A9EB0E36296D}"/>
+          <p:cNvPr id="5" name="Picture 4">
+            <a:extLst>
+              <a:ext uri="{FF2B5EF4-FFF2-40B4-BE49-F238E27FC236}">
+                <a16:creationId xmlns:a16="http://schemas.microsoft.com/office/drawing/2014/main" id="{60D543B0-D528-4B14-BE65-1DC50A4C35F9}"/>
               </a:ext>
             </a:extLst>
           </p:cNvPr>
@@ -12050,8 +11590,8 @@
         </p:blipFill>
         <p:spPr>
           <a:xfrm>
-            <a:off x="974844" y="3086683"/>
-            <a:ext cx="3123027" cy="2312807"/>
+            <a:off x="1114545" y="3269622"/>
+            <a:ext cx="2924056" cy="2032416"/>
           </a:xfrm>
           <a:prstGeom prst="rect">
             <a:avLst/>
@@ -12060,10 +11600,10 @@
       </p:pic>
       <p:pic>
         <p:nvPicPr>
-          <p:cNvPr id="8" name="Picture 7">
-            <a:extLst>
-              <a:ext uri="{FF2B5EF4-FFF2-40B4-BE49-F238E27FC236}">
-                <a16:creationId xmlns:a16="http://schemas.microsoft.com/office/drawing/2014/main" id="{D0BB01AB-ED1F-4795-83D8-8EA442F97436}"/>
+          <p:cNvPr id="10" name="Picture 9">
+            <a:extLst>
+              <a:ext uri="{FF2B5EF4-FFF2-40B4-BE49-F238E27FC236}">
+                <a16:creationId xmlns:a16="http://schemas.microsoft.com/office/drawing/2014/main" id="{C8719CF4-212F-4F34-B725-1CD09845A49B}"/>
               </a:ext>
             </a:extLst>
           </p:cNvPr>
@@ -12080,8 +11620,8 @@
         </p:blipFill>
         <p:spPr>
           <a:xfrm>
-            <a:off x="5416060" y="3066756"/>
-            <a:ext cx="4965895" cy="3703556"/>
+            <a:off x="4983162" y="3223799"/>
+            <a:ext cx="4798490" cy="2601459"/>
           </a:xfrm>
           <a:prstGeom prst="rect">
             <a:avLst/>
@@ -12091,7 +11631,7 @@
     </p:spTree>
     <p:extLst>
       <p:ext uri="{BB962C8B-B14F-4D97-AF65-F5344CB8AC3E}">
-        <p14:creationId xmlns:p14="http://schemas.microsoft.com/office/powerpoint/2010/main" val="3754653191"/>
+        <p14:creationId xmlns:p14="http://schemas.microsoft.com/office/powerpoint/2010/main" val="2795681435"/>
       </p:ext>
     </p:extLst>
   </p:cSld>
@@ -12232,8 +11772,8 @@
         </p:nvSpPr>
         <p:spPr>
           <a:xfrm>
-            <a:off x="661183" y="971187"/>
-            <a:ext cx="4276578" cy="584775"/>
+            <a:off x="661182" y="971187"/>
+            <a:ext cx="7469943" cy="584775"/>
           </a:xfrm>
           <a:prstGeom prst="rect">
             <a:avLst/>
@@ -12253,7 +11793,7 @@
                 </a:solidFill>
                 <a:latin typeface="Bahnschrift Light Condensed" panose="020B0502040204020203" pitchFamily="34" charset="0"/>
               </a:rPr>
-              <a:t>Sequential Circuits</a:t>
+              <a:t>Combinational VS Sequential Circuits</a:t>
             </a:r>
           </a:p>
         </p:txBody>
@@ -12272,8 +11812,8 @@
         </p:nvSpPr>
         <p:spPr>
           <a:xfrm>
-            <a:off x="574431" y="1555962"/>
-            <a:ext cx="10595318" cy="2554545"/>
+            <a:off x="574430" y="1555962"/>
+            <a:ext cx="11043139" cy="384721"/>
           </a:xfrm>
           <a:prstGeom prst="rect">
             <a:avLst/>
@@ -12291,153 +11831,241 @@
               <a:buChar char="•"/>
             </a:pPr>
             <a:r>
-              <a:rPr lang="en-US" sz="2000" b="0" i="0" u="none" strike="noStrike" baseline="0" dirty="0">
+              <a:rPr lang="en-US" sz="1900" b="0" i="0" u="none" strike="noStrike" baseline="0" dirty="0">
                 <a:latin typeface="Arial" panose="020B0604020202020204" pitchFamily="34" charset="0"/>
                 <a:cs typeface="Arial" panose="020B0604020202020204" pitchFamily="34" charset="0"/>
               </a:rPr>
-              <a:t>Combinational circuits can be described with concurrent statements or behavioral statements.</a:t>
-            </a:r>
-          </a:p>
+              <a:t>In combinational circuits, the output only depends upon the present input values.</a:t>
+            </a:r>
+          </a:p>
+        </p:txBody>
+      </p:sp>
+      <p:pic>
+        <p:nvPicPr>
+          <p:cNvPr id="5" name="Picture 4">
+            <a:extLst>
+              <a:ext uri="{FF2B5EF4-FFF2-40B4-BE49-F238E27FC236}">
+                <a16:creationId xmlns:a16="http://schemas.microsoft.com/office/drawing/2014/main" id="{FCAE6241-5874-454C-A45F-A14646968C22}"/>
+              </a:ext>
+            </a:extLst>
+          </p:cNvPr>
+          <p:cNvPicPr>
+            <a:picLocks noChangeAspect="1"/>
+          </p:cNvPicPr>
+          <p:nvPr/>
+        </p:nvPicPr>
+        <p:blipFill>
+          <a:blip r:embed="rId2"/>
+          <a:stretch>
+            <a:fillRect/>
+          </a:stretch>
+        </p:blipFill>
+        <p:spPr>
+          <a:xfrm>
+            <a:off x="2578344" y="2114244"/>
+            <a:ext cx="2879920" cy="1407480"/>
+          </a:xfrm>
+          <a:prstGeom prst="rect">
+            <a:avLst/>
+          </a:prstGeom>
+        </p:spPr>
+      </p:pic>
+      <p:sp>
+        <p:nvSpPr>
+          <p:cNvPr id="10" name="TextBox 9">
+            <a:extLst>
+              <a:ext uri="{FF2B5EF4-FFF2-40B4-BE49-F238E27FC236}">
+                <a16:creationId xmlns:a16="http://schemas.microsoft.com/office/drawing/2014/main" id="{73F64EE5-A380-41ED-84D8-E2845BB80FAB}"/>
+              </a:ext>
+            </a:extLst>
+          </p:cNvPr>
+          <p:cNvSpPr txBox="1"/>
+          <p:nvPr/>
+        </p:nvSpPr>
+        <p:spPr>
+          <a:xfrm>
+            <a:off x="574431" y="3720042"/>
+            <a:ext cx="7205003" cy="1261884"/>
+          </a:xfrm>
+          <a:prstGeom prst="rect">
+            <a:avLst/>
+          </a:prstGeom>
+          <a:noFill/>
+        </p:spPr>
+        <p:txBody>
+          <a:bodyPr wrap="square">
+            <a:spAutoFit/>
+          </a:bodyPr>
+          <a:lstStyle/>
           <a:p>
             <a:pPr marL="342900" indent="-342900">
               <a:buFont typeface="Arial" panose="020B0604020202020204" pitchFamily="34" charset="0"/>
               <a:buChar char="•"/>
             </a:pPr>
-            <a:endParaRPr lang="en-US" sz="2000" b="0" i="0" u="none" strike="noStrike" baseline="0" dirty="0">
-              <a:latin typeface="Arial" panose="020B0604020202020204" pitchFamily="34" charset="0"/>
-              <a:cs typeface="Arial" panose="020B0604020202020204" pitchFamily="34" charset="0"/>
-            </a:endParaRPr>
-          </a:p>
-          <a:p>
-            <a:pPr marL="342900" indent="-342900">
-              <a:buFont typeface="Arial" panose="020B0604020202020204" pitchFamily="34" charset="0"/>
-              <a:buChar char="•"/>
-            </a:pPr>
-            <a:r>
-              <a:rPr lang="en-US" sz="2000" b="0" i="0" u="none" strike="noStrike" baseline="0" dirty="0">
+            <a:r>
+              <a:rPr lang="en-US" sz="1900" b="0" i="0" u="none" strike="noStrike" baseline="0" dirty="0">
                 <a:latin typeface="Arial" panose="020B0604020202020204" pitchFamily="34" charset="0"/>
                 <a:cs typeface="Arial" panose="020B0604020202020204" pitchFamily="34" charset="0"/>
               </a:rPr>
-              <a:t>Sequential circuits are best described with sequential statements.</a:t>
-            </a:r>
-          </a:p>
-          <a:p>
-            <a:pPr marL="342900" indent="-342900">
-              <a:buFont typeface="Arial" panose="020B0604020202020204" pitchFamily="34" charset="0"/>
-              <a:buChar char="•"/>
-            </a:pPr>
-            <a:r>
-              <a:rPr lang="en-US" sz="2000" b="0" i="0" u="none" strike="noStrike" baseline="0" dirty="0">
-                <a:latin typeface="Arial" panose="020B0604020202020204" pitchFamily="34" charset="0"/>
-                <a:cs typeface="Arial" panose="020B0604020202020204" pitchFamily="34" charset="0"/>
-              </a:rPr>
-              <a:t>Sequential circuits can either be asynchronous or synchronous . In VHDL, they are described with asynchronous/synchronous processes.</a:t>
-            </a:r>
-          </a:p>
-          <a:p>
-            <a:pPr marL="800100" lvl="1" indent="-342900">
-              <a:buFont typeface="Wingdings" panose="05000000000000000000" pitchFamily="2" charset="2"/>
-              <a:buChar char="ü"/>
-            </a:pPr>
-            <a:r>
-              <a:rPr lang="en-US" sz="2000" b="0" i="0" u="none" strike="noStrike" baseline="0" dirty="0">
-                <a:latin typeface="Arial" panose="020B0604020202020204" pitchFamily="34" charset="0"/>
-                <a:cs typeface="Arial" panose="020B0604020202020204" pitchFamily="34" charset="0"/>
-              </a:rPr>
-              <a:t>Basic asynchronous sequential circuits: </a:t>
-            </a:r>
-            <a:r>
-              <a:rPr lang="en-US" sz="2000" b="0" i="0" u="none" strike="noStrike" baseline="0" dirty="0">
+              <a:t>There exist another class of logic circuits whose outputs not </a:t>
+            </a:r>
+            <a:r>
+              <a:rPr lang="en-US" sz="1900" b="0" i="0" u="none" strike="noStrike" baseline="0" dirty="0">
                 <a:highlight>
                   <a:srgbClr val="FFFF00"/>
                 </a:highlight>
                 <a:latin typeface="Arial" panose="020B0604020202020204" pitchFamily="34" charset="0"/>
                 <a:cs typeface="Arial" panose="020B0604020202020204" pitchFamily="34" charset="0"/>
               </a:rPr>
-              <a:t>Latches</a:t>
-            </a:r>
-          </a:p>
-          <a:p>
-            <a:pPr marL="800100" lvl="1" indent="-342900">
-              <a:buFont typeface="Wingdings" panose="05000000000000000000" pitchFamily="2" charset="2"/>
-              <a:buChar char="ü"/>
-            </a:pPr>
-            <a:r>
-              <a:rPr lang="en-US" sz="2000" b="0" i="0" u="none" strike="noStrike" baseline="0" dirty="0">
+              <a:t>only depend on the present input values but also on the past values of inputs, outputs, and/or internal signal</a:t>
+            </a:r>
+            <a:r>
+              <a:rPr lang="en-US" sz="1900" b="0" i="0" u="none" strike="noStrike" baseline="0" dirty="0">
                 <a:latin typeface="Arial" panose="020B0604020202020204" pitchFamily="34" charset="0"/>
                 <a:cs typeface="Arial" panose="020B0604020202020204" pitchFamily="34" charset="0"/>
               </a:rPr>
-              <a:t>Basic synchronous sequential circuits: </a:t>
-            </a:r>
-            <a:r>
-              <a:rPr lang="en-US" sz="2000" b="0" i="0" u="none" strike="noStrike" baseline="0" dirty="0">
+              <a:t>. These circuits include </a:t>
+            </a:r>
+            <a:r>
+              <a:rPr lang="en-US" sz="1900" b="0" i="0" u="none" strike="noStrike" baseline="0" dirty="0">
+                <a:highlight>
+                  <a:srgbClr val="E3AE8A"/>
+                </a:highlight>
+                <a:latin typeface="Arial" panose="020B0604020202020204" pitchFamily="34" charset="0"/>
+                <a:cs typeface="Arial" panose="020B0604020202020204" pitchFamily="34" charset="0"/>
+              </a:rPr>
+              <a:t>storage elements </a:t>
+            </a:r>
+            <a:r>
+              <a:rPr lang="en-US" sz="1900" b="0" i="0" u="none" strike="noStrike" baseline="0" dirty="0">
+                <a:latin typeface="Arial" panose="020B0604020202020204" pitchFamily="34" charset="0"/>
+                <a:cs typeface="Arial" panose="020B0604020202020204" pitchFamily="34" charset="0"/>
+              </a:rPr>
+              <a:t>to store those previous values.</a:t>
+            </a:r>
+          </a:p>
+        </p:txBody>
+      </p:sp>
+      <p:sp>
+        <p:nvSpPr>
+          <p:cNvPr id="11" name="TextBox 10">
+            <a:extLst>
+              <a:ext uri="{FF2B5EF4-FFF2-40B4-BE49-F238E27FC236}">
+                <a16:creationId xmlns:a16="http://schemas.microsoft.com/office/drawing/2014/main" id="{1BE0353F-F87B-4BA4-87C7-4587F633064A}"/>
+              </a:ext>
+            </a:extLst>
+          </p:cNvPr>
+          <p:cNvSpPr txBox="1"/>
+          <p:nvPr/>
+        </p:nvSpPr>
+        <p:spPr>
+          <a:xfrm>
+            <a:off x="574430" y="5208359"/>
+            <a:ext cx="11242432" cy="1200329"/>
+          </a:xfrm>
+          <a:prstGeom prst="rect">
+            <a:avLst/>
+          </a:prstGeom>
+          <a:noFill/>
+        </p:spPr>
+        <p:txBody>
+          <a:bodyPr wrap="square">
+            <a:spAutoFit/>
+          </a:bodyPr>
+          <a:lstStyle/>
+          <a:p>
+            <a:pPr marL="342900" indent="-342900">
+              <a:buFont typeface="Arial" panose="020B0604020202020204" pitchFamily="34" charset="0"/>
+              <a:buChar char="•"/>
+            </a:pPr>
+            <a:r>
+              <a:rPr lang="en-US" sz="1800" b="0" i="0" u="none" strike="noStrike" baseline="0" dirty="0">
+                <a:latin typeface="Arial" panose="020B0604020202020204" pitchFamily="34" charset="0"/>
+                <a:cs typeface="Arial" panose="020B0604020202020204" pitchFamily="34" charset="0"/>
+              </a:rPr>
+              <a:t>The content of those storage elements represents the </a:t>
+            </a:r>
+            <a:r>
+              <a:rPr lang="en-US" sz="1800" b="0" i="0" u="none" strike="noStrike" baseline="0" dirty="0">
+                <a:highlight>
+                  <a:srgbClr val="E3AE8A"/>
+                </a:highlight>
+                <a:latin typeface="Arial" panose="020B0604020202020204" pitchFamily="34" charset="0"/>
+                <a:cs typeface="Arial" panose="020B0604020202020204" pitchFamily="34" charset="0"/>
+              </a:rPr>
+              <a:t>circuit state</a:t>
+            </a:r>
+            <a:r>
+              <a:rPr lang="en-US" sz="1800" b="0" i="0" u="none" strike="noStrike" baseline="0" dirty="0">
+                <a:latin typeface="Arial" panose="020B0604020202020204" pitchFamily="34" charset="0"/>
+                <a:cs typeface="Arial" panose="020B0604020202020204" pitchFamily="34" charset="0"/>
+              </a:rPr>
+              <a:t>. When the circuit inputs change, it can be that the circuit stays in certain state or changes to a different one. Over time, the circuit goes through </a:t>
+            </a:r>
+            <a:r>
+              <a:rPr lang="en-US" sz="1800" b="0" i="0" u="none" strike="noStrike" baseline="0" dirty="0">
+                <a:highlight>
+                  <a:srgbClr val="E3AE8A"/>
+                </a:highlight>
+                <a:latin typeface="Arial" panose="020B0604020202020204" pitchFamily="34" charset="0"/>
+                <a:cs typeface="Arial" panose="020B0604020202020204" pitchFamily="34" charset="0"/>
+              </a:rPr>
+              <a:t>a sequence of states </a:t>
+            </a:r>
+            <a:r>
+              <a:rPr lang="en-US" sz="1800" b="0" i="0" u="none" strike="noStrike" baseline="0" dirty="0">
+                <a:latin typeface="Arial" panose="020B0604020202020204" pitchFamily="34" charset="0"/>
+                <a:cs typeface="Arial" panose="020B0604020202020204" pitchFamily="34" charset="0"/>
+              </a:rPr>
+              <a:t>as a result of a change in the inputs. The circuits with this behavior are called </a:t>
+            </a:r>
+            <a:r>
+              <a:rPr lang="en-US" sz="1800" b="1" i="0" u="none" strike="noStrike" baseline="0" dirty="0">
                 <a:highlight>
                   <a:srgbClr val="FFFF00"/>
                 </a:highlight>
                 <a:latin typeface="Arial" panose="020B0604020202020204" pitchFamily="34" charset="0"/>
                 <a:cs typeface="Arial" panose="020B0604020202020204" pitchFamily="34" charset="0"/>
               </a:rPr>
-              <a:t>flip flops, counters, and registers</a:t>
-            </a:r>
-            <a:r>
-              <a:rPr lang="en-US" sz="2000" b="0" i="0" u="none" strike="noStrike" baseline="0" dirty="0">
-                <a:latin typeface="Arial" panose="020B0604020202020204" pitchFamily="34" charset="0"/>
-                <a:cs typeface="Arial" panose="020B0604020202020204" pitchFamily="34" charset="0"/>
-              </a:rPr>
-              <a:t>.</a:t>
-            </a:r>
-          </a:p>
-        </p:txBody>
-      </p:sp>
-      <p:sp>
-        <p:nvSpPr>
-          <p:cNvPr id="7" name="TextBox 6">
-            <a:extLst>
-              <a:ext uri="{FF2B5EF4-FFF2-40B4-BE49-F238E27FC236}">
-                <a16:creationId xmlns:a16="http://schemas.microsoft.com/office/drawing/2014/main" id="{822D7F9F-BA4A-49A7-9523-57C2B8FB4DE6}"/>
-              </a:ext>
-            </a:extLst>
-          </p:cNvPr>
-          <p:cNvSpPr txBox="1"/>
-          <p:nvPr/>
-        </p:nvSpPr>
-        <p:spPr>
-          <a:xfrm>
-            <a:off x="574431" y="4389198"/>
-            <a:ext cx="10595318" cy="707886"/>
-          </a:xfrm>
-          <a:prstGeom prst="rect">
-            <a:avLst/>
-          </a:prstGeom>
-          <a:noFill/>
-        </p:spPr>
-        <p:txBody>
-          <a:bodyPr wrap="square">
-            <a:spAutoFit/>
-          </a:bodyPr>
-          <a:lstStyle/>
-          <a:p>
-            <a:pPr marL="342900" indent="-342900">
-              <a:buFont typeface="Wingdings" panose="05000000000000000000" pitchFamily="2" charset="2"/>
-              <a:buChar char="§"/>
-            </a:pPr>
-            <a:r>
-              <a:rPr lang="en-US" sz="2000" b="0" i="0" u="none" strike="noStrike" baseline="0" dirty="0">
-                <a:solidFill>
-                  <a:srgbClr val="000000"/>
-                </a:solidFill>
-                <a:latin typeface="Arial" panose="020B0604020202020204" pitchFamily="34" charset="0"/>
-                <a:cs typeface="Arial" panose="020B0604020202020204" pitchFamily="34" charset="0"/>
-              </a:rPr>
-              <a:t>Here, we cover the VHDL description of typical asynchronous and synchronous sequential circuits.</a:t>
-            </a:r>
-          </a:p>
-        </p:txBody>
-      </p:sp>
+              <a:t>sequential circuits</a:t>
+            </a:r>
+          </a:p>
+        </p:txBody>
+      </p:sp>
+      <p:pic>
+        <p:nvPicPr>
+          <p:cNvPr id="12" name="Picture 11">
+            <a:extLst>
+              <a:ext uri="{FF2B5EF4-FFF2-40B4-BE49-F238E27FC236}">
+                <a16:creationId xmlns:a16="http://schemas.microsoft.com/office/drawing/2014/main" id="{01E90176-5EB9-4B30-AF02-B898A555E4F8}"/>
+              </a:ext>
+            </a:extLst>
+          </p:cNvPr>
+          <p:cNvPicPr>
+            <a:picLocks noChangeAspect="1"/>
+          </p:cNvPicPr>
+          <p:nvPr/>
+        </p:nvPicPr>
+        <p:blipFill>
+          <a:blip r:embed="rId3"/>
+          <a:stretch>
+            <a:fillRect/>
+          </a:stretch>
+        </p:blipFill>
+        <p:spPr>
+          <a:xfrm>
+            <a:off x="7779434" y="2067395"/>
+            <a:ext cx="3296527" cy="3134811"/>
+          </a:xfrm>
+          <a:prstGeom prst="rect">
+            <a:avLst/>
+          </a:prstGeom>
+        </p:spPr>
+      </p:pic>
     </p:spTree>
     <p:extLst>
       <p:ext uri="{BB962C8B-B14F-4D97-AF65-F5344CB8AC3E}">
-        <p14:creationId xmlns:p14="http://schemas.microsoft.com/office/powerpoint/2010/main" val="1609708458"/>
+        <p14:creationId xmlns:p14="http://schemas.microsoft.com/office/powerpoint/2010/main" val="3101028047"/>
       </p:ext>
     </p:extLst>
   </p:cSld>
@@ -12599,7 +12227,7 @@
                 </a:solidFill>
                 <a:latin typeface="Bahnschrift Light Condensed" panose="020B0502040204020203" pitchFamily="34" charset="0"/>
               </a:rPr>
-              <a:t>4-bit Synchronous counter with parallel load</a:t>
+              <a:t>4-bit synchronous up/down counter with asynchronous active-low reset</a:t>
             </a:r>
             <a:endParaRPr lang="en-US" sz="2800" dirty="0">
               <a:solidFill>
@@ -12611,12 +12239,179 @@
           </a:p>
         </p:txBody>
       </p:sp>
+      <p:sp>
+        <p:nvSpPr>
+          <p:cNvPr id="9" name="TextBox 8">
+            <a:extLst>
+              <a:ext uri="{FF2B5EF4-FFF2-40B4-BE49-F238E27FC236}">
+                <a16:creationId xmlns:a16="http://schemas.microsoft.com/office/drawing/2014/main" id="{66CE2A1B-9E32-479A-BFD8-C2EC08EDCB4A}"/>
+              </a:ext>
+            </a:extLst>
+          </p:cNvPr>
+          <p:cNvSpPr txBox="1"/>
+          <p:nvPr/>
+        </p:nvSpPr>
+        <p:spPr>
+          <a:xfrm>
+            <a:off x="661182" y="1555962"/>
+            <a:ext cx="9931790" cy="969496"/>
+          </a:xfrm>
+          <a:prstGeom prst="rect">
+            <a:avLst/>
+          </a:prstGeom>
+          <a:noFill/>
+        </p:spPr>
+        <p:txBody>
+          <a:bodyPr wrap="square">
+            <a:spAutoFit/>
+          </a:bodyPr>
+          <a:lstStyle/>
+          <a:p>
+            <a:pPr marL="342900" indent="-342900">
+              <a:buFont typeface="Wingdings" panose="05000000000000000000" pitchFamily="2" charset="2"/>
+              <a:buChar char="§"/>
+            </a:pPr>
+            <a:r>
+              <a:rPr lang="en-US" sz="1900" i="0" u="none" strike="noStrike" baseline="0" dirty="0" err="1">
+                <a:solidFill>
+                  <a:srgbClr val="C00000"/>
+                </a:solidFill>
+                <a:latin typeface="Courier New" panose="02070309020205020404" pitchFamily="49" charset="0"/>
+                <a:cs typeface="Courier New" panose="02070309020205020404" pitchFamily="49" charset="0"/>
+              </a:rPr>
+              <a:t>ud</a:t>
+            </a:r>
+            <a:r>
+              <a:rPr lang="en-US" sz="1900" i="0" u="none" strike="noStrike" baseline="0" dirty="0">
+                <a:solidFill>
+                  <a:srgbClr val="C00000"/>
+                </a:solidFill>
+                <a:latin typeface="Courier New" panose="02070309020205020404" pitchFamily="49" charset="0"/>
+                <a:cs typeface="Courier New" panose="02070309020205020404" pitchFamily="49" charset="0"/>
+              </a:rPr>
+              <a:t> = 0 </a:t>
+            </a:r>
+            <a:r>
+              <a:rPr lang="en-US" sz="1900" i="0" u="none" strike="noStrike" baseline="0" dirty="0">
+                <a:solidFill>
+                  <a:srgbClr val="171D2D"/>
+                </a:solidFill>
+                <a:latin typeface="Arial" panose="020B0604020202020204" pitchFamily="34" charset="0"/>
+                <a:cs typeface="Arial" panose="020B0604020202020204" pitchFamily="34" charset="0"/>
+              </a:rPr>
+              <a:t>→ down</a:t>
+            </a:r>
+          </a:p>
+          <a:p>
+            <a:pPr marL="342900" indent="-342900">
+              <a:buFont typeface="Wingdings" panose="05000000000000000000" pitchFamily="2" charset="2"/>
+              <a:buChar char="§"/>
+            </a:pPr>
+            <a:r>
+              <a:rPr lang="en-US" sz="1900" i="0" u="none" strike="noStrike" baseline="0" dirty="0" err="1">
+                <a:solidFill>
+                  <a:srgbClr val="C00000"/>
+                </a:solidFill>
+                <a:latin typeface="Courier New" panose="02070309020205020404" pitchFamily="49" charset="0"/>
+                <a:cs typeface="Courier New" panose="02070309020205020404" pitchFamily="49" charset="0"/>
+              </a:rPr>
+              <a:t>ud</a:t>
+            </a:r>
+            <a:r>
+              <a:rPr lang="en-US" sz="1900" i="0" u="none" strike="noStrike" baseline="0" dirty="0">
+                <a:solidFill>
+                  <a:srgbClr val="C00000"/>
+                </a:solidFill>
+                <a:latin typeface="Courier New" panose="02070309020205020404" pitchFamily="49" charset="0"/>
+                <a:cs typeface="Courier New" panose="02070309020205020404" pitchFamily="49" charset="0"/>
+              </a:rPr>
+              <a:t> = 1 </a:t>
+            </a:r>
+            <a:r>
+              <a:rPr lang="en-US" sz="1900" i="0" u="none" strike="noStrike" baseline="0" dirty="0">
+                <a:solidFill>
+                  <a:srgbClr val="171D2D"/>
+                </a:solidFill>
+                <a:latin typeface="Arial" panose="020B0604020202020204" pitchFamily="34" charset="0"/>
+                <a:cs typeface="Arial" panose="020B0604020202020204" pitchFamily="34" charset="0"/>
+              </a:rPr>
+              <a:t>→ up</a:t>
+            </a:r>
+          </a:p>
+          <a:p>
+            <a:pPr marL="342900" indent="-342900">
+              <a:buFont typeface="Wingdings" panose="05000000000000000000" pitchFamily="2" charset="2"/>
+              <a:buChar char="§"/>
+            </a:pPr>
+            <a:r>
+              <a:rPr lang="en-US" sz="1900" i="0" u="none" strike="noStrike" baseline="0" dirty="0">
+                <a:solidFill>
+                  <a:srgbClr val="171D2D"/>
+                </a:solidFill>
+                <a:latin typeface="Arial" panose="020B0604020202020204" pitchFamily="34" charset="0"/>
+                <a:cs typeface="Arial" panose="020B0604020202020204" pitchFamily="34" charset="0"/>
+              </a:rPr>
+              <a:t>When </a:t>
+            </a:r>
+            <a:r>
+              <a:rPr lang="en-US" sz="1900" i="0" u="none" strike="noStrike" baseline="0" dirty="0">
+                <a:solidFill>
+                  <a:srgbClr val="C00000"/>
+                </a:solidFill>
+                <a:latin typeface="Courier New" panose="02070309020205020404" pitchFamily="49" charset="0"/>
+                <a:cs typeface="Courier New" panose="02070309020205020404" pitchFamily="49" charset="0"/>
+              </a:rPr>
+              <a:t>Qt = 0000</a:t>
+            </a:r>
+            <a:r>
+              <a:rPr lang="en-US" sz="1900" i="0" u="none" strike="noStrike" baseline="0" dirty="0">
+                <a:solidFill>
+                  <a:srgbClr val="171D2D"/>
+                </a:solidFill>
+                <a:latin typeface="Arial" panose="020B0604020202020204" pitchFamily="34" charset="0"/>
+                <a:cs typeface="Arial" panose="020B0604020202020204" pitchFamily="34" charset="0"/>
+              </a:rPr>
+              <a:t>, then </a:t>
+            </a:r>
+            <a:r>
+              <a:rPr lang="en-US" sz="1900" i="0" u="none" strike="noStrike" baseline="0" dirty="0">
+                <a:solidFill>
+                  <a:srgbClr val="C00000"/>
+                </a:solidFill>
+                <a:latin typeface="Courier New" panose="02070309020205020404" pitchFamily="49" charset="0"/>
+                <a:cs typeface="Courier New" panose="02070309020205020404" pitchFamily="49" charset="0"/>
+              </a:rPr>
+              <a:t>Qt &lt;= Qt-1 </a:t>
+            </a:r>
+            <a:r>
+              <a:rPr lang="en-US" sz="1900" i="0" u="none" strike="noStrike" baseline="0" dirty="0">
+                <a:solidFill>
+                  <a:srgbClr val="171D2D"/>
+                </a:solidFill>
+                <a:latin typeface="Arial" panose="020B0604020202020204" pitchFamily="34" charset="0"/>
+                <a:cs typeface="Arial" panose="020B0604020202020204" pitchFamily="34" charset="0"/>
+              </a:rPr>
+              <a:t>will result in </a:t>
+            </a:r>
+            <a:r>
+              <a:rPr lang="en-US" sz="1900" i="0" u="none" strike="noStrike" baseline="0" dirty="0">
+                <a:solidFill>
+                  <a:srgbClr val="C00000"/>
+                </a:solidFill>
+                <a:latin typeface="Courier New" panose="02070309020205020404" pitchFamily="49" charset="0"/>
+                <a:cs typeface="Courier New" panose="02070309020205020404" pitchFamily="49" charset="0"/>
+              </a:rPr>
+              <a:t>Qt = 1111</a:t>
+            </a:r>
+          </a:p>
+        </p:txBody>
+      </p:sp>
       <p:pic>
         <p:nvPicPr>
           <p:cNvPr id="3" name="Picture 2">
             <a:extLst>
               <a:ext uri="{FF2B5EF4-FFF2-40B4-BE49-F238E27FC236}">
-                <a16:creationId xmlns:a16="http://schemas.microsoft.com/office/drawing/2014/main" id="{F68ED06E-C512-4A09-B00F-D46BE0B77252}"/>
+                <a16:creationId xmlns:a16="http://schemas.microsoft.com/office/drawing/2014/main" id="{96EE4C57-3041-48CC-B9D2-A9EB0E36296D}"/>
               </a:ext>
             </a:extLst>
           </p:cNvPr>
@@ -12633,8 +12428,8 @@
         </p:blipFill>
         <p:spPr>
           <a:xfrm>
-            <a:off x="974844" y="2253395"/>
-            <a:ext cx="3092992" cy="2248267"/>
+            <a:off x="974844" y="3086683"/>
+            <a:ext cx="3123027" cy="2312807"/>
           </a:xfrm>
           <a:prstGeom prst="rect">
             <a:avLst/>
@@ -12643,10 +12438,10 @@
       </p:pic>
       <p:pic>
         <p:nvPicPr>
-          <p:cNvPr id="7" name="Picture 6">
-            <a:extLst>
-              <a:ext uri="{FF2B5EF4-FFF2-40B4-BE49-F238E27FC236}">
-                <a16:creationId xmlns:a16="http://schemas.microsoft.com/office/drawing/2014/main" id="{965B162B-7125-4C4B-AD93-E111F95DEA24}"/>
+          <p:cNvPr id="8" name="Picture 7">
+            <a:extLst>
+              <a:ext uri="{FF2B5EF4-FFF2-40B4-BE49-F238E27FC236}">
+                <a16:creationId xmlns:a16="http://schemas.microsoft.com/office/drawing/2014/main" id="{D0BB01AB-ED1F-4795-83D8-8EA442F97436}"/>
               </a:ext>
             </a:extLst>
           </p:cNvPr>
@@ -12663,8 +12458,8 @@
         </p:blipFill>
         <p:spPr>
           <a:xfrm>
-            <a:off x="4974980" y="2253394"/>
-            <a:ext cx="5357795" cy="3571863"/>
+            <a:off x="5416060" y="3066756"/>
+            <a:ext cx="4965895" cy="3703556"/>
           </a:xfrm>
           <a:prstGeom prst="rect">
             <a:avLst/>
@@ -12674,7 +12469,7 @@
     </p:spTree>
     <p:extLst>
       <p:ext uri="{BB962C8B-B14F-4D97-AF65-F5344CB8AC3E}">
-        <p14:creationId xmlns:p14="http://schemas.microsoft.com/office/powerpoint/2010/main" val="2261809644"/>
+        <p14:creationId xmlns:p14="http://schemas.microsoft.com/office/powerpoint/2010/main" val="3754653191"/>
       </p:ext>
     </p:extLst>
   </p:cSld>
@@ -12836,7 +12631,7 @@
                 </a:solidFill>
                 <a:latin typeface="Bahnschrift Light Condensed" panose="020B0502040204020203" pitchFamily="34" charset="0"/>
               </a:rPr>
-              <a:t>The Ring Counter and The Johnson Counter</a:t>
+              <a:t>4-bit Synchronous counter with parallel load</a:t>
             </a:r>
             <a:endParaRPr lang="en-US" sz="2800" dirty="0">
               <a:solidFill>
@@ -12848,185 +12643,70 @@
           </a:p>
         </p:txBody>
       </p:sp>
-      <p:sp>
-        <p:nvSpPr>
-          <p:cNvPr id="9" name="TextBox 8">
-            <a:extLst>
-              <a:ext uri="{FF2B5EF4-FFF2-40B4-BE49-F238E27FC236}">
-                <a16:creationId xmlns:a16="http://schemas.microsoft.com/office/drawing/2014/main" id="{66CE2A1B-9E32-479A-BFD8-C2EC08EDCB4A}"/>
-              </a:ext>
-            </a:extLst>
-          </p:cNvPr>
-          <p:cNvSpPr txBox="1"/>
-          <p:nvPr/>
-        </p:nvSpPr>
-        <p:spPr>
-          <a:xfrm>
-            <a:off x="661182" y="1555962"/>
-            <a:ext cx="9931790" cy="1846659"/>
-          </a:xfrm>
-          <a:prstGeom prst="rect">
-            <a:avLst/>
-          </a:prstGeom>
-          <a:noFill/>
-        </p:spPr>
-        <p:txBody>
-          <a:bodyPr wrap="square">
-            <a:spAutoFit/>
-          </a:bodyPr>
-          <a:lstStyle/>
-          <a:p>
-            <a:r>
-              <a:rPr lang="en-US" sz="1900" b="1" i="0" u="none" strike="noStrike" baseline="0" dirty="0">
-                <a:latin typeface="Arial" panose="020B0604020202020204" pitchFamily="34" charset="0"/>
-                <a:cs typeface="Arial" panose="020B0604020202020204" pitchFamily="34" charset="0"/>
-              </a:rPr>
-              <a:t>Ring Counter:</a:t>
-            </a:r>
-          </a:p>
-          <a:p>
-            <a:pPr marL="342900" indent="-342900">
-              <a:buFont typeface="Wingdings" panose="05000000000000000000" pitchFamily="2" charset="2"/>
-              <a:buChar char="§"/>
-            </a:pPr>
-            <a:r>
-              <a:rPr lang="en-US" sz="1900" b="0" i="0" u="none" strike="noStrike" baseline="0" dirty="0">
-                <a:latin typeface="Arial" panose="020B0604020202020204" pitchFamily="34" charset="0"/>
-                <a:cs typeface="Arial" panose="020B0604020202020204" pitchFamily="34" charset="0"/>
-              </a:rPr>
-              <a:t>A modified shift register. The true output of the last flip-flop is fed back directly to the data input of the first flip-flop, thus generating a sequence of pulses. </a:t>
-            </a:r>
-          </a:p>
-          <a:p>
-            <a:pPr marL="342900" indent="-342900">
-              <a:buFont typeface="Wingdings" panose="05000000000000000000" pitchFamily="2" charset="2"/>
-              <a:buChar char="§"/>
-            </a:pPr>
-            <a:r>
-              <a:rPr lang="en-US" sz="1900" b="0" i="0" u="none" strike="noStrike" baseline="0" dirty="0">
-                <a:latin typeface="Arial" panose="020B0604020202020204" pitchFamily="34" charset="0"/>
-                <a:cs typeface="Arial" panose="020B0604020202020204" pitchFamily="34" charset="0"/>
-              </a:rPr>
-              <a:t>For example, for a D Flip-Flop shift register, the Q output of the last flip-flop is connected to the D input of the first flip-flop. These counters are used in digital system to </a:t>
-            </a:r>
-            <a:r>
-              <a:rPr lang="en-US" sz="1900" b="0" i="0" u="none" strike="noStrike" baseline="0" dirty="0">
-                <a:highlight>
-                  <a:srgbClr val="FFFF00"/>
-                </a:highlight>
-                <a:latin typeface="Arial" panose="020B0604020202020204" pitchFamily="34" charset="0"/>
-                <a:cs typeface="Arial" panose="020B0604020202020204" pitchFamily="34" charset="0"/>
-              </a:rPr>
-              <a:t>generate control pulses.</a:t>
-            </a:r>
-          </a:p>
-        </p:txBody>
-      </p:sp>
-      <p:sp>
-        <p:nvSpPr>
-          <p:cNvPr id="7" name="TextBox 6">
-            <a:extLst>
-              <a:ext uri="{FF2B5EF4-FFF2-40B4-BE49-F238E27FC236}">
-                <a16:creationId xmlns:a16="http://schemas.microsoft.com/office/drawing/2014/main" id="{3CA44877-9FE4-466D-AB6F-A74586FA5EFB}"/>
-              </a:ext>
-            </a:extLst>
-          </p:cNvPr>
-          <p:cNvSpPr txBox="1"/>
-          <p:nvPr/>
-        </p:nvSpPr>
-        <p:spPr>
-          <a:xfrm>
-            <a:off x="661182" y="3579366"/>
-            <a:ext cx="9931790" cy="1554272"/>
-          </a:xfrm>
-          <a:prstGeom prst="rect">
-            <a:avLst/>
-          </a:prstGeom>
-          <a:noFill/>
-        </p:spPr>
-        <p:txBody>
-          <a:bodyPr wrap="square">
-            <a:spAutoFit/>
-          </a:bodyPr>
-          <a:lstStyle/>
-          <a:p>
-            <a:r>
-              <a:rPr lang="en-US" sz="1900" b="1" i="0" u="none" strike="noStrike" baseline="0" dirty="0">
-                <a:latin typeface="Arial" panose="020B0604020202020204" pitchFamily="34" charset="0"/>
-                <a:cs typeface="Arial" panose="020B0604020202020204" pitchFamily="34" charset="0"/>
-              </a:rPr>
-              <a:t>Ring Counter:</a:t>
-            </a:r>
-          </a:p>
-          <a:p>
-            <a:pPr marL="342900" indent="-342900">
-              <a:buFont typeface="Wingdings" panose="05000000000000000000" pitchFamily="2" charset="2"/>
-              <a:buChar char="§"/>
-            </a:pPr>
-            <a:r>
-              <a:rPr lang="en-US" sz="1900" b="0" i="0" u="none" strike="noStrike" baseline="0" dirty="0">
-                <a:latin typeface="Arial" panose="020B0604020202020204" pitchFamily="34" charset="0"/>
-                <a:cs typeface="Arial" panose="020B0604020202020204" pitchFamily="34" charset="0"/>
-              </a:rPr>
-              <a:t>Johnson counter is a reverse of Ring Counter. </a:t>
-            </a:r>
-          </a:p>
-          <a:p>
-            <a:pPr marL="342900" indent="-342900">
-              <a:buFont typeface="Wingdings" panose="05000000000000000000" pitchFamily="2" charset="2"/>
-              <a:buChar char="§"/>
-            </a:pPr>
-            <a:r>
-              <a:rPr lang="en-US" sz="1900" b="0" i="0" u="none" strike="noStrike" baseline="0" dirty="0">
-                <a:latin typeface="Arial" panose="020B0604020202020204" pitchFamily="34" charset="0"/>
-                <a:cs typeface="Arial" panose="020B0604020202020204" pitchFamily="34" charset="0"/>
-              </a:rPr>
-              <a:t>Feedback from the last flip-flop is fed inversely to the data input of the first flip-flop. </a:t>
-            </a:r>
-          </a:p>
-          <a:p>
-            <a:pPr marL="342900" indent="-342900">
-              <a:buFont typeface="Wingdings" panose="05000000000000000000" pitchFamily="2" charset="2"/>
-              <a:buChar char="§"/>
-            </a:pPr>
-            <a:r>
-              <a:rPr lang="en-US" sz="1900" b="0" i="0" u="none" strike="noStrike" baseline="0" dirty="0">
-                <a:latin typeface="Arial" panose="020B0604020202020204" pitchFamily="34" charset="0"/>
-                <a:cs typeface="Arial" panose="020B0604020202020204" pitchFamily="34" charset="0"/>
-              </a:rPr>
-              <a:t>For example, for a D Flip-Flop shift register, the ~Q output of the last flip-flop is fed to the D input of the first flip-flop. These can be used </a:t>
-            </a:r>
-            <a:r>
-              <a:rPr lang="en-US" sz="1900" b="0" i="0" u="none" strike="noStrike" baseline="0" dirty="0">
-                <a:highlight>
-                  <a:srgbClr val="FFFF00"/>
-                </a:highlight>
-                <a:latin typeface="Arial" panose="020B0604020202020204" pitchFamily="34" charset="0"/>
-                <a:cs typeface="Arial" panose="020B0604020202020204" pitchFamily="34" charset="0"/>
-              </a:rPr>
-              <a:t>as Divide by n counters</a:t>
-            </a:r>
-            <a:r>
-              <a:rPr lang="en-US" sz="1900" b="0" i="0" u="none" strike="noStrike" baseline="0" dirty="0">
-                <a:latin typeface="Arial" panose="020B0604020202020204" pitchFamily="34" charset="0"/>
-                <a:cs typeface="Arial" panose="020B0604020202020204" pitchFamily="34" charset="0"/>
-              </a:rPr>
-              <a:t> as well.</a:t>
-            </a:r>
-            <a:endParaRPr lang="en-US" sz="1900" b="0" i="0" u="none" strike="noStrike" baseline="0" dirty="0">
-              <a:highlight>
-                <a:srgbClr val="FFFF00"/>
-              </a:highlight>
-              <a:latin typeface="Arial" panose="020B0604020202020204" pitchFamily="34" charset="0"/>
-              <a:cs typeface="Arial" panose="020B0604020202020204" pitchFamily="34" charset="0"/>
-            </a:endParaRPr>
-          </a:p>
-        </p:txBody>
-      </p:sp>
+      <p:pic>
+        <p:nvPicPr>
+          <p:cNvPr id="3" name="Picture 2">
+            <a:extLst>
+              <a:ext uri="{FF2B5EF4-FFF2-40B4-BE49-F238E27FC236}">
+                <a16:creationId xmlns:a16="http://schemas.microsoft.com/office/drawing/2014/main" id="{F68ED06E-C512-4A09-B00F-D46BE0B77252}"/>
+              </a:ext>
+            </a:extLst>
+          </p:cNvPr>
+          <p:cNvPicPr>
+            <a:picLocks noChangeAspect="1"/>
+          </p:cNvPicPr>
+          <p:nvPr/>
+        </p:nvPicPr>
+        <p:blipFill>
+          <a:blip r:embed="rId2"/>
+          <a:stretch>
+            <a:fillRect/>
+          </a:stretch>
+        </p:blipFill>
+        <p:spPr>
+          <a:xfrm>
+            <a:off x="974844" y="2253395"/>
+            <a:ext cx="3092992" cy="2248267"/>
+          </a:xfrm>
+          <a:prstGeom prst="rect">
+            <a:avLst/>
+          </a:prstGeom>
+        </p:spPr>
+      </p:pic>
+      <p:pic>
+        <p:nvPicPr>
+          <p:cNvPr id="7" name="Picture 6">
+            <a:extLst>
+              <a:ext uri="{FF2B5EF4-FFF2-40B4-BE49-F238E27FC236}">
+                <a16:creationId xmlns:a16="http://schemas.microsoft.com/office/drawing/2014/main" id="{965B162B-7125-4C4B-AD93-E111F95DEA24}"/>
+              </a:ext>
+            </a:extLst>
+          </p:cNvPr>
+          <p:cNvPicPr>
+            <a:picLocks noChangeAspect="1"/>
+          </p:cNvPicPr>
+          <p:nvPr/>
+        </p:nvPicPr>
+        <p:blipFill>
+          <a:blip r:embed="rId3"/>
+          <a:stretch>
+            <a:fillRect/>
+          </a:stretch>
+        </p:blipFill>
+        <p:spPr>
+          <a:xfrm>
+            <a:off x="4974980" y="2253394"/>
+            <a:ext cx="5357795" cy="3571863"/>
+          </a:xfrm>
+          <a:prstGeom prst="rect">
+            <a:avLst/>
+          </a:prstGeom>
+        </p:spPr>
+      </p:pic>
     </p:spTree>
     <p:extLst>
       <p:ext uri="{BB962C8B-B14F-4D97-AF65-F5344CB8AC3E}">
-        <p14:creationId xmlns:p14="http://schemas.microsoft.com/office/powerpoint/2010/main" val="4097393493"/>
+        <p14:creationId xmlns:p14="http://schemas.microsoft.com/office/powerpoint/2010/main" val="2261809644"/>
       </p:ext>
     </p:extLst>
   </p:cSld>
@@ -13188,6 +12868,358 @@
                 </a:solidFill>
                 <a:latin typeface="Bahnschrift Light Condensed" panose="020B0502040204020203" pitchFamily="34" charset="0"/>
               </a:rPr>
+              <a:t>The Ring Counter and The Johnson Counter</a:t>
+            </a:r>
+            <a:endParaRPr lang="en-US" sz="2800" dirty="0">
+              <a:solidFill>
+                <a:srgbClr val="C00000"/>
+              </a:solidFill>
+              <a:latin typeface="Courier New" panose="02070309020205020404" pitchFamily="49" charset="0"/>
+              <a:cs typeface="Courier New" panose="02070309020205020404" pitchFamily="49" charset="0"/>
+            </a:endParaRPr>
+          </a:p>
+        </p:txBody>
+      </p:sp>
+      <p:sp>
+        <p:nvSpPr>
+          <p:cNvPr id="9" name="TextBox 8">
+            <a:extLst>
+              <a:ext uri="{FF2B5EF4-FFF2-40B4-BE49-F238E27FC236}">
+                <a16:creationId xmlns:a16="http://schemas.microsoft.com/office/drawing/2014/main" id="{66CE2A1B-9E32-479A-BFD8-C2EC08EDCB4A}"/>
+              </a:ext>
+            </a:extLst>
+          </p:cNvPr>
+          <p:cNvSpPr txBox="1"/>
+          <p:nvPr/>
+        </p:nvSpPr>
+        <p:spPr>
+          <a:xfrm>
+            <a:off x="661182" y="1555962"/>
+            <a:ext cx="9931790" cy="1846659"/>
+          </a:xfrm>
+          <a:prstGeom prst="rect">
+            <a:avLst/>
+          </a:prstGeom>
+          <a:noFill/>
+        </p:spPr>
+        <p:txBody>
+          <a:bodyPr wrap="square">
+            <a:spAutoFit/>
+          </a:bodyPr>
+          <a:lstStyle/>
+          <a:p>
+            <a:r>
+              <a:rPr lang="en-US" sz="1900" b="1" i="0" u="none" strike="noStrike" baseline="0" dirty="0">
+                <a:latin typeface="Arial" panose="020B0604020202020204" pitchFamily="34" charset="0"/>
+                <a:cs typeface="Arial" panose="020B0604020202020204" pitchFamily="34" charset="0"/>
+              </a:rPr>
+              <a:t>Ring Counter:</a:t>
+            </a:r>
+          </a:p>
+          <a:p>
+            <a:pPr marL="342900" indent="-342900">
+              <a:buFont typeface="Wingdings" panose="05000000000000000000" pitchFamily="2" charset="2"/>
+              <a:buChar char="§"/>
+            </a:pPr>
+            <a:r>
+              <a:rPr lang="en-US" sz="1900" b="0" i="0" u="none" strike="noStrike" baseline="0" dirty="0">
+                <a:latin typeface="Arial" panose="020B0604020202020204" pitchFamily="34" charset="0"/>
+                <a:cs typeface="Arial" panose="020B0604020202020204" pitchFamily="34" charset="0"/>
+              </a:rPr>
+              <a:t>A modified shift register. The true output of the last flip-flop is fed back directly to the data input of the first flip-flop, thus generating a sequence of pulses. </a:t>
+            </a:r>
+          </a:p>
+          <a:p>
+            <a:pPr marL="342900" indent="-342900">
+              <a:buFont typeface="Wingdings" panose="05000000000000000000" pitchFamily="2" charset="2"/>
+              <a:buChar char="§"/>
+            </a:pPr>
+            <a:r>
+              <a:rPr lang="en-US" sz="1900" b="0" i="0" u="none" strike="noStrike" baseline="0" dirty="0">
+                <a:latin typeface="Arial" panose="020B0604020202020204" pitchFamily="34" charset="0"/>
+                <a:cs typeface="Arial" panose="020B0604020202020204" pitchFamily="34" charset="0"/>
+              </a:rPr>
+              <a:t>For example, for a D Flip-Flop shift register, the Q output of the last flip-flop is connected to the D input of the first flip-flop. These counters are used in digital system to </a:t>
+            </a:r>
+            <a:r>
+              <a:rPr lang="en-US" sz="1900" b="0" i="0" u="none" strike="noStrike" baseline="0" dirty="0">
+                <a:highlight>
+                  <a:srgbClr val="FFFF00"/>
+                </a:highlight>
+                <a:latin typeface="Arial" panose="020B0604020202020204" pitchFamily="34" charset="0"/>
+                <a:cs typeface="Arial" panose="020B0604020202020204" pitchFamily="34" charset="0"/>
+              </a:rPr>
+              <a:t>generate control pulses.</a:t>
+            </a:r>
+          </a:p>
+        </p:txBody>
+      </p:sp>
+      <p:sp>
+        <p:nvSpPr>
+          <p:cNvPr id="7" name="TextBox 6">
+            <a:extLst>
+              <a:ext uri="{FF2B5EF4-FFF2-40B4-BE49-F238E27FC236}">
+                <a16:creationId xmlns:a16="http://schemas.microsoft.com/office/drawing/2014/main" id="{3CA44877-9FE4-466D-AB6F-A74586FA5EFB}"/>
+              </a:ext>
+            </a:extLst>
+          </p:cNvPr>
+          <p:cNvSpPr txBox="1"/>
+          <p:nvPr/>
+        </p:nvSpPr>
+        <p:spPr>
+          <a:xfrm>
+            <a:off x="661182" y="3579366"/>
+            <a:ext cx="9931790" cy="1554272"/>
+          </a:xfrm>
+          <a:prstGeom prst="rect">
+            <a:avLst/>
+          </a:prstGeom>
+          <a:noFill/>
+        </p:spPr>
+        <p:txBody>
+          <a:bodyPr wrap="square">
+            <a:spAutoFit/>
+          </a:bodyPr>
+          <a:lstStyle/>
+          <a:p>
+            <a:r>
+              <a:rPr lang="en-US" sz="1900" b="1" i="0" u="none" strike="noStrike" baseline="0" dirty="0">
+                <a:latin typeface="Arial" panose="020B0604020202020204" pitchFamily="34" charset="0"/>
+                <a:cs typeface="Arial" panose="020B0604020202020204" pitchFamily="34" charset="0"/>
+              </a:rPr>
+              <a:t>Ring Counter:</a:t>
+            </a:r>
+          </a:p>
+          <a:p>
+            <a:pPr marL="342900" indent="-342900">
+              <a:buFont typeface="Wingdings" panose="05000000000000000000" pitchFamily="2" charset="2"/>
+              <a:buChar char="§"/>
+            </a:pPr>
+            <a:r>
+              <a:rPr lang="en-US" sz="1900" b="0" i="0" u="none" strike="noStrike" baseline="0" dirty="0">
+                <a:latin typeface="Arial" panose="020B0604020202020204" pitchFamily="34" charset="0"/>
+                <a:cs typeface="Arial" panose="020B0604020202020204" pitchFamily="34" charset="0"/>
+              </a:rPr>
+              <a:t>Johnson counter is a reverse of Ring Counter. </a:t>
+            </a:r>
+          </a:p>
+          <a:p>
+            <a:pPr marL="342900" indent="-342900">
+              <a:buFont typeface="Wingdings" panose="05000000000000000000" pitchFamily="2" charset="2"/>
+              <a:buChar char="§"/>
+            </a:pPr>
+            <a:r>
+              <a:rPr lang="en-US" sz="1900" b="0" i="0" u="none" strike="noStrike" baseline="0" dirty="0">
+                <a:latin typeface="Arial" panose="020B0604020202020204" pitchFamily="34" charset="0"/>
+                <a:cs typeface="Arial" panose="020B0604020202020204" pitchFamily="34" charset="0"/>
+              </a:rPr>
+              <a:t>Feedback from the last flip-flop is fed inversely to the data input of the first flip-flop. </a:t>
+            </a:r>
+          </a:p>
+          <a:p>
+            <a:pPr marL="342900" indent="-342900">
+              <a:buFont typeface="Wingdings" panose="05000000000000000000" pitchFamily="2" charset="2"/>
+              <a:buChar char="§"/>
+            </a:pPr>
+            <a:r>
+              <a:rPr lang="en-US" sz="1900" b="0" i="0" u="none" strike="noStrike" baseline="0" dirty="0">
+                <a:latin typeface="Arial" panose="020B0604020202020204" pitchFamily="34" charset="0"/>
+                <a:cs typeface="Arial" panose="020B0604020202020204" pitchFamily="34" charset="0"/>
+              </a:rPr>
+              <a:t>For example, for a D Flip-Flop shift register, the ~Q output of the last flip-flop is fed to the D input of the first flip-flop. These can be used </a:t>
+            </a:r>
+            <a:r>
+              <a:rPr lang="en-US" sz="1900" b="0" i="0" u="none" strike="noStrike" baseline="0" dirty="0">
+                <a:highlight>
+                  <a:srgbClr val="FFFF00"/>
+                </a:highlight>
+                <a:latin typeface="Arial" panose="020B0604020202020204" pitchFamily="34" charset="0"/>
+                <a:cs typeface="Arial" panose="020B0604020202020204" pitchFamily="34" charset="0"/>
+              </a:rPr>
+              <a:t>as Divide by n counters</a:t>
+            </a:r>
+            <a:r>
+              <a:rPr lang="en-US" sz="1900" b="0" i="0" u="none" strike="noStrike" baseline="0" dirty="0">
+                <a:latin typeface="Arial" panose="020B0604020202020204" pitchFamily="34" charset="0"/>
+                <a:cs typeface="Arial" panose="020B0604020202020204" pitchFamily="34" charset="0"/>
+              </a:rPr>
+              <a:t> as well.</a:t>
+            </a:r>
+            <a:endParaRPr lang="en-US" sz="1900" b="0" i="0" u="none" strike="noStrike" baseline="0" dirty="0">
+              <a:highlight>
+                <a:srgbClr val="FFFF00"/>
+              </a:highlight>
+              <a:latin typeface="Arial" panose="020B0604020202020204" pitchFamily="34" charset="0"/>
+              <a:cs typeface="Arial" panose="020B0604020202020204" pitchFamily="34" charset="0"/>
+            </a:endParaRPr>
+          </a:p>
+        </p:txBody>
+      </p:sp>
+    </p:spTree>
+    <p:extLst>
+      <p:ext uri="{BB962C8B-B14F-4D97-AF65-F5344CB8AC3E}">
+        <p14:creationId xmlns:p14="http://schemas.microsoft.com/office/powerpoint/2010/main" val="4097393493"/>
+      </p:ext>
+    </p:extLst>
+  </p:cSld>
+  <p:clrMapOvr>
+    <a:masterClrMapping/>
+  </p:clrMapOvr>
+</p:sld>
+</file>
+
+<file path=ppt/slides/slide33.xml><?xml version="1.0" encoding="utf-8"?>
+<p:sld xmlns:a="http://schemas.openxmlformats.org/drawingml/2006/main" xmlns:r="http://schemas.openxmlformats.org/officeDocument/2006/relationships" xmlns:p="http://schemas.openxmlformats.org/presentationml/2006/main">
+  <p:cSld>
+    <p:spTree>
+      <p:nvGrpSpPr>
+        <p:cNvPr id="1" name=""/>
+        <p:cNvGrpSpPr/>
+        <p:nvPr/>
+      </p:nvGrpSpPr>
+      <p:grpSpPr>
+        <a:xfrm>
+          <a:off x="0" y="0"/>
+          <a:ext cx="0" cy="0"/>
+          <a:chOff x="0" y="0"/>
+          <a:chExt cx="0" cy="0"/>
+        </a:xfrm>
+      </p:grpSpPr>
+      <p:sp>
+        <p:nvSpPr>
+          <p:cNvPr id="4" name="Rectangle 3">
+            <a:extLst>
+              <a:ext uri="{FF2B5EF4-FFF2-40B4-BE49-F238E27FC236}">
+                <a16:creationId xmlns:a16="http://schemas.microsoft.com/office/drawing/2014/main" id="{7CB94DAC-7193-402A-8EEC-0275470A2AA8}"/>
+              </a:ext>
+            </a:extLst>
+          </p:cNvPr>
+          <p:cNvSpPr/>
+          <p:nvPr/>
+        </p:nvSpPr>
+        <p:spPr>
+          <a:xfrm>
+            <a:off x="0" y="-2"/>
+            <a:ext cx="12192000" cy="923330"/>
+          </a:xfrm>
+          <a:prstGeom prst="rect">
+            <a:avLst/>
+          </a:prstGeom>
+          <a:solidFill>
+            <a:srgbClr val="171D2D"/>
+          </a:solidFill>
+          <a:ln>
+            <a:noFill/>
+          </a:ln>
+        </p:spPr>
+        <p:style>
+          <a:lnRef idx="2">
+            <a:schemeClr val="accent1">
+              <a:shade val="50000"/>
+            </a:schemeClr>
+          </a:lnRef>
+          <a:fillRef idx="1">
+            <a:schemeClr val="accent1"/>
+          </a:fillRef>
+          <a:effectRef idx="0">
+            <a:schemeClr val="accent1"/>
+          </a:effectRef>
+          <a:fontRef idx="minor">
+            <a:schemeClr val="lt1"/>
+          </a:fontRef>
+        </p:style>
+        <p:txBody>
+          <a:bodyPr rtlCol="0" anchor="ctr"/>
+          <a:lstStyle/>
+          <a:p>
+            <a:pPr algn="ctr"/>
+            <a:endParaRPr lang="en-US"/>
+          </a:p>
+        </p:txBody>
+      </p:sp>
+      <p:sp>
+        <p:nvSpPr>
+          <p:cNvPr id="14" name="TextBox 13">
+            <a:extLst>
+              <a:ext uri="{FF2B5EF4-FFF2-40B4-BE49-F238E27FC236}">
+                <a16:creationId xmlns:a16="http://schemas.microsoft.com/office/drawing/2014/main" id="{DA3B01C4-1AD2-4960-9753-B6179C011EBA}"/>
+              </a:ext>
+            </a:extLst>
+          </p:cNvPr>
+          <p:cNvSpPr txBox="1"/>
+          <p:nvPr/>
+        </p:nvSpPr>
+        <p:spPr>
+          <a:xfrm>
+            <a:off x="974844" y="123122"/>
+            <a:ext cx="5022167" cy="707886"/>
+          </a:xfrm>
+          <a:prstGeom prst="rect">
+            <a:avLst/>
+          </a:prstGeom>
+          <a:noFill/>
+          <a:effectLst>
+            <a:glow rad="63500">
+              <a:schemeClr val="accent5">
+                <a:satMod val="175000"/>
+                <a:alpha val="40000"/>
+              </a:schemeClr>
+            </a:glow>
+          </a:effectLst>
+        </p:spPr>
+        <p:txBody>
+          <a:bodyPr wrap="square" rtlCol="0">
+            <a:spAutoFit/>
+          </a:bodyPr>
+          <a:lstStyle/>
+          <a:p>
+            <a:r>
+              <a:rPr lang="en-US" sz="4000" dirty="0">
+                <a:solidFill>
+                  <a:srgbClr val="92979B"/>
+                </a:solidFill>
+                <a:latin typeface="Bahnschrift Light Condensed" panose="020B0502040204020203" pitchFamily="34" charset="0"/>
+              </a:rPr>
+              <a:t>VHDL For FPGA</a:t>
+            </a:r>
+          </a:p>
+        </p:txBody>
+      </p:sp>
+      <p:sp>
+        <p:nvSpPr>
+          <p:cNvPr id="6" name="TextBox 5">
+            <a:extLst>
+              <a:ext uri="{FF2B5EF4-FFF2-40B4-BE49-F238E27FC236}">
+                <a16:creationId xmlns:a16="http://schemas.microsoft.com/office/drawing/2014/main" id="{0F07A8C7-5A49-4496-9332-7F2251BFA44B}"/>
+              </a:ext>
+            </a:extLst>
+          </p:cNvPr>
+          <p:cNvSpPr txBox="1"/>
+          <p:nvPr/>
+        </p:nvSpPr>
+        <p:spPr>
+          <a:xfrm>
+            <a:off x="661182" y="1032742"/>
+            <a:ext cx="10959318" cy="523220"/>
+          </a:xfrm>
+          <a:prstGeom prst="rect">
+            <a:avLst/>
+          </a:prstGeom>
+          <a:noFill/>
+        </p:spPr>
+        <p:txBody>
+          <a:bodyPr wrap="square" rtlCol="0">
+            <a:spAutoFit/>
+          </a:bodyPr>
+          <a:lstStyle/>
+          <a:p>
+            <a:r>
+              <a:rPr lang="en-US" sz="2800" dirty="0">
+                <a:solidFill>
+                  <a:srgbClr val="C00000"/>
+                </a:solidFill>
+                <a:latin typeface="Bahnschrift Light Condensed" panose="020B0502040204020203" pitchFamily="34" charset="0"/>
+              </a:rPr>
               <a:t>The Ring Counter</a:t>
             </a:r>
             <a:endParaRPr lang="en-US" sz="2800" dirty="0">
@@ -13372,7 +13404,7 @@
 </p:sld>
 </file>
 
-<file path=ppt/slides/slide33.xml><?xml version="1.0" encoding="utf-8"?>
+<file path=ppt/slides/slide34.xml><?xml version="1.0" encoding="utf-8"?>
 <p:sld xmlns:a="http://schemas.openxmlformats.org/drawingml/2006/main" xmlns:r="http://schemas.openxmlformats.org/officeDocument/2006/relationships" xmlns:p="http://schemas.openxmlformats.org/presentationml/2006/main">
   <p:cSld>
     <p:spTree>
@@ -14602,7 +14634,7 @@
 </p:sld>
 </file>
 
-<file path=ppt/slides/slide34.xml><?xml version="1.0" encoding="utf-8"?>
+<file path=ppt/slides/slide35.xml><?xml version="1.0" encoding="utf-8"?>
 <p:sld xmlns:a="http://schemas.openxmlformats.org/drawingml/2006/main" xmlns:r="http://schemas.openxmlformats.org/officeDocument/2006/relationships" xmlns:p="http://schemas.openxmlformats.org/presentationml/2006/main">
   <p:cSld>
     <p:spTree>
@@ -14805,7 +14837,7 @@
         <p:spPr>
           <a:xfrm>
             <a:off x="661183" y="971187"/>
-            <a:ext cx="5584872" cy="584775"/>
+            <a:ext cx="4276578" cy="584775"/>
           </a:xfrm>
           <a:prstGeom prst="rect">
             <a:avLst/>
@@ -14825,77 +14857,17 @@
                 </a:solidFill>
                 <a:latin typeface="Bahnschrift Light Condensed" panose="020B0502040204020203" pitchFamily="34" charset="0"/>
               </a:rPr>
-              <a:t>SR Latch (Based on NOR gates)</a:t>
-            </a:r>
-          </a:p>
-        </p:txBody>
-      </p:sp>
-      <p:pic>
-        <p:nvPicPr>
-          <p:cNvPr id="3" name="Picture 2">
-            <a:extLst>
-              <a:ext uri="{FF2B5EF4-FFF2-40B4-BE49-F238E27FC236}">
-                <a16:creationId xmlns:a16="http://schemas.microsoft.com/office/drawing/2014/main" id="{B67C8641-392E-4419-A1C4-A4F82A8F549D}"/>
-              </a:ext>
-            </a:extLst>
-          </p:cNvPr>
-          <p:cNvPicPr>
-            <a:picLocks noChangeAspect="1"/>
-          </p:cNvPicPr>
-          <p:nvPr/>
-        </p:nvPicPr>
-        <p:blipFill>
-          <a:blip r:embed="rId2"/>
-          <a:stretch>
-            <a:fillRect/>
-          </a:stretch>
-        </p:blipFill>
-        <p:spPr>
-          <a:xfrm>
-            <a:off x="767861" y="1672752"/>
-            <a:ext cx="3200400" cy="2162175"/>
-          </a:xfrm>
-          <a:prstGeom prst="rect">
-            <a:avLst/>
-          </a:prstGeom>
-        </p:spPr>
-      </p:pic>
-      <p:pic>
-        <p:nvPicPr>
-          <p:cNvPr id="7" name="Picture 6">
-            <a:extLst>
-              <a:ext uri="{FF2B5EF4-FFF2-40B4-BE49-F238E27FC236}">
-                <a16:creationId xmlns:a16="http://schemas.microsoft.com/office/drawing/2014/main" id="{5E18D0E0-0254-4B97-88F8-462D2DF766C3}"/>
-              </a:ext>
-            </a:extLst>
-          </p:cNvPr>
-          <p:cNvPicPr>
-            <a:picLocks noChangeAspect="1"/>
-          </p:cNvPicPr>
-          <p:nvPr/>
-        </p:nvPicPr>
-        <p:blipFill>
-          <a:blip r:embed="rId3"/>
-          <a:stretch>
-            <a:fillRect/>
-          </a:stretch>
-        </p:blipFill>
-        <p:spPr>
-          <a:xfrm>
-            <a:off x="4313064" y="1672752"/>
-            <a:ext cx="2847392" cy="2333642"/>
-          </a:xfrm>
-          <a:prstGeom prst="rect">
-            <a:avLst/>
-          </a:prstGeom>
-        </p:spPr>
-      </p:pic>
-      <p:sp>
-        <p:nvSpPr>
-          <p:cNvPr id="11" name="TextBox 10">
-            <a:extLst>
-              <a:ext uri="{FF2B5EF4-FFF2-40B4-BE49-F238E27FC236}">
-                <a16:creationId xmlns:a16="http://schemas.microsoft.com/office/drawing/2014/main" id="{85719CB7-8DD3-4A40-B353-AAADCA008045}"/>
+              <a:t>Sequential Circuits</a:t>
+            </a:r>
+          </a:p>
+        </p:txBody>
+      </p:sp>
+      <p:sp>
+        <p:nvSpPr>
+          <p:cNvPr id="9" name="TextBox 8">
+            <a:extLst>
+              <a:ext uri="{FF2B5EF4-FFF2-40B4-BE49-F238E27FC236}">
+                <a16:creationId xmlns:a16="http://schemas.microsoft.com/office/drawing/2014/main" id="{66CE2A1B-9E32-479A-BFD8-C2EC08EDCB4A}"/>
               </a:ext>
             </a:extLst>
           </p:cNvPr>
@@ -14904,8 +14876,8 @@
         </p:nvSpPr>
         <p:spPr>
           <a:xfrm>
-            <a:off x="7249257" y="1263574"/>
-            <a:ext cx="4659924" cy="2308324"/>
+            <a:off x="574431" y="1555962"/>
+            <a:ext cx="10595318" cy="2554545"/>
           </a:xfrm>
           <a:prstGeom prst="rect">
             <a:avLst/>
@@ -14918,199 +14890,158 @@
           </a:bodyPr>
           <a:lstStyle/>
           <a:p>
-            <a:pPr marL="285750" indent="-285750">
+            <a:pPr marL="342900" indent="-342900">
               <a:buFont typeface="Arial" panose="020B0604020202020204" pitchFamily="34" charset="0"/>
               <a:buChar char="•"/>
             </a:pPr>
             <a:r>
-              <a:rPr lang="en-US" b="0" i="0" u="none" strike="noStrike" baseline="0" dirty="0">
-                <a:solidFill>
-                  <a:srgbClr val="000000"/>
-                </a:solidFill>
+              <a:rPr lang="en-US" sz="2000" b="0" i="0" u="none" strike="noStrike" baseline="0" dirty="0">
                 <a:latin typeface="Arial" panose="020B0604020202020204" pitchFamily="34" charset="0"/>
                 <a:cs typeface="Arial" panose="020B0604020202020204" pitchFamily="34" charset="0"/>
               </a:rPr>
-              <a:t>According to its truth table, the output can be assigned to either </a:t>
-            </a:r>
-            <a:r>
-              <a:rPr lang="en-US" b="0" i="0" u="none" strike="noStrike" baseline="0" dirty="0">
-                <a:solidFill>
-                  <a:srgbClr val="C00000"/>
-                </a:solidFill>
-                <a:latin typeface="Courier New" panose="02070309020205020404" pitchFamily="49" charset="0"/>
-                <a:cs typeface="Courier New" panose="02070309020205020404" pitchFamily="49" charset="0"/>
-              </a:rPr>
-              <a:t>‘0’or‘1’. </a:t>
-            </a:r>
-            <a:r>
-              <a:rPr lang="en-US" b="0" i="0" u="none" strike="noStrike" baseline="0" dirty="0">
-                <a:solidFill>
-                  <a:srgbClr val="000000"/>
-                </a:solidFill>
+              <a:t>Combinational circuits can be described with concurrent statements or behavioral statements.</a:t>
+            </a:r>
+          </a:p>
+          <a:p>
+            <a:pPr marL="342900" indent="-342900">
+              <a:buFont typeface="Arial" panose="020B0604020202020204" pitchFamily="34" charset="0"/>
+              <a:buChar char="•"/>
+            </a:pPr>
+            <a:endParaRPr lang="en-US" sz="2000" b="0" i="0" u="none" strike="noStrike" baseline="0" dirty="0">
+              <a:latin typeface="Arial" panose="020B0604020202020204" pitchFamily="34" charset="0"/>
+              <a:cs typeface="Arial" panose="020B0604020202020204" pitchFamily="34" charset="0"/>
+            </a:endParaRPr>
+          </a:p>
+          <a:p>
+            <a:pPr marL="342900" indent="-342900">
+              <a:buFont typeface="Arial" panose="020B0604020202020204" pitchFamily="34" charset="0"/>
+              <a:buChar char="•"/>
+            </a:pPr>
+            <a:r>
+              <a:rPr lang="en-US" sz="2000" b="0" i="0" u="none" strike="noStrike" baseline="0" dirty="0">
                 <a:latin typeface="Arial" panose="020B0604020202020204" pitchFamily="34" charset="0"/>
                 <a:cs typeface="Arial" panose="020B0604020202020204" pitchFamily="34" charset="0"/>
               </a:rPr>
-              <a:t>This circuit state (‘0’ or ‘1’) is </a:t>
-            </a:r>
-            <a:r>
-              <a:rPr lang="en-US" b="0" i="0" u="none" strike="noStrike" baseline="0" dirty="0">
-                <a:solidFill>
-                  <a:srgbClr val="000000"/>
-                </a:solidFill>
+              <a:t>Sequential circuits are best described with sequential statements.</a:t>
+            </a:r>
+          </a:p>
+          <a:p>
+            <a:pPr marL="342900" indent="-342900">
+              <a:buFont typeface="Arial" panose="020B0604020202020204" pitchFamily="34" charset="0"/>
+              <a:buChar char="•"/>
+            </a:pPr>
+            <a:r>
+              <a:rPr lang="en-US" sz="2000" b="0" i="0" u="none" strike="noStrike" baseline="0" dirty="0">
+                <a:latin typeface="Arial" panose="020B0604020202020204" pitchFamily="34" charset="0"/>
+                <a:cs typeface="Arial" panose="020B0604020202020204" pitchFamily="34" charset="0"/>
+              </a:rPr>
+              <a:t>Sequential circuits can either be asynchronous or synchronous . In VHDL, they are described with asynchronous/synchronous processes.</a:t>
+            </a:r>
+          </a:p>
+          <a:p>
+            <a:pPr marL="800100" lvl="1" indent="-342900">
+              <a:buFont typeface="Wingdings" panose="05000000000000000000" pitchFamily="2" charset="2"/>
+              <a:buChar char="ü"/>
+            </a:pPr>
+            <a:r>
+              <a:rPr lang="en-US" sz="2000" b="0" i="0" u="none" strike="noStrike" baseline="0" dirty="0">
+                <a:latin typeface="Arial" panose="020B0604020202020204" pitchFamily="34" charset="0"/>
+                <a:cs typeface="Arial" panose="020B0604020202020204" pitchFamily="34" charset="0"/>
+              </a:rPr>
+              <a:t>Basic asynchronous sequential circuits: </a:t>
+            </a:r>
+            <a:r>
+              <a:rPr lang="en-US" sz="2000" b="0" i="0" u="none" strike="noStrike" baseline="0" dirty="0">
                 <a:highlight>
                   <a:srgbClr val="FFFF00"/>
                 </a:highlight>
                 <a:latin typeface="Arial" panose="020B0604020202020204" pitchFamily="34" charset="0"/>
                 <a:cs typeface="Arial" panose="020B0604020202020204" pitchFamily="34" charset="0"/>
               </a:rPr>
-              <a:t>stored</a:t>
-            </a:r>
-            <a:r>
-              <a:rPr lang="en-US" b="0" i="0" u="none" strike="noStrike" baseline="0" dirty="0">
-                <a:solidFill>
-                  <a:srgbClr val="000000"/>
-                </a:solidFill>
+              <a:t>Latches</a:t>
+            </a:r>
+          </a:p>
+          <a:p>
+            <a:pPr marL="800100" lvl="1" indent="-342900">
+              <a:buFont typeface="Wingdings" panose="05000000000000000000" pitchFamily="2" charset="2"/>
+              <a:buChar char="ü"/>
+            </a:pPr>
+            <a:r>
+              <a:rPr lang="en-US" sz="2000" b="0" i="0" u="none" strike="noStrike" baseline="0" dirty="0">
                 <a:latin typeface="Arial" panose="020B0604020202020204" pitchFamily="34" charset="0"/>
                 <a:cs typeface="Arial" panose="020B0604020202020204" pitchFamily="34" charset="0"/>
               </a:rPr>
-              <a:t> in the circuit when </a:t>
-            </a:r>
-            <a:r>
-              <a:rPr lang="en-US" b="0" i="0" u="none" strike="noStrike" baseline="0" dirty="0">
-                <a:solidFill>
-                  <a:srgbClr val="C00000"/>
-                </a:solidFill>
-                <a:latin typeface="Courier New" panose="02070309020205020404" pitchFamily="49" charset="0"/>
-                <a:cs typeface="Courier New" panose="02070309020205020404" pitchFamily="49" charset="0"/>
-              </a:rPr>
-              <a:t>S=R=‘0’.</a:t>
-            </a:r>
-          </a:p>
-          <a:p>
-            <a:pPr marL="285750" indent="-285750">
-              <a:buFont typeface="Arial" panose="020B0604020202020204" pitchFamily="34" charset="0"/>
-              <a:buChar char="•"/>
-            </a:pPr>
-            <a:endParaRPr lang="en-US" b="0" i="0" u="none" strike="noStrike" baseline="0" dirty="0">
-              <a:solidFill>
-                <a:srgbClr val="000000"/>
-              </a:solidFill>
-              <a:latin typeface="Arial" panose="020B0604020202020204" pitchFamily="34" charset="0"/>
-              <a:cs typeface="Arial" panose="020B0604020202020204" pitchFamily="34" charset="0"/>
-            </a:endParaRPr>
-          </a:p>
-          <a:p>
-            <a:pPr marL="285750" indent="-285750">
-              <a:buFont typeface="Arial" panose="020B0604020202020204" pitchFamily="34" charset="0"/>
-              <a:buChar char="•"/>
-            </a:pPr>
-            <a:r>
-              <a:rPr lang="en-US" b="0" i="0" u="none" strike="noStrike" baseline="0" dirty="0">
-                <a:solidFill>
-                  <a:srgbClr val="000000"/>
-                </a:solidFill>
+              <a:t>Basic synchronous sequential circuits: </a:t>
+            </a:r>
+            <a:r>
+              <a:rPr lang="en-US" sz="2000" b="0" i="0" u="none" strike="noStrike" baseline="0" dirty="0">
+                <a:highlight>
+                  <a:srgbClr val="FFFF00"/>
+                </a:highlight>
                 <a:latin typeface="Arial" panose="020B0604020202020204" pitchFamily="34" charset="0"/>
                 <a:cs typeface="Arial" panose="020B0604020202020204" pitchFamily="34" charset="0"/>
               </a:rPr>
-              <a:t>FPGAs usually have trouble implementing these circuits as FPGAs are synchronous circuits.</a:t>
-            </a:r>
-          </a:p>
-        </p:txBody>
-      </p:sp>
-      <p:pic>
-        <p:nvPicPr>
-          <p:cNvPr id="12" name="Picture 11">
-            <a:extLst>
-              <a:ext uri="{FF2B5EF4-FFF2-40B4-BE49-F238E27FC236}">
-                <a16:creationId xmlns:a16="http://schemas.microsoft.com/office/drawing/2014/main" id="{3CB24906-7E78-40DE-A37C-FE15F1EF3B92}"/>
-              </a:ext>
-            </a:extLst>
-          </p:cNvPr>
-          <p:cNvPicPr>
-            <a:picLocks noChangeAspect="1"/>
-          </p:cNvPicPr>
-          <p:nvPr/>
-        </p:nvPicPr>
-        <p:blipFill>
-          <a:blip r:embed="rId4"/>
-          <a:stretch>
-            <a:fillRect/>
-          </a:stretch>
-        </p:blipFill>
-        <p:spPr>
-          <a:xfrm>
-            <a:off x="767861" y="4583495"/>
-            <a:ext cx="2409825" cy="1457325"/>
-          </a:xfrm>
-          <a:prstGeom prst="rect">
-            <a:avLst/>
-          </a:prstGeom>
-        </p:spPr>
-      </p:pic>
-      <p:pic>
-        <p:nvPicPr>
-          <p:cNvPr id="15" name="Picture 14">
-            <a:extLst>
-              <a:ext uri="{FF2B5EF4-FFF2-40B4-BE49-F238E27FC236}">
-                <a16:creationId xmlns:a16="http://schemas.microsoft.com/office/drawing/2014/main" id="{805D6D78-376C-4D02-8B11-FD978FF5063B}"/>
-              </a:ext>
-            </a:extLst>
-          </p:cNvPr>
-          <p:cNvPicPr>
-            <a:picLocks noChangeAspect="1"/>
-          </p:cNvPicPr>
-          <p:nvPr/>
-        </p:nvPicPr>
-        <p:blipFill>
-          <a:blip r:embed="rId5"/>
-          <a:stretch>
-            <a:fillRect/>
-          </a:stretch>
-        </p:blipFill>
-        <p:spPr>
-          <a:xfrm>
-            <a:off x="3683831" y="4361311"/>
-            <a:ext cx="3476625" cy="1924050"/>
-          </a:xfrm>
-          <a:prstGeom prst="rect">
-            <a:avLst/>
-          </a:prstGeom>
-        </p:spPr>
-      </p:pic>
-      <p:pic>
-        <p:nvPicPr>
-          <p:cNvPr id="17" name="Picture 16">
-            <a:extLst>
-              <a:ext uri="{FF2B5EF4-FFF2-40B4-BE49-F238E27FC236}">
-                <a16:creationId xmlns:a16="http://schemas.microsoft.com/office/drawing/2014/main" id="{E402AC42-1858-443E-9C36-7AFF050B1CD4}"/>
-              </a:ext>
-            </a:extLst>
-          </p:cNvPr>
-          <p:cNvPicPr>
-            <a:picLocks noChangeAspect="1"/>
-          </p:cNvPicPr>
-          <p:nvPr/>
-        </p:nvPicPr>
-        <p:blipFill>
-          <a:blip r:embed="rId6"/>
-          <a:stretch>
-            <a:fillRect/>
-          </a:stretch>
-        </p:blipFill>
-        <p:spPr>
-          <a:xfrm>
-            <a:off x="7666601" y="3762375"/>
-            <a:ext cx="4076700" cy="3095625"/>
-          </a:xfrm>
-          <a:prstGeom prst="rect">
-            <a:avLst/>
-          </a:prstGeom>
-        </p:spPr>
-      </p:pic>
+              <a:t>flip flops, counters, and registers</a:t>
+            </a:r>
+            <a:r>
+              <a:rPr lang="en-US" sz="2000" b="0" i="0" u="none" strike="noStrike" baseline="0" dirty="0">
+                <a:latin typeface="Arial" panose="020B0604020202020204" pitchFamily="34" charset="0"/>
+                <a:cs typeface="Arial" panose="020B0604020202020204" pitchFamily="34" charset="0"/>
+              </a:rPr>
+              <a:t>.</a:t>
+            </a:r>
+          </a:p>
+        </p:txBody>
+      </p:sp>
+      <p:sp>
+        <p:nvSpPr>
+          <p:cNvPr id="7" name="TextBox 6">
+            <a:extLst>
+              <a:ext uri="{FF2B5EF4-FFF2-40B4-BE49-F238E27FC236}">
+                <a16:creationId xmlns:a16="http://schemas.microsoft.com/office/drawing/2014/main" id="{822D7F9F-BA4A-49A7-9523-57C2B8FB4DE6}"/>
+              </a:ext>
+            </a:extLst>
+          </p:cNvPr>
+          <p:cNvSpPr txBox="1"/>
+          <p:nvPr/>
+        </p:nvSpPr>
+        <p:spPr>
+          <a:xfrm>
+            <a:off x="574431" y="4389198"/>
+            <a:ext cx="10595318" cy="707886"/>
+          </a:xfrm>
+          <a:prstGeom prst="rect">
+            <a:avLst/>
+          </a:prstGeom>
+          <a:noFill/>
+        </p:spPr>
+        <p:txBody>
+          <a:bodyPr wrap="square">
+            <a:spAutoFit/>
+          </a:bodyPr>
+          <a:lstStyle/>
+          <a:p>
+            <a:pPr marL="342900" indent="-342900">
+              <a:buFont typeface="Wingdings" panose="05000000000000000000" pitchFamily="2" charset="2"/>
+              <a:buChar char="§"/>
+            </a:pPr>
+            <a:r>
+              <a:rPr lang="en-US" sz="2000" b="0" i="0" u="none" strike="noStrike" baseline="0" dirty="0">
+                <a:solidFill>
+                  <a:srgbClr val="000000"/>
+                </a:solidFill>
+                <a:latin typeface="Arial" panose="020B0604020202020204" pitchFamily="34" charset="0"/>
+                <a:cs typeface="Arial" panose="020B0604020202020204" pitchFamily="34" charset="0"/>
+              </a:rPr>
+              <a:t>Here, we cover the VHDL description of typical asynchronous and synchronous sequential circuits.</a:t>
+            </a:r>
+          </a:p>
+        </p:txBody>
+      </p:sp>
     </p:spTree>
     <p:extLst>
       <p:ext uri="{BB962C8B-B14F-4D97-AF65-F5344CB8AC3E}">
-        <p14:creationId xmlns:p14="http://schemas.microsoft.com/office/powerpoint/2010/main" val="2451467431"/>
+        <p14:creationId xmlns:p14="http://schemas.microsoft.com/office/powerpoint/2010/main" val="1609708458"/>
       </p:ext>
     </p:extLst>
   </p:cSld>
@@ -15252,7 +15183,7 @@
         <p:spPr>
           <a:xfrm>
             <a:off x="661183" y="971187"/>
-            <a:ext cx="4276578" cy="584775"/>
+            <a:ext cx="5584872" cy="584775"/>
           </a:xfrm>
           <a:prstGeom prst="rect">
             <a:avLst/>
@@ -15272,73 +15203,7 @@
                 </a:solidFill>
                 <a:latin typeface="Bahnschrift Light Condensed" panose="020B0502040204020203" pitchFamily="34" charset="0"/>
               </a:rPr>
-              <a:t>SR Latch With Enable</a:t>
-            </a:r>
-          </a:p>
-        </p:txBody>
-      </p:sp>
-      <p:sp>
-        <p:nvSpPr>
-          <p:cNvPr id="9" name="TextBox 8">
-            <a:extLst>
-              <a:ext uri="{FF2B5EF4-FFF2-40B4-BE49-F238E27FC236}">
-                <a16:creationId xmlns:a16="http://schemas.microsoft.com/office/drawing/2014/main" id="{66CE2A1B-9E32-479A-BFD8-C2EC08EDCB4A}"/>
-              </a:ext>
-            </a:extLst>
-          </p:cNvPr>
-          <p:cNvSpPr txBox="1"/>
-          <p:nvPr/>
-        </p:nvSpPr>
-        <p:spPr>
-          <a:xfrm>
-            <a:off x="408759" y="6361041"/>
-            <a:ext cx="5687241" cy="384721"/>
-          </a:xfrm>
-          <a:prstGeom prst="rect">
-            <a:avLst/>
-          </a:prstGeom>
-          <a:noFill/>
-        </p:spPr>
-        <p:txBody>
-          <a:bodyPr wrap="square">
-            <a:spAutoFit/>
-          </a:bodyPr>
-          <a:lstStyle/>
-          <a:p>
-            <a:pPr marL="342900" indent="-342900">
-              <a:buFont typeface="Arial" panose="020B0604020202020204" pitchFamily="34" charset="0"/>
-              <a:buChar char="•"/>
-            </a:pPr>
-            <a:r>
-              <a:rPr lang="en-US" sz="1900" b="1" i="0" u="none" strike="noStrike" baseline="0" dirty="0">
-                <a:latin typeface="Arial" panose="020B0604020202020204" pitchFamily="34" charset="0"/>
-                <a:cs typeface="Arial" panose="020B0604020202020204" pitchFamily="34" charset="0"/>
-              </a:rPr>
-              <a:t>Note</a:t>
-            </a:r>
-            <a:r>
-              <a:rPr lang="en-US" sz="1900" b="0" i="0" u="none" strike="noStrike" baseline="0" dirty="0">
-                <a:latin typeface="Arial" panose="020B0604020202020204" pitchFamily="34" charset="0"/>
-                <a:cs typeface="Arial" panose="020B0604020202020204" pitchFamily="34" charset="0"/>
-              </a:rPr>
-              <a:t>: If </a:t>
-            </a:r>
-            <a:r>
-              <a:rPr lang="en-US" sz="1900" b="0" i="0" u="none" strike="noStrike" baseline="0" dirty="0">
-                <a:solidFill>
-                  <a:srgbClr val="C00000"/>
-                </a:solidFill>
-                <a:latin typeface="Courier New" panose="02070309020205020404" pitchFamily="49" charset="0"/>
-                <a:cs typeface="Courier New" panose="02070309020205020404" pitchFamily="49" charset="0"/>
-              </a:rPr>
-              <a:t>E = ‘0’, </a:t>
-            </a:r>
-            <a:r>
-              <a:rPr lang="en-US" sz="1900" b="0" i="0" u="none" strike="noStrike" baseline="0" dirty="0">
-                <a:latin typeface="Arial" panose="020B0604020202020204" pitchFamily="34" charset="0"/>
-                <a:cs typeface="Arial" panose="020B0604020202020204" pitchFamily="34" charset="0"/>
-              </a:rPr>
-              <a:t>the previous output is kept.</a:t>
+              <a:t>SR Latch (Based on NOR gates)</a:t>
             </a:r>
           </a:p>
         </p:txBody>
@@ -15348,7 +15213,7 @@
           <p:cNvPr id="3" name="Picture 2">
             <a:extLst>
               <a:ext uri="{FF2B5EF4-FFF2-40B4-BE49-F238E27FC236}">
-                <a16:creationId xmlns:a16="http://schemas.microsoft.com/office/drawing/2014/main" id="{48700C09-1292-4E2D-854E-B960A446B8B9}"/>
+                <a16:creationId xmlns:a16="http://schemas.microsoft.com/office/drawing/2014/main" id="{B67C8641-392E-4419-A1C4-A4F82A8F549D}"/>
               </a:ext>
             </a:extLst>
           </p:cNvPr>
@@ -15365,8 +15230,8 @@
         </p:blipFill>
         <p:spPr>
           <a:xfrm>
-            <a:off x="773725" y="1555962"/>
-            <a:ext cx="3591799" cy="4781980"/>
+            <a:off x="767861" y="1672752"/>
+            <a:ext cx="3200400" cy="2162175"/>
           </a:xfrm>
           <a:prstGeom prst="rect">
             <a:avLst/>
@@ -15378,7 +15243,7 @@
           <p:cNvPr id="7" name="Picture 6">
             <a:extLst>
               <a:ext uri="{FF2B5EF4-FFF2-40B4-BE49-F238E27FC236}">
-                <a16:creationId xmlns:a16="http://schemas.microsoft.com/office/drawing/2014/main" id="{4382CCAF-41EE-4E04-B046-2F45E5931CD3}"/>
+                <a16:creationId xmlns:a16="http://schemas.microsoft.com/office/drawing/2014/main" id="{5E18D0E0-0254-4B97-88F8-462D2DF766C3}"/>
               </a:ext>
             </a:extLst>
           </p:cNvPr>
@@ -15395,8 +15260,225 @@
         </p:blipFill>
         <p:spPr>
           <a:xfrm>
-            <a:off x="5494573" y="1555962"/>
-            <a:ext cx="4371451" cy="3859008"/>
+            <a:off x="4313064" y="1672752"/>
+            <a:ext cx="2847392" cy="2333642"/>
+          </a:xfrm>
+          <a:prstGeom prst="rect">
+            <a:avLst/>
+          </a:prstGeom>
+        </p:spPr>
+      </p:pic>
+      <p:sp>
+        <p:nvSpPr>
+          <p:cNvPr id="11" name="TextBox 10">
+            <a:extLst>
+              <a:ext uri="{FF2B5EF4-FFF2-40B4-BE49-F238E27FC236}">
+                <a16:creationId xmlns:a16="http://schemas.microsoft.com/office/drawing/2014/main" id="{85719CB7-8DD3-4A40-B353-AAADCA008045}"/>
+              </a:ext>
+            </a:extLst>
+          </p:cNvPr>
+          <p:cNvSpPr txBox="1"/>
+          <p:nvPr/>
+        </p:nvSpPr>
+        <p:spPr>
+          <a:xfrm>
+            <a:off x="7249257" y="1263574"/>
+            <a:ext cx="4659924" cy="2308324"/>
+          </a:xfrm>
+          <a:prstGeom prst="rect">
+            <a:avLst/>
+          </a:prstGeom>
+          <a:noFill/>
+        </p:spPr>
+        <p:txBody>
+          <a:bodyPr wrap="square">
+            <a:spAutoFit/>
+          </a:bodyPr>
+          <a:lstStyle/>
+          <a:p>
+            <a:pPr marL="285750" indent="-285750">
+              <a:buFont typeface="Arial" panose="020B0604020202020204" pitchFamily="34" charset="0"/>
+              <a:buChar char="•"/>
+            </a:pPr>
+            <a:r>
+              <a:rPr lang="en-US" b="0" i="0" u="none" strike="noStrike" baseline="0" dirty="0">
+                <a:solidFill>
+                  <a:srgbClr val="000000"/>
+                </a:solidFill>
+                <a:latin typeface="Arial" panose="020B0604020202020204" pitchFamily="34" charset="0"/>
+                <a:cs typeface="Arial" panose="020B0604020202020204" pitchFamily="34" charset="0"/>
+              </a:rPr>
+              <a:t>According to its truth table, the output can be assigned to either </a:t>
+            </a:r>
+            <a:r>
+              <a:rPr lang="en-US" b="0" i="0" u="none" strike="noStrike" baseline="0" dirty="0">
+                <a:solidFill>
+                  <a:srgbClr val="C00000"/>
+                </a:solidFill>
+                <a:latin typeface="Courier New" panose="02070309020205020404" pitchFamily="49" charset="0"/>
+                <a:cs typeface="Courier New" panose="02070309020205020404" pitchFamily="49" charset="0"/>
+              </a:rPr>
+              <a:t>‘0’or‘1’. </a:t>
+            </a:r>
+            <a:r>
+              <a:rPr lang="en-US" b="0" i="0" u="none" strike="noStrike" baseline="0" dirty="0">
+                <a:solidFill>
+                  <a:srgbClr val="000000"/>
+                </a:solidFill>
+                <a:latin typeface="Arial" panose="020B0604020202020204" pitchFamily="34" charset="0"/>
+                <a:cs typeface="Arial" panose="020B0604020202020204" pitchFamily="34" charset="0"/>
+              </a:rPr>
+              <a:t>This circuit state (‘0’ or ‘1’) is </a:t>
+            </a:r>
+            <a:r>
+              <a:rPr lang="en-US" b="0" i="0" u="none" strike="noStrike" baseline="0" dirty="0">
+                <a:solidFill>
+                  <a:srgbClr val="000000"/>
+                </a:solidFill>
+                <a:highlight>
+                  <a:srgbClr val="FFFF00"/>
+                </a:highlight>
+                <a:latin typeface="Arial" panose="020B0604020202020204" pitchFamily="34" charset="0"/>
+                <a:cs typeface="Arial" panose="020B0604020202020204" pitchFamily="34" charset="0"/>
+              </a:rPr>
+              <a:t>stored</a:t>
+            </a:r>
+            <a:r>
+              <a:rPr lang="en-US" b="0" i="0" u="none" strike="noStrike" baseline="0" dirty="0">
+                <a:solidFill>
+                  <a:srgbClr val="000000"/>
+                </a:solidFill>
+                <a:latin typeface="Arial" panose="020B0604020202020204" pitchFamily="34" charset="0"/>
+                <a:cs typeface="Arial" panose="020B0604020202020204" pitchFamily="34" charset="0"/>
+              </a:rPr>
+              <a:t> in the circuit when </a:t>
+            </a:r>
+            <a:r>
+              <a:rPr lang="en-US" b="0" i="0" u="none" strike="noStrike" baseline="0" dirty="0">
+                <a:solidFill>
+                  <a:srgbClr val="C00000"/>
+                </a:solidFill>
+                <a:latin typeface="Courier New" panose="02070309020205020404" pitchFamily="49" charset="0"/>
+                <a:cs typeface="Courier New" panose="02070309020205020404" pitchFamily="49" charset="0"/>
+              </a:rPr>
+              <a:t>S=R=‘0’.</a:t>
+            </a:r>
+          </a:p>
+          <a:p>
+            <a:pPr marL="285750" indent="-285750">
+              <a:buFont typeface="Arial" panose="020B0604020202020204" pitchFamily="34" charset="0"/>
+              <a:buChar char="•"/>
+            </a:pPr>
+            <a:endParaRPr lang="en-US" b="0" i="0" u="none" strike="noStrike" baseline="0" dirty="0">
+              <a:solidFill>
+                <a:srgbClr val="000000"/>
+              </a:solidFill>
+              <a:latin typeface="Arial" panose="020B0604020202020204" pitchFamily="34" charset="0"/>
+              <a:cs typeface="Arial" panose="020B0604020202020204" pitchFamily="34" charset="0"/>
+            </a:endParaRPr>
+          </a:p>
+          <a:p>
+            <a:pPr marL="285750" indent="-285750">
+              <a:buFont typeface="Arial" panose="020B0604020202020204" pitchFamily="34" charset="0"/>
+              <a:buChar char="•"/>
+            </a:pPr>
+            <a:r>
+              <a:rPr lang="en-US" b="0" i="0" u="none" strike="noStrike" baseline="0" dirty="0">
+                <a:solidFill>
+                  <a:srgbClr val="000000"/>
+                </a:solidFill>
+                <a:latin typeface="Arial" panose="020B0604020202020204" pitchFamily="34" charset="0"/>
+                <a:cs typeface="Arial" panose="020B0604020202020204" pitchFamily="34" charset="0"/>
+              </a:rPr>
+              <a:t>FPGAs usually have trouble implementing these circuits as FPGAs are synchronous circuits.</a:t>
+            </a:r>
+          </a:p>
+        </p:txBody>
+      </p:sp>
+      <p:pic>
+        <p:nvPicPr>
+          <p:cNvPr id="12" name="Picture 11">
+            <a:extLst>
+              <a:ext uri="{FF2B5EF4-FFF2-40B4-BE49-F238E27FC236}">
+                <a16:creationId xmlns:a16="http://schemas.microsoft.com/office/drawing/2014/main" id="{3CB24906-7E78-40DE-A37C-FE15F1EF3B92}"/>
+              </a:ext>
+            </a:extLst>
+          </p:cNvPr>
+          <p:cNvPicPr>
+            <a:picLocks noChangeAspect="1"/>
+          </p:cNvPicPr>
+          <p:nvPr/>
+        </p:nvPicPr>
+        <p:blipFill>
+          <a:blip r:embed="rId4"/>
+          <a:stretch>
+            <a:fillRect/>
+          </a:stretch>
+        </p:blipFill>
+        <p:spPr>
+          <a:xfrm>
+            <a:off x="767861" y="4583495"/>
+            <a:ext cx="2409825" cy="1457325"/>
+          </a:xfrm>
+          <a:prstGeom prst="rect">
+            <a:avLst/>
+          </a:prstGeom>
+        </p:spPr>
+      </p:pic>
+      <p:pic>
+        <p:nvPicPr>
+          <p:cNvPr id="15" name="Picture 14">
+            <a:extLst>
+              <a:ext uri="{FF2B5EF4-FFF2-40B4-BE49-F238E27FC236}">
+                <a16:creationId xmlns:a16="http://schemas.microsoft.com/office/drawing/2014/main" id="{805D6D78-376C-4D02-8B11-FD978FF5063B}"/>
+              </a:ext>
+            </a:extLst>
+          </p:cNvPr>
+          <p:cNvPicPr>
+            <a:picLocks noChangeAspect="1"/>
+          </p:cNvPicPr>
+          <p:nvPr/>
+        </p:nvPicPr>
+        <p:blipFill>
+          <a:blip r:embed="rId5"/>
+          <a:stretch>
+            <a:fillRect/>
+          </a:stretch>
+        </p:blipFill>
+        <p:spPr>
+          <a:xfrm>
+            <a:off x="3683831" y="4361311"/>
+            <a:ext cx="3476625" cy="1924050"/>
+          </a:xfrm>
+          <a:prstGeom prst="rect">
+            <a:avLst/>
+          </a:prstGeom>
+        </p:spPr>
+      </p:pic>
+      <p:pic>
+        <p:nvPicPr>
+          <p:cNvPr id="17" name="Picture 16">
+            <a:extLst>
+              <a:ext uri="{FF2B5EF4-FFF2-40B4-BE49-F238E27FC236}">
+                <a16:creationId xmlns:a16="http://schemas.microsoft.com/office/drawing/2014/main" id="{E402AC42-1858-443E-9C36-7AFF050B1CD4}"/>
+              </a:ext>
+            </a:extLst>
+          </p:cNvPr>
+          <p:cNvPicPr>
+            <a:picLocks noChangeAspect="1"/>
+          </p:cNvPicPr>
+          <p:nvPr/>
+        </p:nvPicPr>
+        <p:blipFill>
+          <a:blip r:embed="rId6"/>
+          <a:stretch>
+            <a:fillRect/>
+          </a:stretch>
+        </p:blipFill>
+        <p:spPr>
+          <a:xfrm>
+            <a:off x="7666601" y="3762375"/>
+            <a:ext cx="4076700" cy="3095625"/>
           </a:xfrm>
           <a:prstGeom prst="rect">
             <a:avLst/>
@@ -15406,7 +15488,7 @@
     </p:spTree>
     <p:extLst>
       <p:ext uri="{BB962C8B-B14F-4D97-AF65-F5344CB8AC3E}">
-        <p14:creationId xmlns:p14="http://schemas.microsoft.com/office/powerpoint/2010/main" val="2758918595"/>
+        <p14:creationId xmlns:p14="http://schemas.microsoft.com/office/powerpoint/2010/main" val="2451467431"/>
       </p:ext>
     </p:extLst>
   </p:cSld>
@@ -15568,7 +15650,73 @@
                 </a:solidFill>
                 <a:latin typeface="Bahnschrift Light Condensed" panose="020B0502040204020203" pitchFamily="34" charset="0"/>
               </a:rPr>
-              <a:t>D Latch with Enable</a:t>
+              <a:t>SR Latch With Enable</a:t>
+            </a:r>
+          </a:p>
+        </p:txBody>
+      </p:sp>
+      <p:sp>
+        <p:nvSpPr>
+          <p:cNvPr id="9" name="TextBox 8">
+            <a:extLst>
+              <a:ext uri="{FF2B5EF4-FFF2-40B4-BE49-F238E27FC236}">
+                <a16:creationId xmlns:a16="http://schemas.microsoft.com/office/drawing/2014/main" id="{66CE2A1B-9E32-479A-BFD8-C2EC08EDCB4A}"/>
+              </a:ext>
+            </a:extLst>
+          </p:cNvPr>
+          <p:cNvSpPr txBox="1"/>
+          <p:nvPr/>
+        </p:nvSpPr>
+        <p:spPr>
+          <a:xfrm>
+            <a:off x="408759" y="6361041"/>
+            <a:ext cx="5687241" cy="384721"/>
+          </a:xfrm>
+          <a:prstGeom prst="rect">
+            <a:avLst/>
+          </a:prstGeom>
+          <a:noFill/>
+        </p:spPr>
+        <p:txBody>
+          <a:bodyPr wrap="square">
+            <a:spAutoFit/>
+          </a:bodyPr>
+          <a:lstStyle/>
+          <a:p>
+            <a:pPr marL="342900" indent="-342900">
+              <a:buFont typeface="Arial" panose="020B0604020202020204" pitchFamily="34" charset="0"/>
+              <a:buChar char="•"/>
+            </a:pPr>
+            <a:r>
+              <a:rPr lang="en-US" sz="1900" b="1" i="0" u="none" strike="noStrike" baseline="0" dirty="0">
+                <a:latin typeface="Arial" panose="020B0604020202020204" pitchFamily="34" charset="0"/>
+                <a:cs typeface="Arial" panose="020B0604020202020204" pitchFamily="34" charset="0"/>
+              </a:rPr>
+              <a:t>Note</a:t>
+            </a:r>
+            <a:r>
+              <a:rPr lang="en-US" sz="1900" b="0" i="0" u="none" strike="noStrike" baseline="0" dirty="0">
+                <a:latin typeface="Arial" panose="020B0604020202020204" pitchFamily="34" charset="0"/>
+                <a:cs typeface="Arial" panose="020B0604020202020204" pitchFamily="34" charset="0"/>
+              </a:rPr>
+              <a:t>: If </a:t>
+            </a:r>
+            <a:r>
+              <a:rPr lang="en-US" sz="1900" b="0" i="0" u="none" strike="noStrike" baseline="0" dirty="0">
+                <a:solidFill>
+                  <a:srgbClr val="C00000"/>
+                </a:solidFill>
+                <a:latin typeface="Courier New" panose="02070309020205020404" pitchFamily="49" charset="0"/>
+                <a:cs typeface="Courier New" panose="02070309020205020404" pitchFamily="49" charset="0"/>
+              </a:rPr>
+              <a:t>E = ‘0’, </a:t>
+            </a:r>
+            <a:r>
+              <a:rPr lang="en-US" sz="1900" b="0" i="0" u="none" strike="noStrike" baseline="0" dirty="0">
+                <a:latin typeface="Arial" panose="020B0604020202020204" pitchFamily="34" charset="0"/>
+                <a:cs typeface="Arial" panose="020B0604020202020204" pitchFamily="34" charset="0"/>
+              </a:rPr>
+              <a:t>the previous output is kept.</a:t>
             </a:r>
           </a:p>
         </p:txBody>
@@ -15578,7 +15726,7 @@
           <p:cNvPr id="3" name="Picture 2">
             <a:extLst>
               <a:ext uri="{FF2B5EF4-FFF2-40B4-BE49-F238E27FC236}">
-                <a16:creationId xmlns:a16="http://schemas.microsoft.com/office/drawing/2014/main" id="{7FF9FBA0-70B8-4F90-9C9C-347B247071D3}"/>
+                <a16:creationId xmlns:a16="http://schemas.microsoft.com/office/drawing/2014/main" id="{48700C09-1292-4E2D-854E-B960A446B8B9}"/>
               </a:ext>
             </a:extLst>
           </p:cNvPr>
@@ -15595,8 +15743,8 @@
         </p:blipFill>
         <p:spPr>
           <a:xfrm>
-            <a:off x="478302" y="1738583"/>
-            <a:ext cx="3912991" cy="2050220"/>
+            <a:off x="773725" y="1555962"/>
+            <a:ext cx="3591799" cy="4781980"/>
           </a:xfrm>
           <a:prstGeom prst="rect">
             <a:avLst/>
@@ -15608,7 +15756,7 @@
           <p:cNvPr id="7" name="Picture 6">
             <a:extLst>
               <a:ext uri="{FF2B5EF4-FFF2-40B4-BE49-F238E27FC236}">
-                <a16:creationId xmlns:a16="http://schemas.microsoft.com/office/drawing/2014/main" id="{8E14D251-6AD1-4DA5-A895-480E2112BF3A}"/>
+                <a16:creationId xmlns:a16="http://schemas.microsoft.com/office/drawing/2014/main" id="{4382CCAF-41EE-4E04-B046-2F45E5931CD3}"/>
               </a:ext>
             </a:extLst>
           </p:cNvPr>
@@ -15625,38 +15773,8 @@
         </p:blipFill>
         <p:spPr>
           <a:xfrm>
-            <a:off x="4623197" y="1738583"/>
-            <a:ext cx="1967383" cy="2050220"/>
-          </a:xfrm>
-          <a:prstGeom prst="rect">
-            <a:avLst/>
-          </a:prstGeom>
-        </p:spPr>
-      </p:pic>
-      <p:pic>
-        <p:nvPicPr>
-          <p:cNvPr id="10" name="Picture 9">
-            <a:extLst>
-              <a:ext uri="{FF2B5EF4-FFF2-40B4-BE49-F238E27FC236}">
-                <a16:creationId xmlns:a16="http://schemas.microsoft.com/office/drawing/2014/main" id="{98F59BF1-FDCD-4073-81E8-8234A6FA6AC9}"/>
-              </a:ext>
-            </a:extLst>
-          </p:cNvPr>
-          <p:cNvPicPr>
-            <a:picLocks noChangeAspect="1"/>
-          </p:cNvPicPr>
-          <p:nvPr/>
-        </p:nvPicPr>
-        <p:blipFill>
-          <a:blip r:embed="rId4"/>
-          <a:stretch>
-            <a:fillRect/>
-          </a:stretch>
-        </p:blipFill>
-        <p:spPr>
-          <a:xfrm>
-            <a:off x="6709002" y="1738583"/>
-            <a:ext cx="4713964" cy="3198388"/>
+            <a:off x="5494573" y="1555962"/>
+            <a:ext cx="4371451" cy="3859008"/>
           </a:xfrm>
           <a:prstGeom prst="rect">
             <a:avLst/>
@@ -15666,7 +15784,7 @@
     </p:spTree>
     <p:extLst>
       <p:ext uri="{BB962C8B-B14F-4D97-AF65-F5344CB8AC3E}">
-        <p14:creationId xmlns:p14="http://schemas.microsoft.com/office/powerpoint/2010/main" val="3021496498"/>
+        <p14:creationId xmlns:p14="http://schemas.microsoft.com/office/powerpoint/2010/main" val="2758918595"/>
       </p:ext>
     </p:extLst>
   </p:cSld>
@@ -15808,7 +15926,7 @@
         <p:spPr>
           <a:xfrm>
             <a:off x="661183" y="971187"/>
-            <a:ext cx="6611814" cy="584775"/>
+            <a:ext cx="4276578" cy="584775"/>
           </a:xfrm>
           <a:prstGeom prst="rect">
             <a:avLst/>
@@ -15828,102 +15946,7 @@
                 </a:solidFill>
                 <a:latin typeface="Bahnschrift Light Condensed" panose="020B0502040204020203" pitchFamily="34" charset="0"/>
               </a:rPr>
-              <a:t>Synchronous Processes: Flip-Flops</a:t>
-            </a:r>
-          </a:p>
-        </p:txBody>
-      </p:sp>
-      <p:sp>
-        <p:nvSpPr>
-          <p:cNvPr id="9" name="TextBox 8">
-            <a:extLst>
-              <a:ext uri="{FF2B5EF4-FFF2-40B4-BE49-F238E27FC236}">
-                <a16:creationId xmlns:a16="http://schemas.microsoft.com/office/drawing/2014/main" id="{66CE2A1B-9E32-479A-BFD8-C2EC08EDCB4A}"/>
-              </a:ext>
-            </a:extLst>
-          </p:cNvPr>
-          <p:cNvSpPr txBox="1"/>
-          <p:nvPr/>
-        </p:nvSpPr>
-        <p:spPr>
-          <a:xfrm>
-            <a:off x="574430" y="1555962"/>
-            <a:ext cx="11043139" cy="2431435"/>
-          </a:xfrm>
-          <a:prstGeom prst="rect">
-            <a:avLst/>
-          </a:prstGeom>
-          <a:noFill/>
-        </p:spPr>
-        <p:txBody>
-          <a:bodyPr wrap="square">
-            <a:spAutoFit/>
-          </a:bodyPr>
-          <a:lstStyle/>
-          <a:p>
-            <a:pPr marL="342900" indent="-342900">
-              <a:buFont typeface="Arial" panose="020B0604020202020204" pitchFamily="34" charset="0"/>
-              <a:buChar char="•"/>
-            </a:pPr>
-            <a:r>
-              <a:rPr lang="en-US" sz="1900" b="0" i="0" u="none" strike="noStrike" baseline="0" dirty="0">
-                <a:latin typeface="Arial" panose="020B0604020202020204" pitchFamily="34" charset="0"/>
-                <a:cs typeface="Arial" panose="020B0604020202020204" pitchFamily="34" charset="0"/>
-              </a:rPr>
-              <a:t>Unlike a Latch, a flip flop only changes its outputs on the </a:t>
-            </a:r>
-            <a:r>
-              <a:rPr lang="en-US" sz="1900" b="0" i="0" u="none" strike="noStrike" baseline="0" dirty="0">
-                <a:highlight>
-                  <a:srgbClr val="FFFF00"/>
-                </a:highlight>
-                <a:latin typeface="Arial" panose="020B0604020202020204" pitchFamily="34" charset="0"/>
-                <a:cs typeface="Arial" panose="020B0604020202020204" pitchFamily="34" charset="0"/>
-              </a:rPr>
-              <a:t>edge (rising or falling) </a:t>
-            </a:r>
-            <a:r>
-              <a:rPr lang="en-US" sz="1900" b="0" i="0" u="none" strike="noStrike" baseline="0" dirty="0">
-                <a:latin typeface="Arial" panose="020B0604020202020204" pitchFamily="34" charset="0"/>
-                <a:cs typeface="Arial" panose="020B0604020202020204" pitchFamily="34" charset="0"/>
-              </a:rPr>
-              <a:t>of a signal called clock . A clock signal is a square wave with a fixed frequency.</a:t>
-            </a:r>
-          </a:p>
-          <a:p>
-            <a:pPr marL="342900" indent="-342900">
-              <a:buFont typeface="Arial" panose="020B0604020202020204" pitchFamily="34" charset="0"/>
-              <a:buChar char="•"/>
-            </a:pPr>
-            <a:endParaRPr lang="en-US" sz="1900" b="0" i="0" u="none" strike="noStrike" baseline="0" dirty="0">
-              <a:latin typeface="Arial" panose="020B0604020202020204" pitchFamily="34" charset="0"/>
-              <a:cs typeface="Arial" panose="020B0604020202020204" pitchFamily="34" charset="0"/>
-            </a:endParaRPr>
-          </a:p>
-          <a:p>
-            <a:pPr marL="342900" indent="-342900">
-              <a:buFont typeface="Arial" panose="020B0604020202020204" pitchFamily="34" charset="0"/>
-              <a:buChar char="•"/>
-            </a:pPr>
-            <a:r>
-              <a:rPr lang="en-US" sz="1900" b="0" i="0" u="none" strike="noStrike" baseline="0" dirty="0">
-                <a:latin typeface="Arial" panose="020B0604020202020204" pitchFamily="34" charset="0"/>
-                <a:cs typeface="Arial" panose="020B0604020202020204" pitchFamily="34" charset="0"/>
-              </a:rPr>
-              <a:t>To detect a rising or falling edge, flip flops include an edge detector circuit. Input: a clock signal, Output: short duration pulses during the rising (or falling) clock edges. These pulses are then connected to the enable input in a Latch.</a:t>
-            </a:r>
-          </a:p>
-          <a:p>
-            <a:pPr marL="342900" indent="-342900">
-              <a:buFont typeface="Arial" panose="020B0604020202020204" pitchFamily="34" charset="0"/>
-              <a:buChar char="•"/>
-            </a:pPr>
-            <a:r>
-              <a:rPr lang="en-US" sz="1900" b="0" i="0" u="none" strike="noStrike" baseline="0" dirty="0">
-                <a:latin typeface="Arial" panose="020B0604020202020204" pitchFamily="34" charset="0"/>
-                <a:cs typeface="Arial" panose="020B0604020202020204" pitchFamily="34" charset="0"/>
-              </a:rPr>
-              <a:t>For example, an SR flip flop is made out of: a SR Latch with an edge detector circuit. The edge detector generates enable signals during the during the rising (or falling) clock edges.</a:t>
+              <a:t>D Latch with Enable</a:t>
             </a:r>
           </a:p>
         </p:txBody>
@@ -15933,7 +15956,7 @@
           <p:cNvPr id="3" name="Picture 2">
             <a:extLst>
               <a:ext uri="{FF2B5EF4-FFF2-40B4-BE49-F238E27FC236}">
-                <a16:creationId xmlns:a16="http://schemas.microsoft.com/office/drawing/2014/main" id="{F6B75C6E-BD3C-4ABC-8A6E-EF2C0F40D182}"/>
+                <a16:creationId xmlns:a16="http://schemas.microsoft.com/office/drawing/2014/main" id="{7FF9FBA0-70B8-4F90-9C9C-347B247071D3}"/>
               </a:ext>
             </a:extLst>
           </p:cNvPr>
@@ -15950,8 +15973,68 @@
         </p:blipFill>
         <p:spPr>
           <a:xfrm>
-            <a:off x="1795755" y="4263335"/>
-            <a:ext cx="7721226" cy="2077406"/>
+            <a:off x="478302" y="1738583"/>
+            <a:ext cx="3912991" cy="2050220"/>
+          </a:xfrm>
+          <a:prstGeom prst="rect">
+            <a:avLst/>
+          </a:prstGeom>
+        </p:spPr>
+      </p:pic>
+      <p:pic>
+        <p:nvPicPr>
+          <p:cNvPr id="7" name="Picture 6">
+            <a:extLst>
+              <a:ext uri="{FF2B5EF4-FFF2-40B4-BE49-F238E27FC236}">
+                <a16:creationId xmlns:a16="http://schemas.microsoft.com/office/drawing/2014/main" id="{8E14D251-6AD1-4DA5-A895-480E2112BF3A}"/>
+              </a:ext>
+            </a:extLst>
+          </p:cNvPr>
+          <p:cNvPicPr>
+            <a:picLocks noChangeAspect="1"/>
+          </p:cNvPicPr>
+          <p:nvPr/>
+        </p:nvPicPr>
+        <p:blipFill>
+          <a:blip r:embed="rId3"/>
+          <a:stretch>
+            <a:fillRect/>
+          </a:stretch>
+        </p:blipFill>
+        <p:spPr>
+          <a:xfrm>
+            <a:off x="4623197" y="1738583"/>
+            <a:ext cx="1967383" cy="2050220"/>
+          </a:xfrm>
+          <a:prstGeom prst="rect">
+            <a:avLst/>
+          </a:prstGeom>
+        </p:spPr>
+      </p:pic>
+      <p:pic>
+        <p:nvPicPr>
+          <p:cNvPr id="10" name="Picture 9">
+            <a:extLst>
+              <a:ext uri="{FF2B5EF4-FFF2-40B4-BE49-F238E27FC236}">
+                <a16:creationId xmlns:a16="http://schemas.microsoft.com/office/drawing/2014/main" id="{98F59BF1-FDCD-4073-81E8-8234A6FA6AC9}"/>
+              </a:ext>
+            </a:extLst>
+          </p:cNvPr>
+          <p:cNvPicPr>
+            <a:picLocks noChangeAspect="1"/>
+          </p:cNvPicPr>
+          <p:nvPr/>
+        </p:nvPicPr>
+        <p:blipFill>
+          <a:blip r:embed="rId4"/>
+          <a:stretch>
+            <a:fillRect/>
+          </a:stretch>
+        </p:blipFill>
+        <p:spPr>
+          <a:xfrm>
+            <a:off x="6709002" y="1738583"/>
+            <a:ext cx="4713964" cy="3198388"/>
           </a:xfrm>
           <a:prstGeom prst="rect">
             <a:avLst/>
@@ -15961,7 +16044,7 @@
     </p:spTree>
     <p:extLst>
       <p:ext uri="{BB962C8B-B14F-4D97-AF65-F5344CB8AC3E}">
-        <p14:creationId xmlns:p14="http://schemas.microsoft.com/office/powerpoint/2010/main" val="475914142"/>
+        <p14:creationId xmlns:p14="http://schemas.microsoft.com/office/powerpoint/2010/main" val="3021496498"/>
       </p:ext>
     </p:extLst>
   </p:cSld>
@@ -16123,7 +16206,7 @@
                 </a:solidFill>
                 <a:latin typeface="Bahnschrift Light Condensed" panose="020B0502040204020203" pitchFamily="34" charset="0"/>
               </a:rPr>
-              <a:t>Flip-Flops</a:t>
+              <a:t>Synchronous Processes: Flip-Flops</a:t>
             </a:r>
           </a:p>
         </p:txBody>
@@ -16143,7 +16226,7 @@
         <p:spPr>
           <a:xfrm>
             <a:off x="574430" y="1555962"/>
-            <a:ext cx="11043139" cy="1554272"/>
+            <a:ext cx="11043139" cy="2431435"/>
           </a:xfrm>
           <a:prstGeom prst="rect">
             <a:avLst/>
@@ -16165,17 +16248,7 @@
                 <a:latin typeface="Arial" panose="020B0604020202020204" pitchFamily="34" charset="0"/>
                 <a:cs typeface="Arial" panose="020B0604020202020204" pitchFamily="34" charset="0"/>
               </a:rPr>
-              <a:t>The </a:t>
-            </a:r>
-            <a:r>
-              <a:rPr lang="en-US" sz="1900" b="1" i="0" u="none" strike="noStrike" baseline="0" dirty="0">
-                <a:solidFill>
-                  <a:srgbClr val="C00000"/>
-                </a:solidFill>
-                <a:latin typeface="Arial" panose="020B0604020202020204" pitchFamily="34" charset="0"/>
-                <a:cs typeface="Arial" panose="020B0604020202020204" pitchFamily="34" charset="0"/>
-              </a:rPr>
-              <a:t>edge detector circuit </a:t>
+              <a:t>Unlike a Latch, a flip flop only changes its outputs on the </a:t>
             </a:r>
             <a:r>
               <a:rPr lang="en-US" sz="1900" b="0" i="0" u="none" strike="noStrike" baseline="0" dirty="0">
@@ -16185,14 +16258,14 @@
                 <a:latin typeface="Arial" panose="020B0604020202020204" pitchFamily="34" charset="0"/>
                 <a:cs typeface="Arial" panose="020B0604020202020204" pitchFamily="34" charset="0"/>
               </a:rPr>
-              <a:t>generates E=‘1’ during the edge (rising or falling). </a:t>
+              <a:t>edge (rising or falling) </a:t>
             </a:r>
             <a:r>
               <a:rPr lang="en-US" sz="1900" b="0" i="0" u="none" strike="noStrike" baseline="0" dirty="0">
                 <a:latin typeface="Arial" panose="020B0604020202020204" pitchFamily="34" charset="0"/>
                 <a:cs typeface="Arial" panose="020B0604020202020204" pitchFamily="34" charset="0"/>
               </a:rPr>
-              <a:t>We will work with circuits activated by either rising or falling edge. We will not work with circuits activated by both edges.</a:t>
+              <a:t>of a signal called clock . A clock signal is a square wave with a fixed frequency.</a:t>
             </a:r>
           </a:p>
           <a:p>
@@ -16200,22 +16273,45 @@
               <a:buFont typeface="Arial" panose="020B0604020202020204" pitchFamily="34" charset="0"/>
               <a:buChar char="•"/>
             </a:pPr>
+            <a:endParaRPr lang="en-US" sz="1900" b="0" i="0" u="none" strike="noStrike" baseline="0" dirty="0">
+              <a:latin typeface="Arial" panose="020B0604020202020204" pitchFamily="34" charset="0"/>
+              <a:cs typeface="Arial" panose="020B0604020202020204" pitchFamily="34" charset="0"/>
+            </a:endParaRPr>
+          </a:p>
+          <a:p>
+            <a:pPr marL="342900" indent="-342900">
+              <a:buFont typeface="Arial" panose="020B0604020202020204" pitchFamily="34" charset="0"/>
+              <a:buChar char="•"/>
+            </a:pPr>
             <a:r>
               <a:rPr lang="en-US" sz="1900" b="0" i="0" u="none" strike="noStrike" baseline="0" dirty="0">
                 <a:latin typeface="Arial" panose="020B0604020202020204" pitchFamily="34" charset="0"/>
                 <a:cs typeface="Arial" panose="020B0604020202020204" pitchFamily="34" charset="0"/>
               </a:rPr>
-              <a:t>An example of a circuit that detects a rising edge is shown below. The redundant NOT gates cause a delay that allows a pulse to be generated during a rising edge (or positive edge).</a:t>
+              <a:t>To detect a rising or falling edge, flip flops include an edge detector circuit. Input: a clock signal, Output: short duration pulses during the rising (or falling) clock edges. These pulses are then connected to the enable input in a Latch.</a:t>
+            </a:r>
+          </a:p>
+          <a:p>
+            <a:pPr marL="342900" indent="-342900">
+              <a:buFont typeface="Arial" panose="020B0604020202020204" pitchFamily="34" charset="0"/>
+              <a:buChar char="•"/>
+            </a:pPr>
+            <a:r>
+              <a:rPr lang="en-US" sz="1900" b="0" i="0" u="none" strike="noStrike" baseline="0" dirty="0">
+                <a:latin typeface="Arial" panose="020B0604020202020204" pitchFamily="34" charset="0"/>
+                <a:cs typeface="Arial" panose="020B0604020202020204" pitchFamily="34" charset="0"/>
+              </a:rPr>
+              <a:t>For example, an SR flip flop is made out of: a SR Latch with an edge detector circuit. The edge detector generates enable signals during the during the rising (or falling) clock edges.</a:t>
             </a:r>
           </a:p>
         </p:txBody>
       </p:sp>
       <p:pic>
         <p:nvPicPr>
-          <p:cNvPr id="5" name="Picture 4">
-            <a:extLst>
-              <a:ext uri="{FF2B5EF4-FFF2-40B4-BE49-F238E27FC236}">
-                <a16:creationId xmlns:a16="http://schemas.microsoft.com/office/drawing/2014/main" id="{274E3C47-5E98-4B4A-8C16-26A74D47D66A}"/>
+          <p:cNvPr id="3" name="Picture 2">
+            <a:extLst>
+              <a:ext uri="{FF2B5EF4-FFF2-40B4-BE49-F238E27FC236}">
+                <a16:creationId xmlns:a16="http://schemas.microsoft.com/office/drawing/2014/main" id="{F6B75C6E-BD3C-4ABC-8A6E-EF2C0F40D182}"/>
               </a:ext>
             </a:extLst>
           </p:cNvPr>
@@ -16232,8 +16328,8 @@
         </p:blipFill>
         <p:spPr>
           <a:xfrm>
-            <a:off x="2299333" y="3288323"/>
-            <a:ext cx="6958669" cy="3305878"/>
+            <a:off x="1795755" y="4263335"/>
+            <a:ext cx="7721226" cy="2077406"/>
           </a:xfrm>
           <a:prstGeom prst="rect">
             <a:avLst/>
@@ -16243,7 +16339,7 @@
     </p:spTree>
     <p:extLst>
       <p:ext uri="{BB962C8B-B14F-4D97-AF65-F5344CB8AC3E}">
-        <p14:creationId xmlns:p14="http://schemas.microsoft.com/office/powerpoint/2010/main" val="648711295"/>
+        <p14:creationId xmlns:p14="http://schemas.microsoft.com/office/powerpoint/2010/main" val="475914142"/>
       </p:ext>
     </p:extLst>
   </p:cSld>
@@ -16385,7 +16481,7 @@
         <p:spPr>
           <a:xfrm>
             <a:off x="661183" y="971187"/>
-            <a:ext cx="4276578" cy="584775"/>
+            <a:ext cx="6611814" cy="584775"/>
           </a:xfrm>
           <a:prstGeom prst="rect">
             <a:avLst/>
@@ -16405,17 +16501,99 @@
                 </a:solidFill>
                 <a:latin typeface="Bahnschrift Light Condensed" panose="020B0502040204020203" pitchFamily="34" charset="0"/>
               </a:rPr>
-              <a:t>SR Flip Flop</a:t>
+              <a:t>Flip-Flops</a:t>
+            </a:r>
+          </a:p>
+        </p:txBody>
+      </p:sp>
+      <p:sp>
+        <p:nvSpPr>
+          <p:cNvPr id="9" name="TextBox 8">
+            <a:extLst>
+              <a:ext uri="{FF2B5EF4-FFF2-40B4-BE49-F238E27FC236}">
+                <a16:creationId xmlns:a16="http://schemas.microsoft.com/office/drawing/2014/main" id="{66CE2A1B-9E32-479A-BFD8-C2EC08EDCB4A}"/>
+              </a:ext>
+            </a:extLst>
+          </p:cNvPr>
+          <p:cNvSpPr txBox="1"/>
+          <p:nvPr/>
+        </p:nvSpPr>
+        <p:spPr>
+          <a:xfrm>
+            <a:off x="574430" y="1555962"/>
+            <a:ext cx="11043139" cy="1554272"/>
+          </a:xfrm>
+          <a:prstGeom prst="rect">
+            <a:avLst/>
+          </a:prstGeom>
+          <a:noFill/>
+        </p:spPr>
+        <p:txBody>
+          <a:bodyPr wrap="square">
+            <a:spAutoFit/>
+          </a:bodyPr>
+          <a:lstStyle/>
+          <a:p>
+            <a:pPr marL="342900" indent="-342900">
+              <a:buFont typeface="Arial" panose="020B0604020202020204" pitchFamily="34" charset="0"/>
+              <a:buChar char="•"/>
+            </a:pPr>
+            <a:r>
+              <a:rPr lang="en-US" sz="1900" b="0" i="0" u="none" strike="noStrike" baseline="0" dirty="0">
+                <a:latin typeface="Arial" panose="020B0604020202020204" pitchFamily="34" charset="0"/>
+                <a:cs typeface="Arial" panose="020B0604020202020204" pitchFamily="34" charset="0"/>
+              </a:rPr>
+              <a:t>The </a:t>
+            </a:r>
+            <a:r>
+              <a:rPr lang="en-US" sz="1900" b="1" i="0" u="none" strike="noStrike" baseline="0" dirty="0">
+                <a:solidFill>
+                  <a:srgbClr val="C00000"/>
+                </a:solidFill>
+                <a:latin typeface="Arial" panose="020B0604020202020204" pitchFamily="34" charset="0"/>
+                <a:cs typeface="Arial" panose="020B0604020202020204" pitchFamily="34" charset="0"/>
+              </a:rPr>
+              <a:t>edge detector circuit </a:t>
+            </a:r>
+            <a:r>
+              <a:rPr lang="en-US" sz="1900" b="0" i="0" u="none" strike="noStrike" baseline="0" dirty="0">
+                <a:highlight>
+                  <a:srgbClr val="FFFF00"/>
+                </a:highlight>
+                <a:latin typeface="Arial" panose="020B0604020202020204" pitchFamily="34" charset="0"/>
+                <a:cs typeface="Arial" panose="020B0604020202020204" pitchFamily="34" charset="0"/>
+              </a:rPr>
+              <a:t>generates E=‘1’ during the edge (rising or falling). </a:t>
+            </a:r>
+            <a:r>
+              <a:rPr lang="en-US" sz="1900" b="0" i="0" u="none" strike="noStrike" baseline="0" dirty="0">
+                <a:latin typeface="Arial" panose="020B0604020202020204" pitchFamily="34" charset="0"/>
+                <a:cs typeface="Arial" panose="020B0604020202020204" pitchFamily="34" charset="0"/>
+              </a:rPr>
+              <a:t>We will work with circuits activated by either rising or falling edge. We will not work with circuits activated by both edges.</a:t>
+            </a:r>
+          </a:p>
+          <a:p>
+            <a:pPr marL="342900" indent="-342900">
+              <a:buFont typeface="Arial" panose="020B0604020202020204" pitchFamily="34" charset="0"/>
+              <a:buChar char="•"/>
+            </a:pPr>
+            <a:r>
+              <a:rPr lang="en-US" sz="1900" b="0" i="0" u="none" strike="noStrike" baseline="0" dirty="0">
+                <a:latin typeface="Arial" panose="020B0604020202020204" pitchFamily="34" charset="0"/>
+                <a:cs typeface="Arial" panose="020B0604020202020204" pitchFamily="34" charset="0"/>
+              </a:rPr>
+              <a:t>An example of a circuit that detects a rising edge is shown below. The redundant NOT gates cause a delay that allows a pulse to be generated during a rising edge (or positive edge).</a:t>
             </a:r>
           </a:p>
         </p:txBody>
       </p:sp>
       <p:pic>
         <p:nvPicPr>
-          <p:cNvPr id="3" name="Picture 2">
-            <a:extLst>
-              <a:ext uri="{FF2B5EF4-FFF2-40B4-BE49-F238E27FC236}">
-                <a16:creationId xmlns:a16="http://schemas.microsoft.com/office/drawing/2014/main" id="{3DD5E9DD-337C-45C8-87F3-42CAF59B8BC9}"/>
+          <p:cNvPr id="5" name="Picture 4">
+            <a:extLst>
+              <a:ext uri="{FF2B5EF4-FFF2-40B4-BE49-F238E27FC236}">
+                <a16:creationId xmlns:a16="http://schemas.microsoft.com/office/drawing/2014/main" id="{274E3C47-5E98-4B4A-8C16-26A74D47D66A}"/>
               </a:ext>
             </a:extLst>
           </p:cNvPr>
@@ -16432,129 +16610,18 @@
         </p:blipFill>
         <p:spPr>
           <a:xfrm>
-            <a:off x="665123" y="1779684"/>
-            <a:ext cx="4272638" cy="1649316"/>
+            <a:off x="2299333" y="3288323"/>
+            <a:ext cx="6958669" cy="3305878"/>
           </a:xfrm>
           <a:prstGeom prst="rect">
             <a:avLst/>
           </a:prstGeom>
         </p:spPr>
       </p:pic>
-      <p:pic>
-        <p:nvPicPr>
-          <p:cNvPr id="7" name="Picture 6">
-            <a:extLst>
-              <a:ext uri="{FF2B5EF4-FFF2-40B4-BE49-F238E27FC236}">
-                <a16:creationId xmlns:a16="http://schemas.microsoft.com/office/drawing/2014/main" id="{758A3421-4A56-435D-94DA-36057C12C18D}"/>
-              </a:ext>
-            </a:extLst>
-          </p:cNvPr>
-          <p:cNvPicPr>
-            <a:picLocks noChangeAspect="1"/>
-          </p:cNvPicPr>
-          <p:nvPr/>
-        </p:nvPicPr>
-        <p:blipFill>
-          <a:blip r:embed="rId3"/>
-          <a:stretch>
-            <a:fillRect/>
-          </a:stretch>
-        </p:blipFill>
-        <p:spPr>
-          <a:xfrm>
-            <a:off x="529251" y="4118473"/>
-            <a:ext cx="4540441" cy="1645764"/>
-          </a:xfrm>
-          <a:prstGeom prst="rect">
-            <a:avLst/>
-          </a:prstGeom>
-        </p:spPr>
-      </p:pic>
-      <p:grpSp>
-        <p:nvGrpSpPr>
-          <p:cNvPr id="16" name="Group 15">
-            <a:extLst>
-              <a:ext uri="{FF2B5EF4-FFF2-40B4-BE49-F238E27FC236}">
-                <a16:creationId xmlns:a16="http://schemas.microsoft.com/office/drawing/2014/main" id="{71454EF1-8DF1-4E4D-9C42-CE8CC461DE01}"/>
-              </a:ext>
-            </a:extLst>
-          </p:cNvPr>
-          <p:cNvGrpSpPr/>
-          <p:nvPr/>
-        </p:nvGrpSpPr>
-        <p:grpSpPr>
-          <a:xfrm>
-            <a:off x="5317587" y="1779684"/>
-            <a:ext cx="6583679" cy="3880721"/>
-            <a:chOff x="5488027" y="2280928"/>
-            <a:chExt cx="6038850" cy="3562350"/>
-          </a:xfrm>
-        </p:grpSpPr>
-        <p:pic>
-          <p:nvPicPr>
-            <p:cNvPr id="12" name="Picture 11">
-              <a:extLst>
-                <a:ext uri="{FF2B5EF4-FFF2-40B4-BE49-F238E27FC236}">
-                  <a16:creationId xmlns:a16="http://schemas.microsoft.com/office/drawing/2014/main" id="{AADD0D90-D504-4CD9-9314-10C9F7AE1E6D}"/>
-                </a:ext>
-              </a:extLst>
-            </p:cNvPr>
-            <p:cNvPicPr>
-              <a:picLocks noChangeAspect="1"/>
-            </p:cNvPicPr>
-            <p:nvPr/>
-          </p:nvPicPr>
-          <p:blipFill>
-            <a:blip r:embed="rId4"/>
-            <a:stretch>
-              <a:fillRect/>
-            </a:stretch>
-          </p:blipFill>
-          <p:spPr>
-            <a:xfrm>
-              <a:off x="5488027" y="2280928"/>
-              <a:ext cx="6038850" cy="3562350"/>
-            </a:xfrm>
-            <a:prstGeom prst="rect">
-              <a:avLst/>
-            </a:prstGeom>
-          </p:spPr>
-        </p:pic>
-        <p:pic>
-          <p:nvPicPr>
-            <p:cNvPr id="15" name="Picture 14">
-              <a:extLst>
-                <a:ext uri="{FF2B5EF4-FFF2-40B4-BE49-F238E27FC236}">
-                  <a16:creationId xmlns:a16="http://schemas.microsoft.com/office/drawing/2014/main" id="{142E62F3-8FC4-4240-8471-3DFC1B531929}"/>
-                </a:ext>
-              </a:extLst>
-            </p:cNvPr>
-            <p:cNvPicPr>
-              <a:picLocks noChangeAspect="1"/>
-            </p:cNvPicPr>
-            <p:nvPr/>
-          </p:nvPicPr>
-          <p:blipFill>
-            <a:blip r:embed="rId5"/>
-            <a:stretch>
-              <a:fillRect/>
-            </a:stretch>
-          </p:blipFill>
-          <p:spPr>
-            <a:xfrm>
-              <a:off x="5488027" y="3699804"/>
-              <a:ext cx="2178865" cy="1319418"/>
-            </a:xfrm>
-            <a:prstGeom prst="rect">
-              <a:avLst/>
-            </a:prstGeom>
-          </p:spPr>
-        </p:pic>
-      </p:grpSp>
     </p:spTree>
     <p:extLst>
       <p:ext uri="{BB962C8B-B14F-4D97-AF65-F5344CB8AC3E}">
-        <p14:creationId xmlns:p14="http://schemas.microsoft.com/office/powerpoint/2010/main" val="3791027240"/>
+        <p14:creationId xmlns:p14="http://schemas.microsoft.com/office/powerpoint/2010/main" val="648711295"/>
       </p:ext>
     </p:extLst>
   </p:cSld>
